--- a/Test plan/Computech Corporation - Test Plan.pptx
+++ b/Test plan/Computech Corporation - Test Plan.pptx
@@ -9,23 +9,26 @@
     <p:sldId id="258" r:id="rId3"/>
     <p:sldId id="275" r:id="rId4"/>
     <p:sldId id="276" r:id="rId5"/>
-    <p:sldId id="278" r:id="rId6"/>
+    <p:sldId id="282" r:id="rId6"/>
     <p:sldId id="277" r:id="rId7"/>
     <p:sldId id="279" r:id="rId8"/>
     <p:sldId id="259" r:id="rId9"/>
     <p:sldId id="260" r:id="rId10"/>
     <p:sldId id="261" r:id="rId11"/>
     <p:sldId id="280" r:id="rId12"/>
-    <p:sldId id="265" r:id="rId13"/>
-    <p:sldId id="274" r:id="rId14"/>
-    <p:sldId id="266" r:id="rId15"/>
-    <p:sldId id="272" r:id="rId16"/>
-    <p:sldId id="268" r:id="rId17"/>
-    <p:sldId id="271" r:id="rId18"/>
-    <p:sldId id="281" r:id="rId19"/>
-    <p:sldId id="269" r:id="rId20"/>
-    <p:sldId id="270" r:id="rId21"/>
-    <p:sldId id="273" r:id="rId22"/>
+    <p:sldId id="284" r:id="rId13"/>
+    <p:sldId id="285" r:id="rId14"/>
+    <p:sldId id="265" r:id="rId15"/>
+    <p:sldId id="274" r:id="rId16"/>
+    <p:sldId id="266" r:id="rId17"/>
+    <p:sldId id="272" r:id="rId18"/>
+    <p:sldId id="268" r:id="rId19"/>
+    <p:sldId id="271" r:id="rId20"/>
+    <p:sldId id="281" r:id="rId21"/>
+    <p:sldId id="269" r:id="rId22"/>
+    <p:sldId id="270" r:id="rId23"/>
+    <p:sldId id="273" r:id="rId24"/>
+    <p:sldId id="283" r:id="rId25"/>
   </p:sldIdLst>
   <p:sldSz cx="9144000" cy="6858000" type="screen4x3"/>
   <p:notesSz cx="6858000" cy="9144000"/>
@@ -326,7 +329,7 @@
                 </a:solidFill>
               </a:rPr>
               <a:pPr/>
-              <a:t>3/24/2015</a:t>
+              <a:t>3/25/2015</a:t>
             </a:fld>
             <a:endParaRPr lang="en-US" dirty="0">
               <a:solidFill>
@@ -510,7 +513,7 @@
                 </a:solidFill>
               </a:rPr>
               <a:pPr/>
-              <a:t>3/24/2015</a:t>
+              <a:t>3/25/2015</a:t>
             </a:fld>
             <a:endParaRPr lang="en-US" dirty="0">
               <a:solidFill>
@@ -704,7 +707,7 @@
                 </a:solidFill>
               </a:rPr>
               <a:pPr/>
-              <a:t>3/24/2015</a:t>
+              <a:t>3/25/2015</a:t>
             </a:fld>
             <a:endParaRPr lang="en-US" dirty="0">
               <a:solidFill>
@@ -888,7 +891,7 @@
                 </a:solidFill>
               </a:rPr>
               <a:pPr/>
-              <a:t>3/24/2015</a:t>
+              <a:t>3/25/2015</a:t>
             </a:fld>
             <a:endParaRPr lang="en-US" dirty="0">
               <a:solidFill>
@@ -1148,7 +1151,7 @@
                 </a:solidFill>
               </a:rPr>
               <a:pPr/>
-              <a:t>3/24/2015</a:t>
+              <a:t>3/25/2015</a:t>
             </a:fld>
             <a:endParaRPr lang="en-US" dirty="0">
               <a:solidFill>
@@ -1450,7 +1453,7 @@
                 </a:solidFill>
               </a:rPr>
               <a:pPr/>
-              <a:t>3/24/2015</a:t>
+              <a:t>3/25/2015</a:t>
             </a:fld>
             <a:endParaRPr lang="en-US" dirty="0">
               <a:solidFill>
@@ -1898,7 +1901,7 @@
                 </a:solidFill>
               </a:rPr>
               <a:pPr/>
-              <a:t>3/24/2015</a:t>
+              <a:t>3/25/2015</a:t>
             </a:fld>
             <a:endParaRPr lang="en-US" dirty="0">
               <a:solidFill>
@@ -2030,7 +2033,7 @@
                 </a:solidFill>
               </a:rPr>
               <a:pPr/>
-              <a:t>3/24/2015</a:t>
+              <a:t>3/25/2015</a:t>
             </a:fld>
             <a:endParaRPr lang="en-US" dirty="0">
               <a:solidFill>
@@ -2139,7 +2142,7 @@
                 </a:solidFill>
               </a:rPr>
               <a:pPr/>
-              <a:t>3/24/2015</a:t>
+              <a:t>3/25/2015</a:t>
             </a:fld>
             <a:endParaRPr lang="en-US" dirty="0">
               <a:solidFill>
@@ -2347,7 +2350,7 @@
                 </a:solidFill>
               </a:rPr>
               <a:pPr/>
-              <a:t>3/24/2015</a:t>
+              <a:t>3/25/2015</a:t>
             </a:fld>
             <a:endParaRPr lang="en-US" dirty="0">
               <a:solidFill>
@@ -2684,7 +2687,7 @@
                 </a:solidFill>
               </a:rPr>
               <a:pPr/>
-              <a:t>3/24/2015</a:t>
+              <a:t>3/25/2015</a:t>
             </a:fld>
             <a:endParaRPr lang="en-US" dirty="0">
               <a:solidFill>
@@ -3095,7 +3098,7 @@
                 </a:solidFill>
               </a:rPr>
               <a:pPr/>
-              <a:t>3/24/2015</a:t>
+              <a:t>3/25/2015</a:t>
             </a:fld>
             <a:endParaRPr lang="en-US" dirty="0">
               <a:solidFill>
@@ -3721,12 +3724,12 @@
           <a:lstStyle/>
           <a:p>
             <a:r>
-              <a:rPr lang="en-US" dirty="0" err="1" smtClean="0"/>
-              <a:t>Compatability</a:t>
-            </a:r>
-            <a:r>
               <a:rPr lang="en-US" dirty="0" smtClean="0"/>
-              <a:t> Testing</a:t>
+              <a:t>Compatibility </a:t>
+            </a:r>
+            <a:r>
+              <a:rPr lang="en-US" dirty="0" smtClean="0"/>
+              <a:t>Testing</a:t>
             </a:r>
             <a:endParaRPr lang="en-US" dirty="0"/>
           </a:p>
@@ -4311,6 +4314,13 @@
   <p:clrMapOvr>
     <a:masterClrMapping/>
   </p:clrMapOvr>
+  <p:timing>
+    <p:tnLst>
+      <p:par>
+        <p:cTn id="1" dur="indefinite" restart="never" nodeType="tmRoot"/>
+      </p:par>
+    </p:tnLst>
+  </p:timing>
 </p:sld>
 </file>
 
@@ -4347,19 +4357,19 @@
           <a:lstStyle/>
           <a:p>
             <a:r>
-              <a:rPr lang="en-US" dirty="0" err="1"/>
-              <a:t>Compatability</a:t>
+              <a:rPr lang="en-US" dirty="0" smtClean="0"/>
+              <a:t>Compatibility </a:t>
             </a:r>
             <a:r>
               <a:rPr lang="en-US" dirty="0"/>
-              <a:t> Testing</a:t>
+              <a:t>Testing</a:t>
             </a:r>
           </a:p>
         </p:txBody>
       </p:sp>
       <p:graphicFrame>
         <p:nvGraphicFramePr>
-          <p:cNvPr id="4" name="Content Placeholder 3"/>
+          <p:cNvPr id="5" name="Content Placeholder 4"/>
           <p:cNvGraphicFramePr>
             <a:graphicFrameLocks noGrp="1"/>
           </p:cNvGraphicFramePr>
@@ -4367,14 +4377,14 @@
             <p:ph idx="1"/>
             <p:extLst>
               <p:ext uri="{D42A27DB-BD31-4B8C-83A1-F6EECF244321}">
-                <p14:modId xmlns:p14="http://schemas.microsoft.com/office/powerpoint/2010/main" val="3236284116"/>
+                <p14:modId xmlns:p14="http://schemas.microsoft.com/office/powerpoint/2010/main" val="3832993911"/>
               </p:ext>
             </p:extLst>
           </p:nvPr>
         </p:nvGraphicFramePr>
         <p:xfrm>
-          <a:off x="838200" y="1981200"/>
-          <a:ext cx="6562725" cy="3752723"/>
+          <a:off x="685800" y="1752598"/>
+          <a:ext cx="6410325" cy="4071689"/>
         </p:xfrm>
         <a:graphic>
           <a:graphicData uri="http://schemas.openxmlformats.org/drawingml/2006/table">
@@ -4383,10 +4393,10 @@
                 <a:tableStyleId>{5C22544A-7EE6-4342-B048-85BDC9FD1C3A}</a:tableStyleId>
               </a:tblPr>
               <a:tblGrid>
-                <a:gridCol w="1845076"/>
-                <a:gridCol w="4717649"/>
+                <a:gridCol w="1802229"/>
+                <a:gridCol w="4608096"/>
               </a:tblGrid>
-              <a:tr h="394612">
+              <a:tr h="352735">
                 <a:tc>
                   <a:txBody>
                     <a:bodyPr/>
@@ -4409,7 +4419,7 @@
                         </a:tabLst>
                       </a:pPr>
                       <a:r>
-                        <a:rPr lang="en-US" sz="1100">
+                        <a:rPr lang="en-US" sz="1200">
                           <a:effectLst/>
                         </a:rPr>
                         <a:t>ID</a:t>
@@ -4446,10 +4456,10 @@
                         </a:tabLst>
                       </a:pPr>
                       <a:r>
-                        <a:rPr lang="en-US" sz="1100">
-                          <a:effectLst/>
-                        </a:rPr>
-                        <a:t>CT_4</a:t>
+                        <a:rPr lang="en-US" sz="1200">
+                          <a:effectLst/>
+                        </a:rPr>
+                        <a:t>CT_2</a:t>
                       </a:r>
                       <a:endParaRPr lang="en-US" sz="1200">
                         <a:effectLst/>
@@ -4462,7 +4472,7 @@
                   <a:tcPr marL="63500" marR="63500" marT="63500" marB="63500"/>
                 </a:tc>
               </a:tr>
-              <a:tr h="394612">
+              <a:tr h="352735">
                 <a:tc>
                   <a:txBody>
                     <a:bodyPr/>
@@ -4485,7 +4495,7 @@
                         </a:tabLst>
                       </a:pPr>
                       <a:r>
-                        <a:rPr lang="en-US" sz="1100">
+                        <a:rPr lang="en-US" sz="1200">
                           <a:effectLst/>
                         </a:rPr>
                         <a:t>Item to Test</a:t>
@@ -4522,10 +4532,10 @@
                         </a:tabLst>
                       </a:pPr>
                       <a:r>
-                        <a:rPr lang="en-US" sz="1100">
-                          <a:effectLst/>
-                        </a:rPr>
-                        <a:t>Login</a:t>
+                        <a:rPr lang="en-US" sz="1200">
+                          <a:effectLst/>
+                        </a:rPr>
+                        <a:t>Register</a:t>
                       </a:r>
                       <a:endParaRPr lang="en-US" sz="1200">
                         <a:effectLst/>
@@ -4538,7 +4548,7 @@
                   <a:tcPr marL="63500" marR="63500" marT="63500" marB="63500"/>
                 </a:tc>
               </a:tr>
-              <a:tr h="395752">
+              <a:tr h="352735">
                 <a:tc>
                   <a:txBody>
                     <a:bodyPr/>
@@ -4561,7 +4571,7 @@
                         </a:tabLst>
                       </a:pPr>
                       <a:r>
-                        <a:rPr lang="en-US" sz="1100">
+                        <a:rPr lang="en-US" sz="1200">
                           <a:effectLst/>
                         </a:rPr>
                         <a:t>Pre-Conditions</a:t>
@@ -4593,7 +4603,7 @@
                         <a:rPr lang="en-US" sz="1100">
                           <a:effectLst/>
                         </a:rPr>
-                        <a:t>User has verified his email address</a:t>
+                        <a:t>None</a:t>
                       </a:r>
                       <a:endParaRPr lang="en-US" sz="1100">
                         <a:effectLst/>
@@ -4604,7 +4614,7 @@
                   <a:tcPr marL="63500" marR="63500" marT="63500" marB="63500"/>
                 </a:tc>
               </a:tr>
-              <a:tr h="1383911">
+              <a:tr h="1726344">
                 <a:tc>
                   <a:txBody>
                     <a:bodyPr/>
@@ -4627,7 +4637,7 @@
                         </a:tabLst>
                       </a:pPr>
                       <a:r>
-                        <a:rPr lang="en-US" sz="1100">
+                        <a:rPr lang="en-US" sz="1200">
                           <a:effectLst/>
                         </a:rPr>
                         <a:t>Test Steps</a:t>
@@ -4664,14 +4674,11 @@
                         </a:tabLst>
                       </a:pPr>
                       <a:r>
-                        <a:rPr lang="en-US" sz="1100">
-                          <a:effectLst/>
-                        </a:rPr>
-                        <a:t>Repeat the below process for each supported device and browser</a:t>
-                      </a:r>
-                      <a:endParaRPr lang="en-US" sz="1200">
-                        <a:effectLst/>
-                      </a:endParaRPr>
+                        <a:rPr lang="en-US" sz="1200">
+                          <a:effectLst/>
+                        </a:rPr>
+                        <a:t>Repeat the below process for each supported Device and Browser type</a:t>
+                      </a:r>
                     </a:p>
                     <a:p>
                       <a:pPr marL="342900" marR="0" lvl="0" indent="-342900">
@@ -4690,17 +4697,16 @@
                           <a:tab pos="114300" algn="l"/>
                           <a:tab pos="228600" algn="l"/>
                           <a:tab pos="457200" algn="l"/>
-                        </a:tabLst>
-                      </a:pPr>
-                      <a:r>
-                        <a:rPr lang="en-US" sz="1100">
-                          <a:effectLst/>
-                        </a:rPr>
-                        <a:t>Click on Users dropdown list in the header.</a:t>
-                      </a:r>
-                      <a:endParaRPr lang="en-US" sz="1200">
-                        <a:effectLst/>
-                      </a:endParaRPr>
+                          <a:tab pos="114300" algn="l"/>
+                          <a:tab pos="228600" algn="l"/>
+                        </a:tabLst>
+                      </a:pPr>
+                      <a:r>
+                        <a:rPr lang="en-US" sz="1200" u="none" strike="noStrike">
+                          <a:effectLst/>
+                        </a:rPr>
+                        <a:t>Click on Users dropdown list on the header.</a:t>
+                      </a:r>
                     </a:p>
                     <a:p>
                       <a:pPr marL="342900" marR="0" lvl="0" indent="-342900">
@@ -4719,17 +4725,16 @@
                           <a:tab pos="114300" algn="l"/>
                           <a:tab pos="228600" algn="l"/>
                           <a:tab pos="457200" algn="l"/>
-                        </a:tabLst>
-                      </a:pPr>
-                      <a:r>
-                        <a:rPr lang="en-US" sz="1100">
-                          <a:effectLst/>
-                        </a:rPr>
-                        <a:t> Click on Sign In link.</a:t>
-                      </a:r>
-                      <a:endParaRPr lang="en-US" sz="1200">
-                        <a:effectLst/>
-                      </a:endParaRPr>
+                          <a:tab pos="114300" algn="l"/>
+                          <a:tab pos="228600" algn="l"/>
+                        </a:tabLst>
+                      </a:pPr>
+                      <a:r>
+                        <a:rPr lang="en-US" sz="1200" u="none" strike="noStrike">
+                          <a:effectLst/>
+                        </a:rPr>
+                        <a:t>Click on Register link.</a:t>
+                      </a:r>
                     </a:p>
                     <a:p>
                       <a:pPr marL="342900" marR="0" lvl="0" indent="-342900">
@@ -4748,17 +4753,16 @@
                           <a:tab pos="114300" algn="l"/>
                           <a:tab pos="228600" algn="l"/>
                           <a:tab pos="457200" algn="l"/>
-                        </a:tabLst>
-                      </a:pPr>
-                      <a:r>
-                        <a:rPr lang="en-US" sz="1100">
-                          <a:effectLst/>
-                        </a:rPr>
-                        <a:t> Fill in Email address and password</a:t>
-                      </a:r>
-                      <a:endParaRPr lang="en-US" sz="1200">
-                        <a:effectLst/>
-                      </a:endParaRPr>
+                          <a:tab pos="114300" algn="l"/>
+                          <a:tab pos="228600" algn="l"/>
+                        </a:tabLst>
+                      </a:pPr>
+                      <a:r>
+                        <a:rPr lang="en-US" sz="1200" u="none" strike="noStrike">
+                          <a:effectLst/>
+                        </a:rPr>
+                        <a:t>Fill in First Name, Last Name, Email Address, Password and Confirm Password.</a:t>
+                      </a:r>
                     </a:p>
                     <a:p>
                       <a:pPr marL="342900" marR="0" lvl="0" indent="-342900">
@@ -4777,13 +4781,54 @@
                           <a:tab pos="114300" algn="l"/>
                           <a:tab pos="228600" algn="l"/>
                           <a:tab pos="457200" algn="l"/>
-                        </a:tabLst>
-                      </a:pPr>
-                      <a:r>
-                        <a:rPr lang="en-US" sz="1100">
-                          <a:effectLst/>
-                        </a:rPr>
-                        <a:t>Click on LogIn button.</a:t>
+                          <a:tab pos="114300" algn="l"/>
+                          <a:tab pos="228600" algn="l"/>
+                        </a:tabLst>
+                      </a:pPr>
+                      <a:r>
+                        <a:rPr lang="en-US" sz="1200" u="none" strike="noStrike">
+                          <a:effectLst/>
+                        </a:rPr>
+                        <a:t>Click on Register</a:t>
+                      </a:r>
+                      <a:endParaRPr lang="en-US" sz="1200" u="none" strike="noStrike">
+                        <a:effectLst/>
+                        <a:latin typeface="Times"/>
+                        <a:ea typeface="Times"/>
+                        <a:cs typeface="Times New Roman"/>
+                      </a:endParaRPr>
+                    </a:p>
+                  </a:txBody>
+                  <a:tcPr marL="63500" marR="63500" marT="63500" marB="63500"/>
+                </a:tc>
+              </a:tr>
+              <a:tr h="581670">
+                <a:tc>
+                  <a:txBody>
+                    <a:bodyPr/>
+                    <a:lstStyle/>
+                    <a:p>
+                      <a:pPr marL="0" marR="0">
+                        <a:lnSpc>
+                          <a:spcPct val="115000"/>
+                        </a:lnSpc>
+                        <a:spcBef>
+                          <a:spcPts val="0"/>
+                        </a:spcBef>
+                        <a:spcAft>
+                          <a:spcPts val="0"/>
+                        </a:spcAft>
+                        <a:tabLst>
+                          <a:tab pos="114300" algn="l"/>
+                          <a:tab pos="228600" algn="l"/>
+                          <a:tab pos="457200" algn="l"/>
+                        </a:tabLst>
+                      </a:pPr>
+                      <a:r>
+                        <a:rPr lang="en-US" sz="1200">
+                          <a:effectLst/>
+                        </a:rPr>
+                        <a:t>Expected Results</a:t>
                       </a:r>
                       <a:endParaRPr lang="en-US" sz="1200">
                         <a:effectLst/>
@@ -4795,8 +4840,6 @@
                   </a:txBody>
                   <a:tcPr marL="63500" marR="63500" marT="63500" marB="63500"/>
                 </a:tc>
-              </a:tr>
-              <a:tr h="394612">
                 <a:tc>
                   <a:txBody>
                     <a:bodyPr/>
@@ -4819,10 +4862,10 @@
                         </a:tabLst>
                       </a:pPr>
                       <a:r>
-                        <a:rPr lang="en-US" sz="1100">
-                          <a:effectLst/>
-                        </a:rPr>
-                        <a:t>Expected Results</a:t>
+                        <a:rPr lang="en-US" sz="1200">
+                          <a:effectLst/>
+                        </a:rPr>
+                        <a:t>System should send an email to user containing email verification link and display confirmation page to user.</a:t>
                       </a:r>
                       <a:endParaRPr lang="en-US" sz="1200">
                         <a:effectLst/>
@@ -4834,6 +4877,8 @@
                   </a:txBody>
                   <a:tcPr marL="63500" marR="63500" marT="63500" marB="63500"/>
                 </a:tc>
+              </a:tr>
+              <a:tr h="352735">
                 <a:tc>
                   <a:txBody>
                     <a:bodyPr/>
@@ -4856,10 +4901,10 @@
                         </a:tabLst>
                       </a:pPr>
                       <a:r>
-                        <a:rPr lang="en-US" sz="1100">
-                          <a:effectLst/>
-                        </a:rPr>
-                        <a:t>System should redirect user to User dashboard</a:t>
+                        <a:rPr lang="en-US" sz="1200">
+                          <a:effectLst/>
+                        </a:rPr>
+                        <a:t>Priority</a:t>
                       </a:r>
                       <a:endParaRPr lang="en-US" sz="1200">
                         <a:effectLst/>
@@ -4871,8 +4916,6 @@
                   </a:txBody>
                   <a:tcPr marL="63500" marR="63500" marT="63500" marB="63500"/>
                 </a:tc>
-              </a:tr>
-              <a:tr h="394612">
                 <a:tc>
                   <a:txBody>
                     <a:bodyPr/>
@@ -4895,10 +4938,10 @@
                         </a:tabLst>
                       </a:pPr>
                       <a:r>
-                        <a:rPr lang="en-US" sz="1100">
-                          <a:effectLst/>
-                        </a:rPr>
-                        <a:t>Priority</a:t>
+                        <a:rPr lang="en-US" sz="1200">
+                          <a:effectLst/>
+                        </a:rPr>
+                        <a:t>High</a:t>
                       </a:r>
                       <a:endParaRPr lang="en-US" sz="1200">
                         <a:effectLst/>
@@ -4910,6 +4953,8 @@
                   </a:txBody>
                   <a:tcPr marL="63500" marR="63500" marT="63500" marB="63500"/>
                 </a:tc>
+              </a:tr>
+              <a:tr h="352735">
                 <a:tc>
                   <a:txBody>
                     <a:bodyPr/>
@@ -4932,10 +4977,10 @@
                         </a:tabLst>
                       </a:pPr>
                       <a:r>
-                        <a:rPr lang="en-US" sz="1100">
-                          <a:effectLst/>
-                        </a:rPr>
-                        <a:t>High</a:t>
+                        <a:rPr lang="en-US" sz="1200">
+                          <a:effectLst/>
+                        </a:rPr>
+                        <a:t>Pass/Fail</a:t>
                       </a:r>
                       <a:endParaRPr lang="en-US" sz="1200">
                         <a:effectLst/>
@@ -4947,8 +4992,6 @@
                   </a:txBody>
                   <a:tcPr marL="63500" marR="63500" marT="63500" marB="63500"/>
                 </a:tc>
-              </a:tr>
-              <a:tr h="394612">
                 <a:tc>
                   <a:txBody>
                     <a:bodyPr/>
@@ -4971,47 +5014,10 @@
                         </a:tabLst>
                       </a:pPr>
                       <a:r>
-                        <a:rPr lang="en-US" sz="1100">
-                          <a:effectLst/>
-                        </a:rPr>
-                        <a:t>Pass/Fail</a:t>
-                      </a:r>
-                      <a:endParaRPr lang="en-US" sz="1200">
-                        <a:effectLst/>
-                        <a:latin typeface="Times"/>
-                        <a:ea typeface="Times"/>
-                        <a:cs typeface="Times New Roman"/>
-                      </a:endParaRPr>
-                    </a:p>
-                  </a:txBody>
-                  <a:tcPr marL="63500" marR="63500" marT="63500" marB="63500"/>
-                </a:tc>
-                <a:tc>
-                  <a:txBody>
-                    <a:bodyPr/>
-                    <a:lstStyle/>
-                    <a:p>
-                      <a:pPr marL="0" marR="0">
-                        <a:lnSpc>
-                          <a:spcPct val="115000"/>
-                        </a:lnSpc>
-                        <a:spcBef>
-                          <a:spcPts val="0"/>
-                        </a:spcBef>
-                        <a:spcAft>
-                          <a:spcPts val="0"/>
-                        </a:spcAft>
-                        <a:tabLst>
-                          <a:tab pos="114300" algn="l"/>
-                          <a:tab pos="228600" algn="l"/>
-                          <a:tab pos="457200" algn="l"/>
-                        </a:tabLst>
-                      </a:pPr>
-                      <a:r>
-                        <a:rPr lang="en-US" sz="1100" dirty="0">
-                          <a:effectLst/>
-                        </a:rPr>
-                        <a:t> </a:t>
+                        <a:rPr lang="en-US" sz="1200" dirty="0">
+                          <a:effectLst/>
+                        </a:rPr>
+                        <a:t> Pass if system redirect user to Register page.</a:t>
                       </a:r>
                       <a:endParaRPr lang="en-US" sz="1200" dirty="0">
                         <a:effectLst/>
@@ -5038,6 +5044,13 @@
   <p:clrMapOvr>
     <a:masterClrMapping/>
   </p:clrMapOvr>
+  <p:timing>
+    <p:tnLst>
+      <p:par>
+        <p:cTn id="1" dur="indefinite" restart="never" nodeType="tmRoot"/>
+      </p:par>
+    </p:tnLst>
+  </p:timing>
 </p:sld>
 </file>
 
@@ -5075,6 +5088,217 @@
           <a:p>
             <a:r>
               <a:rPr lang="en-US" smtClean="0"/>
+              <a:t>System Testing</a:t>
+            </a:r>
+            <a:endParaRPr lang="en-US"/>
+          </a:p>
+        </p:txBody>
+      </p:sp>
+      <p:sp>
+        <p:nvSpPr>
+          <p:cNvPr id="3" name="Content Placeholder 2"/>
+          <p:cNvSpPr>
+            <a:spLocks noGrp="1"/>
+          </p:cNvSpPr>
+          <p:nvPr>
+            <p:ph idx="1"/>
+          </p:nvPr>
+        </p:nvSpPr>
+        <p:spPr/>
+        <p:txBody>
+          <a:bodyPr/>
+          <a:lstStyle/>
+          <a:p>
+            <a:r>
+              <a:rPr lang="en-US" dirty="0" smtClean="0"/>
+              <a:t>Focuses on the system as a whole without isolating any components.</a:t>
+            </a:r>
+          </a:p>
+          <a:p>
+            <a:r>
+              <a:rPr lang="en-US" dirty="0"/>
+              <a:t>No unit tests will be used. The system will be tested by interacting with UI. </a:t>
+            </a:r>
+            <a:endParaRPr lang="en-US" dirty="0" smtClean="0"/>
+          </a:p>
+          <a:p>
+            <a:r>
+              <a:rPr lang="en-US" b="1" dirty="0"/>
+              <a:t>Test Pass / Fail Criteria</a:t>
+            </a:r>
+          </a:p>
+          <a:p>
+            <a:pPr marL="114300" indent="0">
+              <a:buNone/>
+            </a:pPr>
+            <a:r>
+              <a:rPr lang="en-US" dirty="0" smtClean="0"/>
+              <a:t>	If </a:t>
+            </a:r>
+            <a:r>
+              <a:rPr lang="en-US" dirty="0"/>
+              <a:t>observed results are the same as expected results and </a:t>
+            </a:r>
+            <a:r>
+              <a:rPr lang="en-US" dirty="0" smtClean="0"/>
+              <a:t>	the </a:t>
+            </a:r>
+            <a:r>
+              <a:rPr lang="en-US" dirty="0"/>
+              <a:t>System is still stable and functional, the test case will </a:t>
+            </a:r>
+            <a:r>
+              <a:rPr lang="en-US" dirty="0" smtClean="0"/>
+              <a:t>	pass</a:t>
+            </a:r>
+            <a:r>
+              <a:rPr lang="en-US" dirty="0"/>
+              <a:t>; otherwise, test case will fail.</a:t>
+            </a:r>
+          </a:p>
+          <a:p>
+            <a:endParaRPr lang="en-US" dirty="0"/>
+          </a:p>
+        </p:txBody>
+      </p:sp>
+    </p:spTree>
+    <p:extLst>
+      <p:ext uri="{BB962C8B-B14F-4D97-AF65-F5344CB8AC3E}">
+        <p14:creationId xmlns:p14="http://schemas.microsoft.com/office/powerpoint/2010/main" val="2315784156"/>
+      </p:ext>
+    </p:extLst>
+  </p:cSld>
+  <p:clrMapOvr>
+    <a:masterClrMapping/>
+  </p:clrMapOvr>
+  <p:timing>
+    <p:tnLst>
+      <p:par>
+        <p:cTn id="1" dur="indefinite" restart="never" nodeType="tmRoot"/>
+      </p:par>
+    </p:tnLst>
+  </p:timing>
+</p:sld>
+</file>
+
+<file path=ppt/slides/slide13.xml><?xml version="1.0" encoding="utf-8"?>
+<p:sld xmlns:a="http://schemas.openxmlformats.org/drawingml/2006/main" xmlns:r="http://schemas.openxmlformats.org/officeDocument/2006/relationships" xmlns:p="http://schemas.openxmlformats.org/presentationml/2006/main">
+  <p:cSld>
+    <p:spTree>
+      <p:nvGrpSpPr>
+        <p:cNvPr id="1" name=""/>
+        <p:cNvGrpSpPr/>
+        <p:nvPr/>
+      </p:nvGrpSpPr>
+      <p:grpSpPr>
+        <a:xfrm>
+          <a:off x="0" y="0"/>
+          <a:ext cx="0" cy="0"/>
+          <a:chOff x="0" y="0"/>
+          <a:chExt cx="0" cy="0"/>
+        </a:xfrm>
+      </p:grpSpPr>
+      <p:sp>
+        <p:nvSpPr>
+          <p:cNvPr id="2" name="Title 1"/>
+          <p:cNvSpPr>
+            <a:spLocks noGrp="1"/>
+          </p:cNvSpPr>
+          <p:nvPr>
+            <p:ph type="title"/>
+          </p:nvPr>
+        </p:nvSpPr>
+        <p:spPr/>
+        <p:txBody>
+          <a:bodyPr/>
+          <a:lstStyle/>
+          <a:p>
+            <a:r>
+              <a:rPr lang="en-US" dirty="0" smtClean="0"/>
+              <a:t>System Testing</a:t>
+            </a:r>
+            <a:endParaRPr lang="en-US" dirty="0"/>
+          </a:p>
+        </p:txBody>
+      </p:sp>
+      <p:pic>
+        <p:nvPicPr>
+          <p:cNvPr id="5" name="Picture 4"/>
+          <p:cNvPicPr>
+            <a:picLocks noChangeAspect="1"/>
+          </p:cNvPicPr>
+          <p:nvPr/>
+        </p:nvPicPr>
+        <p:blipFill>
+          <a:blip r:embed="rId2"/>
+          <a:stretch>
+            <a:fillRect/>
+          </a:stretch>
+        </p:blipFill>
+        <p:spPr>
+          <a:xfrm>
+            <a:off x="457200" y="1676400"/>
+            <a:ext cx="7944074" cy="2819400"/>
+          </a:xfrm>
+          <a:prstGeom prst="rect">
+            <a:avLst/>
+          </a:prstGeom>
+        </p:spPr>
+      </p:pic>
+    </p:spTree>
+    <p:extLst>
+      <p:ext uri="{BB962C8B-B14F-4D97-AF65-F5344CB8AC3E}">
+        <p14:creationId xmlns:p14="http://schemas.microsoft.com/office/powerpoint/2010/main" val="3680446819"/>
+      </p:ext>
+    </p:extLst>
+  </p:cSld>
+  <p:clrMapOvr>
+    <a:masterClrMapping/>
+  </p:clrMapOvr>
+  <p:timing>
+    <p:tnLst>
+      <p:par>
+        <p:cTn id="1" dur="indefinite" restart="never" nodeType="tmRoot"/>
+      </p:par>
+    </p:tnLst>
+  </p:timing>
+</p:sld>
+</file>
+
+<file path=ppt/slides/slide14.xml><?xml version="1.0" encoding="utf-8"?>
+<p:sld xmlns:a="http://schemas.openxmlformats.org/drawingml/2006/main" xmlns:r="http://schemas.openxmlformats.org/officeDocument/2006/relationships" xmlns:p="http://schemas.openxmlformats.org/presentationml/2006/main">
+  <p:cSld>
+    <p:spTree>
+      <p:nvGrpSpPr>
+        <p:cNvPr id="1" name=""/>
+        <p:cNvGrpSpPr/>
+        <p:nvPr/>
+      </p:nvGrpSpPr>
+      <p:grpSpPr>
+        <a:xfrm>
+          <a:off x="0" y="0"/>
+          <a:ext cx="0" cy="0"/>
+          <a:chOff x="0" y="0"/>
+          <a:chExt cx="0" cy="0"/>
+        </a:xfrm>
+      </p:grpSpPr>
+      <p:sp>
+        <p:nvSpPr>
+          <p:cNvPr id="2" name="Title 1"/>
+          <p:cNvSpPr>
+            <a:spLocks noGrp="1"/>
+          </p:cNvSpPr>
+          <p:nvPr>
+            <p:ph type="title"/>
+          </p:nvPr>
+        </p:nvSpPr>
+        <p:spPr/>
+        <p:txBody>
+          <a:bodyPr/>
+          <a:lstStyle/>
+          <a:p>
+            <a:r>
+              <a:rPr lang="en-US" smtClean="0"/>
               <a:t>Integration Testing</a:t>
             </a:r>
             <a:endParaRPr lang="en-US"/>
@@ -5152,10 +5376,17 @@
   <p:clrMapOvr>
     <a:masterClrMapping/>
   </p:clrMapOvr>
+  <p:timing>
+    <p:tnLst>
+      <p:par>
+        <p:cTn id="1" dur="indefinite" restart="never" nodeType="tmRoot"/>
+      </p:par>
+    </p:tnLst>
+  </p:timing>
 </p:sld>
 </file>
 
-<file path=ppt/slides/slide13.xml><?xml version="1.0" encoding="utf-8"?>
+<file path=ppt/slides/slide15.xml><?xml version="1.0" encoding="utf-8"?>
 <p:sld xmlns:a="http://schemas.openxmlformats.org/drawingml/2006/main" xmlns:r="http://schemas.openxmlformats.org/officeDocument/2006/relationships" xmlns:p="http://schemas.openxmlformats.org/presentationml/2006/main">
   <p:cSld>
     <p:spTree>
@@ -5271,10 +5502,17 @@
   <p:clrMapOvr>
     <a:masterClrMapping/>
   </p:clrMapOvr>
+  <p:timing>
+    <p:tnLst>
+      <p:par>
+        <p:cTn id="1" dur="indefinite" restart="never" nodeType="tmRoot"/>
+      </p:par>
+    </p:tnLst>
+  </p:timing>
 </p:sld>
 </file>
 
-<file path=ppt/slides/slide14.xml><?xml version="1.0" encoding="utf-8"?>
+<file path=ppt/slides/slide16.xml><?xml version="1.0" encoding="utf-8"?>
 <p:sld xmlns:a="http://schemas.openxmlformats.org/drawingml/2006/main" xmlns:r="http://schemas.openxmlformats.org/officeDocument/2006/relationships" xmlns:p="http://schemas.openxmlformats.org/presentationml/2006/main">
   <p:cSld>
     <p:spTree>
@@ -5407,10 +5645,17 @@
   <p:clrMapOvr>
     <a:masterClrMapping/>
   </p:clrMapOvr>
+  <p:timing>
+    <p:tnLst>
+      <p:par>
+        <p:cTn id="1" dur="indefinite" restart="never" nodeType="tmRoot"/>
+      </p:par>
+    </p:tnLst>
+  </p:timing>
 </p:sld>
 </file>
 
-<file path=ppt/slides/slide15.xml><?xml version="1.0" encoding="utf-8"?>
+<file path=ppt/slides/slide17.xml><?xml version="1.0" encoding="utf-8"?>
 <p:sld xmlns:a="http://schemas.openxmlformats.org/drawingml/2006/main" xmlns:r="http://schemas.openxmlformats.org/officeDocument/2006/relationships" xmlns:p="http://schemas.openxmlformats.org/presentationml/2006/main">
   <p:cSld>
     <p:spTree>
@@ -5547,477 +5792,13 @@
   <p:clrMapOvr>
     <a:masterClrMapping/>
   </p:clrMapOvr>
-</p:sld>
-</file>
-
-<file path=ppt/slides/slide16.xml><?xml version="1.0" encoding="utf-8"?>
-<p:sld xmlns:a="http://schemas.openxmlformats.org/drawingml/2006/main" xmlns:r="http://schemas.openxmlformats.org/officeDocument/2006/relationships" xmlns:p="http://schemas.openxmlformats.org/presentationml/2006/main">
-  <p:cSld>
-    <p:spTree>
-      <p:nvGrpSpPr>
-        <p:cNvPr id="1" name=""/>
-        <p:cNvGrpSpPr/>
-        <p:nvPr/>
-      </p:nvGrpSpPr>
-      <p:grpSpPr>
-        <a:xfrm>
-          <a:off x="0" y="0"/>
-          <a:ext cx="0" cy="0"/>
-          <a:chOff x="0" y="0"/>
-          <a:chExt cx="0" cy="0"/>
-        </a:xfrm>
-      </p:grpSpPr>
-      <p:sp>
-        <p:nvSpPr>
-          <p:cNvPr id="2" name="Title 1"/>
-          <p:cNvSpPr>
-            <a:spLocks noGrp="1"/>
-          </p:cNvSpPr>
-          <p:nvPr>
-            <p:ph type="title"/>
-          </p:nvPr>
-        </p:nvSpPr>
-        <p:spPr/>
-        <p:txBody>
-          <a:bodyPr/>
-          <a:lstStyle/>
-          <a:p>
-            <a:r>
-              <a:rPr lang="en-US" smtClean="0"/>
-              <a:t>Security Testing</a:t>
-            </a:r>
-            <a:endParaRPr lang="en-US"/>
-          </a:p>
-        </p:txBody>
-      </p:sp>
-      <p:sp>
-        <p:nvSpPr>
-          <p:cNvPr id="3" name="Content Placeholder 2"/>
-          <p:cNvSpPr>
-            <a:spLocks noGrp="1"/>
-          </p:cNvSpPr>
-          <p:nvPr>
-            <p:ph idx="1"/>
-          </p:nvPr>
-        </p:nvSpPr>
-        <p:spPr/>
-        <p:txBody>
-          <a:bodyPr/>
-          <a:lstStyle/>
-          <a:p>
-            <a:r>
-              <a:rPr lang="en-US" b="1" smtClean="0"/>
-              <a:t>Test Risks/Issues</a:t>
-            </a:r>
-          </a:p>
-          <a:p>
-            <a:pPr lvl="1"/>
-            <a:r>
-              <a:rPr lang="en-US" smtClean="0"/>
-              <a:t>Security loopholes leading to loss of user data could make applicaton unsafe for use</a:t>
-            </a:r>
-          </a:p>
-          <a:p>
-            <a:r>
-              <a:rPr lang="en-US" b="1" smtClean="0"/>
-              <a:t>Items To Be Tested</a:t>
-            </a:r>
-          </a:p>
-          <a:p>
-            <a:pPr lvl="1"/>
-            <a:r>
-              <a:rPr lang="en-US" smtClean="0"/>
-              <a:t>Secure user login</a:t>
-            </a:r>
-          </a:p>
-          <a:p>
-            <a:pPr lvl="1"/>
-            <a:r>
-              <a:rPr lang="en-US" smtClean="0"/>
-              <a:t>Admin mode</a:t>
-            </a:r>
-          </a:p>
-          <a:p>
-            <a:pPr lvl="1"/>
-            <a:r>
-              <a:rPr lang="en-US" smtClean="0"/>
-              <a:t>Password encryption</a:t>
-            </a:r>
-          </a:p>
-          <a:p>
-            <a:pPr lvl="1"/>
-            <a:r>
-              <a:rPr lang="en-US" smtClean="0"/>
-              <a:t>SSL encryption</a:t>
-            </a:r>
-          </a:p>
-          <a:p>
-            <a:r>
-              <a:rPr lang="en-US" b="1" smtClean="0"/>
-              <a:t>Test Approach</a:t>
-            </a:r>
-          </a:p>
-          <a:p>
-            <a:pPr lvl="1"/>
-            <a:r>
-              <a:rPr lang="en-US" smtClean="0"/>
-              <a:t>Interacting with web application user interface</a:t>
-            </a:r>
-          </a:p>
-          <a:p>
-            <a:pPr lvl="1"/>
-            <a:r>
-              <a:rPr lang="en-US" smtClean="0"/>
-              <a:t>Accessing Geocerts SSL certificate validation site</a:t>
-            </a:r>
-          </a:p>
-          <a:p>
-            <a:pPr lvl="1"/>
-            <a:r>
-              <a:rPr lang="en-US" smtClean="0"/>
-              <a:t>Reviewing records in application database</a:t>
-            </a:r>
-            <a:endParaRPr lang="en-US"/>
-          </a:p>
-        </p:txBody>
-      </p:sp>
-    </p:spTree>
-    <p:extLst>
-      <p:ext uri="{BB962C8B-B14F-4D97-AF65-F5344CB8AC3E}">
-        <p14:creationId xmlns:p14="http://schemas.microsoft.com/office/powerpoint/2010/main" val="1663274686"/>
-      </p:ext>
-    </p:extLst>
-  </p:cSld>
-  <p:clrMapOvr>
-    <a:masterClrMapping/>
-  </p:clrMapOvr>
-</p:sld>
-</file>
-
-<file path=ppt/slides/slide17.xml><?xml version="1.0" encoding="utf-8"?>
-<p:sld xmlns:a="http://schemas.openxmlformats.org/drawingml/2006/main" xmlns:r="http://schemas.openxmlformats.org/officeDocument/2006/relationships" xmlns:p="http://schemas.openxmlformats.org/presentationml/2006/main">
-  <p:cSld>
-    <p:spTree>
-      <p:nvGrpSpPr>
-        <p:cNvPr id="1" name=""/>
-        <p:cNvGrpSpPr/>
-        <p:nvPr/>
-      </p:nvGrpSpPr>
-      <p:grpSpPr>
-        <a:xfrm>
-          <a:off x="0" y="0"/>
-          <a:ext cx="0" cy="0"/>
-          <a:chOff x="0" y="0"/>
-          <a:chExt cx="0" cy="0"/>
-        </a:xfrm>
-      </p:grpSpPr>
-      <p:sp>
-        <p:nvSpPr>
-          <p:cNvPr id="2" name="Title 1"/>
-          <p:cNvSpPr>
-            <a:spLocks noGrp="1"/>
-          </p:cNvSpPr>
-          <p:nvPr>
-            <p:ph type="title"/>
-          </p:nvPr>
-        </p:nvSpPr>
-        <p:spPr/>
-        <p:txBody>
-          <a:bodyPr/>
-          <a:lstStyle/>
-          <a:p>
-            <a:r>
-              <a:rPr lang="en-US" dirty="0" smtClean="0"/>
-              <a:t>Security Testing</a:t>
-            </a:r>
-            <a:endParaRPr lang="en-US" dirty="0"/>
-          </a:p>
-        </p:txBody>
-      </p:sp>
-      <p:sp>
-        <p:nvSpPr>
-          <p:cNvPr id="3" name="Content Placeholder 2"/>
-          <p:cNvSpPr>
-            <a:spLocks noGrp="1"/>
-          </p:cNvSpPr>
-          <p:nvPr>
-            <p:ph idx="1"/>
-          </p:nvPr>
-        </p:nvSpPr>
-        <p:spPr/>
-        <p:txBody>
-          <a:bodyPr/>
-          <a:lstStyle/>
-          <a:p>
-            <a:pPr marL="114300" indent="0">
-              <a:buNone/>
-            </a:pPr>
-            <a:endParaRPr lang="en-US" smtClean="0"/>
-          </a:p>
-          <a:p>
-            <a:endParaRPr lang="en-US" smtClean="0"/>
-          </a:p>
-          <a:p>
-            <a:endParaRPr lang="en-US"/>
-          </a:p>
-          <a:p>
-            <a:endParaRPr lang="en-US" smtClean="0"/>
-          </a:p>
-          <a:p>
-            <a:endParaRPr lang="en-US" smtClean="0"/>
-          </a:p>
-          <a:p>
-            <a:endParaRPr lang="en-US" smtClean="0"/>
-          </a:p>
-          <a:p>
-            <a:endParaRPr lang="en-US" smtClean="0"/>
-          </a:p>
-          <a:p>
-            <a:r>
-              <a:rPr lang="en-US" b="1" smtClean="0"/>
-              <a:t>Test Pass/Fail Criteria</a:t>
-            </a:r>
-          </a:p>
-          <a:p>
-            <a:pPr lvl="1"/>
-            <a:r>
-              <a:rPr lang="en-US" smtClean="0"/>
-              <a:t>Pass when each test case passes; fail otherwise</a:t>
-            </a:r>
-            <a:endParaRPr lang="en-US"/>
-          </a:p>
-          <a:p>
-            <a:r>
-              <a:rPr lang="en-US" b="1"/>
-              <a:t>Test </a:t>
-            </a:r>
-            <a:r>
-              <a:rPr lang="en-US" b="1" smtClean="0"/>
-              <a:t>Suspension/Resumption </a:t>
-            </a:r>
-            <a:r>
-              <a:rPr lang="en-US" b="1"/>
-              <a:t>criteria</a:t>
-            </a:r>
-          </a:p>
-          <a:p>
-            <a:pPr lvl="1"/>
-            <a:r>
-              <a:rPr lang="en-US" smtClean="0"/>
-              <a:t>Due to high importance of security, suspend testing when a security violation is detected until the issue is resolved</a:t>
-            </a:r>
-            <a:endParaRPr lang="en-US"/>
-          </a:p>
-        </p:txBody>
-      </p:sp>
-      <p:graphicFrame>
-        <p:nvGraphicFramePr>
-          <p:cNvPr id="4" name="Table 3"/>
-          <p:cNvGraphicFramePr>
-            <a:graphicFrameLocks noGrp="1"/>
-          </p:cNvGraphicFramePr>
-          <p:nvPr>
-            <p:extLst>
-              <p:ext uri="{D42A27DB-BD31-4B8C-83A1-F6EECF244321}">
-                <p14:modId xmlns:p14="http://schemas.microsoft.com/office/powerpoint/2010/main" val="804696412"/>
-              </p:ext>
-            </p:extLst>
-          </p:nvPr>
-        </p:nvGraphicFramePr>
-        <p:xfrm>
-          <a:off x="762000" y="1524000"/>
-          <a:ext cx="7010400" cy="2651760"/>
-        </p:xfrm>
-        <a:graphic>
-          <a:graphicData uri="http://schemas.openxmlformats.org/drawingml/2006/table">
-            <a:tbl>
-              <a:tblPr firstRow="1" bandRow="1">
-                <a:tableStyleId>{5C22544A-7EE6-4342-B048-85BDC9FD1C3A}</a:tableStyleId>
-              </a:tblPr>
-              <a:tblGrid>
-                <a:gridCol w="3505200"/>
-                <a:gridCol w="3505200"/>
-              </a:tblGrid>
-              <a:tr h="419100">
-                <a:tc>
-                  <a:txBody>
-                    <a:bodyPr/>
-                    <a:lstStyle/>
-                    <a:p>
-                      <a:r>
-                        <a:rPr lang="en-US" sz="2400" smtClean="0"/>
-                        <a:t>Test Item</a:t>
-                      </a:r>
-                      <a:endParaRPr lang="en-US" sz="2400"/>
-                    </a:p>
-                  </a:txBody>
-                  <a:tcPr/>
-                </a:tc>
-                <a:tc>
-                  <a:txBody>
-                    <a:bodyPr/>
-                    <a:lstStyle/>
-                    <a:p>
-                      <a:r>
-                        <a:rPr lang="en-US" sz="2400" smtClean="0"/>
-                        <a:t>Test Approach</a:t>
-                      </a:r>
-                      <a:endParaRPr lang="en-US" sz="2400"/>
-                    </a:p>
-                  </a:txBody>
-                  <a:tcPr/>
-                </a:tc>
-              </a:tr>
-              <a:tr h="419100">
-                <a:tc>
-                  <a:txBody>
-                    <a:bodyPr/>
-                    <a:lstStyle/>
-                    <a:p>
-                      <a:r>
-                        <a:rPr lang="en-US" sz="2400" smtClean="0"/>
-                        <a:t>Secure User Login</a:t>
-                      </a:r>
-                      <a:endParaRPr lang="en-US" sz="2400"/>
-                    </a:p>
-                  </a:txBody>
-                  <a:tcPr/>
-                </a:tc>
-                <a:tc rowSpan="2">
-                  <a:txBody>
-                    <a:bodyPr/>
-                    <a:lstStyle/>
-                    <a:p>
-                      <a:pPr algn="ctr"/>
-                      <a:endParaRPr lang="en-US" sz="2400" smtClean="0"/>
-                    </a:p>
-                    <a:p>
-                      <a:pPr algn="ctr"/>
-                      <a:r>
-                        <a:rPr lang="en-US" sz="2400" smtClean="0"/>
-                        <a:t>Web</a:t>
-                      </a:r>
-                      <a:r>
-                        <a:rPr lang="en-US" sz="2400" baseline="0" smtClean="0"/>
-                        <a:t> Applicaton UI</a:t>
-                      </a:r>
-                      <a:endParaRPr lang="en-US" sz="2400" smtClean="0"/>
-                    </a:p>
-                  </a:txBody>
-                  <a:tcPr/>
-                </a:tc>
-              </a:tr>
-              <a:tr h="419100">
-                <a:tc>
-                  <a:txBody>
-                    <a:bodyPr/>
-                    <a:lstStyle/>
-                    <a:p>
-                      <a:r>
-                        <a:rPr lang="en-US" sz="2400" smtClean="0"/>
-                        <a:t>Admin Mode</a:t>
-                      </a:r>
-                    </a:p>
-                  </a:txBody>
-                  <a:tcPr/>
-                </a:tc>
-                <a:tc vMerge="1">
-                  <a:txBody>
-                    <a:bodyPr/>
-                    <a:lstStyle/>
-                    <a:p>
-                      <a:endParaRPr lang="en-US"/>
-                    </a:p>
-                  </a:txBody>
-                  <a:tcPr/>
-                </a:tc>
-              </a:tr>
-              <a:tr h="419100">
-                <a:tc>
-                  <a:txBody>
-                    <a:bodyPr/>
-                    <a:lstStyle/>
-                    <a:p>
-                      <a:r>
-                        <a:rPr lang="en-US" sz="2400" smtClean="0"/>
-                        <a:t>SSL</a:t>
-                      </a:r>
-                      <a:r>
-                        <a:rPr lang="en-US" sz="2400" baseline="0" smtClean="0"/>
-                        <a:t> Encryption</a:t>
-                      </a:r>
-                      <a:endParaRPr lang="en-US" sz="2400"/>
-                    </a:p>
-                  </a:txBody>
-                  <a:tcPr/>
-                </a:tc>
-                <a:tc>
-                  <a:txBody>
-                    <a:bodyPr/>
-                    <a:lstStyle/>
-                    <a:p>
-                      <a:r>
-                        <a:rPr lang="en-US" sz="2400" smtClean="0"/>
-                        <a:t>Geocerts.com</a:t>
-                      </a:r>
-                      <a:r>
-                        <a:rPr lang="en-US" sz="2400" baseline="0" smtClean="0"/>
-                        <a:t> SSL verification</a:t>
-                      </a:r>
-                      <a:endParaRPr lang="en-US" sz="2400"/>
-                    </a:p>
-                  </a:txBody>
-                  <a:tcPr/>
-                </a:tc>
-              </a:tr>
-              <a:tr h="419100">
-                <a:tc>
-                  <a:txBody>
-                    <a:bodyPr/>
-                    <a:lstStyle/>
-                    <a:p>
-                      <a:r>
-                        <a:rPr lang="en-US" sz="2400" smtClean="0"/>
-                        <a:t>Password Encryption</a:t>
-                      </a:r>
-                      <a:endParaRPr lang="en-US" sz="2400"/>
-                    </a:p>
-                  </a:txBody>
-                  <a:tcPr/>
-                </a:tc>
-                <a:tc>
-                  <a:txBody>
-                    <a:bodyPr/>
-                    <a:lstStyle/>
-                    <a:p>
-                      <a:r>
-                        <a:rPr lang="en-US" sz="2400" smtClean="0"/>
-                        <a:t>Revie</a:t>
-                      </a:r>
-                      <a:r>
-                        <a:rPr lang="en-US" sz="2400" baseline="0" smtClean="0"/>
-                        <a:t>w DB records</a:t>
-                      </a:r>
-                      <a:endParaRPr lang="en-US" sz="2400"/>
-                    </a:p>
-                  </a:txBody>
-                  <a:tcPr/>
-                </a:tc>
-              </a:tr>
-            </a:tbl>
-          </a:graphicData>
-        </a:graphic>
-      </p:graphicFrame>
-    </p:spTree>
-    <p:extLst>
-      <p:ext uri="{BB962C8B-B14F-4D97-AF65-F5344CB8AC3E}">
-        <p14:creationId xmlns:p14="http://schemas.microsoft.com/office/powerpoint/2010/main" val="1509273037"/>
-      </p:ext>
-    </p:extLst>
-  </p:cSld>
-  <p:clrMapOvr>
-    <a:masterClrMapping/>
-  </p:clrMapOvr>
+  <p:timing>
+    <p:tnLst>
+      <p:par>
+        <p:cTn id="1" dur="indefinite" restart="never" nodeType="tmRoot"/>
+      </p:par>
+    </p:tnLst>
+  </p:timing>
 </p:sld>
 </file>
 
@@ -6054,588 +5835,121 @@
           <a:lstStyle/>
           <a:p>
             <a:r>
-              <a:rPr lang="en-US" dirty="0"/>
+              <a:rPr lang="en-US" smtClean="0"/>
               <a:t>Security Testing</a:t>
             </a:r>
+            <a:endParaRPr lang="en-US"/>
           </a:p>
         </p:txBody>
       </p:sp>
-      <p:graphicFrame>
-        <p:nvGraphicFramePr>
-          <p:cNvPr id="4" name="Content Placeholder 3"/>
-          <p:cNvGraphicFramePr>
-            <a:graphicFrameLocks noGrp="1"/>
-          </p:cNvGraphicFramePr>
+      <p:sp>
+        <p:nvSpPr>
+          <p:cNvPr id="3" name="Content Placeholder 2"/>
+          <p:cNvSpPr>
+            <a:spLocks noGrp="1"/>
+          </p:cNvSpPr>
           <p:nvPr>
             <p:ph idx="1"/>
-            <p:extLst>
-              <p:ext uri="{D42A27DB-BD31-4B8C-83A1-F6EECF244321}">
-                <p14:modId xmlns:p14="http://schemas.microsoft.com/office/powerpoint/2010/main" val="2530738191"/>
-              </p:ext>
-            </p:extLst>
           </p:nvPr>
-        </p:nvGraphicFramePr>
-        <p:xfrm>
-          <a:off x="1066800" y="2057400"/>
-          <a:ext cx="6562725" cy="3657600"/>
-        </p:xfrm>
-        <a:graphic>
-          <a:graphicData uri="http://schemas.openxmlformats.org/drawingml/2006/table">
-            <a:tbl>
-              <a:tblPr>
-                <a:tableStyleId>{5C22544A-7EE6-4342-B048-85BDC9FD1C3A}</a:tableStyleId>
-              </a:tblPr>
-              <a:tblGrid>
-                <a:gridCol w="1845076"/>
-                <a:gridCol w="4717649"/>
-              </a:tblGrid>
-              <a:tr h="440778">
-                <a:tc>
-                  <a:txBody>
-                    <a:bodyPr/>
-                    <a:lstStyle/>
-                    <a:p>
-                      <a:pPr marL="0" marR="0">
-                        <a:lnSpc>
-                          <a:spcPct val="115000"/>
-                        </a:lnSpc>
-                        <a:spcBef>
-                          <a:spcPts val="0"/>
-                        </a:spcBef>
-                        <a:spcAft>
-                          <a:spcPts val="0"/>
-                        </a:spcAft>
-                        <a:tabLst>
-                          <a:tab pos="114300" algn="l"/>
-                          <a:tab pos="228600" algn="l"/>
-                          <a:tab pos="457200" algn="l"/>
-                        </a:tabLst>
-                      </a:pPr>
-                      <a:r>
-                        <a:rPr lang="en-US" sz="1200">
-                          <a:effectLst/>
-                        </a:rPr>
-                        <a:t>ID</a:t>
-                      </a:r>
-                      <a:endParaRPr lang="en-US" sz="1200">
-                        <a:effectLst/>
-                        <a:latin typeface="Times"/>
-                        <a:ea typeface="Times"/>
-                        <a:cs typeface="Times New Roman"/>
-                      </a:endParaRPr>
-                    </a:p>
-                  </a:txBody>
-                  <a:tcPr marL="63500" marR="63500" marT="63500" marB="63500"/>
-                </a:tc>
-                <a:tc>
-                  <a:txBody>
-                    <a:bodyPr/>
-                    <a:lstStyle/>
-                    <a:p>
-                      <a:pPr marL="0" marR="0">
-                        <a:lnSpc>
-                          <a:spcPct val="115000"/>
-                        </a:lnSpc>
-                        <a:spcBef>
-                          <a:spcPts val="0"/>
-                        </a:spcBef>
-                        <a:spcAft>
-                          <a:spcPts val="0"/>
-                        </a:spcAft>
-                        <a:tabLst>
-                          <a:tab pos="114300" algn="l"/>
-                          <a:tab pos="228600" algn="l"/>
-                          <a:tab pos="457200" algn="l"/>
-                        </a:tabLst>
-                      </a:pPr>
-                      <a:r>
-                        <a:rPr lang="en-US" sz="1200">
-                          <a:effectLst/>
-                        </a:rPr>
-                        <a:t>ST_1.1</a:t>
-                      </a:r>
-                      <a:endParaRPr lang="en-US" sz="1200">
-                        <a:effectLst/>
-                        <a:latin typeface="Times"/>
-                        <a:ea typeface="Times"/>
-                        <a:cs typeface="Times New Roman"/>
-                      </a:endParaRPr>
-                    </a:p>
-                  </a:txBody>
-                  <a:tcPr marL="63500" marR="63500" marT="63500" marB="63500"/>
-                </a:tc>
-              </a:tr>
-              <a:tr h="440778">
-                <a:tc>
-                  <a:txBody>
-                    <a:bodyPr/>
-                    <a:lstStyle/>
-                    <a:p>
-                      <a:pPr marL="0" marR="0">
-                        <a:lnSpc>
-                          <a:spcPct val="115000"/>
-                        </a:lnSpc>
-                        <a:spcBef>
-                          <a:spcPts val="0"/>
-                        </a:spcBef>
-                        <a:spcAft>
-                          <a:spcPts val="0"/>
-                        </a:spcAft>
-                        <a:tabLst>
-                          <a:tab pos="114300" algn="l"/>
-                          <a:tab pos="228600" algn="l"/>
-                          <a:tab pos="457200" algn="l"/>
-                        </a:tabLst>
-                      </a:pPr>
-                      <a:r>
-                        <a:rPr lang="en-US" sz="1200">
-                          <a:effectLst/>
-                        </a:rPr>
-                        <a:t>Item to Test</a:t>
-                      </a:r>
-                      <a:endParaRPr lang="en-US" sz="1200">
-                        <a:effectLst/>
-                        <a:latin typeface="Times"/>
-                        <a:ea typeface="Times"/>
-                        <a:cs typeface="Times New Roman"/>
-                      </a:endParaRPr>
-                    </a:p>
-                  </a:txBody>
-                  <a:tcPr marL="63500" marR="63500" marT="63500" marB="63500"/>
-                </a:tc>
-                <a:tc>
-                  <a:txBody>
-                    <a:bodyPr/>
-                    <a:lstStyle/>
-                    <a:p>
-                      <a:pPr marL="0" marR="0">
-                        <a:lnSpc>
-                          <a:spcPct val="115000"/>
-                        </a:lnSpc>
-                        <a:spcBef>
-                          <a:spcPts val="0"/>
-                        </a:spcBef>
-                        <a:spcAft>
-                          <a:spcPts val="0"/>
-                        </a:spcAft>
-                        <a:tabLst>
-                          <a:tab pos="114300" algn="l"/>
-                          <a:tab pos="228600" algn="l"/>
-                          <a:tab pos="457200" algn="l"/>
-                        </a:tabLst>
-                      </a:pPr>
-                      <a:r>
-                        <a:rPr lang="en-US" sz="1200">
-                          <a:effectLst/>
-                        </a:rPr>
-                        <a:t>Secure User Login</a:t>
-                      </a:r>
-                      <a:endParaRPr lang="en-US" sz="1200">
-                        <a:effectLst/>
-                        <a:latin typeface="Times"/>
-                        <a:ea typeface="Times"/>
-                        <a:cs typeface="Times New Roman"/>
-                      </a:endParaRPr>
-                    </a:p>
-                  </a:txBody>
-                  <a:tcPr marL="63500" marR="63500" marT="63500" marB="63500"/>
-                </a:tc>
-              </a:tr>
-              <a:tr h="440778">
-                <a:tc>
-                  <a:txBody>
-                    <a:bodyPr/>
-                    <a:lstStyle/>
-                    <a:p>
-                      <a:pPr marL="0" marR="0">
-                        <a:lnSpc>
-                          <a:spcPct val="115000"/>
-                        </a:lnSpc>
-                        <a:spcBef>
-                          <a:spcPts val="0"/>
-                        </a:spcBef>
-                        <a:spcAft>
-                          <a:spcPts val="0"/>
-                        </a:spcAft>
-                        <a:tabLst>
-                          <a:tab pos="114300" algn="l"/>
-                          <a:tab pos="228600" algn="l"/>
-                          <a:tab pos="457200" algn="l"/>
-                        </a:tabLst>
-                      </a:pPr>
-                      <a:r>
-                        <a:rPr lang="en-US" sz="1200">
-                          <a:effectLst/>
-                        </a:rPr>
-                        <a:t>Pre-Conditions</a:t>
-                      </a:r>
-                      <a:endParaRPr lang="en-US" sz="1200">
-                        <a:effectLst/>
-                        <a:latin typeface="Times"/>
-                        <a:ea typeface="Times"/>
-                        <a:cs typeface="Times New Roman"/>
-                      </a:endParaRPr>
-                    </a:p>
-                  </a:txBody>
-                  <a:tcPr marL="63500" marR="63500" marT="63500" marB="63500"/>
-                </a:tc>
-                <a:tc>
-                  <a:txBody>
-                    <a:bodyPr/>
-                    <a:lstStyle/>
-                    <a:p>
-                      <a:pPr>
-                        <a:lnSpc>
-                          <a:spcPct val="115000"/>
-                        </a:lnSpc>
-                        <a:tabLst>
-                          <a:tab pos="457200" algn="l"/>
-                        </a:tabLst>
-                      </a:pPr>
-                      <a:r>
-                        <a:rPr lang="en-US" sz="1100">
-                          <a:effectLst/>
-                        </a:rPr>
-                        <a:t>All other functional and nonfunctional application testing is complete</a:t>
-                      </a:r>
-                      <a:endParaRPr lang="en-US" sz="1100">
-                        <a:effectLst/>
-                        <a:latin typeface="Calibri"/>
-                      </a:endParaRPr>
-                    </a:p>
-                  </a:txBody>
-                  <a:tcPr marL="63500" marR="63500" marT="63500" marB="63500"/>
-                </a:tc>
-              </a:tr>
-              <a:tr h="726855">
-                <a:tc>
-                  <a:txBody>
-                    <a:bodyPr/>
-                    <a:lstStyle/>
-                    <a:p>
-                      <a:pPr marL="0" marR="0">
-                        <a:lnSpc>
-                          <a:spcPct val="115000"/>
-                        </a:lnSpc>
-                        <a:spcBef>
-                          <a:spcPts val="0"/>
-                        </a:spcBef>
-                        <a:spcAft>
-                          <a:spcPts val="0"/>
-                        </a:spcAft>
-                        <a:tabLst>
-                          <a:tab pos="114300" algn="l"/>
-                          <a:tab pos="228600" algn="l"/>
-                          <a:tab pos="457200" algn="l"/>
-                        </a:tabLst>
-                      </a:pPr>
-                      <a:r>
-                        <a:rPr lang="en-US" sz="1200">
-                          <a:effectLst/>
-                        </a:rPr>
-                        <a:t>Test Steps</a:t>
-                      </a:r>
-                      <a:endParaRPr lang="en-US" sz="1200">
-                        <a:effectLst/>
-                        <a:latin typeface="Times"/>
-                        <a:ea typeface="Times"/>
-                        <a:cs typeface="Times New Roman"/>
-                      </a:endParaRPr>
-                    </a:p>
-                  </a:txBody>
-                  <a:tcPr marL="63500" marR="63500" marT="63500" marB="63500"/>
-                </a:tc>
-                <a:tc>
-                  <a:txBody>
-                    <a:bodyPr/>
-                    <a:lstStyle/>
-                    <a:p>
-                      <a:pPr marL="0" marR="0">
-                        <a:lnSpc>
-                          <a:spcPct val="115000"/>
-                        </a:lnSpc>
-                        <a:spcBef>
-                          <a:spcPts val="0"/>
-                        </a:spcBef>
-                        <a:spcAft>
-                          <a:spcPts val="0"/>
-                        </a:spcAft>
-                        <a:tabLst>
-                          <a:tab pos="114300" algn="l"/>
-                          <a:tab pos="228600" algn="l"/>
-                          <a:tab pos="457200" algn="l"/>
-                        </a:tabLst>
-                      </a:pPr>
-                      <a:r>
-                        <a:rPr lang="en-US" sz="1200">
-                          <a:effectLst/>
-                        </a:rPr>
-                        <a:t>Click on Login.</a:t>
-                      </a:r>
-                      <a:br>
-                        <a:rPr lang="en-US" sz="1200">
-                          <a:effectLst/>
-                        </a:rPr>
-                      </a:br>
-                      <a:r>
-                        <a:rPr lang="en-US" sz="1200">
-                          <a:effectLst/>
-                        </a:rPr>
-                        <a:t>Enter random email and password credentials.</a:t>
-                      </a:r>
-                      <a:endParaRPr lang="en-US" sz="1200">
-                        <a:effectLst/>
-                        <a:latin typeface="Times"/>
-                        <a:ea typeface="Times"/>
-                        <a:cs typeface="Times New Roman"/>
-                      </a:endParaRPr>
-                    </a:p>
-                  </a:txBody>
-                  <a:tcPr marL="63500" marR="63500" marT="63500" marB="63500"/>
-                </a:tc>
-              </a:tr>
-              <a:tr h="726855">
-                <a:tc>
-                  <a:txBody>
-                    <a:bodyPr/>
-                    <a:lstStyle/>
-                    <a:p>
-                      <a:pPr marL="0" marR="0">
-                        <a:lnSpc>
-                          <a:spcPct val="115000"/>
-                        </a:lnSpc>
-                        <a:spcBef>
-                          <a:spcPts val="0"/>
-                        </a:spcBef>
-                        <a:spcAft>
-                          <a:spcPts val="0"/>
-                        </a:spcAft>
-                        <a:tabLst>
-                          <a:tab pos="114300" algn="l"/>
-                          <a:tab pos="228600" algn="l"/>
-                          <a:tab pos="457200" algn="l"/>
-                        </a:tabLst>
-                      </a:pPr>
-                      <a:r>
-                        <a:rPr lang="en-US" sz="1200">
-                          <a:effectLst/>
-                        </a:rPr>
-                        <a:t>Expected Results</a:t>
-                      </a:r>
-                      <a:endParaRPr lang="en-US" sz="1200">
-                        <a:effectLst/>
-                        <a:latin typeface="Times"/>
-                        <a:ea typeface="Times"/>
-                        <a:cs typeface="Times New Roman"/>
-                      </a:endParaRPr>
-                    </a:p>
-                  </a:txBody>
-                  <a:tcPr marL="63500" marR="63500" marT="63500" marB="63500"/>
-                </a:tc>
-                <a:tc>
-                  <a:txBody>
-                    <a:bodyPr/>
-                    <a:lstStyle/>
-                    <a:p>
-                      <a:pPr marL="0" marR="0">
-                        <a:lnSpc>
-                          <a:spcPct val="115000"/>
-                        </a:lnSpc>
-                        <a:spcBef>
-                          <a:spcPts val="0"/>
-                        </a:spcBef>
-                        <a:spcAft>
-                          <a:spcPts val="0"/>
-                        </a:spcAft>
-                        <a:tabLst>
-                          <a:tab pos="114300" algn="l"/>
-                          <a:tab pos="228600" algn="l"/>
-                          <a:tab pos="457200" algn="l"/>
-                        </a:tabLst>
-                      </a:pPr>
-                      <a:r>
-                        <a:rPr lang="en-US" sz="1200">
-                          <a:effectLst/>
-                        </a:rPr>
-                        <a:t>A message must be shown that invalid user login credentials were entered.</a:t>
-                      </a:r>
-                      <a:endParaRPr lang="en-US" sz="1200">
-                        <a:effectLst/>
-                        <a:latin typeface="Times"/>
-                        <a:ea typeface="Times"/>
-                        <a:cs typeface="Times New Roman"/>
-                      </a:endParaRPr>
-                    </a:p>
-                  </a:txBody>
-                  <a:tcPr marL="63500" marR="63500" marT="63500" marB="63500"/>
-                </a:tc>
-              </a:tr>
-              <a:tr h="440778">
-                <a:tc>
-                  <a:txBody>
-                    <a:bodyPr/>
-                    <a:lstStyle/>
-                    <a:p>
-                      <a:pPr marL="0" marR="0">
-                        <a:lnSpc>
-                          <a:spcPct val="115000"/>
-                        </a:lnSpc>
-                        <a:spcBef>
-                          <a:spcPts val="0"/>
-                        </a:spcBef>
-                        <a:spcAft>
-                          <a:spcPts val="0"/>
-                        </a:spcAft>
-                        <a:tabLst>
-                          <a:tab pos="114300" algn="l"/>
-                          <a:tab pos="228600" algn="l"/>
-                          <a:tab pos="457200" algn="l"/>
-                        </a:tabLst>
-                      </a:pPr>
-                      <a:r>
-                        <a:rPr lang="en-US" sz="1200">
-                          <a:effectLst/>
-                        </a:rPr>
-                        <a:t>Priority</a:t>
-                      </a:r>
-                      <a:endParaRPr lang="en-US" sz="1200">
-                        <a:effectLst/>
-                        <a:latin typeface="Times"/>
-                        <a:ea typeface="Times"/>
-                        <a:cs typeface="Times New Roman"/>
-                      </a:endParaRPr>
-                    </a:p>
-                  </a:txBody>
-                  <a:tcPr marL="63500" marR="63500" marT="63500" marB="63500"/>
-                </a:tc>
-                <a:tc>
-                  <a:txBody>
-                    <a:bodyPr/>
-                    <a:lstStyle/>
-                    <a:p>
-                      <a:pPr marL="0" marR="0">
-                        <a:lnSpc>
-                          <a:spcPct val="115000"/>
-                        </a:lnSpc>
-                        <a:spcBef>
-                          <a:spcPts val="0"/>
-                        </a:spcBef>
-                        <a:spcAft>
-                          <a:spcPts val="0"/>
-                        </a:spcAft>
-                        <a:tabLst>
-                          <a:tab pos="114300" algn="l"/>
-                          <a:tab pos="228600" algn="l"/>
-                          <a:tab pos="457200" algn="l"/>
-                        </a:tabLst>
-                      </a:pPr>
-                      <a:r>
-                        <a:rPr lang="en-US" sz="1200">
-                          <a:effectLst/>
-                        </a:rPr>
-                        <a:t>High</a:t>
-                      </a:r>
-                      <a:endParaRPr lang="en-US" sz="1200">
-                        <a:effectLst/>
-                        <a:latin typeface="Times"/>
-                        <a:ea typeface="Times"/>
-                        <a:cs typeface="Times New Roman"/>
-                      </a:endParaRPr>
-                    </a:p>
-                  </a:txBody>
-                  <a:tcPr marL="63500" marR="63500" marT="63500" marB="63500"/>
-                </a:tc>
-              </a:tr>
-              <a:tr h="440778">
-                <a:tc>
-                  <a:txBody>
-                    <a:bodyPr/>
-                    <a:lstStyle/>
-                    <a:p>
-                      <a:pPr marL="0" marR="0">
-                        <a:lnSpc>
-                          <a:spcPct val="115000"/>
-                        </a:lnSpc>
-                        <a:spcBef>
-                          <a:spcPts val="0"/>
-                        </a:spcBef>
-                        <a:spcAft>
-                          <a:spcPts val="0"/>
-                        </a:spcAft>
-                        <a:tabLst>
-                          <a:tab pos="114300" algn="l"/>
-                          <a:tab pos="228600" algn="l"/>
-                          <a:tab pos="457200" algn="l"/>
-                        </a:tabLst>
-                      </a:pPr>
-                      <a:r>
-                        <a:rPr lang="en-US" sz="1200">
-                          <a:effectLst/>
-                        </a:rPr>
-                        <a:t>Pass/Fail</a:t>
-                      </a:r>
-                      <a:endParaRPr lang="en-US" sz="1200">
-                        <a:effectLst/>
-                        <a:latin typeface="Times"/>
-                        <a:ea typeface="Times"/>
-                        <a:cs typeface="Times New Roman"/>
-                      </a:endParaRPr>
-                    </a:p>
-                  </a:txBody>
-                  <a:tcPr marL="63500" marR="63500" marT="63500" marB="63500"/>
-                </a:tc>
-                <a:tc>
-                  <a:txBody>
-                    <a:bodyPr/>
-                    <a:lstStyle/>
-                    <a:p>
-                      <a:pPr marL="0" marR="0">
-                        <a:lnSpc>
-                          <a:spcPct val="115000"/>
-                        </a:lnSpc>
-                        <a:spcBef>
-                          <a:spcPts val="0"/>
-                        </a:spcBef>
-                        <a:spcAft>
-                          <a:spcPts val="0"/>
-                        </a:spcAft>
-                        <a:tabLst>
-                          <a:tab pos="114300" algn="l"/>
-                          <a:tab pos="228600" algn="l"/>
-                          <a:tab pos="457200" algn="l"/>
-                        </a:tabLst>
-                      </a:pPr>
-                      <a:r>
-                        <a:rPr lang="en-US" sz="1200" dirty="0">
-                          <a:effectLst/>
-                        </a:rPr>
-                        <a:t> </a:t>
-                      </a:r>
-                      <a:endParaRPr lang="en-US" sz="1200" dirty="0">
-                        <a:effectLst/>
-                        <a:latin typeface="Times"/>
-                        <a:ea typeface="Times"/>
-                        <a:cs typeface="Times New Roman"/>
-                      </a:endParaRPr>
-                    </a:p>
-                  </a:txBody>
-                  <a:tcPr marL="63500" marR="63500" marT="63500" marB="63500"/>
-                </a:tc>
-              </a:tr>
-            </a:tbl>
-          </a:graphicData>
-        </a:graphic>
-      </p:graphicFrame>
+        </p:nvSpPr>
+        <p:spPr/>
+        <p:txBody>
+          <a:bodyPr/>
+          <a:lstStyle/>
+          <a:p>
+            <a:r>
+              <a:rPr lang="en-US" b="1" smtClean="0"/>
+              <a:t>Test Risks/Issues</a:t>
+            </a:r>
+          </a:p>
+          <a:p>
+            <a:pPr lvl="1"/>
+            <a:r>
+              <a:rPr lang="en-US" smtClean="0"/>
+              <a:t>Security loopholes leading to loss of user data could make applicaton unsafe for use</a:t>
+            </a:r>
+          </a:p>
+          <a:p>
+            <a:r>
+              <a:rPr lang="en-US" b="1" smtClean="0"/>
+              <a:t>Items To Be Tested</a:t>
+            </a:r>
+          </a:p>
+          <a:p>
+            <a:pPr lvl="1"/>
+            <a:r>
+              <a:rPr lang="en-US" smtClean="0"/>
+              <a:t>Secure user login</a:t>
+            </a:r>
+          </a:p>
+          <a:p>
+            <a:pPr lvl="1"/>
+            <a:r>
+              <a:rPr lang="en-US" smtClean="0"/>
+              <a:t>Admin mode</a:t>
+            </a:r>
+          </a:p>
+          <a:p>
+            <a:pPr lvl="1"/>
+            <a:r>
+              <a:rPr lang="en-US" smtClean="0"/>
+              <a:t>Password encryption</a:t>
+            </a:r>
+          </a:p>
+          <a:p>
+            <a:pPr lvl="1"/>
+            <a:r>
+              <a:rPr lang="en-US" smtClean="0"/>
+              <a:t>SSL encryption</a:t>
+            </a:r>
+          </a:p>
+          <a:p>
+            <a:r>
+              <a:rPr lang="en-US" b="1" smtClean="0"/>
+              <a:t>Test Approach</a:t>
+            </a:r>
+          </a:p>
+          <a:p>
+            <a:pPr lvl="1"/>
+            <a:r>
+              <a:rPr lang="en-US" smtClean="0"/>
+              <a:t>Interacting with web application user interface</a:t>
+            </a:r>
+          </a:p>
+          <a:p>
+            <a:pPr lvl="1"/>
+            <a:r>
+              <a:rPr lang="en-US" smtClean="0"/>
+              <a:t>Accessing Geocerts SSL certificate validation site</a:t>
+            </a:r>
+          </a:p>
+          <a:p>
+            <a:pPr lvl="1"/>
+            <a:r>
+              <a:rPr lang="en-US" smtClean="0"/>
+              <a:t>Reviewing records in application database</a:t>
+            </a:r>
+            <a:endParaRPr lang="en-US"/>
+          </a:p>
+        </p:txBody>
+      </p:sp>
     </p:spTree>
     <p:extLst>
       <p:ext uri="{BB962C8B-B14F-4D97-AF65-F5344CB8AC3E}">
-        <p14:creationId xmlns:p14="http://schemas.microsoft.com/office/powerpoint/2010/main" val="748836974"/>
+        <p14:creationId xmlns:p14="http://schemas.microsoft.com/office/powerpoint/2010/main" val="1663274686"/>
       </p:ext>
     </p:extLst>
   </p:cSld>
   <p:clrMapOvr>
     <a:masterClrMapping/>
   </p:clrMapOvr>
+  <p:timing>
+    <p:tnLst>
+      <p:par>
+        <p:cTn id="1" dur="indefinite" restart="never" nodeType="tmRoot"/>
+      </p:par>
+    </p:tnLst>
+  </p:timing>
 </p:sld>
 </file>
 
@@ -6672,10 +5986,10 @@
           <a:lstStyle/>
           <a:p>
             <a:r>
-              <a:rPr lang="en-US" smtClean="0"/>
-              <a:t>User Acceptance Testing</a:t>
-            </a:r>
-            <a:endParaRPr lang="en-US"/>
+              <a:rPr lang="en-US" dirty="0" smtClean="0"/>
+              <a:t>Security Testing</a:t>
+            </a:r>
+            <a:endParaRPr lang="en-US" dirty="0"/>
           </a:p>
         </p:txBody>
       </p:sp>
@@ -6689,63 +6003,33 @@
             <p:ph idx="1"/>
           </p:nvPr>
         </p:nvSpPr>
-        <p:spPr>
-          <a:xfrm>
-            <a:off x="457200" y="1295400"/>
-            <a:ext cx="7620000" cy="3581400"/>
-          </a:xfrm>
-        </p:spPr>
+        <p:spPr/>
         <p:txBody>
-          <a:bodyPr>
-            <a:normAutofit lnSpcReduction="10000"/>
-          </a:bodyPr>
+          <a:bodyPr/>
           <a:lstStyle/>
           <a:p>
-            <a:r>
-              <a:rPr lang="en-US"/>
-              <a:t>L</a:t>
-            </a:r>
-            <a:r>
-              <a:rPr lang="en-US" smtClean="0"/>
-              <a:t>ast </a:t>
-            </a:r>
-            <a:r>
-              <a:rPr lang="en-US"/>
-              <a:t>step in </a:t>
-            </a:r>
-            <a:r>
-              <a:rPr lang="en-US" smtClean="0"/>
-              <a:t>testing; </a:t>
-            </a:r>
-            <a:r>
-              <a:rPr lang="en-US"/>
-              <a:t>done by </a:t>
-            </a:r>
-            <a:r>
-              <a:rPr lang="en-US" smtClean="0"/>
-              <a:t>members </a:t>
-            </a:r>
-            <a:r>
-              <a:rPr lang="en-US"/>
-              <a:t>of Computech quality assurance </a:t>
-            </a:r>
-            <a:r>
-              <a:rPr lang="en-US" smtClean="0"/>
-              <a:t>team</a:t>
-            </a:r>
-          </a:p>
-          <a:p>
-            <a:r>
-              <a:rPr lang="en-US" b="1" smtClean="0"/>
-              <a:t>Test Approach</a:t>
-            </a:r>
-          </a:p>
-          <a:p>
-            <a:pPr lvl="1"/>
-            <a:r>
-              <a:rPr lang="en-US" smtClean="0"/>
-              <a:t>Test cases below are completed through interaction with UI</a:t>
-            </a:r>
+            <a:pPr marL="114300" indent="0">
+              <a:buNone/>
+            </a:pPr>
+            <a:endParaRPr lang="en-US" smtClean="0"/>
+          </a:p>
+          <a:p>
+            <a:endParaRPr lang="en-US" smtClean="0"/>
+          </a:p>
+          <a:p>
+            <a:endParaRPr lang="en-US"/>
+          </a:p>
+          <a:p>
+            <a:endParaRPr lang="en-US" smtClean="0"/>
+          </a:p>
+          <a:p>
+            <a:endParaRPr lang="en-US" smtClean="0"/>
+          </a:p>
+          <a:p>
+            <a:endParaRPr lang="en-US" smtClean="0"/>
+          </a:p>
+          <a:p>
+            <a:endParaRPr lang="en-US" smtClean="0"/>
           </a:p>
           <a:p>
             <a:r>
@@ -6757,34 +6041,31 @@
             <a:pPr lvl="1"/>
             <a:r>
               <a:rPr lang="en-US" smtClean="0"/>
-              <a:t>Pass if 100% of test cases completed satisfactorily; fail otherwise</a:t>
-            </a:r>
-          </a:p>
-          <a:p>
+              <a:t>Pass when each test case passes; fail otherwise</a:t>
+            </a:r>
+            <a:endParaRPr lang="en-US"/>
+          </a:p>
+          <a:p>
+            <a:r>
+              <a:rPr lang="en-US" b="1"/>
+              <a:t>Test </a:t>
+            </a:r>
             <a:r>
               <a:rPr lang="en-US" b="1" smtClean="0"/>
-              <a:t>Test Entry/Exit Criteria</a:t>
+              <a:t>Suspension/Resumption </a:t>
+            </a:r>
+            <a:r>
+              <a:rPr lang="en-US" b="1"/>
+              <a:t>criteria</a:t>
             </a:r>
           </a:p>
           <a:p>
             <a:pPr lvl="1"/>
             <a:r>
               <a:rPr lang="en-US" smtClean="0"/>
-              <a:t>Entry Criteria: All other testing is complete</a:t>
-            </a:r>
-          </a:p>
-          <a:p>
-            <a:pPr lvl="1"/>
-            <a:r>
-              <a:rPr lang="en-US" smtClean="0"/>
-              <a:t>Exit Criteria: All tests run sucessfully</a:t>
-            </a:r>
-          </a:p>
-          <a:p>
-            <a:r>
-              <a:rPr lang="en-US" b="1" smtClean="0"/>
-              <a:t>Test Cases</a:t>
-            </a:r>
+              <a:t>Due to high importance of security, suspend testing when a security violation is detected until the issue is resolved</a:t>
+            </a:r>
+            <a:endParaRPr lang="en-US"/>
           </a:p>
         </p:txBody>
       </p:sp>
@@ -6797,79 +6078,134 @@
           <p:nvPr>
             <p:extLst>
               <p:ext uri="{D42A27DB-BD31-4B8C-83A1-F6EECF244321}">
-                <p14:modId xmlns:p14="http://schemas.microsoft.com/office/powerpoint/2010/main" val="1367834133"/>
+                <p14:modId xmlns:p14="http://schemas.microsoft.com/office/powerpoint/2010/main" val="804696412"/>
               </p:ext>
             </p:extLst>
           </p:nvPr>
         </p:nvGraphicFramePr>
         <p:xfrm>
-          <a:off x="13860" y="4754880"/>
-          <a:ext cx="9143995" cy="2103120"/>
+          <a:off x="762000" y="1524000"/>
+          <a:ext cx="7010400" cy="2651760"/>
         </p:xfrm>
         <a:graphic>
           <a:graphicData uri="http://schemas.openxmlformats.org/drawingml/2006/table">
             <a:tbl>
-              <a:tblPr bandRow="1">
-                <a:tableStyleId>{00A15C55-8517-42AA-B614-E9B94910E393}</a:tableStyleId>
+              <a:tblPr firstRow="1" bandRow="1">
+                <a:tableStyleId>{5C22544A-7EE6-4342-B048-85BDC9FD1C3A}</a:tableStyleId>
               </a:tblPr>
               <a:tblGrid>
-                <a:gridCol w="1306285"/>
-                <a:gridCol w="1306285"/>
-                <a:gridCol w="1306285"/>
-                <a:gridCol w="1034140"/>
-                <a:gridCol w="1578430"/>
-                <a:gridCol w="1306285"/>
-                <a:gridCol w="1306285"/>
+                <a:gridCol w="3505200"/>
+                <a:gridCol w="3505200"/>
               </a:tblGrid>
-              <a:tr h="914400">
-                <a:tc>
-                  <a:txBody>
-                    <a:bodyPr/>
-                    <a:lstStyle/>
-                    <a:p>
-                      <a:r>
-                        <a:rPr lang="en-US" b="1" smtClean="0"/>
-                        <a:t>UT_1: </a:t>
-                      </a:r>
-                      <a:r>
-                        <a:rPr lang="en-US" smtClean="0"/>
-                        <a:t>Search Jobs</a:t>
-                      </a:r>
+              <a:tr h="419100">
+                <a:tc>
+                  <a:txBody>
+                    <a:bodyPr/>
+                    <a:lstStyle/>
+                    <a:p>
+                      <a:r>
+                        <a:rPr lang="en-US" sz="2400" smtClean="0"/>
+                        <a:t>Test Item</a:t>
+                      </a:r>
+                      <a:endParaRPr lang="en-US" sz="2400"/>
+                    </a:p>
+                  </a:txBody>
+                  <a:tcPr/>
+                </a:tc>
+                <a:tc>
+                  <a:txBody>
+                    <a:bodyPr/>
+                    <a:lstStyle/>
+                    <a:p>
+                      <a:r>
+                        <a:rPr lang="en-US" sz="2400" smtClean="0"/>
+                        <a:t>Test Approach</a:t>
+                      </a:r>
+                      <a:endParaRPr lang="en-US" sz="2400"/>
+                    </a:p>
+                  </a:txBody>
+                  <a:tcPr/>
+                </a:tc>
+              </a:tr>
+              <a:tr h="419100">
+                <a:tc>
+                  <a:txBody>
+                    <a:bodyPr/>
+                    <a:lstStyle/>
+                    <a:p>
+                      <a:r>
+                        <a:rPr lang="en-US" sz="2400" smtClean="0"/>
+                        <a:t>Secure User Login</a:t>
+                      </a:r>
+                      <a:endParaRPr lang="en-US" sz="2400"/>
+                    </a:p>
+                  </a:txBody>
+                  <a:tcPr/>
+                </a:tc>
+                <a:tc rowSpan="2">
+                  <a:txBody>
+                    <a:bodyPr/>
+                    <a:lstStyle/>
+                    <a:p>
+                      <a:pPr algn="ctr"/>
+                      <a:endParaRPr lang="en-US" sz="2400" smtClean="0"/>
+                    </a:p>
+                    <a:p>
+                      <a:pPr algn="ctr"/>
+                      <a:r>
+                        <a:rPr lang="en-US" sz="2400" smtClean="0"/>
+                        <a:t>Web</a:t>
+                      </a:r>
+                      <a:r>
+                        <a:rPr lang="en-US" sz="2400" baseline="0" smtClean="0"/>
+                        <a:t> Applicaton UI</a:t>
+                      </a:r>
+                      <a:endParaRPr lang="en-US" sz="2400" smtClean="0"/>
+                    </a:p>
+                  </a:txBody>
+                  <a:tcPr/>
+                </a:tc>
+              </a:tr>
+              <a:tr h="419100">
+                <a:tc>
+                  <a:txBody>
+                    <a:bodyPr/>
+                    <a:lstStyle/>
+                    <a:p>
+                      <a:r>
+                        <a:rPr lang="en-US" sz="2400" smtClean="0"/>
+                        <a:t>Admin Mode</a:t>
+                      </a:r>
+                    </a:p>
+                  </a:txBody>
+                  <a:tcPr/>
+                </a:tc>
+                <a:tc vMerge="1">
+                  <a:txBody>
+                    <a:bodyPr/>
+                    <a:lstStyle/>
+                    <a:p>
                       <a:endParaRPr lang="en-US"/>
                     </a:p>
                   </a:txBody>
                   <a:tcPr/>
                 </a:tc>
-                <a:tc>
-                  <a:txBody>
-                    <a:bodyPr/>
-                    <a:lstStyle/>
-                    <a:p>
-                      <a:pPr marL="0" marR="0" indent="0" algn="l" defTabSz="914400" rtl="0" eaLnBrk="1" fontAlgn="auto" latinLnBrk="0" hangingPunct="1">
-                        <a:lnSpc>
-                          <a:spcPct val="100000"/>
-                        </a:lnSpc>
-                        <a:spcBef>
-                          <a:spcPts val="0"/>
-                        </a:spcBef>
-                        <a:spcAft>
-                          <a:spcPts val="0"/>
-                        </a:spcAft>
-                        <a:buClrTx/>
-                        <a:buSzTx/>
-                        <a:buFontTx/>
-                        <a:buNone/>
-                        <a:tabLst/>
-                        <a:defRPr/>
-                      </a:pPr>
-                      <a:r>
-                        <a:rPr lang="en-US" b="1" smtClean="0"/>
-                        <a:t>UT_2: </a:t>
-                      </a:r>
-                      <a:r>
-                        <a:rPr lang="en-US" smtClean="0"/>
-                        <a:t>Register</a:t>
-                      </a:r>
+              </a:tr>
+              <a:tr h="419100">
+                <a:tc>
+                  <a:txBody>
+                    <a:bodyPr/>
+                    <a:lstStyle/>
+                    <a:p>
+                      <a:r>
+                        <a:rPr lang="en-US" sz="2400" smtClean="0"/>
+                        <a:t>SSL</a:t>
+                      </a:r>
+                      <a:r>
+                        <a:rPr lang="en-US" sz="2400" baseline="0" smtClean="0"/>
+                        <a:t> Encryption</a:t>
+                      </a:r>
+                      <a:endParaRPr lang="en-US" sz="2400"/>
                     </a:p>
                   </a:txBody>
                   <a:tcPr/>
@@ -6879,65 +6215,31 @@
                     <a:bodyPr/>
                     <a:lstStyle/>
                     <a:p>
-                      <a:pPr marL="0" marR="0" indent="0" algn="l" defTabSz="914400" rtl="0" eaLnBrk="1" fontAlgn="auto" latinLnBrk="0" hangingPunct="1">
-                        <a:lnSpc>
-                          <a:spcPct val="100000"/>
-                        </a:lnSpc>
-                        <a:spcBef>
-                          <a:spcPts val="0"/>
-                        </a:spcBef>
-                        <a:spcAft>
-                          <a:spcPts val="0"/>
-                        </a:spcAft>
-                        <a:buClrTx/>
-                        <a:buSzTx/>
-                        <a:buFontTx/>
-                        <a:buNone/>
-                        <a:tabLst/>
-                        <a:defRPr/>
-                      </a:pPr>
-                      <a:r>
-                        <a:rPr lang="en-US" b="1" smtClean="0"/>
-                        <a:t>UT_3: </a:t>
-                      </a:r>
-                      <a:r>
-                        <a:rPr lang="en-US" smtClean="0"/>
-                        <a:t>Email Verification</a:t>
-                      </a:r>
+                      <a:r>
+                        <a:rPr lang="en-US" sz="2400" smtClean="0"/>
+                        <a:t>Geocerts.com</a:t>
+                      </a:r>
+                      <a:r>
+                        <a:rPr lang="en-US" sz="2400" baseline="0" smtClean="0"/>
+                        <a:t> SSL verification</a:t>
+                      </a:r>
+                      <a:endParaRPr lang="en-US" sz="2400"/>
                     </a:p>
                   </a:txBody>
                   <a:tcPr/>
                 </a:tc>
-                <a:tc>
-                  <a:txBody>
-                    <a:bodyPr/>
-                    <a:lstStyle/>
-                    <a:p>
-                      <a:pPr marL="0" marR="0" indent="0" algn="l" defTabSz="914400" rtl="0" eaLnBrk="1" fontAlgn="auto" latinLnBrk="0" hangingPunct="1">
-                        <a:lnSpc>
-                          <a:spcPct val="100000"/>
-                        </a:lnSpc>
-                        <a:spcBef>
-                          <a:spcPts val="0"/>
-                        </a:spcBef>
-                        <a:spcAft>
-                          <a:spcPts val="0"/>
-                        </a:spcAft>
-                        <a:buClrTx/>
-                        <a:buSzTx/>
-                        <a:buFontTx/>
-                        <a:buNone/>
-                        <a:tabLst/>
-                        <a:defRPr/>
-                      </a:pPr>
-                      <a:r>
-                        <a:rPr lang="en-US" b="1" smtClean="0"/>
-                        <a:t>UT_4: </a:t>
-                      </a:r>
-                      <a:r>
-                        <a:rPr lang="en-US" smtClean="0"/>
-                        <a:t>Login</a:t>
-                      </a:r>
+              </a:tr>
+              <a:tr h="419100">
+                <a:tc>
+                  <a:txBody>
+                    <a:bodyPr/>
+                    <a:lstStyle/>
+                    <a:p>
+                      <a:r>
+                        <a:rPr lang="en-US" sz="2400" smtClean="0"/>
+                        <a:t>Password Encryption</a:t>
+                      </a:r>
+                      <a:endParaRPr lang="en-US" sz="2400"/>
                     </a:p>
                   </a:txBody>
                   <a:tcPr/>
@@ -6947,359 +6249,15 @@
                     <a:bodyPr/>
                     <a:lstStyle/>
                     <a:p>
-                      <a:pPr marL="0" marR="0" indent="0" algn="l" defTabSz="914400" rtl="0" eaLnBrk="1" fontAlgn="auto" latinLnBrk="0" hangingPunct="1">
-                        <a:lnSpc>
-                          <a:spcPct val="100000"/>
-                        </a:lnSpc>
-                        <a:spcBef>
-                          <a:spcPts val="0"/>
-                        </a:spcBef>
-                        <a:spcAft>
-                          <a:spcPts val="0"/>
-                        </a:spcAft>
-                        <a:buClrTx/>
-                        <a:buSzTx/>
-                        <a:buFontTx/>
-                        <a:buNone/>
-                        <a:tabLst/>
-                        <a:defRPr/>
-                      </a:pPr>
-                      <a:r>
-                        <a:rPr lang="en-US" b="1" smtClean="0"/>
-                        <a:t>UT_5: </a:t>
-                      </a:r>
-                      <a:r>
-                        <a:rPr lang="en-US" smtClean="0"/>
-                        <a:t>Forgot Password</a:t>
-                      </a:r>
-                    </a:p>
-                  </a:txBody>
-                  <a:tcPr/>
-                </a:tc>
-                <a:tc>
-                  <a:txBody>
-                    <a:bodyPr/>
-                    <a:lstStyle/>
-                    <a:p>
-                      <a:pPr marL="0" marR="0" indent="0" algn="l" defTabSz="914400" rtl="0" eaLnBrk="1" fontAlgn="auto" latinLnBrk="0" hangingPunct="1">
-                        <a:lnSpc>
-                          <a:spcPct val="100000"/>
-                        </a:lnSpc>
-                        <a:spcBef>
-                          <a:spcPts val="0"/>
-                        </a:spcBef>
-                        <a:spcAft>
-                          <a:spcPts val="0"/>
-                        </a:spcAft>
-                        <a:buClrTx/>
-                        <a:buSzTx/>
-                        <a:buFontTx/>
-                        <a:buNone/>
-                        <a:tabLst/>
-                        <a:defRPr/>
-                      </a:pPr>
-                      <a:r>
-                        <a:rPr lang="en-US" b="1" smtClean="0"/>
-                        <a:t>UT_6: </a:t>
-                      </a:r>
-                      <a:r>
-                        <a:rPr lang="en-US" smtClean="0"/>
-                        <a:t>Change Password</a:t>
-                      </a:r>
-                    </a:p>
-                  </a:txBody>
-                  <a:tcPr/>
-                </a:tc>
-                <a:tc>
-                  <a:txBody>
-                    <a:bodyPr/>
-                    <a:lstStyle/>
-                    <a:p>
-                      <a:pPr marL="0" marR="0" indent="0" algn="l" defTabSz="914400" rtl="0" eaLnBrk="1" fontAlgn="auto" latinLnBrk="0" hangingPunct="1">
-                        <a:lnSpc>
-                          <a:spcPct val="100000"/>
-                        </a:lnSpc>
-                        <a:spcBef>
-                          <a:spcPts val="0"/>
-                        </a:spcBef>
-                        <a:spcAft>
-                          <a:spcPts val="0"/>
-                        </a:spcAft>
-                        <a:buClrTx/>
-                        <a:buSzTx/>
-                        <a:buFontTx/>
-                        <a:buNone/>
-                        <a:tabLst/>
-                        <a:defRPr/>
-                      </a:pPr>
-                      <a:r>
-                        <a:rPr lang="en-US" b="1" smtClean="0"/>
-                        <a:t>UT_7: </a:t>
-                      </a:r>
-                      <a:r>
-                        <a:rPr lang="en-US" smtClean="0"/>
-                        <a:t>Apply</a:t>
-                      </a:r>
-                    </a:p>
-                  </a:txBody>
-                  <a:tcPr/>
-                </a:tc>
-              </a:tr>
-              <a:tr h="685800">
-                <a:tc>
-                  <a:txBody>
-                    <a:bodyPr/>
-                    <a:lstStyle/>
-                    <a:p>
-                      <a:pPr marL="0" marR="0" indent="0" algn="l" defTabSz="914400" rtl="0" eaLnBrk="1" fontAlgn="auto" latinLnBrk="0" hangingPunct="1">
-                        <a:lnSpc>
-                          <a:spcPct val="100000"/>
-                        </a:lnSpc>
-                        <a:spcBef>
-                          <a:spcPts val="0"/>
-                        </a:spcBef>
-                        <a:spcAft>
-                          <a:spcPts val="0"/>
-                        </a:spcAft>
-                        <a:buClrTx/>
-                        <a:buSzTx/>
-                        <a:buFontTx/>
-                        <a:buNone/>
-                        <a:tabLst/>
-                        <a:defRPr/>
-                      </a:pPr>
-                      <a:r>
-                        <a:rPr lang="en-US" b="1" smtClean="0"/>
-                        <a:t>UT_8: </a:t>
-                      </a:r>
-                      <a:r>
-                        <a:rPr lang="en-US" smtClean="0"/>
-                        <a:t>Filter</a:t>
-                      </a:r>
-                      <a:r>
-                        <a:rPr lang="en-US" baseline="0" smtClean="0"/>
-                        <a:t> Jobs</a:t>
-                      </a:r>
-                      <a:endParaRPr lang="en-US" smtClean="0"/>
-                    </a:p>
-                  </a:txBody>
-                  <a:tcPr/>
-                </a:tc>
-                <a:tc>
-                  <a:txBody>
-                    <a:bodyPr/>
-                    <a:lstStyle/>
-                    <a:p>
-                      <a:pPr marL="0" marR="0" indent="0" algn="l" defTabSz="914400" rtl="0" eaLnBrk="1" fontAlgn="auto" latinLnBrk="0" hangingPunct="1">
-                        <a:lnSpc>
-                          <a:spcPct val="100000"/>
-                        </a:lnSpc>
-                        <a:spcBef>
-                          <a:spcPts val="0"/>
-                        </a:spcBef>
-                        <a:spcAft>
-                          <a:spcPts val="0"/>
-                        </a:spcAft>
-                        <a:buClrTx/>
-                        <a:buSzTx/>
-                        <a:buFontTx/>
-                        <a:buNone/>
-                        <a:tabLst/>
-                        <a:defRPr/>
-                      </a:pPr>
-                      <a:r>
-                        <a:rPr lang="en-US" b="1" smtClean="0"/>
-                        <a:t>UT_9: </a:t>
-                      </a:r>
-                      <a:r>
-                        <a:rPr lang="en-US" smtClean="0"/>
-                        <a:t>Profile</a:t>
-                      </a:r>
-                      <a:r>
-                        <a:rPr lang="en-US" baseline="0" smtClean="0"/>
-                        <a:t> Information</a:t>
-                      </a:r>
-                      <a:endParaRPr lang="en-US" smtClean="0"/>
-                    </a:p>
-                  </a:txBody>
-                  <a:tcPr/>
-                </a:tc>
-                <a:tc>
-                  <a:txBody>
-                    <a:bodyPr/>
-                    <a:lstStyle/>
-                    <a:p>
-                      <a:pPr marL="0" marR="0" indent="0" algn="l" defTabSz="914400" rtl="0" eaLnBrk="1" fontAlgn="auto" latinLnBrk="0" hangingPunct="1">
-                        <a:lnSpc>
-                          <a:spcPct val="100000"/>
-                        </a:lnSpc>
-                        <a:spcBef>
-                          <a:spcPts val="0"/>
-                        </a:spcBef>
-                        <a:spcAft>
-                          <a:spcPts val="0"/>
-                        </a:spcAft>
-                        <a:buClrTx/>
-                        <a:buSzTx/>
-                        <a:buFontTx/>
-                        <a:buNone/>
-                        <a:tabLst/>
-                        <a:defRPr/>
-                      </a:pPr>
-                      <a:r>
-                        <a:rPr lang="en-US" b="1" smtClean="0"/>
-                        <a:t>UT_10: </a:t>
-                      </a:r>
-                      <a:r>
-                        <a:rPr lang="en-US" smtClean="0"/>
-                        <a:t>Resume Upload</a:t>
-                      </a:r>
-                    </a:p>
-                  </a:txBody>
-                  <a:tcPr/>
-                </a:tc>
-                <a:tc>
-                  <a:txBody>
-                    <a:bodyPr/>
-                    <a:lstStyle/>
-                    <a:p>
-                      <a:pPr marL="0" marR="0" indent="0" algn="l" defTabSz="914400" rtl="0" eaLnBrk="1" fontAlgn="auto" latinLnBrk="0" hangingPunct="1">
-                        <a:lnSpc>
-                          <a:spcPct val="100000"/>
-                        </a:lnSpc>
-                        <a:spcBef>
-                          <a:spcPts val="0"/>
-                        </a:spcBef>
-                        <a:spcAft>
-                          <a:spcPts val="0"/>
-                        </a:spcAft>
-                        <a:buClrTx/>
-                        <a:buSzTx/>
-                        <a:buFontTx/>
-                        <a:buNone/>
-                        <a:tabLst/>
-                        <a:defRPr/>
-                      </a:pPr>
-                      <a:r>
-                        <a:rPr lang="en-US" b="1" smtClean="0"/>
-                        <a:t>UT_11: </a:t>
-                      </a:r>
-                      <a:r>
-                        <a:rPr lang="en-US" smtClean="0"/>
-                        <a:t>Admin Login</a:t>
-                      </a:r>
-                    </a:p>
-                  </a:txBody>
-                  <a:tcPr/>
-                </a:tc>
-                <a:tc>
-                  <a:txBody>
-                    <a:bodyPr/>
-                    <a:lstStyle/>
-                    <a:p>
-                      <a:pPr marL="0" marR="0" indent="0" algn="l" defTabSz="914400" rtl="0" eaLnBrk="1" fontAlgn="auto" latinLnBrk="0" hangingPunct="1">
-                        <a:lnSpc>
-                          <a:spcPct val="100000"/>
-                        </a:lnSpc>
-                        <a:spcBef>
-                          <a:spcPts val="0"/>
-                        </a:spcBef>
-                        <a:spcAft>
-                          <a:spcPts val="0"/>
-                        </a:spcAft>
-                        <a:buClrTx/>
-                        <a:buSzTx/>
-                        <a:buFontTx/>
-                        <a:buNone/>
-                        <a:tabLst/>
-                        <a:defRPr/>
-                      </a:pPr>
-                      <a:r>
-                        <a:rPr lang="en-US" b="1" smtClean="0"/>
-                        <a:t>UT_12: </a:t>
-                      </a:r>
-                      <a:r>
-                        <a:rPr lang="en-US" smtClean="0"/>
-                        <a:t>Admin Search Users</a:t>
-                      </a:r>
-                    </a:p>
-                  </a:txBody>
-                  <a:tcPr/>
-                </a:tc>
-                <a:tc>
-                  <a:txBody>
-                    <a:bodyPr/>
-                    <a:lstStyle/>
-                    <a:p>
-                      <a:pPr marL="0" marR="0" indent="0" algn="l" defTabSz="914400" rtl="0" eaLnBrk="1" fontAlgn="auto" latinLnBrk="0" hangingPunct="1">
-                        <a:lnSpc>
-                          <a:spcPct val="100000"/>
-                        </a:lnSpc>
-                        <a:spcBef>
-                          <a:spcPts val="0"/>
-                        </a:spcBef>
-                        <a:spcAft>
-                          <a:spcPts val="0"/>
-                        </a:spcAft>
-                        <a:buClrTx/>
-                        <a:buSzTx/>
-                        <a:buFontTx/>
-                        <a:buNone/>
-                        <a:tabLst/>
-                        <a:defRPr/>
-                      </a:pPr>
-                      <a:r>
-                        <a:rPr lang="en-US" b="1" smtClean="0"/>
-                        <a:t>UT_13:</a:t>
-                      </a:r>
-                      <a:r>
-                        <a:rPr lang="en-US" b="1" baseline="0" smtClean="0"/>
-                        <a:t> </a:t>
-                      </a:r>
-                      <a:r>
-                        <a:rPr lang="en-US" baseline="0" smtClean="0"/>
-                        <a:t>Admin Deactivate User</a:t>
-                      </a:r>
-                      <a:endParaRPr lang="en-US" smtClean="0"/>
-                    </a:p>
-                  </a:txBody>
-                  <a:tcPr/>
-                </a:tc>
-                <a:tc>
-                  <a:txBody>
-                    <a:bodyPr/>
-                    <a:lstStyle/>
-                    <a:p>
-                      <a:pPr marL="0" marR="0" indent="0" algn="l" defTabSz="914400" rtl="0" eaLnBrk="1" fontAlgn="auto" latinLnBrk="0" hangingPunct="1">
-                        <a:lnSpc>
-                          <a:spcPct val="100000"/>
-                        </a:lnSpc>
-                        <a:spcBef>
-                          <a:spcPts val="0"/>
-                        </a:spcBef>
-                        <a:spcAft>
-                          <a:spcPts val="0"/>
-                        </a:spcAft>
-                        <a:buClrTx/>
-                        <a:buSzTx/>
-                        <a:buFontTx/>
-                        <a:buNone/>
-                        <a:tabLst/>
-                        <a:defRPr/>
-                      </a:pPr>
-                      <a:r>
-                        <a:rPr lang="en-US" b="1" smtClean="0"/>
-                        <a:t>UT_14: </a:t>
-                      </a:r>
-                      <a:r>
-                        <a:rPr lang="en-US" smtClean="0"/>
-                        <a:t>Admin</a:t>
-                      </a:r>
-                      <a:r>
-                        <a:rPr lang="en-US" baseline="0" smtClean="0"/>
-                        <a:t> Delete User</a:t>
-                      </a:r>
-                      <a:endParaRPr lang="en-US" smtClean="0"/>
+                      <a:r>
+                        <a:rPr lang="en-US" sz="2400" smtClean="0"/>
+                        <a:t>Revie</a:t>
+                      </a:r>
+                      <a:r>
+                        <a:rPr lang="en-US" sz="2400" baseline="0" smtClean="0"/>
+                        <a:t>w DB records</a:t>
+                      </a:r>
+                      <a:endParaRPr lang="en-US" sz="2400"/>
                     </a:p>
                   </a:txBody>
                   <a:tcPr/>
@@ -7312,13 +6270,20 @@
     </p:spTree>
     <p:extLst>
       <p:ext uri="{BB962C8B-B14F-4D97-AF65-F5344CB8AC3E}">
-        <p14:creationId xmlns:p14="http://schemas.microsoft.com/office/powerpoint/2010/main" val="688694561"/>
+        <p14:creationId xmlns:p14="http://schemas.microsoft.com/office/powerpoint/2010/main" val="1509273037"/>
       </p:ext>
     </p:extLst>
   </p:cSld>
   <p:clrMapOvr>
     <a:masterClrMapping/>
   </p:clrMapOvr>
+  <p:timing>
+    <p:tnLst>
+      <p:par>
+        <p:cTn id="1" dur="indefinite" restart="never" nodeType="tmRoot"/>
+      </p:par>
+    </p:tnLst>
+  </p:timing>
 </p:sld>
 </file>
 
@@ -7380,62 +6345,67 @@
           <a:lstStyle/>
           <a:p>
             <a:r>
-              <a:rPr lang="en-US" sz="2800" b="1" smtClean="0"/>
-              <a:t>Compatability Testing</a:t>
-            </a:r>
-          </a:p>
-          <a:p>
-            <a:r>
-              <a:rPr lang="en-US" sz="2800" b="1" smtClean="0"/>
-              <a:t>Functional Testing</a:t>
-            </a:r>
-          </a:p>
-          <a:p>
-            <a:r>
-              <a:rPr lang="en-US" sz="2800" b="1" smtClean="0"/>
+              <a:rPr lang="en-US" sz="2800" b="1" dirty="0" smtClean="0"/>
+              <a:t>Functional </a:t>
+            </a:r>
+            <a:r>
+              <a:rPr lang="en-US" sz="2800" b="1" dirty="0" smtClean="0"/>
+              <a:t>Testing</a:t>
+            </a:r>
+          </a:p>
+          <a:p>
+            <a:r>
+              <a:rPr lang="en-US" sz="2800" b="1" dirty="0" smtClean="0"/>
               <a:t>Nonfunctional Testing</a:t>
             </a:r>
           </a:p>
           <a:p>
             <a:r>
-              <a:rPr lang="en-US" sz="2800" b="1"/>
+              <a:rPr lang="en-US" sz="2800" b="1" dirty="0" smtClean="0"/>
+              <a:t>Compatibility Testing</a:t>
+            </a:r>
+            <a:endParaRPr lang="en-US" sz="2800" b="1" dirty="0" smtClean="0"/>
+          </a:p>
+          <a:p>
+            <a:r>
+              <a:rPr lang="en-US" sz="2800" b="1" dirty="0" smtClean="0"/>
               <a:t>System </a:t>
             </a:r>
             <a:r>
-              <a:rPr lang="en-US" sz="2800" b="1" smtClean="0"/>
+              <a:rPr lang="en-US" sz="2800" b="1" dirty="0" smtClean="0"/>
               <a:t>Testing</a:t>
             </a:r>
           </a:p>
           <a:p>
             <a:r>
-              <a:rPr lang="en-US" sz="2800" b="1" smtClean="0"/>
+              <a:rPr lang="en-US" sz="2800" b="1" dirty="0" smtClean="0"/>
               <a:t>Integration Testing</a:t>
             </a:r>
           </a:p>
           <a:p>
             <a:r>
-              <a:rPr lang="en-US" sz="2800" b="1" smtClean="0"/>
+              <a:rPr lang="en-US" sz="2800" b="1" dirty="0" smtClean="0"/>
               <a:t>Performance and Load Testing</a:t>
             </a:r>
           </a:p>
           <a:p>
             <a:r>
-              <a:rPr lang="en-US" sz="2800" b="1" smtClean="0"/>
+              <a:rPr lang="en-US" sz="2800" b="1" dirty="0" smtClean="0"/>
               <a:t>Security Testing</a:t>
             </a:r>
           </a:p>
           <a:p>
             <a:r>
-              <a:rPr lang="en-US" sz="2800" b="1" smtClean="0"/>
+              <a:rPr lang="en-US" sz="2800" b="1" dirty="0" smtClean="0"/>
               <a:t>User Acceptance Testing</a:t>
             </a:r>
           </a:p>
           <a:p>
             <a:r>
-              <a:rPr lang="en-US" sz="2800" b="1" smtClean="0"/>
+              <a:rPr lang="en-US" sz="2800" b="1" dirty="0" smtClean="0"/>
               <a:t>Unit Testing</a:t>
             </a:r>
-            <a:endParaRPr lang="en-US" sz="2800" b="1"/>
+            <a:endParaRPr lang="en-US" sz="2800" b="1" dirty="0"/>
           </a:p>
         </p:txBody>
       </p:sp>
@@ -7492,121 +6462,595 @@
           <a:lstStyle/>
           <a:p>
             <a:r>
-              <a:rPr lang="en-US" smtClean="0"/>
-              <a:t>Unit Testing</a:t>
-            </a:r>
-            <a:endParaRPr lang="en-US"/>
+              <a:rPr lang="en-US" dirty="0"/>
+              <a:t>Security Testing</a:t>
+            </a:r>
           </a:p>
         </p:txBody>
       </p:sp>
-      <p:sp>
-        <p:nvSpPr>
-          <p:cNvPr id="3" name="Content Placeholder 2"/>
-          <p:cNvSpPr>
-            <a:spLocks noGrp="1"/>
-          </p:cNvSpPr>
+      <p:graphicFrame>
+        <p:nvGraphicFramePr>
+          <p:cNvPr id="4" name="Content Placeholder 3"/>
+          <p:cNvGraphicFramePr>
+            <a:graphicFrameLocks noGrp="1"/>
+          </p:cNvGraphicFramePr>
           <p:nvPr>
             <p:ph idx="1"/>
+            <p:extLst>
+              <p:ext uri="{D42A27DB-BD31-4B8C-83A1-F6EECF244321}">
+                <p14:modId xmlns:p14="http://schemas.microsoft.com/office/powerpoint/2010/main" val="2530738191"/>
+              </p:ext>
+            </p:extLst>
           </p:nvPr>
-        </p:nvSpPr>
-        <p:spPr>
-          <a:xfrm>
-            <a:off x="457200" y="1295400"/>
-            <a:ext cx="7620000" cy="5105400"/>
-          </a:xfrm>
-        </p:spPr>
-        <p:txBody>
-          <a:bodyPr/>
-          <a:lstStyle/>
-          <a:p>
-            <a:r>
-              <a:rPr lang="en-US" smtClean="0"/>
-              <a:t>Programmatically test methods and classes from source code</a:t>
-            </a:r>
-          </a:p>
-          <a:p>
-            <a:r>
-              <a:rPr lang="en-US" b="1" smtClean="0"/>
-              <a:t>Items To Be Tested</a:t>
-            </a:r>
-            <a:endParaRPr lang="en-US" b="1"/>
-          </a:p>
-        </p:txBody>
-      </p:sp>
-      <p:pic>
-        <p:nvPicPr>
-          <p:cNvPr id="3074" name="Picture 2"/>
-          <p:cNvPicPr>
-            <a:picLocks noChangeAspect="1" noChangeArrowheads="1"/>
-          </p:cNvPicPr>
-          <p:nvPr/>
-        </p:nvPicPr>
-        <p:blipFill>
-          <a:blip r:embed="rId2" cstate="print">
-            <a:extLst>
-              <a:ext uri="{28A0092B-C50C-407E-A947-70E740481C1C}">
-                <a14:useLocalDpi xmlns:a14="http://schemas.microsoft.com/office/drawing/2010/main" val="0"/>
-              </a:ext>
-            </a:extLst>
-          </a:blip>
-          <a:srcRect/>
-          <a:stretch>
-            <a:fillRect/>
-          </a:stretch>
-        </p:blipFill>
-        <p:spPr bwMode="auto">
-          <a:xfrm>
-            <a:off x="1295400" y="2362200"/>
-            <a:ext cx="5715000" cy="4495800"/>
-          </a:xfrm>
-          <a:prstGeom prst="rect">
-            <a:avLst/>
-          </a:prstGeom>
-          <a:noFill/>
-          <a:ln>
-            <a:noFill/>
-          </a:ln>
-          <a:effectLst/>
-          <a:extLst>
-            <a:ext uri="{909E8E84-426E-40DD-AFC4-6F175D3DCCD1}">
-              <a14:hiddenFill xmlns:a14="http://schemas.microsoft.com/office/drawing/2010/main">
-                <a:solidFill>
-                  <a:schemeClr val="accent1"/>
-                </a:solidFill>
-              </a14:hiddenFill>
-            </a:ext>
-            <a:ext uri="{91240B29-F687-4F45-9708-019B960494DF}">
-              <a14:hiddenLine xmlns:a14="http://schemas.microsoft.com/office/drawing/2010/main" w="9525">
-                <a:solidFill>
-                  <a:schemeClr val="tx1"/>
-                </a:solidFill>
-                <a:miter lim="800000"/>
-                <a:headEnd/>
-                <a:tailEnd/>
-              </a14:hiddenLine>
-            </a:ext>
-            <a:ext uri="{AF507438-7753-43E0-B8FC-AC1667EBCBE1}">
-              <a14:hiddenEffects xmlns:a14="http://schemas.microsoft.com/office/drawing/2010/main">
-                <a:effectLst>
-                  <a:outerShdw dist="35921" dir="2700000" algn="ctr" rotWithShape="0">
-                    <a:schemeClr val="bg2"/>
-                  </a:outerShdw>
-                </a:effectLst>
-              </a14:hiddenEffects>
-            </a:ext>
-          </a:extLst>
-        </p:spPr>
-      </p:pic>
+        </p:nvGraphicFramePr>
+        <p:xfrm>
+          <a:off x="1066800" y="2057400"/>
+          <a:ext cx="6562725" cy="3657600"/>
+        </p:xfrm>
+        <a:graphic>
+          <a:graphicData uri="http://schemas.openxmlformats.org/drawingml/2006/table">
+            <a:tbl>
+              <a:tblPr>
+                <a:tableStyleId>{5C22544A-7EE6-4342-B048-85BDC9FD1C3A}</a:tableStyleId>
+              </a:tblPr>
+              <a:tblGrid>
+                <a:gridCol w="1845076"/>
+                <a:gridCol w="4717649"/>
+              </a:tblGrid>
+              <a:tr h="440778">
+                <a:tc>
+                  <a:txBody>
+                    <a:bodyPr/>
+                    <a:lstStyle/>
+                    <a:p>
+                      <a:pPr marL="0" marR="0">
+                        <a:lnSpc>
+                          <a:spcPct val="115000"/>
+                        </a:lnSpc>
+                        <a:spcBef>
+                          <a:spcPts val="0"/>
+                        </a:spcBef>
+                        <a:spcAft>
+                          <a:spcPts val="0"/>
+                        </a:spcAft>
+                        <a:tabLst>
+                          <a:tab pos="114300" algn="l"/>
+                          <a:tab pos="228600" algn="l"/>
+                          <a:tab pos="457200" algn="l"/>
+                        </a:tabLst>
+                      </a:pPr>
+                      <a:r>
+                        <a:rPr lang="en-US" sz="1200">
+                          <a:effectLst/>
+                        </a:rPr>
+                        <a:t>ID</a:t>
+                      </a:r>
+                      <a:endParaRPr lang="en-US" sz="1200">
+                        <a:effectLst/>
+                        <a:latin typeface="Times"/>
+                        <a:ea typeface="Times"/>
+                        <a:cs typeface="Times New Roman"/>
+                      </a:endParaRPr>
+                    </a:p>
+                  </a:txBody>
+                  <a:tcPr marL="63500" marR="63500" marT="63500" marB="63500"/>
+                </a:tc>
+                <a:tc>
+                  <a:txBody>
+                    <a:bodyPr/>
+                    <a:lstStyle/>
+                    <a:p>
+                      <a:pPr marL="0" marR="0">
+                        <a:lnSpc>
+                          <a:spcPct val="115000"/>
+                        </a:lnSpc>
+                        <a:spcBef>
+                          <a:spcPts val="0"/>
+                        </a:spcBef>
+                        <a:spcAft>
+                          <a:spcPts val="0"/>
+                        </a:spcAft>
+                        <a:tabLst>
+                          <a:tab pos="114300" algn="l"/>
+                          <a:tab pos="228600" algn="l"/>
+                          <a:tab pos="457200" algn="l"/>
+                        </a:tabLst>
+                      </a:pPr>
+                      <a:r>
+                        <a:rPr lang="en-US" sz="1200">
+                          <a:effectLst/>
+                        </a:rPr>
+                        <a:t>ST_1.1</a:t>
+                      </a:r>
+                      <a:endParaRPr lang="en-US" sz="1200">
+                        <a:effectLst/>
+                        <a:latin typeface="Times"/>
+                        <a:ea typeface="Times"/>
+                        <a:cs typeface="Times New Roman"/>
+                      </a:endParaRPr>
+                    </a:p>
+                  </a:txBody>
+                  <a:tcPr marL="63500" marR="63500" marT="63500" marB="63500"/>
+                </a:tc>
+              </a:tr>
+              <a:tr h="440778">
+                <a:tc>
+                  <a:txBody>
+                    <a:bodyPr/>
+                    <a:lstStyle/>
+                    <a:p>
+                      <a:pPr marL="0" marR="0">
+                        <a:lnSpc>
+                          <a:spcPct val="115000"/>
+                        </a:lnSpc>
+                        <a:spcBef>
+                          <a:spcPts val="0"/>
+                        </a:spcBef>
+                        <a:spcAft>
+                          <a:spcPts val="0"/>
+                        </a:spcAft>
+                        <a:tabLst>
+                          <a:tab pos="114300" algn="l"/>
+                          <a:tab pos="228600" algn="l"/>
+                          <a:tab pos="457200" algn="l"/>
+                        </a:tabLst>
+                      </a:pPr>
+                      <a:r>
+                        <a:rPr lang="en-US" sz="1200">
+                          <a:effectLst/>
+                        </a:rPr>
+                        <a:t>Item to Test</a:t>
+                      </a:r>
+                      <a:endParaRPr lang="en-US" sz="1200">
+                        <a:effectLst/>
+                        <a:latin typeface="Times"/>
+                        <a:ea typeface="Times"/>
+                        <a:cs typeface="Times New Roman"/>
+                      </a:endParaRPr>
+                    </a:p>
+                  </a:txBody>
+                  <a:tcPr marL="63500" marR="63500" marT="63500" marB="63500"/>
+                </a:tc>
+                <a:tc>
+                  <a:txBody>
+                    <a:bodyPr/>
+                    <a:lstStyle/>
+                    <a:p>
+                      <a:pPr marL="0" marR="0">
+                        <a:lnSpc>
+                          <a:spcPct val="115000"/>
+                        </a:lnSpc>
+                        <a:spcBef>
+                          <a:spcPts val="0"/>
+                        </a:spcBef>
+                        <a:spcAft>
+                          <a:spcPts val="0"/>
+                        </a:spcAft>
+                        <a:tabLst>
+                          <a:tab pos="114300" algn="l"/>
+                          <a:tab pos="228600" algn="l"/>
+                          <a:tab pos="457200" algn="l"/>
+                        </a:tabLst>
+                      </a:pPr>
+                      <a:r>
+                        <a:rPr lang="en-US" sz="1200">
+                          <a:effectLst/>
+                        </a:rPr>
+                        <a:t>Secure User Login</a:t>
+                      </a:r>
+                      <a:endParaRPr lang="en-US" sz="1200">
+                        <a:effectLst/>
+                        <a:latin typeface="Times"/>
+                        <a:ea typeface="Times"/>
+                        <a:cs typeface="Times New Roman"/>
+                      </a:endParaRPr>
+                    </a:p>
+                  </a:txBody>
+                  <a:tcPr marL="63500" marR="63500" marT="63500" marB="63500"/>
+                </a:tc>
+              </a:tr>
+              <a:tr h="440778">
+                <a:tc>
+                  <a:txBody>
+                    <a:bodyPr/>
+                    <a:lstStyle/>
+                    <a:p>
+                      <a:pPr marL="0" marR="0">
+                        <a:lnSpc>
+                          <a:spcPct val="115000"/>
+                        </a:lnSpc>
+                        <a:spcBef>
+                          <a:spcPts val="0"/>
+                        </a:spcBef>
+                        <a:spcAft>
+                          <a:spcPts val="0"/>
+                        </a:spcAft>
+                        <a:tabLst>
+                          <a:tab pos="114300" algn="l"/>
+                          <a:tab pos="228600" algn="l"/>
+                          <a:tab pos="457200" algn="l"/>
+                        </a:tabLst>
+                      </a:pPr>
+                      <a:r>
+                        <a:rPr lang="en-US" sz="1200">
+                          <a:effectLst/>
+                        </a:rPr>
+                        <a:t>Pre-Conditions</a:t>
+                      </a:r>
+                      <a:endParaRPr lang="en-US" sz="1200">
+                        <a:effectLst/>
+                        <a:latin typeface="Times"/>
+                        <a:ea typeface="Times"/>
+                        <a:cs typeface="Times New Roman"/>
+                      </a:endParaRPr>
+                    </a:p>
+                  </a:txBody>
+                  <a:tcPr marL="63500" marR="63500" marT="63500" marB="63500"/>
+                </a:tc>
+                <a:tc>
+                  <a:txBody>
+                    <a:bodyPr/>
+                    <a:lstStyle/>
+                    <a:p>
+                      <a:pPr>
+                        <a:lnSpc>
+                          <a:spcPct val="115000"/>
+                        </a:lnSpc>
+                        <a:tabLst>
+                          <a:tab pos="457200" algn="l"/>
+                        </a:tabLst>
+                      </a:pPr>
+                      <a:r>
+                        <a:rPr lang="en-US" sz="1100">
+                          <a:effectLst/>
+                        </a:rPr>
+                        <a:t>All other functional and nonfunctional application testing is complete</a:t>
+                      </a:r>
+                      <a:endParaRPr lang="en-US" sz="1100">
+                        <a:effectLst/>
+                        <a:latin typeface="Calibri"/>
+                      </a:endParaRPr>
+                    </a:p>
+                  </a:txBody>
+                  <a:tcPr marL="63500" marR="63500" marT="63500" marB="63500"/>
+                </a:tc>
+              </a:tr>
+              <a:tr h="726855">
+                <a:tc>
+                  <a:txBody>
+                    <a:bodyPr/>
+                    <a:lstStyle/>
+                    <a:p>
+                      <a:pPr marL="0" marR="0">
+                        <a:lnSpc>
+                          <a:spcPct val="115000"/>
+                        </a:lnSpc>
+                        <a:spcBef>
+                          <a:spcPts val="0"/>
+                        </a:spcBef>
+                        <a:spcAft>
+                          <a:spcPts val="0"/>
+                        </a:spcAft>
+                        <a:tabLst>
+                          <a:tab pos="114300" algn="l"/>
+                          <a:tab pos="228600" algn="l"/>
+                          <a:tab pos="457200" algn="l"/>
+                        </a:tabLst>
+                      </a:pPr>
+                      <a:r>
+                        <a:rPr lang="en-US" sz="1200">
+                          <a:effectLst/>
+                        </a:rPr>
+                        <a:t>Test Steps</a:t>
+                      </a:r>
+                      <a:endParaRPr lang="en-US" sz="1200">
+                        <a:effectLst/>
+                        <a:latin typeface="Times"/>
+                        <a:ea typeface="Times"/>
+                        <a:cs typeface="Times New Roman"/>
+                      </a:endParaRPr>
+                    </a:p>
+                  </a:txBody>
+                  <a:tcPr marL="63500" marR="63500" marT="63500" marB="63500"/>
+                </a:tc>
+                <a:tc>
+                  <a:txBody>
+                    <a:bodyPr/>
+                    <a:lstStyle/>
+                    <a:p>
+                      <a:pPr marL="0" marR="0">
+                        <a:lnSpc>
+                          <a:spcPct val="115000"/>
+                        </a:lnSpc>
+                        <a:spcBef>
+                          <a:spcPts val="0"/>
+                        </a:spcBef>
+                        <a:spcAft>
+                          <a:spcPts val="0"/>
+                        </a:spcAft>
+                        <a:tabLst>
+                          <a:tab pos="114300" algn="l"/>
+                          <a:tab pos="228600" algn="l"/>
+                          <a:tab pos="457200" algn="l"/>
+                        </a:tabLst>
+                      </a:pPr>
+                      <a:r>
+                        <a:rPr lang="en-US" sz="1200">
+                          <a:effectLst/>
+                        </a:rPr>
+                        <a:t>Click on Login.</a:t>
+                      </a:r>
+                      <a:br>
+                        <a:rPr lang="en-US" sz="1200">
+                          <a:effectLst/>
+                        </a:rPr>
+                      </a:br>
+                      <a:r>
+                        <a:rPr lang="en-US" sz="1200">
+                          <a:effectLst/>
+                        </a:rPr>
+                        <a:t>Enter random email and password credentials.</a:t>
+                      </a:r>
+                      <a:endParaRPr lang="en-US" sz="1200">
+                        <a:effectLst/>
+                        <a:latin typeface="Times"/>
+                        <a:ea typeface="Times"/>
+                        <a:cs typeface="Times New Roman"/>
+                      </a:endParaRPr>
+                    </a:p>
+                  </a:txBody>
+                  <a:tcPr marL="63500" marR="63500" marT="63500" marB="63500"/>
+                </a:tc>
+              </a:tr>
+              <a:tr h="726855">
+                <a:tc>
+                  <a:txBody>
+                    <a:bodyPr/>
+                    <a:lstStyle/>
+                    <a:p>
+                      <a:pPr marL="0" marR="0">
+                        <a:lnSpc>
+                          <a:spcPct val="115000"/>
+                        </a:lnSpc>
+                        <a:spcBef>
+                          <a:spcPts val="0"/>
+                        </a:spcBef>
+                        <a:spcAft>
+                          <a:spcPts val="0"/>
+                        </a:spcAft>
+                        <a:tabLst>
+                          <a:tab pos="114300" algn="l"/>
+                          <a:tab pos="228600" algn="l"/>
+                          <a:tab pos="457200" algn="l"/>
+                        </a:tabLst>
+                      </a:pPr>
+                      <a:r>
+                        <a:rPr lang="en-US" sz="1200">
+                          <a:effectLst/>
+                        </a:rPr>
+                        <a:t>Expected Results</a:t>
+                      </a:r>
+                      <a:endParaRPr lang="en-US" sz="1200">
+                        <a:effectLst/>
+                        <a:latin typeface="Times"/>
+                        <a:ea typeface="Times"/>
+                        <a:cs typeface="Times New Roman"/>
+                      </a:endParaRPr>
+                    </a:p>
+                  </a:txBody>
+                  <a:tcPr marL="63500" marR="63500" marT="63500" marB="63500"/>
+                </a:tc>
+                <a:tc>
+                  <a:txBody>
+                    <a:bodyPr/>
+                    <a:lstStyle/>
+                    <a:p>
+                      <a:pPr marL="0" marR="0">
+                        <a:lnSpc>
+                          <a:spcPct val="115000"/>
+                        </a:lnSpc>
+                        <a:spcBef>
+                          <a:spcPts val="0"/>
+                        </a:spcBef>
+                        <a:spcAft>
+                          <a:spcPts val="0"/>
+                        </a:spcAft>
+                        <a:tabLst>
+                          <a:tab pos="114300" algn="l"/>
+                          <a:tab pos="228600" algn="l"/>
+                          <a:tab pos="457200" algn="l"/>
+                        </a:tabLst>
+                      </a:pPr>
+                      <a:r>
+                        <a:rPr lang="en-US" sz="1200">
+                          <a:effectLst/>
+                        </a:rPr>
+                        <a:t>A message must be shown that invalid user login credentials were entered.</a:t>
+                      </a:r>
+                      <a:endParaRPr lang="en-US" sz="1200">
+                        <a:effectLst/>
+                        <a:latin typeface="Times"/>
+                        <a:ea typeface="Times"/>
+                        <a:cs typeface="Times New Roman"/>
+                      </a:endParaRPr>
+                    </a:p>
+                  </a:txBody>
+                  <a:tcPr marL="63500" marR="63500" marT="63500" marB="63500"/>
+                </a:tc>
+              </a:tr>
+              <a:tr h="440778">
+                <a:tc>
+                  <a:txBody>
+                    <a:bodyPr/>
+                    <a:lstStyle/>
+                    <a:p>
+                      <a:pPr marL="0" marR="0">
+                        <a:lnSpc>
+                          <a:spcPct val="115000"/>
+                        </a:lnSpc>
+                        <a:spcBef>
+                          <a:spcPts val="0"/>
+                        </a:spcBef>
+                        <a:spcAft>
+                          <a:spcPts val="0"/>
+                        </a:spcAft>
+                        <a:tabLst>
+                          <a:tab pos="114300" algn="l"/>
+                          <a:tab pos="228600" algn="l"/>
+                          <a:tab pos="457200" algn="l"/>
+                        </a:tabLst>
+                      </a:pPr>
+                      <a:r>
+                        <a:rPr lang="en-US" sz="1200">
+                          <a:effectLst/>
+                        </a:rPr>
+                        <a:t>Priority</a:t>
+                      </a:r>
+                      <a:endParaRPr lang="en-US" sz="1200">
+                        <a:effectLst/>
+                        <a:latin typeface="Times"/>
+                        <a:ea typeface="Times"/>
+                        <a:cs typeface="Times New Roman"/>
+                      </a:endParaRPr>
+                    </a:p>
+                  </a:txBody>
+                  <a:tcPr marL="63500" marR="63500" marT="63500" marB="63500"/>
+                </a:tc>
+                <a:tc>
+                  <a:txBody>
+                    <a:bodyPr/>
+                    <a:lstStyle/>
+                    <a:p>
+                      <a:pPr marL="0" marR="0">
+                        <a:lnSpc>
+                          <a:spcPct val="115000"/>
+                        </a:lnSpc>
+                        <a:spcBef>
+                          <a:spcPts val="0"/>
+                        </a:spcBef>
+                        <a:spcAft>
+                          <a:spcPts val="0"/>
+                        </a:spcAft>
+                        <a:tabLst>
+                          <a:tab pos="114300" algn="l"/>
+                          <a:tab pos="228600" algn="l"/>
+                          <a:tab pos="457200" algn="l"/>
+                        </a:tabLst>
+                      </a:pPr>
+                      <a:r>
+                        <a:rPr lang="en-US" sz="1200">
+                          <a:effectLst/>
+                        </a:rPr>
+                        <a:t>High</a:t>
+                      </a:r>
+                      <a:endParaRPr lang="en-US" sz="1200">
+                        <a:effectLst/>
+                        <a:latin typeface="Times"/>
+                        <a:ea typeface="Times"/>
+                        <a:cs typeface="Times New Roman"/>
+                      </a:endParaRPr>
+                    </a:p>
+                  </a:txBody>
+                  <a:tcPr marL="63500" marR="63500" marT="63500" marB="63500"/>
+                </a:tc>
+              </a:tr>
+              <a:tr h="440778">
+                <a:tc>
+                  <a:txBody>
+                    <a:bodyPr/>
+                    <a:lstStyle/>
+                    <a:p>
+                      <a:pPr marL="0" marR="0">
+                        <a:lnSpc>
+                          <a:spcPct val="115000"/>
+                        </a:lnSpc>
+                        <a:spcBef>
+                          <a:spcPts val="0"/>
+                        </a:spcBef>
+                        <a:spcAft>
+                          <a:spcPts val="0"/>
+                        </a:spcAft>
+                        <a:tabLst>
+                          <a:tab pos="114300" algn="l"/>
+                          <a:tab pos="228600" algn="l"/>
+                          <a:tab pos="457200" algn="l"/>
+                        </a:tabLst>
+                      </a:pPr>
+                      <a:r>
+                        <a:rPr lang="en-US" sz="1200">
+                          <a:effectLst/>
+                        </a:rPr>
+                        <a:t>Pass/Fail</a:t>
+                      </a:r>
+                      <a:endParaRPr lang="en-US" sz="1200">
+                        <a:effectLst/>
+                        <a:latin typeface="Times"/>
+                        <a:ea typeface="Times"/>
+                        <a:cs typeface="Times New Roman"/>
+                      </a:endParaRPr>
+                    </a:p>
+                  </a:txBody>
+                  <a:tcPr marL="63500" marR="63500" marT="63500" marB="63500"/>
+                </a:tc>
+                <a:tc>
+                  <a:txBody>
+                    <a:bodyPr/>
+                    <a:lstStyle/>
+                    <a:p>
+                      <a:pPr marL="0" marR="0">
+                        <a:lnSpc>
+                          <a:spcPct val="115000"/>
+                        </a:lnSpc>
+                        <a:spcBef>
+                          <a:spcPts val="0"/>
+                        </a:spcBef>
+                        <a:spcAft>
+                          <a:spcPts val="0"/>
+                        </a:spcAft>
+                        <a:tabLst>
+                          <a:tab pos="114300" algn="l"/>
+                          <a:tab pos="228600" algn="l"/>
+                          <a:tab pos="457200" algn="l"/>
+                        </a:tabLst>
+                      </a:pPr>
+                      <a:r>
+                        <a:rPr lang="en-US" sz="1200" dirty="0">
+                          <a:effectLst/>
+                        </a:rPr>
+                        <a:t> </a:t>
+                      </a:r>
+                      <a:endParaRPr lang="en-US" sz="1200" dirty="0">
+                        <a:effectLst/>
+                        <a:latin typeface="Times"/>
+                        <a:ea typeface="Times"/>
+                        <a:cs typeface="Times New Roman"/>
+                      </a:endParaRPr>
+                    </a:p>
+                  </a:txBody>
+                  <a:tcPr marL="63500" marR="63500" marT="63500" marB="63500"/>
+                </a:tc>
+              </a:tr>
+            </a:tbl>
+          </a:graphicData>
+        </a:graphic>
+      </p:graphicFrame>
     </p:spTree>
     <p:extLst>
       <p:ext uri="{BB962C8B-B14F-4D97-AF65-F5344CB8AC3E}">
-        <p14:creationId xmlns:p14="http://schemas.microsoft.com/office/powerpoint/2010/main" val="2216002359"/>
+        <p14:creationId xmlns:p14="http://schemas.microsoft.com/office/powerpoint/2010/main" val="748836974"/>
       </p:ext>
     </p:extLst>
   </p:cSld>
   <p:clrMapOvr>
     <a:masterClrMapping/>
   </p:clrMapOvr>
+  <p:timing>
+    <p:tnLst>
+      <p:par>
+        <p:cTn id="1" dur="indefinite" restart="never" nodeType="tmRoot"/>
+      </p:par>
+    </p:tnLst>
+  </p:timing>
 </p:sld>
 </file>
 
@@ -7644,9 +7088,1992 @@
           <a:p>
             <a:r>
               <a:rPr lang="en-US" smtClean="0"/>
+              <a:t>User Acceptance Testing</a:t>
+            </a:r>
+            <a:endParaRPr lang="en-US"/>
+          </a:p>
+        </p:txBody>
+      </p:sp>
+      <p:sp>
+        <p:nvSpPr>
+          <p:cNvPr id="3" name="Content Placeholder 2"/>
+          <p:cNvSpPr>
+            <a:spLocks noGrp="1"/>
+          </p:cNvSpPr>
+          <p:nvPr>
+            <p:ph idx="1"/>
+          </p:nvPr>
+        </p:nvSpPr>
+        <p:spPr>
+          <a:xfrm>
+            <a:off x="457200" y="1295400"/>
+            <a:ext cx="7620000" cy="3581400"/>
+          </a:xfrm>
+        </p:spPr>
+        <p:txBody>
+          <a:bodyPr>
+            <a:normAutofit lnSpcReduction="10000"/>
+          </a:bodyPr>
+          <a:lstStyle/>
+          <a:p>
+            <a:r>
+              <a:rPr lang="en-US"/>
+              <a:t>L</a:t>
+            </a:r>
+            <a:r>
+              <a:rPr lang="en-US" smtClean="0"/>
+              <a:t>ast </a:t>
+            </a:r>
+            <a:r>
+              <a:rPr lang="en-US"/>
+              <a:t>step in </a:t>
+            </a:r>
+            <a:r>
+              <a:rPr lang="en-US" smtClean="0"/>
+              <a:t>testing; </a:t>
+            </a:r>
+            <a:r>
+              <a:rPr lang="en-US"/>
+              <a:t>done by </a:t>
+            </a:r>
+            <a:r>
+              <a:rPr lang="en-US" smtClean="0"/>
+              <a:t>members </a:t>
+            </a:r>
+            <a:r>
+              <a:rPr lang="en-US"/>
+              <a:t>of Computech quality assurance </a:t>
+            </a:r>
+            <a:r>
+              <a:rPr lang="en-US" smtClean="0"/>
+              <a:t>team</a:t>
+            </a:r>
+          </a:p>
+          <a:p>
+            <a:r>
+              <a:rPr lang="en-US" b="1" smtClean="0"/>
+              <a:t>Test Approach</a:t>
+            </a:r>
+          </a:p>
+          <a:p>
+            <a:pPr lvl="1"/>
+            <a:r>
+              <a:rPr lang="en-US" smtClean="0"/>
+              <a:t>Test cases below are completed through interaction with UI</a:t>
+            </a:r>
+          </a:p>
+          <a:p>
+            <a:r>
+              <a:rPr lang="en-US" b="1" smtClean="0"/>
+              <a:t>Test Pass/Fail Criteria</a:t>
+            </a:r>
+          </a:p>
+          <a:p>
+            <a:pPr lvl="1"/>
+            <a:r>
+              <a:rPr lang="en-US" smtClean="0"/>
+              <a:t>Pass if 100% of test cases completed satisfactorily; fail otherwise</a:t>
+            </a:r>
+          </a:p>
+          <a:p>
+            <a:r>
+              <a:rPr lang="en-US" b="1" smtClean="0"/>
+              <a:t>Test Entry/Exit Criteria</a:t>
+            </a:r>
+          </a:p>
+          <a:p>
+            <a:pPr lvl="1"/>
+            <a:r>
+              <a:rPr lang="en-US" smtClean="0"/>
+              <a:t>Entry Criteria: All other testing is complete</a:t>
+            </a:r>
+          </a:p>
+          <a:p>
+            <a:pPr lvl="1"/>
+            <a:r>
+              <a:rPr lang="en-US" smtClean="0"/>
+              <a:t>Exit Criteria: All tests run sucessfully</a:t>
+            </a:r>
+          </a:p>
+          <a:p>
+            <a:r>
+              <a:rPr lang="en-US" b="1" smtClean="0"/>
+              <a:t>Test Cases</a:t>
+            </a:r>
+          </a:p>
+        </p:txBody>
+      </p:sp>
+      <p:graphicFrame>
+        <p:nvGraphicFramePr>
+          <p:cNvPr id="4" name="Table 3"/>
+          <p:cNvGraphicFramePr>
+            <a:graphicFrameLocks noGrp="1"/>
+          </p:cNvGraphicFramePr>
+          <p:nvPr>
+            <p:extLst>
+              <p:ext uri="{D42A27DB-BD31-4B8C-83A1-F6EECF244321}">
+                <p14:modId xmlns:p14="http://schemas.microsoft.com/office/powerpoint/2010/main" val="1367834133"/>
+              </p:ext>
+            </p:extLst>
+          </p:nvPr>
+        </p:nvGraphicFramePr>
+        <p:xfrm>
+          <a:off x="13860" y="4754880"/>
+          <a:ext cx="9143995" cy="2103120"/>
+        </p:xfrm>
+        <a:graphic>
+          <a:graphicData uri="http://schemas.openxmlformats.org/drawingml/2006/table">
+            <a:tbl>
+              <a:tblPr bandRow="1">
+                <a:tableStyleId>{00A15C55-8517-42AA-B614-E9B94910E393}</a:tableStyleId>
+              </a:tblPr>
+              <a:tblGrid>
+                <a:gridCol w="1306285"/>
+                <a:gridCol w="1306285"/>
+                <a:gridCol w="1306285"/>
+                <a:gridCol w="1034140"/>
+                <a:gridCol w="1578430"/>
+                <a:gridCol w="1306285"/>
+                <a:gridCol w="1306285"/>
+              </a:tblGrid>
+              <a:tr h="914400">
+                <a:tc>
+                  <a:txBody>
+                    <a:bodyPr/>
+                    <a:lstStyle/>
+                    <a:p>
+                      <a:r>
+                        <a:rPr lang="en-US" b="1" smtClean="0"/>
+                        <a:t>UT_1: </a:t>
+                      </a:r>
+                      <a:r>
+                        <a:rPr lang="en-US" smtClean="0"/>
+                        <a:t>Search Jobs</a:t>
+                      </a:r>
+                      <a:endParaRPr lang="en-US"/>
+                    </a:p>
+                  </a:txBody>
+                  <a:tcPr/>
+                </a:tc>
+                <a:tc>
+                  <a:txBody>
+                    <a:bodyPr/>
+                    <a:lstStyle/>
+                    <a:p>
+                      <a:pPr marL="0" marR="0" indent="0" algn="l" defTabSz="914400" rtl="0" eaLnBrk="1" fontAlgn="auto" latinLnBrk="0" hangingPunct="1">
+                        <a:lnSpc>
+                          <a:spcPct val="100000"/>
+                        </a:lnSpc>
+                        <a:spcBef>
+                          <a:spcPts val="0"/>
+                        </a:spcBef>
+                        <a:spcAft>
+                          <a:spcPts val="0"/>
+                        </a:spcAft>
+                        <a:buClrTx/>
+                        <a:buSzTx/>
+                        <a:buFontTx/>
+                        <a:buNone/>
+                        <a:tabLst/>
+                        <a:defRPr/>
+                      </a:pPr>
+                      <a:r>
+                        <a:rPr lang="en-US" b="1" smtClean="0"/>
+                        <a:t>UT_2: </a:t>
+                      </a:r>
+                      <a:r>
+                        <a:rPr lang="en-US" smtClean="0"/>
+                        <a:t>Register</a:t>
+                      </a:r>
+                    </a:p>
+                  </a:txBody>
+                  <a:tcPr/>
+                </a:tc>
+                <a:tc>
+                  <a:txBody>
+                    <a:bodyPr/>
+                    <a:lstStyle/>
+                    <a:p>
+                      <a:pPr marL="0" marR="0" indent="0" algn="l" defTabSz="914400" rtl="0" eaLnBrk="1" fontAlgn="auto" latinLnBrk="0" hangingPunct="1">
+                        <a:lnSpc>
+                          <a:spcPct val="100000"/>
+                        </a:lnSpc>
+                        <a:spcBef>
+                          <a:spcPts val="0"/>
+                        </a:spcBef>
+                        <a:spcAft>
+                          <a:spcPts val="0"/>
+                        </a:spcAft>
+                        <a:buClrTx/>
+                        <a:buSzTx/>
+                        <a:buFontTx/>
+                        <a:buNone/>
+                        <a:tabLst/>
+                        <a:defRPr/>
+                      </a:pPr>
+                      <a:r>
+                        <a:rPr lang="en-US" b="1" smtClean="0"/>
+                        <a:t>UT_3: </a:t>
+                      </a:r>
+                      <a:r>
+                        <a:rPr lang="en-US" smtClean="0"/>
+                        <a:t>Email Verification</a:t>
+                      </a:r>
+                    </a:p>
+                  </a:txBody>
+                  <a:tcPr/>
+                </a:tc>
+                <a:tc>
+                  <a:txBody>
+                    <a:bodyPr/>
+                    <a:lstStyle/>
+                    <a:p>
+                      <a:pPr marL="0" marR="0" indent="0" algn="l" defTabSz="914400" rtl="0" eaLnBrk="1" fontAlgn="auto" latinLnBrk="0" hangingPunct="1">
+                        <a:lnSpc>
+                          <a:spcPct val="100000"/>
+                        </a:lnSpc>
+                        <a:spcBef>
+                          <a:spcPts val="0"/>
+                        </a:spcBef>
+                        <a:spcAft>
+                          <a:spcPts val="0"/>
+                        </a:spcAft>
+                        <a:buClrTx/>
+                        <a:buSzTx/>
+                        <a:buFontTx/>
+                        <a:buNone/>
+                        <a:tabLst/>
+                        <a:defRPr/>
+                      </a:pPr>
+                      <a:r>
+                        <a:rPr lang="en-US" b="1" smtClean="0"/>
+                        <a:t>UT_4: </a:t>
+                      </a:r>
+                      <a:r>
+                        <a:rPr lang="en-US" smtClean="0"/>
+                        <a:t>Login</a:t>
+                      </a:r>
+                    </a:p>
+                  </a:txBody>
+                  <a:tcPr/>
+                </a:tc>
+                <a:tc>
+                  <a:txBody>
+                    <a:bodyPr/>
+                    <a:lstStyle/>
+                    <a:p>
+                      <a:pPr marL="0" marR="0" indent="0" algn="l" defTabSz="914400" rtl="0" eaLnBrk="1" fontAlgn="auto" latinLnBrk="0" hangingPunct="1">
+                        <a:lnSpc>
+                          <a:spcPct val="100000"/>
+                        </a:lnSpc>
+                        <a:spcBef>
+                          <a:spcPts val="0"/>
+                        </a:spcBef>
+                        <a:spcAft>
+                          <a:spcPts val="0"/>
+                        </a:spcAft>
+                        <a:buClrTx/>
+                        <a:buSzTx/>
+                        <a:buFontTx/>
+                        <a:buNone/>
+                        <a:tabLst/>
+                        <a:defRPr/>
+                      </a:pPr>
+                      <a:r>
+                        <a:rPr lang="en-US" b="1" smtClean="0"/>
+                        <a:t>UT_5: </a:t>
+                      </a:r>
+                      <a:r>
+                        <a:rPr lang="en-US" smtClean="0"/>
+                        <a:t>Forgot Password</a:t>
+                      </a:r>
+                    </a:p>
+                  </a:txBody>
+                  <a:tcPr/>
+                </a:tc>
+                <a:tc>
+                  <a:txBody>
+                    <a:bodyPr/>
+                    <a:lstStyle/>
+                    <a:p>
+                      <a:pPr marL="0" marR="0" indent="0" algn="l" defTabSz="914400" rtl="0" eaLnBrk="1" fontAlgn="auto" latinLnBrk="0" hangingPunct="1">
+                        <a:lnSpc>
+                          <a:spcPct val="100000"/>
+                        </a:lnSpc>
+                        <a:spcBef>
+                          <a:spcPts val="0"/>
+                        </a:spcBef>
+                        <a:spcAft>
+                          <a:spcPts val="0"/>
+                        </a:spcAft>
+                        <a:buClrTx/>
+                        <a:buSzTx/>
+                        <a:buFontTx/>
+                        <a:buNone/>
+                        <a:tabLst/>
+                        <a:defRPr/>
+                      </a:pPr>
+                      <a:r>
+                        <a:rPr lang="en-US" b="1" smtClean="0"/>
+                        <a:t>UT_6: </a:t>
+                      </a:r>
+                      <a:r>
+                        <a:rPr lang="en-US" smtClean="0"/>
+                        <a:t>Change Password</a:t>
+                      </a:r>
+                    </a:p>
+                  </a:txBody>
+                  <a:tcPr/>
+                </a:tc>
+                <a:tc>
+                  <a:txBody>
+                    <a:bodyPr/>
+                    <a:lstStyle/>
+                    <a:p>
+                      <a:pPr marL="0" marR="0" indent="0" algn="l" defTabSz="914400" rtl="0" eaLnBrk="1" fontAlgn="auto" latinLnBrk="0" hangingPunct="1">
+                        <a:lnSpc>
+                          <a:spcPct val="100000"/>
+                        </a:lnSpc>
+                        <a:spcBef>
+                          <a:spcPts val="0"/>
+                        </a:spcBef>
+                        <a:spcAft>
+                          <a:spcPts val="0"/>
+                        </a:spcAft>
+                        <a:buClrTx/>
+                        <a:buSzTx/>
+                        <a:buFontTx/>
+                        <a:buNone/>
+                        <a:tabLst/>
+                        <a:defRPr/>
+                      </a:pPr>
+                      <a:r>
+                        <a:rPr lang="en-US" b="1" smtClean="0"/>
+                        <a:t>UT_7: </a:t>
+                      </a:r>
+                      <a:r>
+                        <a:rPr lang="en-US" smtClean="0"/>
+                        <a:t>Apply</a:t>
+                      </a:r>
+                    </a:p>
+                  </a:txBody>
+                  <a:tcPr/>
+                </a:tc>
+              </a:tr>
+              <a:tr h="685800">
+                <a:tc>
+                  <a:txBody>
+                    <a:bodyPr/>
+                    <a:lstStyle/>
+                    <a:p>
+                      <a:pPr marL="0" marR="0" indent="0" algn="l" defTabSz="914400" rtl="0" eaLnBrk="1" fontAlgn="auto" latinLnBrk="0" hangingPunct="1">
+                        <a:lnSpc>
+                          <a:spcPct val="100000"/>
+                        </a:lnSpc>
+                        <a:spcBef>
+                          <a:spcPts val="0"/>
+                        </a:spcBef>
+                        <a:spcAft>
+                          <a:spcPts val="0"/>
+                        </a:spcAft>
+                        <a:buClrTx/>
+                        <a:buSzTx/>
+                        <a:buFontTx/>
+                        <a:buNone/>
+                        <a:tabLst/>
+                        <a:defRPr/>
+                      </a:pPr>
+                      <a:r>
+                        <a:rPr lang="en-US" b="1" smtClean="0"/>
+                        <a:t>UT_8: </a:t>
+                      </a:r>
+                      <a:r>
+                        <a:rPr lang="en-US" smtClean="0"/>
+                        <a:t>Filter</a:t>
+                      </a:r>
+                      <a:r>
+                        <a:rPr lang="en-US" baseline="0" smtClean="0"/>
+                        <a:t> Jobs</a:t>
+                      </a:r>
+                      <a:endParaRPr lang="en-US" smtClean="0"/>
+                    </a:p>
+                  </a:txBody>
+                  <a:tcPr/>
+                </a:tc>
+                <a:tc>
+                  <a:txBody>
+                    <a:bodyPr/>
+                    <a:lstStyle/>
+                    <a:p>
+                      <a:pPr marL="0" marR="0" indent="0" algn="l" defTabSz="914400" rtl="0" eaLnBrk="1" fontAlgn="auto" latinLnBrk="0" hangingPunct="1">
+                        <a:lnSpc>
+                          <a:spcPct val="100000"/>
+                        </a:lnSpc>
+                        <a:spcBef>
+                          <a:spcPts val="0"/>
+                        </a:spcBef>
+                        <a:spcAft>
+                          <a:spcPts val="0"/>
+                        </a:spcAft>
+                        <a:buClrTx/>
+                        <a:buSzTx/>
+                        <a:buFontTx/>
+                        <a:buNone/>
+                        <a:tabLst/>
+                        <a:defRPr/>
+                      </a:pPr>
+                      <a:r>
+                        <a:rPr lang="en-US" b="1" smtClean="0"/>
+                        <a:t>UT_9: </a:t>
+                      </a:r>
+                      <a:r>
+                        <a:rPr lang="en-US" smtClean="0"/>
+                        <a:t>Profile</a:t>
+                      </a:r>
+                      <a:r>
+                        <a:rPr lang="en-US" baseline="0" smtClean="0"/>
+                        <a:t> Information</a:t>
+                      </a:r>
+                      <a:endParaRPr lang="en-US" smtClean="0"/>
+                    </a:p>
+                  </a:txBody>
+                  <a:tcPr/>
+                </a:tc>
+                <a:tc>
+                  <a:txBody>
+                    <a:bodyPr/>
+                    <a:lstStyle/>
+                    <a:p>
+                      <a:pPr marL="0" marR="0" indent="0" algn="l" defTabSz="914400" rtl="0" eaLnBrk="1" fontAlgn="auto" latinLnBrk="0" hangingPunct="1">
+                        <a:lnSpc>
+                          <a:spcPct val="100000"/>
+                        </a:lnSpc>
+                        <a:spcBef>
+                          <a:spcPts val="0"/>
+                        </a:spcBef>
+                        <a:spcAft>
+                          <a:spcPts val="0"/>
+                        </a:spcAft>
+                        <a:buClrTx/>
+                        <a:buSzTx/>
+                        <a:buFontTx/>
+                        <a:buNone/>
+                        <a:tabLst/>
+                        <a:defRPr/>
+                      </a:pPr>
+                      <a:r>
+                        <a:rPr lang="en-US" b="1" smtClean="0"/>
+                        <a:t>UT_10: </a:t>
+                      </a:r>
+                      <a:r>
+                        <a:rPr lang="en-US" smtClean="0"/>
+                        <a:t>Resume Upload</a:t>
+                      </a:r>
+                    </a:p>
+                  </a:txBody>
+                  <a:tcPr/>
+                </a:tc>
+                <a:tc>
+                  <a:txBody>
+                    <a:bodyPr/>
+                    <a:lstStyle/>
+                    <a:p>
+                      <a:pPr marL="0" marR="0" indent="0" algn="l" defTabSz="914400" rtl="0" eaLnBrk="1" fontAlgn="auto" latinLnBrk="0" hangingPunct="1">
+                        <a:lnSpc>
+                          <a:spcPct val="100000"/>
+                        </a:lnSpc>
+                        <a:spcBef>
+                          <a:spcPts val="0"/>
+                        </a:spcBef>
+                        <a:spcAft>
+                          <a:spcPts val="0"/>
+                        </a:spcAft>
+                        <a:buClrTx/>
+                        <a:buSzTx/>
+                        <a:buFontTx/>
+                        <a:buNone/>
+                        <a:tabLst/>
+                        <a:defRPr/>
+                      </a:pPr>
+                      <a:r>
+                        <a:rPr lang="en-US" b="1" smtClean="0"/>
+                        <a:t>UT_11: </a:t>
+                      </a:r>
+                      <a:r>
+                        <a:rPr lang="en-US" smtClean="0"/>
+                        <a:t>Admin Login</a:t>
+                      </a:r>
+                    </a:p>
+                  </a:txBody>
+                  <a:tcPr/>
+                </a:tc>
+                <a:tc>
+                  <a:txBody>
+                    <a:bodyPr/>
+                    <a:lstStyle/>
+                    <a:p>
+                      <a:pPr marL="0" marR="0" indent="0" algn="l" defTabSz="914400" rtl="0" eaLnBrk="1" fontAlgn="auto" latinLnBrk="0" hangingPunct="1">
+                        <a:lnSpc>
+                          <a:spcPct val="100000"/>
+                        </a:lnSpc>
+                        <a:spcBef>
+                          <a:spcPts val="0"/>
+                        </a:spcBef>
+                        <a:spcAft>
+                          <a:spcPts val="0"/>
+                        </a:spcAft>
+                        <a:buClrTx/>
+                        <a:buSzTx/>
+                        <a:buFontTx/>
+                        <a:buNone/>
+                        <a:tabLst/>
+                        <a:defRPr/>
+                      </a:pPr>
+                      <a:r>
+                        <a:rPr lang="en-US" b="1" smtClean="0"/>
+                        <a:t>UT_12: </a:t>
+                      </a:r>
+                      <a:r>
+                        <a:rPr lang="en-US" smtClean="0"/>
+                        <a:t>Admin Search Users</a:t>
+                      </a:r>
+                    </a:p>
+                  </a:txBody>
+                  <a:tcPr/>
+                </a:tc>
+                <a:tc>
+                  <a:txBody>
+                    <a:bodyPr/>
+                    <a:lstStyle/>
+                    <a:p>
+                      <a:pPr marL="0" marR="0" indent="0" algn="l" defTabSz="914400" rtl="0" eaLnBrk="1" fontAlgn="auto" latinLnBrk="0" hangingPunct="1">
+                        <a:lnSpc>
+                          <a:spcPct val="100000"/>
+                        </a:lnSpc>
+                        <a:spcBef>
+                          <a:spcPts val="0"/>
+                        </a:spcBef>
+                        <a:spcAft>
+                          <a:spcPts val="0"/>
+                        </a:spcAft>
+                        <a:buClrTx/>
+                        <a:buSzTx/>
+                        <a:buFontTx/>
+                        <a:buNone/>
+                        <a:tabLst/>
+                        <a:defRPr/>
+                      </a:pPr>
+                      <a:r>
+                        <a:rPr lang="en-US" b="1" smtClean="0"/>
+                        <a:t>UT_13:</a:t>
+                      </a:r>
+                      <a:r>
+                        <a:rPr lang="en-US" b="1" baseline="0" smtClean="0"/>
+                        <a:t> </a:t>
+                      </a:r>
+                      <a:r>
+                        <a:rPr lang="en-US" baseline="0" smtClean="0"/>
+                        <a:t>Admin Deactivate User</a:t>
+                      </a:r>
+                      <a:endParaRPr lang="en-US" smtClean="0"/>
+                    </a:p>
+                  </a:txBody>
+                  <a:tcPr/>
+                </a:tc>
+                <a:tc>
+                  <a:txBody>
+                    <a:bodyPr/>
+                    <a:lstStyle/>
+                    <a:p>
+                      <a:pPr marL="0" marR="0" indent="0" algn="l" defTabSz="914400" rtl="0" eaLnBrk="1" fontAlgn="auto" latinLnBrk="0" hangingPunct="1">
+                        <a:lnSpc>
+                          <a:spcPct val="100000"/>
+                        </a:lnSpc>
+                        <a:spcBef>
+                          <a:spcPts val="0"/>
+                        </a:spcBef>
+                        <a:spcAft>
+                          <a:spcPts val="0"/>
+                        </a:spcAft>
+                        <a:buClrTx/>
+                        <a:buSzTx/>
+                        <a:buFontTx/>
+                        <a:buNone/>
+                        <a:tabLst/>
+                        <a:defRPr/>
+                      </a:pPr>
+                      <a:r>
+                        <a:rPr lang="en-US" b="1" smtClean="0"/>
+                        <a:t>UT_14: </a:t>
+                      </a:r>
+                      <a:r>
+                        <a:rPr lang="en-US" smtClean="0"/>
+                        <a:t>Admin</a:t>
+                      </a:r>
+                      <a:r>
+                        <a:rPr lang="en-US" baseline="0" smtClean="0"/>
+                        <a:t> Delete User</a:t>
+                      </a:r>
+                      <a:endParaRPr lang="en-US" smtClean="0"/>
+                    </a:p>
+                  </a:txBody>
+                  <a:tcPr/>
+                </a:tc>
+              </a:tr>
+            </a:tbl>
+          </a:graphicData>
+        </a:graphic>
+      </p:graphicFrame>
+    </p:spTree>
+    <p:extLst>
+      <p:ext uri="{BB962C8B-B14F-4D97-AF65-F5344CB8AC3E}">
+        <p14:creationId xmlns:p14="http://schemas.microsoft.com/office/powerpoint/2010/main" val="688694561"/>
+      </p:ext>
+    </p:extLst>
+  </p:cSld>
+  <p:clrMapOvr>
+    <a:masterClrMapping/>
+  </p:clrMapOvr>
+  <p:timing>
+    <p:tnLst>
+      <p:par>
+        <p:cTn id="1" dur="indefinite" restart="never" nodeType="tmRoot"/>
+      </p:par>
+    </p:tnLst>
+  </p:timing>
+</p:sld>
+</file>
+
+<file path=ppt/slides/slide22.xml><?xml version="1.0" encoding="utf-8"?>
+<p:sld xmlns:a="http://schemas.openxmlformats.org/drawingml/2006/main" xmlns:r="http://schemas.openxmlformats.org/officeDocument/2006/relationships" xmlns:p="http://schemas.openxmlformats.org/presentationml/2006/main">
+  <p:cSld>
+    <p:spTree>
+      <p:nvGrpSpPr>
+        <p:cNvPr id="1" name=""/>
+        <p:cNvGrpSpPr/>
+        <p:nvPr/>
+      </p:nvGrpSpPr>
+      <p:grpSpPr>
+        <a:xfrm>
+          <a:off x="0" y="0"/>
+          <a:ext cx="0" cy="0"/>
+          <a:chOff x="0" y="0"/>
+          <a:chExt cx="0" cy="0"/>
+        </a:xfrm>
+      </p:grpSpPr>
+      <p:sp>
+        <p:nvSpPr>
+          <p:cNvPr id="2" name="Title 1"/>
+          <p:cNvSpPr>
+            <a:spLocks noGrp="1"/>
+          </p:cNvSpPr>
+          <p:nvPr>
+            <p:ph type="title"/>
+          </p:nvPr>
+        </p:nvSpPr>
+        <p:spPr/>
+        <p:txBody>
+          <a:bodyPr/>
+          <a:lstStyle/>
+          <a:p>
+            <a:r>
+              <a:rPr lang="en-US" smtClean="0"/>
               <a:t>Unit Testing</a:t>
             </a:r>
             <a:endParaRPr lang="en-US"/>
+          </a:p>
+        </p:txBody>
+      </p:sp>
+      <p:sp>
+        <p:nvSpPr>
+          <p:cNvPr id="3" name="Content Placeholder 2"/>
+          <p:cNvSpPr>
+            <a:spLocks noGrp="1"/>
+          </p:cNvSpPr>
+          <p:nvPr>
+            <p:ph idx="1"/>
+          </p:nvPr>
+        </p:nvSpPr>
+        <p:spPr>
+          <a:xfrm>
+            <a:off x="457200" y="1295400"/>
+            <a:ext cx="7620000" cy="5105400"/>
+          </a:xfrm>
+        </p:spPr>
+        <p:txBody>
+          <a:bodyPr/>
+          <a:lstStyle/>
+          <a:p>
+            <a:r>
+              <a:rPr lang="en-US" dirty="0" smtClean="0"/>
+              <a:t>Programmatically test methods and classes from source code</a:t>
+            </a:r>
+          </a:p>
+          <a:p>
+            <a:r>
+              <a:rPr lang="en-US" b="1" dirty="0" smtClean="0"/>
+              <a:t>Items To Be Tested</a:t>
+            </a:r>
+            <a:endParaRPr lang="en-US" b="1" dirty="0"/>
+          </a:p>
+        </p:txBody>
+      </p:sp>
+      <p:graphicFrame>
+        <p:nvGraphicFramePr>
+          <p:cNvPr id="4" name="Table 3"/>
+          <p:cNvGraphicFramePr>
+            <a:graphicFrameLocks noGrp="1"/>
+          </p:cNvGraphicFramePr>
+          <p:nvPr>
+            <p:extLst>
+              <p:ext uri="{D42A27DB-BD31-4B8C-83A1-F6EECF244321}">
+                <p14:modId xmlns:p14="http://schemas.microsoft.com/office/powerpoint/2010/main" val="4013690467"/>
+              </p:ext>
+            </p:extLst>
+          </p:nvPr>
+        </p:nvGraphicFramePr>
+        <p:xfrm>
+          <a:off x="914400" y="2209800"/>
+          <a:ext cx="6238875" cy="4214368"/>
+        </p:xfrm>
+        <a:graphic>
+          <a:graphicData uri="http://schemas.openxmlformats.org/drawingml/2006/table">
+            <a:tbl>
+              <a:tblPr>
+                <a:tableStyleId>{5C22544A-7EE6-4342-B048-85BDC9FD1C3A}</a:tableStyleId>
+              </a:tblPr>
+              <a:tblGrid>
+                <a:gridCol w="1156812"/>
+                <a:gridCol w="1631402"/>
+                <a:gridCol w="3450661"/>
+              </a:tblGrid>
+              <a:tr h="0">
+                <a:tc>
+                  <a:txBody>
+                    <a:bodyPr/>
+                    <a:lstStyle/>
+                    <a:p>
+                      <a:pPr marL="0" marR="0" algn="ctr">
+                        <a:lnSpc>
+                          <a:spcPct val="115000"/>
+                        </a:lnSpc>
+                        <a:spcBef>
+                          <a:spcPts val="0"/>
+                        </a:spcBef>
+                        <a:spcAft>
+                          <a:spcPts val="0"/>
+                        </a:spcAft>
+                        <a:tabLst>
+                          <a:tab pos="114300" algn="l"/>
+                          <a:tab pos="228600" algn="l"/>
+                          <a:tab pos="457200" algn="l"/>
+                        </a:tabLst>
+                      </a:pPr>
+                      <a:r>
+                        <a:rPr lang="en-US" sz="1200">
+                          <a:effectLst/>
+                        </a:rPr>
+                        <a:t>ID</a:t>
+                      </a:r>
+                      <a:endParaRPr lang="en-US" sz="1200">
+                        <a:effectLst/>
+                        <a:latin typeface="Times"/>
+                        <a:ea typeface="Times"/>
+                        <a:cs typeface="Times New Roman"/>
+                      </a:endParaRPr>
+                    </a:p>
+                  </a:txBody>
+                  <a:tcPr marL="63500" marR="63500" marT="63500" marB="63500"/>
+                </a:tc>
+                <a:tc>
+                  <a:txBody>
+                    <a:bodyPr/>
+                    <a:lstStyle/>
+                    <a:p>
+                      <a:pPr marL="0" marR="0" algn="ctr">
+                        <a:lnSpc>
+                          <a:spcPct val="115000"/>
+                        </a:lnSpc>
+                        <a:spcBef>
+                          <a:spcPts val="0"/>
+                        </a:spcBef>
+                        <a:spcAft>
+                          <a:spcPts val="0"/>
+                        </a:spcAft>
+                        <a:tabLst>
+                          <a:tab pos="114300" algn="l"/>
+                          <a:tab pos="228600" algn="l"/>
+                          <a:tab pos="457200" algn="l"/>
+                        </a:tabLst>
+                      </a:pPr>
+                      <a:r>
+                        <a:rPr lang="en-US" sz="1200">
+                          <a:effectLst/>
+                        </a:rPr>
+                        <a:t>Item to Test</a:t>
+                      </a:r>
+                      <a:endParaRPr lang="en-US" sz="1200">
+                        <a:effectLst/>
+                        <a:latin typeface="Times"/>
+                        <a:ea typeface="Times"/>
+                        <a:cs typeface="Times New Roman"/>
+                      </a:endParaRPr>
+                    </a:p>
+                  </a:txBody>
+                  <a:tcPr marL="63500" marR="63500" marT="63500" marB="63500"/>
+                </a:tc>
+                <a:tc>
+                  <a:txBody>
+                    <a:bodyPr/>
+                    <a:lstStyle/>
+                    <a:p>
+                      <a:pPr marL="0" marR="0" algn="ctr">
+                        <a:lnSpc>
+                          <a:spcPct val="115000"/>
+                        </a:lnSpc>
+                        <a:spcBef>
+                          <a:spcPts val="0"/>
+                        </a:spcBef>
+                        <a:spcAft>
+                          <a:spcPts val="0"/>
+                        </a:spcAft>
+                        <a:tabLst>
+                          <a:tab pos="114300" algn="l"/>
+                          <a:tab pos="228600" algn="l"/>
+                          <a:tab pos="457200" algn="l"/>
+                        </a:tabLst>
+                      </a:pPr>
+                      <a:r>
+                        <a:rPr lang="en-US" sz="1200">
+                          <a:effectLst/>
+                        </a:rPr>
+                        <a:t>Test Description</a:t>
+                      </a:r>
+                      <a:endParaRPr lang="en-US" sz="1200">
+                        <a:effectLst/>
+                        <a:latin typeface="Times"/>
+                        <a:ea typeface="Times"/>
+                        <a:cs typeface="Times New Roman"/>
+                      </a:endParaRPr>
+                    </a:p>
+                  </a:txBody>
+                  <a:tcPr marL="63500" marR="63500" marT="63500" marB="63500"/>
+                </a:tc>
+              </a:tr>
+              <a:tr h="0">
+                <a:tc>
+                  <a:txBody>
+                    <a:bodyPr/>
+                    <a:lstStyle/>
+                    <a:p>
+                      <a:pPr marL="0" marR="0">
+                        <a:lnSpc>
+                          <a:spcPct val="115000"/>
+                        </a:lnSpc>
+                        <a:spcBef>
+                          <a:spcPts val="0"/>
+                        </a:spcBef>
+                        <a:spcAft>
+                          <a:spcPts val="0"/>
+                        </a:spcAft>
+                        <a:tabLst>
+                          <a:tab pos="114300" algn="l"/>
+                          <a:tab pos="228600" algn="l"/>
+                          <a:tab pos="457200" algn="l"/>
+                        </a:tabLst>
+                      </a:pPr>
+                      <a:r>
+                        <a:rPr lang="en-US" sz="1200">
+                          <a:effectLst/>
+                        </a:rPr>
+                        <a:t>UT_1 (_)</a:t>
+                      </a:r>
+                      <a:endParaRPr lang="en-US" sz="1200">
+                        <a:effectLst/>
+                        <a:latin typeface="Times"/>
+                        <a:ea typeface="Times"/>
+                        <a:cs typeface="Times New Roman"/>
+                      </a:endParaRPr>
+                    </a:p>
+                  </a:txBody>
+                  <a:tcPr marL="63500" marR="63500" marT="63500" marB="63500"/>
+                </a:tc>
+                <a:tc>
+                  <a:txBody>
+                    <a:bodyPr/>
+                    <a:lstStyle/>
+                    <a:p>
+                      <a:pPr marL="0" marR="0">
+                        <a:lnSpc>
+                          <a:spcPct val="115000"/>
+                        </a:lnSpc>
+                        <a:spcBef>
+                          <a:spcPts val="0"/>
+                        </a:spcBef>
+                        <a:spcAft>
+                          <a:spcPts val="0"/>
+                        </a:spcAft>
+                        <a:tabLst>
+                          <a:tab pos="114300" algn="l"/>
+                          <a:tab pos="228600" algn="l"/>
+                          <a:tab pos="457200" algn="l"/>
+                        </a:tabLst>
+                      </a:pPr>
+                      <a:r>
+                        <a:rPr lang="en-US" sz="1200">
+                          <a:effectLst/>
+                        </a:rPr>
+                        <a:t>Register</a:t>
+                      </a:r>
+                      <a:endParaRPr lang="en-US" sz="1200">
+                        <a:effectLst/>
+                        <a:latin typeface="Times"/>
+                        <a:ea typeface="Times"/>
+                        <a:cs typeface="Times New Roman"/>
+                      </a:endParaRPr>
+                    </a:p>
+                  </a:txBody>
+                  <a:tcPr marL="63500" marR="63500" marT="63500" marB="63500"/>
+                </a:tc>
+                <a:tc>
+                  <a:txBody>
+                    <a:bodyPr/>
+                    <a:lstStyle/>
+                    <a:p>
+                      <a:pPr marL="0" marR="0">
+                        <a:lnSpc>
+                          <a:spcPct val="115000"/>
+                        </a:lnSpc>
+                        <a:spcBef>
+                          <a:spcPts val="0"/>
+                        </a:spcBef>
+                        <a:spcAft>
+                          <a:spcPts val="0"/>
+                        </a:spcAft>
+                        <a:tabLst>
+                          <a:tab pos="114300" algn="l"/>
+                          <a:tab pos="228600" algn="l"/>
+                          <a:tab pos="457200" algn="l"/>
+                        </a:tabLst>
+                      </a:pPr>
+                      <a:r>
+                        <a:rPr lang="en-US" sz="1200">
+                          <a:effectLst/>
+                        </a:rPr>
+                        <a:t>Call User.Register() to create user account</a:t>
+                      </a:r>
+                      <a:endParaRPr lang="en-US" sz="1200">
+                        <a:effectLst/>
+                        <a:latin typeface="Times"/>
+                        <a:ea typeface="Times"/>
+                        <a:cs typeface="Times New Roman"/>
+                      </a:endParaRPr>
+                    </a:p>
+                  </a:txBody>
+                  <a:tcPr marL="63500" marR="63500" marT="63500" marB="63500"/>
+                </a:tc>
+              </a:tr>
+              <a:tr h="0">
+                <a:tc>
+                  <a:txBody>
+                    <a:bodyPr/>
+                    <a:lstStyle/>
+                    <a:p>
+                      <a:pPr marL="0" marR="0">
+                        <a:lnSpc>
+                          <a:spcPct val="115000"/>
+                        </a:lnSpc>
+                        <a:spcBef>
+                          <a:spcPts val="0"/>
+                        </a:spcBef>
+                        <a:spcAft>
+                          <a:spcPts val="0"/>
+                        </a:spcAft>
+                        <a:tabLst>
+                          <a:tab pos="114300" algn="l"/>
+                          <a:tab pos="228600" algn="l"/>
+                          <a:tab pos="457200" algn="l"/>
+                        </a:tabLst>
+                      </a:pPr>
+                      <a:r>
+                        <a:rPr lang="en-US" sz="1200">
+                          <a:effectLst/>
+                        </a:rPr>
+                        <a:t>UT_2 (_)</a:t>
+                      </a:r>
+                      <a:endParaRPr lang="en-US" sz="1200">
+                        <a:effectLst/>
+                        <a:latin typeface="Times"/>
+                        <a:ea typeface="Times"/>
+                        <a:cs typeface="Times New Roman"/>
+                      </a:endParaRPr>
+                    </a:p>
+                  </a:txBody>
+                  <a:tcPr marL="63500" marR="63500" marT="63500" marB="63500"/>
+                </a:tc>
+                <a:tc>
+                  <a:txBody>
+                    <a:bodyPr/>
+                    <a:lstStyle/>
+                    <a:p>
+                      <a:pPr marL="0" marR="0">
+                        <a:lnSpc>
+                          <a:spcPct val="115000"/>
+                        </a:lnSpc>
+                        <a:spcBef>
+                          <a:spcPts val="0"/>
+                        </a:spcBef>
+                        <a:spcAft>
+                          <a:spcPts val="0"/>
+                        </a:spcAft>
+                        <a:tabLst>
+                          <a:tab pos="114300" algn="l"/>
+                          <a:tab pos="228600" algn="l"/>
+                          <a:tab pos="457200" algn="l"/>
+                        </a:tabLst>
+                      </a:pPr>
+                      <a:r>
+                        <a:rPr lang="en-US" sz="1200">
+                          <a:effectLst/>
+                        </a:rPr>
+                        <a:t>Email verification</a:t>
+                      </a:r>
+                      <a:endParaRPr lang="en-US" sz="1200">
+                        <a:effectLst/>
+                        <a:latin typeface="Times"/>
+                        <a:ea typeface="Times"/>
+                        <a:cs typeface="Times New Roman"/>
+                      </a:endParaRPr>
+                    </a:p>
+                  </a:txBody>
+                  <a:tcPr marL="63500" marR="63500" marT="63500" marB="63500"/>
+                </a:tc>
+                <a:tc>
+                  <a:txBody>
+                    <a:bodyPr/>
+                    <a:lstStyle/>
+                    <a:p>
+                      <a:pPr marL="0" marR="0">
+                        <a:lnSpc>
+                          <a:spcPct val="115000"/>
+                        </a:lnSpc>
+                        <a:spcBef>
+                          <a:spcPts val="0"/>
+                        </a:spcBef>
+                        <a:spcAft>
+                          <a:spcPts val="0"/>
+                        </a:spcAft>
+                        <a:tabLst>
+                          <a:tab pos="114300" algn="l"/>
+                          <a:tab pos="228600" algn="l"/>
+                          <a:tab pos="457200" algn="l"/>
+                        </a:tabLst>
+                      </a:pPr>
+                      <a:r>
+                        <a:rPr lang="en-US" sz="1200">
+                          <a:effectLst/>
+                        </a:rPr>
+                        <a:t>Call User.Confirmed() to verify user email.</a:t>
+                      </a:r>
+                      <a:endParaRPr lang="en-US" sz="1200">
+                        <a:effectLst/>
+                        <a:latin typeface="Times"/>
+                        <a:ea typeface="Times"/>
+                        <a:cs typeface="Times New Roman"/>
+                      </a:endParaRPr>
+                    </a:p>
+                  </a:txBody>
+                  <a:tcPr marL="63500" marR="63500" marT="63500" marB="63500"/>
+                </a:tc>
+              </a:tr>
+              <a:tr h="0">
+                <a:tc>
+                  <a:txBody>
+                    <a:bodyPr/>
+                    <a:lstStyle/>
+                    <a:p>
+                      <a:pPr marL="0" marR="0">
+                        <a:lnSpc>
+                          <a:spcPct val="115000"/>
+                        </a:lnSpc>
+                        <a:spcBef>
+                          <a:spcPts val="0"/>
+                        </a:spcBef>
+                        <a:spcAft>
+                          <a:spcPts val="0"/>
+                        </a:spcAft>
+                        <a:tabLst>
+                          <a:tab pos="114300" algn="l"/>
+                          <a:tab pos="228600" algn="l"/>
+                          <a:tab pos="457200" algn="l"/>
+                        </a:tabLst>
+                      </a:pPr>
+                      <a:r>
+                        <a:rPr lang="en-US" sz="1200">
+                          <a:effectLst/>
+                        </a:rPr>
+                        <a:t>UT_3 (_)</a:t>
+                      </a:r>
+                      <a:endParaRPr lang="en-US" sz="1200">
+                        <a:effectLst/>
+                        <a:latin typeface="Times"/>
+                        <a:ea typeface="Times"/>
+                        <a:cs typeface="Times New Roman"/>
+                      </a:endParaRPr>
+                    </a:p>
+                  </a:txBody>
+                  <a:tcPr marL="63500" marR="63500" marT="63500" marB="63500"/>
+                </a:tc>
+                <a:tc>
+                  <a:txBody>
+                    <a:bodyPr/>
+                    <a:lstStyle/>
+                    <a:p>
+                      <a:pPr marL="0" marR="0">
+                        <a:lnSpc>
+                          <a:spcPct val="115000"/>
+                        </a:lnSpc>
+                        <a:spcBef>
+                          <a:spcPts val="0"/>
+                        </a:spcBef>
+                        <a:spcAft>
+                          <a:spcPts val="0"/>
+                        </a:spcAft>
+                        <a:tabLst>
+                          <a:tab pos="114300" algn="l"/>
+                          <a:tab pos="228600" algn="l"/>
+                          <a:tab pos="457200" algn="l"/>
+                        </a:tabLst>
+                      </a:pPr>
+                      <a:r>
+                        <a:rPr lang="en-US" sz="1200">
+                          <a:effectLst/>
+                        </a:rPr>
+                        <a:t>Login</a:t>
+                      </a:r>
+                      <a:endParaRPr lang="en-US" sz="1200">
+                        <a:effectLst/>
+                        <a:latin typeface="Times"/>
+                        <a:ea typeface="Times"/>
+                        <a:cs typeface="Times New Roman"/>
+                      </a:endParaRPr>
+                    </a:p>
+                  </a:txBody>
+                  <a:tcPr marL="63500" marR="63500" marT="63500" marB="63500"/>
+                </a:tc>
+                <a:tc>
+                  <a:txBody>
+                    <a:bodyPr/>
+                    <a:lstStyle/>
+                    <a:p>
+                      <a:pPr marL="0" marR="0">
+                        <a:lnSpc>
+                          <a:spcPct val="115000"/>
+                        </a:lnSpc>
+                        <a:spcBef>
+                          <a:spcPts val="0"/>
+                        </a:spcBef>
+                        <a:spcAft>
+                          <a:spcPts val="0"/>
+                        </a:spcAft>
+                        <a:tabLst>
+                          <a:tab pos="114300" algn="l"/>
+                          <a:tab pos="228600" algn="l"/>
+                          <a:tab pos="457200" algn="l"/>
+                        </a:tabLst>
+                      </a:pPr>
+                      <a:r>
+                        <a:rPr lang="en-US" sz="1200">
+                          <a:effectLst/>
+                        </a:rPr>
+                        <a:t>Call LoginUser.IsValid() to verify credentials.</a:t>
+                      </a:r>
+                      <a:endParaRPr lang="en-US" sz="1200">
+                        <a:effectLst/>
+                        <a:latin typeface="Times"/>
+                        <a:ea typeface="Times"/>
+                        <a:cs typeface="Times New Roman"/>
+                      </a:endParaRPr>
+                    </a:p>
+                  </a:txBody>
+                  <a:tcPr marL="63500" marR="63500" marT="63500" marB="63500"/>
+                </a:tc>
+              </a:tr>
+              <a:tr h="0">
+                <a:tc>
+                  <a:txBody>
+                    <a:bodyPr/>
+                    <a:lstStyle/>
+                    <a:p>
+                      <a:pPr marL="0" marR="0">
+                        <a:lnSpc>
+                          <a:spcPct val="115000"/>
+                        </a:lnSpc>
+                        <a:spcBef>
+                          <a:spcPts val="0"/>
+                        </a:spcBef>
+                        <a:spcAft>
+                          <a:spcPts val="0"/>
+                        </a:spcAft>
+                        <a:tabLst>
+                          <a:tab pos="114300" algn="l"/>
+                          <a:tab pos="228600" algn="l"/>
+                          <a:tab pos="457200" algn="l"/>
+                        </a:tabLst>
+                      </a:pPr>
+                      <a:r>
+                        <a:rPr lang="en-US" sz="1200">
+                          <a:effectLst/>
+                        </a:rPr>
+                        <a:t>UT_4 (_)</a:t>
+                      </a:r>
+                      <a:endParaRPr lang="en-US" sz="1200">
+                        <a:effectLst/>
+                        <a:latin typeface="Times"/>
+                        <a:ea typeface="Times"/>
+                        <a:cs typeface="Times New Roman"/>
+                      </a:endParaRPr>
+                    </a:p>
+                  </a:txBody>
+                  <a:tcPr marL="63500" marR="63500" marT="63500" marB="63500"/>
+                </a:tc>
+                <a:tc>
+                  <a:txBody>
+                    <a:bodyPr/>
+                    <a:lstStyle/>
+                    <a:p>
+                      <a:pPr marL="0" marR="0">
+                        <a:lnSpc>
+                          <a:spcPct val="115000"/>
+                        </a:lnSpc>
+                        <a:spcBef>
+                          <a:spcPts val="0"/>
+                        </a:spcBef>
+                        <a:spcAft>
+                          <a:spcPts val="0"/>
+                        </a:spcAft>
+                        <a:tabLst>
+                          <a:tab pos="114300" algn="l"/>
+                          <a:tab pos="228600" algn="l"/>
+                          <a:tab pos="457200" algn="l"/>
+                        </a:tabLst>
+                      </a:pPr>
+                      <a:r>
+                        <a:rPr lang="en-US" sz="1200">
+                          <a:effectLst/>
+                        </a:rPr>
+                        <a:t>Forgot Password</a:t>
+                      </a:r>
+                      <a:endParaRPr lang="en-US" sz="1200">
+                        <a:effectLst/>
+                        <a:latin typeface="Times"/>
+                        <a:ea typeface="Times"/>
+                        <a:cs typeface="Times New Roman"/>
+                      </a:endParaRPr>
+                    </a:p>
+                  </a:txBody>
+                  <a:tcPr marL="63500" marR="63500" marT="63500" marB="63500"/>
+                </a:tc>
+                <a:tc>
+                  <a:txBody>
+                    <a:bodyPr/>
+                    <a:lstStyle/>
+                    <a:p>
+                      <a:pPr marL="0" marR="0">
+                        <a:lnSpc>
+                          <a:spcPct val="115000"/>
+                        </a:lnSpc>
+                        <a:spcBef>
+                          <a:spcPts val="0"/>
+                        </a:spcBef>
+                        <a:spcAft>
+                          <a:spcPts val="0"/>
+                        </a:spcAft>
+                        <a:tabLst>
+                          <a:tab pos="114300" algn="l"/>
+                          <a:tab pos="228600" algn="l"/>
+                          <a:tab pos="457200" algn="l"/>
+                        </a:tabLst>
+                      </a:pPr>
+                      <a:r>
+                        <a:rPr lang="en-US" sz="1200">
+                          <a:effectLst/>
+                        </a:rPr>
+                        <a:t>Call EmailManager.SendForgotPasswordEmail() to send an email to user.</a:t>
+                      </a:r>
+                      <a:endParaRPr lang="en-US" sz="1200">
+                        <a:effectLst/>
+                        <a:latin typeface="Times"/>
+                        <a:ea typeface="Times"/>
+                        <a:cs typeface="Times New Roman"/>
+                      </a:endParaRPr>
+                    </a:p>
+                  </a:txBody>
+                  <a:tcPr marL="63500" marR="63500" marT="63500" marB="63500"/>
+                </a:tc>
+              </a:tr>
+              <a:tr h="0">
+                <a:tc>
+                  <a:txBody>
+                    <a:bodyPr/>
+                    <a:lstStyle/>
+                    <a:p>
+                      <a:pPr marL="0" marR="0">
+                        <a:lnSpc>
+                          <a:spcPct val="115000"/>
+                        </a:lnSpc>
+                        <a:spcBef>
+                          <a:spcPts val="0"/>
+                        </a:spcBef>
+                        <a:spcAft>
+                          <a:spcPts val="0"/>
+                        </a:spcAft>
+                        <a:tabLst>
+                          <a:tab pos="114300" algn="l"/>
+                          <a:tab pos="228600" algn="l"/>
+                          <a:tab pos="457200" algn="l"/>
+                        </a:tabLst>
+                      </a:pPr>
+                      <a:r>
+                        <a:rPr lang="en-US" sz="1200">
+                          <a:effectLst/>
+                        </a:rPr>
+                        <a:t>UT_5 (_)</a:t>
+                      </a:r>
+                      <a:endParaRPr lang="en-US" sz="1200">
+                        <a:effectLst/>
+                        <a:latin typeface="Times"/>
+                        <a:ea typeface="Times"/>
+                        <a:cs typeface="Times New Roman"/>
+                      </a:endParaRPr>
+                    </a:p>
+                  </a:txBody>
+                  <a:tcPr marL="63500" marR="63500" marT="63500" marB="63500"/>
+                </a:tc>
+                <a:tc>
+                  <a:txBody>
+                    <a:bodyPr/>
+                    <a:lstStyle/>
+                    <a:p>
+                      <a:pPr marL="0" marR="0">
+                        <a:lnSpc>
+                          <a:spcPct val="115000"/>
+                        </a:lnSpc>
+                        <a:spcBef>
+                          <a:spcPts val="0"/>
+                        </a:spcBef>
+                        <a:spcAft>
+                          <a:spcPts val="0"/>
+                        </a:spcAft>
+                        <a:tabLst>
+                          <a:tab pos="114300" algn="l"/>
+                          <a:tab pos="228600" algn="l"/>
+                          <a:tab pos="457200" algn="l"/>
+                        </a:tabLst>
+                      </a:pPr>
+                      <a:r>
+                        <a:rPr lang="en-US" sz="1200">
+                          <a:effectLst/>
+                        </a:rPr>
+                        <a:t>Change Password</a:t>
+                      </a:r>
+                      <a:endParaRPr lang="en-US" sz="1200">
+                        <a:effectLst/>
+                        <a:latin typeface="Times"/>
+                        <a:ea typeface="Times"/>
+                        <a:cs typeface="Times New Roman"/>
+                      </a:endParaRPr>
+                    </a:p>
+                  </a:txBody>
+                  <a:tcPr marL="63500" marR="63500" marT="63500" marB="63500"/>
+                </a:tc>
+                <a:tc>
+                  <a:txBody>
+                    <a:bodyPr/>
+                    <a:lstStyle/>
+                    <a:p>
+                      <a:pPr marL="0" marR="0">
+                        <a:lnSpc>
+                          <a:spcPct val="115000"/>
+                        </a:lnSpc>
+                        <a:spcBef>
+                          <a:spcPts val="0"/>
+                        </a:spcBef>
+                        <a:spcAft>
+                          <a:spcPts val="0"/>
+                        </a:spcAft>
+                        <a:tabLst>
+                          <a:tab pos="114300" algn="l"/>
+                          <a:tab pos="228600" algn="l"/>
+                          <a:tab pos="457200" algn="l"/>
+                        </a:tabLst>
+                      </a:pPr>
+                      <a:r>
+                        <a:rPr lang="en-US" sz="1200">
+                          <a:effectLst/>
+                        </a:rPr>
+                        <a:t>Call ChangePassword.UpdatePassword() to update password in database.</a:t>
+                      </a:r>
+                      <a:endParaRPr lang="en-US" sz="1200">
+                        <a:effectLst/>
+                        <a:latin typeface="Times"/>
+                        <a:ea typeface="Times"/>
+                        <a:cs typeface="Times New Roman"/>
+                      </a:endParaRPr>
+                    </a:p>
+                  </a:txBody>
+                  <a:tcPr marL="63500" marR="63500" marT="63500" marB="63500"/>
+                </a:tc>
+              </a:tr>
+              <a:tr h="0">
+                <a:tc>
+                  <a:txBody>
+                    <a:bodyPr/>
+                    <a:lstStyle/>
+                    <a:p>
+                      <a:pPr marL="0" marR="0">
+                        <a:lnSpc>
+                          <a:spcPct val="115000"/>
+                        </a:lnSpc>
+                        <a:spcBef>
+                          <a:spcPts val="0"/>
+                        </a:spcBef>
+                        <a:spcAft>
+                          <a:spcPts val="0"/>
+                        </a:spcAft>
+                        <a:tabLst>
+                          <a:tab pos="114300" algn="l"/>
+                          <a:tab pos="228600" algn="l"/>
+                          <a:tab pos="457200" algn="l"/>
+                        </a:tabLst>
+                      </a:pPr>
+                      <a:r>
+                        <a:rPr lang="en-US" sz="1200">
+                          <a:effectLst/>
+                        </a:rPr>
+                        <a:t>UT_6 (_)</a:t>
+                      </a:r>
+                      <a:endParaRPr lang="en-US" sz="1200">
+                        <a:effectLst/>
+                        <a:latin typeface="Times"/>
+                        <a:ea typeface="Times"/>
+                        <a:cs typeface="Times New Roman"/>
+                      </a:endParaRPr>
+                    </a:p>
+                  </a:txBody>
+                  <a:tcPr marL="63500" marR="63500" marT="63500" marB="63500"/>
+                </a:tc>
+                <a:tc>
+                  <a:txBody>
+                    <a:bodyPr/>
+                    <a:lstStyle/>
+                    <a:p>
+                      <a:pPr marL="0" marR="0">
+                        <a:lnSpc>
+                          <a:spcPct val="115000"/>
+                        </a:lnSpc>
+                        <a:spcBef>
+                          <a:spcPts val="0"/>
+                        </a:spcBef>
+                        <a:spcAft>
+                          <a:spcPts val="0"/>
+                        </a:spcAft>
+                        <a:tabLst>
+                          <a:tab pos="114300" algn="l"/>
+                          <a:tab pos="228600" algn="l"/>
+                          <a:tab pos="457200" algn="l"/>
+                        </a:tabLst>
+                      </a:pPr>
+                      <a:r>
+                        <a:rPr lang="en-US" sz="1200">
+                          <a:effectLst/>
+                        </a:rPr>
+                        <a:t>Apply</a:t>
+                      </a:r>
+                      <a:endParaRPr lang="en-US" sz="1200">
+                        <a:effectLst/>
+                        <a:latin typeface="Times"/>
+                        <a:ea typeface="Times"/>
+                        <a:cs typeface="Times New Roman"/>
+                      </a:endParaRPr>
+                    </a:p>
+                  </a:txBody>
+                  <a:tcPr marL="63500" marR="63500" marT="63500" marB="63500"/>
+                </a:tc>
+                <a:tc>
+                  <a:txBody>
+                    <a:bodyPr/>
+                    <a:lstStyle/>
+                    <a:p>
+                      <a:pPr marL="0" marR="0">
+                        <a:lnSpc>
+                          <a:spcPct val="115000"/>
+                        </a:lnSpc>
+                        <a:spcBef>
+                          <a:spcPts val="0"/>
+                        </a:spcBef>
+                        <a:spcAft>
+                          <a:spcPts val="0"/>
+                        </a:spcAft>
+                        <a:tabLst>
+                          <a:tab pos="114300" algn="l"/>
+                          <a:tab pos="228600" algn="l"/>
+                          <a:tab pos="457200" algn="l"/>
+                        </a:tabLst>
+                      </a:pPr>
+                      <a:r>
+                        <a:rPr lang="en-US" sz="1200">
+                          <a:effectLst/>
+                        </a:rPr>
+                        <a:t>Call Apply.SubmitApplication() to apply to a job.</a:t>
+                      </a:r>
+                      <a:endParaRPr lang="en-US" sz="1200">
+                        <a:effectLst/>
+                        <a:latin typeface="Times"/>
+                        <a:ea typeface="Times"/>
+                        <a:cs typeface="Times New Roman"/>
+                      </a:endParaRPr>
+                    </a:p>
+                  </a:txBody>
+                  <a:tcPr marL="63500" marR="63500" marT="63500" marB="63500"/>
+                </a:tc>
+              </a:tr>
+              <a:tr h="0">
+                <a:tc>
+                  <a:txBody>
+                    <a:bodyPr/>
+                    <a:lstStyle/>
+                    <a:p>
+                      <a:pPr marL="0" marR="0">
+                        <a:lnSpc>
+                          <a:spcPct val="115000"/>
+                        </a:lnSpc>
+                        <a:spcBef>
+                          <a:spcPts val="0"/>
+                        </a:spcBef>
+                        <a:spcAft>
+                          <a:spcPts val="0"/>
+                        </a:spcAft>
+                        <a:tabLst>
+                          <a:tab pos="114300" algn="l"/>
+                          <a:tab pos="228600" algn="l"/>
+                          <a:tab pos="457200" algn="l"/>
+                        </a:tabLst>
+                      </a:pPr>
+                      <a:r>
+                        <a:rPr lang="en-US" sz="1200">
+                          <a:effectLst/>
+                        </a:rPr>
+                        <a:t>UT_7 (_)</a:t>
+                      </a:r>
+                      <a:endParaRPr lang="en-US" sz="1200">
+                        <a:effectLst/>
+                        <a:latin typeface="Times"/>
+                        <a:ea typeface="Times"/>
+                        <a:cs typeface="Times New Roman"/>
+                      </a:endParaRPr>
+                    </a:p>
+                  </a:txBody>
+                  <a:tcPr marL="63500" marR="63500" marT="63500" marB="63500"/>
+                </a:tc>
+                <a:tc>
+                  <a:txBody>
+                    <a:bodyPr/>
+                    <a:lstStyle/>
+                    <a:p>
+                      <a:pPr marL="0" marR="0">
+                        <a:lnSpc>
+                          <a:spcPct val="115000"/>
+                        </a:lnSpc>
+                        <a:spcBef>
+                          <a:spcPts val="0"/>
+                        </a:spcBef>
+                        <a:spcAft>
+                          <a:spcPts val="0"/>
+                        </a:spcAft>
+                        <a:tabLst>
+                          <a:tab pos="114300" algn="l"/>
+                          <a:tab pos="228600" algn="l"/>
+                          <a:tab pos="457200" algn="l"/>
+                        </a:tabLst>
+                      </a:pPr>
+                      <a:r>
+                        <a:rPr lang="en-US" sz="1200">
+                          <a:effectLst/>
+                        </a:rPr>
+                        <a:t>Job Details</a:t>
+                      </a:r>
+                      <a:endParaRPr lang="en-US" sz="1200">
+                        <a:effectLst/>
+                        <a:latin typeface="Times"/>
+                        <a:ea typeface="Times"/>
+                        <a:cs typeface="Times New Roman"/>
+                      </a:endParaRPr>
+                    </a:p>
+                  </a:txBody>
+                  <a:tcPr marL="63500" marR="63500" marT="63500" marB="63500"/>
+                </a:tc>
+                <a:tc>
+                  <a:txBody>
+                    <a:bodyPr/>
+                    <a:lstStyle/>
+                    <a:p>
+                      <a:pPr marL="0" marR="0">
+                        <a:lnSpc>
+                          <a:spcPct val="115000"/>
+                        </a:lnSpc>
+                        <a:spcBef>
+                          <a:spcPts val="0"/>
+                        </a:spcBef>
+                        <a:spcAft>
+                          <a:spcPts val="0"/>
+                        </a:spcAft>
+                        <a:tabLst>
+                          <a:tab pos="114300" algn="l"/>
+                          <a:tab pos="228600" algn="l"/>
+                          <a:tab pos="457200" algn="l"/>
+                        </a:tabLst>
+                      </a:pPr>
+                      <a:r>
+                        <a:rPr lang="en-US" sz="1200">
+                          <a:effectLst/>
+                        </a:rPr>
+                        <a:t>Call Details() in JobSearchController to display details of a job.</a:t>
+                      </a:r>
+                      <a:endParaRPr lang="en-US" sz="1200">
+                        <a:effectLst/>
+                        <a:latin typeface="Times"/>
+                        <a:ea typeface="Times"/>
+                        <a:cs typeface="Times New Roman"/>
+                      </a:endParaRPr>
+                    </a:p>
+                  </a:txBody>
+                  <a:tcPr marL="63500" marR="63500" marT="63500" marB="63500"/>
+                </a:tc>
+              </a:tr>
+              <a:tr h="0">
+                <a:tc>
+                  <a:txBody>
+                    <a:bodyPr/>
+                    <a:lstStyle/>
+                    <a:p>
+                      <a:pPr marL="0" marR="0">
+                        <a:lnSpc>
+                          <a:spcPct val="115000"/>
+                        </a:lnSpc>
+                        <a:spcBef>
+                          <a:spcPts val="0"/>
+                        </a:spcBef>
+                        <a:spcAft>
+                          <a:spcPts val="0"/>
+                        </a:spcAft>
+                        <a:tabLst>
+                          <a:tab pos="114300" algn="l"/>
+                          <a:tab pos="228600" algn="l"/>
+                          <a:tab pos="457200" algn="l"/>
+                        </a:tabLst>
+                      </a:pPr>
+                      <a:r>
+                        <a:rPr lang="en-US" sz="1200">
+                          <a:effectLst/>
+                        </a:rPr>
+                        <a:t>UT_8 (_)</a:t>
+                      </a:r>
+                      <a:endParaRPr lang="en-US" sz="1200">
+                        <a:effectLst/>
+                        <a:latin typeface="Times"/>
+                        <a:ea typeface="Times"/>
+                        <a:cs typeface="Times New Roman"/>
+                      </a:endParaRPr>
+                    </a:p>
+                  </a:txBody>
+                  <a:tcPr marL="63500" marR="63500" marT="63500" marB="63500"/>
+                </a:tc>
+                <a:tc>
+                  <a:txBody>
+                    <a:bodyPr/>
+                    <a:lstStyle/>
+                    <a:p>
+                      <a:pPr marL="0" marR="0">
+                        <a:lnSpc>
+                          <a:spcPct val="115000"/>
+                        </a:lnSpc>
+                        <a:spcBef>
+                          <a:spcPts val="0"/>
+                        </a:spcBef>
+                        <a:spcAft>
+                          <a:spcPts val="0"/>
+                        </a:spcAft>
+                        <a:tabLst>
+                          <a:tab pos="114300" algn="l"/>
+                          <a:tab pos="228600" algn="l"/>
+                          <a:tab pos="457200" algn="l"/>
+                        </a:tabLst>
+                      </a:pPr>
+                      <a:r>
+                        <a:rPr lang="en-US" sz="1200">
+                          <a:effectLst/>
+                        </a:rPr>
+                        <a:t>Filter Jobs</a:t>
+                      </a:r>
+                    </a:p>
+                    <a:p>
+                      <a:pPr marL="0" marR="0">
+                        <a:lnSpc>
+                          <a:spcPct val="115000"/>
+                        </a:lnSpc>
+                        <a:spcBef>
+                          <a:spcPts val="0"/>
+                        </a:spcBef>
+                        <a:spcAft>
+                          <a:spcPts val="0"/>
+                        </a:spcAft>
+                        <a:tabLst>
+                          <a:tab pos="114300" algn="l"/>
+                          <a:tab pos="228600" algn="l"/>
+                          <a:tab pos="457200" algn="l"/>
+                        </a:tabLst>
+                      </a:pPr>
+                      <a:r>
+                        <a:rPr lang="en-US" sz="1200">
+                          <a:effectLst/>
+                        </a:rPr>
+                        <a:t> </a:t>
+                      </a:r>
+                      <a:endParaRPr lang="en-US" sz="1200">
+                        <a:effectLst/>
+                        <a:latin typeface="Times"/>
+                        <a:ea typeface="Times"/>
+                        <a:cs typeface="Times New Roman"/>
+                      </a:endParaRPr>
+                    </a:p>
+                  </a:txBody>
+                  <a:tcPr marL="63500" marR="63500" marT="63500" marB="63500"/>
+                </a:tc>
+                <a:tc>
+                  <a:txBody>
+                    <a:bodyPr/>
+                    <a:lstStyle/>
+                    <a:p>
+                      <a:pPr marL="0" marR="0">
+                        <a:lnSpc>
+                          <a:spcPct val="115000"/>
+                        </a:lnSpc>
+                        <a:spcBef>
+                          <a:spcPts val="0"/>
+                        </a:spcBef>
+                        <a:spcAft>
+                          <a:spcPts val="0"/>
+                        </a:spcAft>
+                        <a:tabLst>
+                          <a:tab pos="114300" algn="l"/>
+                          <a:tab pos="228600" algn="l"/>
+                          <a:tab pos="457200" algn="l"/>
+                        </a:tabLst>
+                      </a:pPr>
+                      <a:r>
+                        <a:rPr lang="en-US" sz="1200">
+                          <a:effectLst/>
+                        </a:rPr>
+                        <a:t>Call Index() in JobSearchController to filter jobs based on parameters.</a:t>
+                      </a:r>
+                      <a:endParaRPr lang="en-US" sz="1200">
+                        <a:effectLst/>
+                        <a:latin typeface="Times"/>
+                        <a:ea typeface="Times"/>
+                        <a:cs typeface="Times New Roman"/>
+                      </a:endParaRPr>
+                    </a:p>
+                  </a:txBody>
+                  <a:tcPr marL="63500" marR="63500" marT="63500" marB="63500"/>
+                </a:tc>
+              </a:tr>
+              <a:tr h="0">
+                <a:tc>
+                  <a:txBody>
+                    <a:bodyPr/>
+                    <a:lstStyle/>
+                    <a:p>
+                      <a:pPr marL="0" marR="0">
+                        <a:lnSpc>
+                          <a:spcPct val="115000"/>
+                        </a:lnSpc>
+                        <a:spcBef>
+                          <a:spcPts val="0"/>
+                        </a:spcBef>
+                        <a:spcAft>
+                          <a:spcPts val="0"/>
+                        </a:spcAft>
+                        <a:tabLst>
+                          <a:tab pos="114300" algn="l"/>
+                          <a:tab pos="228600" algn="l"/>
+                          <a:tab pos="457200" algn="l"/>
+                        </a:tabLst>
+                      </a:pPr>
+                      <a:r>
+                        <a:rPr lang="en-US" sz="1200">
+                          <a:effectLst/>
+                        </a:rPr>
+                        <a:t>UT_9 (_)</a:t>
+                      </a:r>
+                      <a:endParaRPr lang="en-US" sz="1200">
+                        <a:effectLst/>
+                        <a:latin typeface="Times"/>
+                        <a:ea typeface="Times"/>
+                        <a:cs typeface="Times New Roman"/>
+                      </a:endParaRPr>
+                    </a:p>
+                  </a:txBody>
+                  <a:tcPr marL="63500" marR="63500" marT="63500" marB="63500"/>
+                </a:tc>
+                <a:tc>
+                  <a:txBody>
+                    <a:bodyPr/>
+                    <a:lstStyle/>
+                    <a:p>
+                      <a:pPr marL="0" marR="0">
+                        <a:lnSpc>
+                          <a:spcPct val="115000"/>
+                        </a:lnSpc>
+                        <a:spcBef>
+                          <a:spcPts val="0"/>
+                        </a:spcBef>
+                        <a:spcAft>
+                          <a:spcPts val="0"/>
+                        </a:spcAft>
+                        <a:tabLst>
+                          <a:tab pos="114300" algn="l"/>
+                          <a:tab pos="228600" algn="l"/>
+                          <a:tab pos="457200" algn="l"/>
+                        </a:tabLst>
+                      </a:pPr>
+                      <a:r>
+                        <a:rPr lang="en-US" sz="1200">
+                          <a:effectLst/>
+                        </a:rPr>
+                        <a:t>Admin – Login</a:t>
+                      </a:r>
+                      <a:endParaRPr lang="en-US" sz="1200">
+                        <a:effectLst/>
+                        <a:latin typeface="Times"/>
+                        <a:ea typeface="Times"/>
+                        <a:cs typeface="Times New Roman"/>
+                      </a:endParaRPr>
+                    </a:p>
+                  </a:txBody>
+                  <a:tcPr marL="63500" marR="63500" marT="63500" marB="63500"/>
+                </a:tc>
+                <a:tc>
+                  <a:txBody>
+                    <a:bodyPr/>
+                    <a:lstStyle/>
+                    <a:p>
+                      <a:pPr marL="0" marR="0">
+                        <a:lnSpc>
+                          <a:spcPct val="115000"/>
+                        </a:lnSpc>
+                        <a:spcBef>
+                          <a:spcPts val="0"/>
+                        </a:spcBef>
+                        <a:spcAft>
+                          <a:spcPts val="0"/>
+                        </a:spcAft>
+                        <a:tabLst>
+                          <a:tab pos="114300" algn="l"/>
+                          <a:tab pos="228600" algn="l"/>
+                          <a:tab pos="457200" algn="l"/>
+                        </a:tabLst>
+                      </a:pPr>
+                      <a:r>
+                        <a:rPr lang="en-US" sz="1200" dirty="0">
+                          <a:effectLst/>
+                        </a:rPr>
+                        <a:t>Call </a:t>
+                      </a:r>
+                      <a:r>
+                        <a:rPr lang="en-US" sz="1200" dirty="0" err="1">
+                          <a:effectLst/>
+                        </a:rPr>
+                        <a:t>IsAdminValid</a:t>
+                      </a:r>
+                      <a:r>
+                        <a:rPr lang="en-US" sz="1200" dirty="0">
+                          <a:effectLst/>
+                        </a:rPr>
+                        <a:t>() to verify admin credentials.</a:t>
+                      </a:r>
+                      <a:endParaRPr lang="en-US" sz="1200" dirty="0">
+                        <a:effectLst/>
+                        <a:latin typeface="Times"/>
+                        <a:ea typeface="Times"/>
+                        <a:cs typeface="Times New Roman"/>
+                      </a:endParaRPr>
+                    </a:p>
+                  </a:txBody>
+                  <a:tcPr marL="63500" marR="63500" marT="63500" marB="63500"/>
+                </a:tc>
+              </a:tr>
+            </a:tbl>
+          </a:graphicData>
+        </a:graphic>
+      </p:graphicFrame>
+    </p:spTree>
+    <p:extLst>
+      <p:ext uri="{BB962C8B-B14F-4D97-AF65-F5344CB8AC3E}">
+        <p14:creationId xmlns:p14="http://schemas.microsoft.com/office/powerpoint/2010/main" val="2216002359"/>
+      </p:ext>
+    </p:extLst>
+  </p:cSld>
+  <p:clrMapOvr>
+    <a:masterClrMapping/>
+  </p:clrMapOvr>
+  <p:timing>
+    <p:tnLst>
+      <p:par>
+        <p:cTn id="1" dur="indefinite" restart="never" nodeType="tmRoot"/>
+      </p:par>
+    </p:tnLst>
+  </p:timing>
+</p:sld>
+</file>
+
+<file path=ppt/slides/slide23.xml><?xml version="1.0" encoding="utf-8"?>
+<p:sld xmlns:a="http://schemas.openxmlformats.org/drawingml/2006/main" xmlns:r="http://schemas.openxmlformats.org/officeDocument/2006/relationships" xmlns:p="http://schemas.openxmlformats.org/presentationml/2006/main">
+  <p:cSld>
+    <p:spTree>
+      <p:nvGrpSpPr>
+        <p:cNvPr id="1" name=""/>
+        <p:cNvGrpSpPr/>
+        <p:nvPr/>
+      </p:nvGrpSpPr>
+      <p:grpSpPr>
+        <a:xfrm>
+          <a:off x="0" y="0"/>
+          <a:ext cx="0" cy="0"/>
+          <a:chOff x="0" y="0"/>
+          <a:chExt cx="0" cy="0"/>
+        </a:xfrm>
+      </p:grpSpPr>
+      <p:sp>
+        <p:nvSpPr>
+          <p:cNvPr id="2" name="Title 1"/>
+          <p:cNvSpPr>
+            <a:spLocks noGrp="1"/>
+          </p:cNvSpPr>
+          <p:nvPr>
+            <p:ph type="title"/>
+          </p:nvPr>
+        </p:nvSpPr>
+        <p:spPr/>
+        <p:txBody>
+          <a:bodyPr/>
+          <a:lstStyle/>
+          <a:p>
+            <a:r>
+              <a:rPr lang="en-US" dirty="0" smtClean="0"/>
+              <a:t>Unit Testing</a:t>
+            </a:r>
+            <a:endParaRPr lang="en-US" dirty="0"/>
           </a:p>
         </p:txBody>
       </p:sp>
@@ -7663,90 +9090,118 @@
         <p:spPr/>
         <p:txBody>
           <a:bodyPr>
-            <a:normAutofit lnSpcReduction="10000"/>
+            <a:normAutofit fontScale="92500" lnSpcReduction="10000"/>
           </a:bodyPr>
           <a:lstStyle/>
           <a:p>
             <a:r>
-              <a:rPr lang="en-US" b="1" smtClean="0"/>
+              <a:rPr lang="en-US" b="1" dirty="0" smtClean="0"/>
               <a:t>Test Approach</a:t>
             </a:r>
           </a:p>
           <a:p>
             <a:pPr lvl="1"/>
             <a:r>
-              <a:rPr lang="en-US"/>
-              <a:t>Unit test cases will be written to test each method in all of the model </a:t>
-            </a:r>
-            <a:r>
-              <a:rPr lang="en-US" smtClean="0"/>
-              <a:t>classes</a:t>
+              <a:rPr lang="en-US" dirty="0"/>
+              <a:t>T</a:t>
+            </a:r>
+            <a:r>
+              <a:rPr lang="en-US" dirty="0" smtClean="0"/>
+              <a:t>est each method in all of the model classes</a:t>
             </a:r>
           </a:p>
           <a:p>
             <a:pPr lvl="1"/>
             <a:r>
-              <a:rPr lang="en-US" smtClean="0"/>
+              <a:rPr lang="en-US" dirty="0" smtClean="0"/>
               <a:t>Logic methods in Controller classes will also be tested</a:t>
             </a:r>
           </a:p>
           <a:p>
             <a:r>
-              <a:rPr lang="en-US" b="1" smtClean="0"/>
+              <a:rPr lang="en-US" b="1" dirty="0" smtClean="0"/>
               <a:t>Test Pass/Fail Criteria</a:t>
             </a:r>
           </a:p>
           <a:p>
             <a:pPr lvl="1"/>
             <a:r>
-              <a:rPr lang="en-US" smtClean="0"/>
-              <a:t>Test administrator notified by NUnit of passing/failing tests</a:t>
-            </a:r>
-          </a:p>
-          <a:p>
-            <a:r>
-              <a:rPr lang="en-US" b="1" smtClean="0"/>
+              <a:rPr lang="en-US" dirty="0"/>
+              <a:t>Use Assert classes to verify the returned </a:t>
+            </a:r>
+            <a:r>
+              <a:rPr lang="en-US" dirty="0" smtClean="0"/>
+              <a:t>values. </a:t>
+            </a:r>
+            <a:r>
+              <a:rPr lang="en-US" dirty="0"/>
+              <a:t>Pass if assert passes; otherwise fail.</a:t>
+            </a:r>
+          </a:p>
+          <a:p>
+            <a:r>
+              <a:rPr lang="en-US" b="1" dirty="0" smtClean="0"/>
               <a:t>Test Entry/Exit Criteria</a:t>
             </a:r>
           </a:p>
           <a:p>
             <a:pPr lvl="1"/>
             <a:r>
-              <a:rPr lang="en-US" smtClean="0"/>
-              <a:t>Entry Criteria: test environment ready, test stubs completed</a:t>
+              <a:rPr lang="en-US" dirty="0" smtClean="0"/>
+              <a:t>Entry </a:t>
+            </a:r>
+            <a:r>
+              <a:rPr lang="en-US" dirty="0" smtClean="0"/>
+              <a:t>Criteria</a:t>
+            </a:r>
+            <a:r>
+              <a:rPr lang="en-US" dirty="0" smtClean="0"/>
+              <a:t>: test environment ready, test stubs completed</a:t>
             </a:r>
           </a:p>
           <a:p>
             <a:pPr lvl="1"/>
             <a:r>
-              <a:rPr lang="en-US" smtClean="0"/>
+              <a:rPr lang="en-US" dirty="0" smtClean="0"/>
               <a:t>Exit Criteria: all modules tested and passed</a:t>
             </a:r>
           </a:p>
           <a:p>
             <a:r>
-              <a:rPr lang="en-US" b="1" smtClean="0"/>
-              <a:t>Test Suspension/Resumption Criteria</a:t>
+              <a:rPr lang="en-US" b="1" dirty="0" smtClean="0"/>
+              <a:t>Test </a:t>
+            </a:r>
+            <a:r>
+              <a:rPr lang="en-US" b="1" dirty="0" smtClean="0"/>
+              <a:t>Suspension/Resumption Criteria</a:t>
             </a:r>
           </a:p>
           <a:p>
             <a:pPr lvl="1"/>
             <a:r>
-              <a:rPr lang="en-US" smtClean="0"/>
+              <a:rPr lang="en-US" dirty="0" smtClean="0"/>
               <a:t>Testing will be suspended when a bug is found and resumed when the error is corrected</a:t>
             </a:r>
           </a:p>
           <a:p>
             <a:r>
-              <a:rPr lang="en-US" b="1" smtClean="0"/>
+              <a:rPr lang="en-US" b="1" dirty="0" smtClean="0"/>
               <a:t>Test Environmental Needs</a:t>
             </a:r>
           </a:p>
           <a:p>
             <a:pPr lvl="1"/>
             <a:r>
-              <a:rPr lang="en-US" smtClean="0"/>
-              <a:t>Requires Microsoft’s NUnit unit testing environment</a:t>
+              <a:rPr lang="en-US" dirty="0" smtClean="0"/>
+              <a:t>Requires Microsoft’s </a:t>
+            </a:r>
+            <a:r>
+              <a:rPr lang="en-US" dirty="0" err="1" smtClean="0"/>
+              <a:t>NUnit</a:t>
+            </a:r>
+            <a:r>
+              <a:rPr lang="en-US" dirty="0" smtClean="0"/>
+              <a:t> unit testing environment</a:t>
             </a:r>
           </a:p>
         </p:txBody>
@@ -7761,6 +9216,943 @@
   <p:clrMapOvr>
     <a:masterClrMapping/>
   </p:clrMapOvr>
+  <p:timing>
+    <p:tnLst>
+      <p:par>
+        <p:cTn id="1" dur="indefinite" restart="never" nodeType="tmRoot"/>
+      </p:par>
+    </p:tnLst>
+  </p:timing>
+</p:sld>
+</file>
+
+<file path=ppt/slides/slide24.xml><?xml version="1.0" encoding="utf-8"?>
+<p:sld xmlns:a="http://schemas.openxmlformats.org/drawingml/2006/main" xmlns:r="http://schemas.openxmlformats.org/officeDocument/2006/relationships" xmlns:p="http://schemas.openxmlformats.org/presentationml/2006/main">
+  <p:cSld>
+    <p:spTree>
+      <p:nvGrpSpPr>
+        <p:cNvPr id="1" name=""/>
+        <p:cNvGrpSpPr/>
+        <p:nvPr/>
+      </p:nvGrpSpPr>
+      <p:grpSpPr>
+        <a:xfrm>
+          <a:off x="0" y="0"/>
+          <a:ext cx="0" cy="0"/>
+          <a:chOff x="0" y="0"/>
+          <a:chExt cx="0" cy="0"/>
+        </a:xfrm>
+      </p:grpSpPr>
+      <p:sp>
+        <p:nvSpPr>
+          <p:cNvPr id="2" name="Title 1"/>
+          <p:cNvSpPr>
+            <a:spLocks noGrp="1"/>
+          </p:cNvSpPr>
+          <p:nvPr>
+            <p:ph type="title"/>
+          </p:nvPr>
+        </p:nvSpPr>
+        <p:spPr/>
+        <p:txBody>
+          <a:bodyPr/>
+          <a:lstStyle/>
+          <a:p>
+            <a:r>
+              <a:rPr lang="en-US" dirty="0"/>
+              <a:t>Unit Testing</a:t>
+            </a:r>
+          </a:p>
+        </p:txBody>
+      </p:sp>
+      <p:graphicFrame>
+        <p:nvGraphicFramePr>
+          <p:cNvPr id="6" name="Content Placeholder 5"/>
+          <p:cNvGraphicFramePr>
+            <a:graphicFrameLocks noGrp="1"/>
+          </p:cNvGraphicFramePr>
+          <p:nvPr>
+            <p:ph idx="1"/>
+            <p:extLst>
+              <p:ext uri="{D42A27DB-BD31-4B8C-83A1-F6EECF244321}">
+                <p14:modId xmlns:p14="http://schemas.microsoft.com/office/powerpoint/2010/main" val="3192857444"/>
+              </p:ext>
+            </p:extLst>
+          </p:nvPr>
+        </p:nvGraphicFramePr>
+        <p:xfrm>
+          <a:off x="914400" y="1768348"/>
+          <a:ext cx="6477000" cy="4240721"/>
+        </p:xfrm>
+        <a:graphic>
+          <a:graphicData uri="http://schemas.openxmlformats.org/drawingml/2006/table">
+            <a:tbl>
+              <a:tblPr>
+                <a:tableStyleId>{5C22544A-7EE6-4342-B048-85BDC9FD1C3A}</a:tableStyleId>
+              </a:tblPr>
+              <a:tblGrid>
+                <a:gridCol w="1820975"/>
+                <a:gridCol w="4656025"/>
+              </a:tblGrid>
+              <a:tr h="0">
+                <a:tc>
+                  <a:txBody>
+                    <a:bodyPr/>
+                    <a:lstStyle/>
+                    <a:p>
+                      <a:pPr marL="0" marR="0">
+                        <a:lnSpc>
+                          <a:spcPct val="115000"/>
+                        </a:lnSpc>
+                        <a:spcBef>
+                          <a:spcPts val="0"/>
+                        </a:spcBef>
+                        <a:spcAft>
+                          <a:spcPts val="0"/>
+                        </a:spcAft>
+                        <a:tabLst>
+                          <a:tab pos="114300" algn="l"/>
+                          <a:tab pos="228600" algn="l"/>
+                          <a:tab pos="457200" algn="l"/>
+                        </a:tabLst>
+                      </a:pPr>
+                      <a:r>
+                        <a:rPr lang="en-US" sz="1200">
+                          <a:effectLst/>
+                        </a:rPr>
+                        <a:t>ID</a:t>
+                      </a:r>
+                      <a:endParaRPr lang="en-US" sz="1200">
+                        <a:effectLst/>
+                        <a:latin typeface="Times"/>
+                        <a:ea typeface="Times"/>
+                        <a:cs typeface="Times New Roman"/>
+                      </a:endParaRPr>
+                    </a:p>
+                  </a:txBody>
+                  <a:tcPr marL="63500" marR="63500" marT="63500" marB="63500"/>
+                </a:tc>
+                <a:tc>
+                  <a:txBody>
+                    <a:bodyPr/>
+                    <a:lstStyle/>
+                    <a:p>
+                      <a:pPr marL="0" marR="0">
+                        <a:lnSpc>
+                          <a:spcPct val="115000"/>
+                        </a:lnSpc>
+                        <a:spcBef>
+                          <a:spcPts val="0"/>
+                        </a:spcBef>
+                        <a:spcAft>
+                          <a:spcPts val="0"/>
+                        </a:spcAft>
+                        <a:tabLst>
+                          <a:tab pos="114300" algn="l"/>
+                          <a:tab pos="228600" algn="l"/>
+                          <a:tab pos="457200" algn="l"/>
+                        </a:tabLst>
+                      </a:pPr>
+                      <a:r>
+                        <a:rPr lang="en-US" sz="1200">
+                          <a:effectLst/>
+                        </a:rPr>
+                        <a:t>UT_1.3</a:t>
+                      </a:r>
+                      <a:endParaRPr lang="en-US" sz="1200">
+                        <a:effectLst/>
+                        <a:latin typeface="Times"/>
+                        <a:ea typeface="Times"/>
+                        <a:cs typeface="Times New Roman"/>
+                      </a:endParaRPr>
+                    </a:p>
+                  </a:txBody>
+                  <a:tcPr marL="63500" marR="63500" marT="63500" marB="63500"/>
+                </a:tc>
+              </a:tr>
+              <a:tr h="0">
+                <a:tc>
+                  <a:txBody>
+                    <a:bodyPr/>
+                    <a:lstStyle/>
+                    <a:p>
+                      <a:pPr marL="0" marR="0">
+                        <a:lnSpc>
+                          <a:spcPct val="115000"/>
+                        </a:lnSpc>
+                        <a:spcBef>
+                          <a:spcPts val="0"/>
+                        </a:spcBef>
+                        <a:spcAft>
+                          <a:spcPts val="0"/>
+                        </a:spcAft>
+                        <a:tabLst>
+                          <a:tab pos="114300" algn="l"/>
+                          <a:tab pos="228600" algn="l"/>
+                          <a:tab pos="457200" algn="l"/>
+                        </a:tabLst>
+                      </a:pPr>
+                      <a:r>
+                        <a:rPr lang="en-US" sz="1200">
+                          <a:effectLst/>
+                        </a:rPr>
+                        <a:t>Item to Test</a:t>
+                      </a:r>
+                      <a:endParaRPr lang="en-US" sz="1200">
+                        <a:effectLst/>
+                        <a:latin typeface="Times"/>
+                        <a:ea typeface="Times"/>
+                        <a:cs typeface="Times New Roman"/>
+                      </a:endParaRPr>
+                    </a:p>
+                  </a:txBody>
+                  <a:tcPr marL="63500" marR="63500" marT="63500" marB="63500"/>
+                </a:tc>
+                <a:tc>
+                  <a:txBody>
+                    <a:bodyPr/>
+                    <a:lstStyle/>
+                    <a:p>
+                      <a:pPr marL="0" marR="0">
+                        <a:lnSpc>
+                          <a:spcPct val="115000"/>
+                        </a:lnSpc>
+                        <a:spcBef>
+                          <a:spcPts val="0"/>
+                        </a:spcBef>
+                        <a:spcAft>
+                          <a:spcPts val="0"/>
+                        </a:spcAft>
+                        <a:tabLst>
+                          <a:tab pos="114300" algn="l"/>
+                          <a:tab pos="228600" algn="l"/>
+                          <a:tab pos="457200" algn="l"/>
+                        </a:tabLst>
+                      </a:pPr>
+                      <a:r>
+                        <a:rPr lang="en-US" sz="1200">
+                          <a:effectLst/>
+                        </a:rPr>
+                        <a:t>Register Fails</a:t>
+                      </a:r>
+                      <a:endParaRPr lang="en-US" sz="1200">
+                        <a:effectLst/>
+                        <a:latin typeface="Times"/>
+                        <a:ea typeface="Times"/>
+                        <a:cs typeface="Times New Roman"/>
+                      </a:endParaRPr>
+                    </a:p>
+                  </a:txBody>
+                  <a:tcPr marL="63500" marR="63500" marT="63500" marB="63500"/>
+                </a:tc>
+              </a:tr>
+              <a:tr h="0">
+                <a:tc>
+                  <a:txBody>
+                    <a:bodyPr/>
+                    <a:lstStyle/>
+                    <a:p>
+                      <a:pPr marL="0" marR="0">
+                        <a:lnSpc>
+                          <a:spcPct val="115000"/>
+                        </a:lnSpc>
+                        <a:spcBef>
+                          <a:spcPts val="0"/>
+                        </a:spcBef>
+                        <a:spcAft>
+                          <a:spcPts val="0"/>
+                        </a:spcAft>
+                        <a:tabLst>
+                          <a:tab pos="114300" algn="l"/>
+                          <a:tab pos="228600" algn="l"/>
+                          <a:tab pos="457200" algn="l"/>
+                        </a:tabLst>
+                      </a:pPr>
+                      <a:r>
+                        <a:rPr lang="en-US" sz="1200">
+                          <a:effectLst/>
+                        </a:rPr>
+                        <a:t>Pre-Conditions</a:t>
+                      </a:r>
+                      <a:endParaRPr lang="en-US" sz="1200">
+                        <a:effectLst/>
+                        <a:latin typeface="Times"/>
+                        <a:ea typeface="Times"/>
+                        <a:cs typeface="Times New Roman"/>
+                      </a:endParaRPr>
+                    </a:p>
+                  </a:txBody>
+                  <a:tcPr marL="63500" marR="63500" marT="63500" marB="63500"/>
+                </a:tc>
+                <a:tc>
+                  <a:txBody>
+                    <a:bodyPr/>
+                    <a:lstStyle/>
+                    <a:p>
+                      <a:pPr>
+                        <a:lnSpc>
+                          <a:spcPct val="115000"/>
+                        </a:lnSpc>
+                        <a:tabLst>
+                          <a:tab pos="457200" algn="l"/>
+                        </a:tabLst>
+                      </a:pPr>
+                      <a:r>
+                        <a:rPr lang="en-US" sz="1100">
+                          <a:effectLst/>
+                        </a:rPr>
+                        <a:t>Account already created with email “john.doe@email.com”</a:t>
+                      </a:r>
+                      <a:endParaRPr lang="en-US" sz="1100">
+                        <a:effectLst/>
+                        <a:latin typeface="Calibri"/>
+                      </a:endParaRPr>
+                    </a:p>
+                  </a:txBody>
+                  <a:tcPr marL="63500" marR="63500" marT="63500" marB="63500"/>
+                </a:tc>
+              </a:tr>
+              <a:tr h="0">
+                <a:tc>
+                  <a:txBody>
+                    <a:bodyPr/>
+                    <a:lstStyle/>
+                    <a:p>
+                      <a:pPr marL="0" marR="0">
+                        <a:lnSpc>
+                          <a:spcPct val="115000"/>
+                        </a:lnSpc>
+                        <a:spcBef>
+                          <a:spcPts val="0"/>
+                        </a:spcBef>
+                        <a:spcAft>
+                          <a:spcPts val="0"/>
+                        </a:spcAft>
+                        <a:tabLst>
+                          <a:tab pos="114300" algn="l"/>
+                          <a:tab pos="228600" algn="l"/>
+                          <a:tab pos="457200" algn="l"/>
+                        </a:tabLst>
+                      </a:pPr>
+                      <a:r>
+                        <a:rPr lang="en-US" sz="1200">
+                          <a:effectLst/>
+                        </a:rPr>
+                        <a:t>Test Steps</a:t>
+                      </a:r>
+                      <a:endParaRPr lang="en-US" sz="1200">
+                        <a:effectLst/>
+                        <a:latin typeface="Times"/>
+                        <a:ea typeface="Times"/>
+                        <a:cs typeface="Times New Roman"/>
+                      </a:endParaRPr>
+                    </a:p>
+                  </a:txBody>
+                  <a:tcPr marL="63500" marR="63500" marT="63500" marB="63500"/>
+                </a:tc>
+                <a:tc>
+                  <a:txBody>
+                    <a:bodyPr/>
+                    <a:lstStyle/>
+                    <a:p>
+                      <a:pPr marL="342900" marR="0" lvl="0" indent="-342900">
+                        <a:lnSpc>
+                          <a:spcPct val="115000"/>
+                        </a:lnSpc>
+                        <a:spcBef>
+                          <a:spcPts val="0"/>
+                        </a:spcBef>
+                        <a:spcAft>
+                          <a:spcPts val="0"/>
+                        </a:spcAft>
+                        <a:buFont typeface="+mj-lt"/>
+                        <a:buAutoNum type="arabicPeriod"/>
+                        <a:tabLst>
+                          <a:tab pos="114300" algn="l"/>
+                          <a:tab pos="228600" algn="l"/>
+                          <a:tab pos="457200" algn="l"/>
+                        </a:tabLst>
+                      </a:pPr>
+                      <a:r>
+                        <a:rPr lang="en-US" sz="1200" dirty="0">
+                          <a:effectLst/>
+                        </a:rPr>
+                        <a:t>Call </a:t>
+                      </a:r>
+                      <a:r>
+                        <a:rPr lang="en-US" sz="1200" dirty="0" err="1">
+                          <a:effectLst/>
+                        </a:rPr>
+                        <a:t>User.Register</a:t>
+                      </a:r>
+                      <a:r>
+                        <a:rPr lang="en-US" sz="1200" dirty="0">
+                          <a:effectLst/>
+                        </a:rPr>
+                        <a:t>(</a:t>
+                      </a:r>
+                      <a:r>
+                        <a:rPr lang="en-US" sz="1200" dirty="0" err="1">
+                          <a:effectLst/>
+                        </a:rPr>
+                        <a:t>firstName</a:t>
+                      </a:r>
+                      <a:r>
+                        <a:rPr lang="en-US" sz="1200" dirty="0">
+                          <a:effectLst/>
+                        </a:rPr>
+                        <a:t>, </a:t>
+                      </a:r>
+                      <a:r>
+                        <a:rPr lang="en-US" sz="1200" dirty="0" err="1">
+                          <a:effectLst/>
+                        </a:rPr>
+                        <a:t>lastName</a:t>
+                      </a:r>
+                      <a:r>
+                        <a:rPr lang="en-US" sz="1200" dirty="0">
+                          <a:effectLst/>
+                        </a:rPr>
+                        <a:t>, email, password, </a:t>
+                      </a:r>
+                      <a:r>
+                        <a:rPr lang="en-US" sz="1200" dirty="0" err="1">
+                          <a:effectLst/>
+                        </a:rPr>
+                        <a:t>guid</a:t>
+                      </a:r>
+                      <a:r>
+                        <a:rPr lang="en-US" sz="1200" dirty="0">
+                          <a:effectLst/>
+                        </a:rPr>
+                        <a:t>)</a:t>
+                      </a:r>
+                    </a:p>
+                    <a:p>
+                      <a:pPr marL="457200" marR="0">
+                        <a:lnSpc>
+                          <a:spcPct val="115000"/>
+                        </a:lnSpc>
+                        <a:spcBef>
+                          <a:spcPts val="0"/>
+                        </a:spcBef>
+                        <a:spcAft>
+                          <a:spcPts val="0"/>
+                        </a:spcAft>
+                        <a:tabLst>
+                          <a:tab pos="114300" algn="l"/>
+                          <a:tab pos="228600" algn="l"/>
+                          <a:tab pos="457200" algn="l"/>
+                        </a:tabLst>
+                      </a:pPr>
+                      <a:r>
+                        <a:rPr lang="en-US" sz="1200" dirty="0">
+                          <a:effectLst/>
+                        </a:rPr>
+                        <a:t>{</a:t>
+                      </a:r>
+                    </a:p>
+                    <a:p>
+                      <a:pPr marL="457200" marR="0">
+                        <a:lnSpc>
+                          <a:spcPct val="115000"/>
+                        </a:lnSpc>
+                        <a:spcBef>
+                          <a:spcPts val="0"/>
+                        </a:spcBef>
+                        <a:spcAft>
+                          <a:spcPts val="0"/>
+                        </a:spcAft>
+                        <a:tabLst>
+                          <a:tab pos="114300" algn="l"/>
+                          <a:tab pos="228600" algn="l"/>
+                          <a:tab pos="457200" algn="l"/>
+                        </a:tabLst>
+                      </a:pPr>
+                      <a:r>
+                        <a:rPr lang="en-US" sz="1200" dirty="0">
+                          <a:effectLst/>
+                        </a:rPr>
+                        <a:t>      </a:t>
+                      </a:r>
+                      <a:r>
+                        <a:rPr lang="en-US" sz="1200" dirty="0" err="1">
+                          <a:effectLst/>
+                        </a:rPr>
+                        <a:t>firstName</a:t>
+                      </a:r>
+                      <a:r>
+                        <a:rPr lang="en-US" sz="1200" dirty="0">
+                          <a:effectLst/>
+                        </a:rPr>
+                        <a:t> = “John”,</a:t>
+                      </a:r>
+                    </a:p>
+                    <a:p>
+                      <a:pPr marL="457200" marR="0">
+                        <a:lnSpc>
+                          <a:spcPct val="115000"/>
+                        </a:lnSpc>
+                        <a:spcBef>
+                          <a:spcPts val="0"/>
+                        </a:spcBef>
+                        <a:spcAft>
+                          <a:spcPts val="0"/>
+                        </a:spcAft>
+                        <a:tabLst>
+                          <a:tab pos="114300" algn="l"/>
+                          <a:tab pos="228600" algn="l"/>
+                          <a:tab pos="457200" algn="l"/>
+                        </a:tabLst>
+                      </a:pPr>
+                      <a:r>
+                        <a:rPr lang="en-US" sz="1200" dirty="0">
+                          <a:effectLst/>
+                        </a:rPr>
+                        <a:t>      </a:t>
+                      </a:r>
+                      <a:r>
+                        <a:rPr lang="en-US" sz="1200" dirty="0" err="1">
+                          <a:effectLst/>
+                        </a:rPr>
+                        <a:t>lastName</a:t>
+                      </a:r>
+                      <a:r>
+                        <a:rPr lang="en-US" sz="1200" dirty="0">
+                          <a:effectLst/>
+                        </a:rPr>
+                        <a:t> = “Doe”,</a:t>
+                      </a:r>
+                    </a:p>
+                    <a:p>
+                      <a:pPr marL="457200" marR="0">
+                        <a:lnSpc>
+                          <a:spcPct val="115000"/>
+                        </a:lnSpc>
+                        <a:spcBef>
+                          <a:spcPts val="0"/>
+                        </a:spcBef>
+                        <a:spcAft>
+                          <a:spcPts val="0"/>
+                        </a:spcAft>
+                        <a:tabLst>
+                          <a:tab pos="114300" algn="l"/>
+                          <a:tab pos="228600" algn="l"/>
+                          <a:tab pos="457200" algn="l"/>
+                        </a:tabLst>
+                      </a:pPr>
+                      <a:r>
+                        <a:rPr lang="en-US" sz="1200" dirty="0">
+                          <a:effectLst/>
+                        </a:rPr>
+                        <a:t>      email = john.doe@email.com,</a:t>
+                      </a:r>
+                    </a:p>
+                    <a:p>
+                      <a:pPr marL="457200" marR="0">
+                        <a:lnSpc>
+                          <a:spcPct val="115000"/>
+                        </a:lnSpc>
+                        <a:spcBef>
+                          <a:spcPts val="0"/>
+                        </a:spcBef>
+                        <a:spcAft>
+                          <a:spcPts val="0"/>
+                        </a:spcAft>
+                        <a:tabLst>
+                          <a:tab pos="114300" algn="l"/>
+                          <a:tab pos="228600" algn="l"/>
+                          <a:tab pos="457200" algn="l"/>
+                        </a:tabLst>
+                      </a:pPr>
+                      <a:r>
+                        <a:rPr lang="en-US" sz="1200" dirty="0">
+                          <a:effectLst/>
+                        </a:rPr>
+                        <a:t>      password = “123456”,</a:t>
+                      </a:r>
+                    </a:p>
+                    <a:p>
+                      <a:pPr marL="457200" marR="0">
+                        <a:lnSpc>
+                          <a:spcPct val="115000"/>
+                        </a:lnSpc>
+                        <a:spcBef>
+                          <a:spcPts val="0"/>
+                        </a:spcBef>
+                        <a:spcAft>
+                          <a:spcPts val="0"/>
+                        </a:spcAft>
+                        <a:tabLst>
+                          <a:tab pos="114300" algn="l"/>
+                          <a:tab pos="228600" algn="l"/>
+                          <a:tab pos="457200" algn="l"/>
+                        </a:tabLst>
+                      </a:pPr>
+                      <a:r>
+                        <a:rPr lang="en-US" sz="1200" dirty="0">
+                          <a:effectLst/>
+                        </a:rPr>
+                        <a:t>      GUID = “a6d7f3b6-c65d-4319-89d9-e5b518720e39”</a:t>
+                      </a:r>
+                    </a:p>
+                    <a:p>
+                      <a:pPr marL="457200" marR="0">
+                        <a:lnSpc>
+                          <a:spcPct val="115000"/>
+                        </a:lnSpc>
+                        <a:spcBef>
+                          <a:spcPts val="0"/>
+                        </a:spcBef>
+                        <a:spcAft>
+                          <a:spcPts val="0"/>
+                        </a:spcAft>
+                        <a:tabLst>
+                          <a:tab pos="114300" algn="l"/>
+                          <a:tab pos="228600" algn="l"/>
+                          <a:tab pos="457200" algn="l"/>
+                        </a:tabLst>
+                      </a:pPr>
+                      <a:r>
+                        <a:rPr lang="en-US" sz="1200" dirty="0">
+                          <a:effectLst/>
+                        </a:rPr>
+                        <a:t>} and store returned value in Boolean variable.</a:t>
+                      </a:r>
+                    </a:p>
+                    <a:p>
+                      <a:pPr marL="0" marR="0" lvl="0" indent="0">
+                        <a:lnSpc>
+                          <a:spcPct val="115000"/>
+                        </a:lnSpc>
+                        <a:spcBef>
+                          <a:spcPts val="0"/>
+                        </a:spcBef>
+                        <a:spcAft>
+                          <a:spcPts val="0"/>
+                        </a:spcAft>
+                        <a:buFont typeface="+mj-lt"/>
+                        <a:buNone/>
+                        <a:tabLst>
+                          <a:tab pos="114300" algn="l"/>
+                          <a:tab pos="228600" algn="l"/>
+                          <a:tab pos="457200" algn="l"/>
+                        </a:tabLst>
+                      </a:pPr>
+                      <a:r>
+                        <a:rPr lang="en-US" sz="1200" dirty="0" smtClean="0">
+                          <a:effectLst/>
+                        </a:rPr>
+                        <a:t>2</a:t>
+                      </a:r>
+                      <a:r>
+                        <a:rPr lang="en-US" sz="1200" smtClean="0">
+                          <a:effectLst/>
+                        </a:rPr>
+                        <a:t>.       Verify </a:t>
+                      </a:r>
+                      <a:r>
+                        <a:rPr lang="en-US" sz="1200" dirty="0">
+                          <a:effectLst/>
+                        </a:rPr>
+                        <a:t>returned value with expected value.</a:t>
+                      </a:r>
+                    </a:p>
+                    <a:p>
+                      <a:pPr marL="457200" marR="0">
+                        <a:lnSpc>
+                          <a:spcPct val="115000"/>
+                        </a:lnSpc>
+                        <a:spcBef>
+                          <a:spcPts val="0"/>
+                        </a:spcBef>
+                        <a:spcAft>
+                          <a:spcPts val="0"/>
+                        </a:spcAft>
+                        <a:tabLst>
+                          <a:tab pos="114300" algn="l"/>
+                          <a:tab pos="228600" algn="l"/>
+                          <a:tab pos="457200" algn="l"/>
+                        </a:tabLst>
+                      </a:pPr>
+                      <a:r>
+                        <a:rPr lang="en-US" sz="1200" dirty="0">
+                          <a:effectLst/>
+                        </a:rPr>
+                        <a:t> </a:t>
+                      </a:r>
+                      <a:endParaRPr lang="en-US" sz="1200" dirty="0">
+                        <a:effectLst/>
+                        <a:latin typeface="Times"/>
+                        <a:ea typeface="Times"/>
+                        <a:cs typeface="Times New Roman"/>
+                      </a:endParaRPr>
+                    </a:p>
+                  </a:txBody>
+                  <a:tcPr marL="63500" marR="63500" marT="63500" marB="63500"/>
+                </a:tc>
+              </a:tr>
+              <a:tr h="0">
+                <a:tc>
+                  <a:txBody>
+                    <a:bodyPr/>
+                    <a:lstStyle/>
+                    <a:p>
+                      <a:pPr marL="0" marR="0">
+                        <a:lnSpc>
+                          <a:spcPct val="115000"/>
+                        </a:lnSpc>
+                        <a:spcBef>
+                          <a:spcPts val="0"/>
+                        </a:spcBef>
+                        <a:spcAft>
+                          <a:spcPts val="0"/>
+                        </a:spcAft>
+                        <a:tabLst>
+                          <a:tab pos="114300" algn="l"/>
+                          <a:tab pos="228600" algn="l"/>
+                          <a:tab pos="457200" algn="l"/>
+                        </a:tabLst>
+                      </a:pPr>
+                      <a:r>
+                        <a:rPr lang="en-US" sz="1200">
+                          <a:effectLst/>
+                        </a:rPr>
+                        <a:t>Expected Results</a:t>
+                      </a:r>
+                      <a:endParaRPr lang="en-US" sz="1200">
+                        <a:effectLst/>
+                        <a:latin typeface="Times"/>
+                        <a:ea typeface="Times"/>
+                        <a:cs typeface="Times New Roman"/>
+                      </a:endParaRPr>
+                    </a:p>
+                  </a:txBody>
+                  <a:tcPr marL="63500" marR="63500" marT="63500" marB="63500"/>
+                </a:tc>
+                <a:tc>
+                  <a:txBody>
+                    <a:bodyPr/>
+                    <a:lstStyle/>
+                    <a:p>
+                      <a:pPr marL="0" marR="0">
+                        <a:lnSpc>
+                          <a:spcPct val="115000"/>
+                        </a:lnSpc>
+                        <a:spcBef>
+                          <a:spcPts val="0"/>
+                        </a:spcBef>
+                        <a:spcAft>
+                          <a:spcPts val="0"/>
+                        </a:spcAft>
+                        <a:tabLst>
+                          <a:tab pos="114300" algn="l"/>
+                          <a:tab pos="228600" algn="l"/>
+                          <a:tab pos="457200" algn="l"/>
+                        </a:tabLst>
+                      </a:pPr>
+                      <a:r>
+                        <a:rPr lang="en-US" sz="1200">
+                          <a:effectLst/>
+                        </a:rPr>
+                        <a:t>False should be returned</a:t>
+                      </a:r>
+                      <a:endParaRPr lang="en-US" sz="1200">
+                        <a:effectLst/>
+                        <a:latin typeface="Times"/>
+                        <a:ea typeface="Times"/>
+                        <a:cs typeface="Times New Roman"/>
+                      </a:endParaRPr>
+                    </a:p>
+                  </a:txBody>
+                  <a:tcPr marL="63500" marR="63500" marT="63500" marB="63500"/>
+                </a:tc>
+              </a:tr>
+              <a:tr h="0">
+                <a:tc>
+                  <a:txBody>
+                    <a:bodyPr/>
+                    <a:lstStyle/>
+                    <a:p>
+                      <a:pPr marL="0" marR="0">
+                        <a:lnSpc>
+                          <a:spcPct val="115000"/>
+                        </a:lnSpc>
+                        <a:spcBef>
+                          <a:spcPts val="0"/>
+                        </a:spcBef>
+                        <a:spcAft>
+                          <a:spcPts val="0"/>
+                        </a:spcAft>
+                        <a:tabLst>
+                          <a:tab pos="114300" algn="l"/>
+                          <a:tab pos="228600" algn="l"/>
+                          <a:tab pos="457200" algn="l"/>
+                        </a:tabLst>
+                      </a:pPr>
+                      <a:r>
+                        <a:rPr lang="en-US" sz="1200">
+                          <a:effectLst/>
+                        </a:rPr>
+                        <a:t>Priority</a:t>
+                      </a:r>
+                      <a:endParaRPr lang="en-US" sz="1200">
+                        <a:effectLst/>
+                        <a:latin typeface="Times"/>
+                        <a:ea typeface="Times"/>
+                        <a:cs typeface="Times New Roman"/>
+                      </a:endParaRPr>
+                    </a:p>
+                  </a:txBody>
+                  <a:tcPr marL="63500" marR="63500" marT="63500" marB="63500"/>
+                </a:tc>
+                <a:tc>
+                  <a:txBody>
+                    <a:bodyPr/>
+                    <a:lstStyle/>
+                    <a:p>
+                      <a:pPr marL="0" marR="0">
+                        <a:lnSpc>
+                          <a:spcPct val="115000"/>
+                        </a:lnSpc>
+                        <a:spcBef>
+                          <a:spcPts val="0"/>
+                        </a:spcBef>
+                        <a:spcAft>
+                          <a:spcPts val="0"/>
+                        </a:spcAft>
+                        <a:tabLst>
+                          <a:tab pos="114300" algn="l"/>
+                          <a:tab pos="228600" algn="l"/>
+                          <a:tab pos="457200" algn="l"/>
+                        </a:tabLst>
+                      </a:pPr>
+                      <a:r>
+                        <a:rPr lang="en-US" sz="1200">
+                          <a:effectLst/>
+                        </a:rPr>
+                        <a:t>High</a:t>
+                      </a:r>
+                      <a:endParaRPr lang="en-US" sz="1200">
+                        <a:effectLst/>
+                        <a:latin typeface="Times"/>
+                        <a:ea typeface="Times"/>
+                        <a:cs typeface="Times New Roman"/>
+                      </a:endParaRPr>
+                    </a:p>
+                  </a:txBody>
+                  <a:tcPr marL="63500" marR="63500" marT="63500" marB="63500"/>
+                </a:tc>
+              </a:tr>
+              <a:tr h="0">
+                <a:tc>
+                  <a:txBody>
+                    <a:bodyPr/>
+                    <a:lstStyle/>
+                    <a:p>
+                      <a:pPr marL="0" marR="0">
+                        <a:lnSpc>
+                          <a:spcPct val="115000"/>
+                        </a:lnSpc>
+                        <a:spcBef>
+                          <a:spcPts val="0"/>
+                        </a:spcBef>
+                        <a:spcAft>
+                          <a:spcPts val="0"/>
+                        </a:spcAft>
+                        <a:tabLst>
+                          <a:tab pos="114300" algn="l"/>
+                          <a:tab pos="228600" algn="l"/>
+                          <a:tab pos="457200" algn="l"/>
+                        </a:tabLst>
+                      </a:pPr>
+                      <a:r>
+                        <a:rPr lang="en-US" sz="1200">
+                          <a:effectLst/>
+                        </a:rPr>
+                        <a:t>Pass/Fail</a:t>
+                      </a:r>
+                      <a:endParaRPr lang="en-US" sz="1200">
+                        <a:effectLst/>
+                        <a:latin typeface="Times"/>
+                        <a:ea typeface="Times"/>
+                        <a:cs typeface="Times New Roman"/>
+                      </a:endParaRPr>
+                    </a:p>
+                  </a:txBody>
+                  <a:tcPr marL="63500" marR="63500" marT="63500" marB="63500"/>
+                </a:tc>
+                <a:tc>
+                  <a:txBody>
+                    <a:bodyPr/>
+                    <a:lstStyle/>
+                    <a:p>
+                      <a:pPr marL="0" marR="0">
+                        <a:lnSpc>
+                          <a:spcPct val="115000"/>
+                        </a:lnSpc>
+                        <a:spcBef>
+                          <a:spcPts val="0"/>
+                        </a:spcBef>
+                        <a:spcAft>
+                          <a:spcPts val="0"/>
+                        </a:spcAft>
+                        <a:tabLst>
+                          <a:tab pos="114300" algn="l"/>
+                          <a:tab pos="228600" algn="l"/>
+                          <a:tab pos="457200" algn="l"/>
+                        </a:tabLst>
+                      </a:pPr>
+                      <a:r>
+                        <a:rPr lang="en-US" sz="1200" dirty="0">
+                          <a:effectLst/>
+                        </a:rPr>
+                        <a:t> Pass if </a:t>
+                      </a:r>
+                      <a:r>
+                        <a:rPr lang="en-US" sz="1200" dirty="0" err="1">
+                          <a:effectLst/>
+                        </a:rPr>
+                        <a:t>IsAssert</a:t>
+                      </a:r>
+                      <a:r>
+                        <a:rPr lang="en-US" sz="1200" dirty="0">
+                          <a:effectLst/>
+                        </a:rPr>
+                        <a:t>(false) is true</a:t>
+                      </a:r>
+                      <a:endParaRPr lang="en-US" sz="1200" dirty="0">
+                        <a:effectLst/>
+                        <a:latin typeface="Times"/>
+                        <a:ea typeface="Times"/>
+                        <a:cs typeface="Times New Roman"/>
+                      </a:endParaRPr>
+                    </a:p>
+                  </a:txBody>
+                  <a:tcPr marL="63500" marR="63500" marT="63500" marB="63500"/>
+                </a:tc>
+              </a:tr>
+            </a:tbl>
+          </a:graphicData>
+        </a:graphic>
+      </p:graphicFrame>
+    </p:spTree>
+    <p:extLst>
+      <p:ext uri="{BB962C8B-B14F-4D97-AF65-F5344CB8AC3E}">
+        <p14:creationId xmlns:p14="http://schemas.microsoft.com/office/powerpoint/2010/main" val="1535488834"/>
+      </p:ext>
+    </p:extLst>
+  </p:cSld>
+  <p:clrMapOvr>
+    <a:masterClrMapping/>
+  </p:clrMapOvr>
+  <p:timing>
+    <p:tnLst>
+      <p:par>
+        <p:cTn id="1" dur="indefinite" restart="never" nodeType="tmRoot"/>
+      </p:par>
+    </p:tnLst>
+  </p:timing>
 </p:sld>
 </file>
 
@@ -7820,65 +10212,69 @@
           <a:lstStyle/>
           <a:p>
             <a:r>
-              <a:rPr lang="en-US" smtClean="0"/>
-              <a:t>Whereas </a:t>
-            </a:r>
-            <a:r>
-              <a:rPr lang="en-US" b="1" smtClean="0"/>
-              <a:t>compatability testing emphasizes the visibility</a:t>
-            </a:r>
-            <a:r>
-              <a:rPr lang="en-US" smtClean="0"/>
-              <a:t>  and functionality of the application on different devices, </a:t>
-            </a:r>
-            <a:r>
-              <a:rPr lang="en-US" b="1" smtClean="0"/>
-              <a:t>functional testing emphasizes the working</a:t>
-            </a:r>
-            <a:r>
-              <a:rPr lang="en-US" smtClean="0"/>
+              <a:rPr lang="en-US" b="1" dirty="0"/>
+              <a:t>E</a:t>
+            </a:r>
+            <a:r>
+              <a:rPr lang="en-US" b="1" dirty="0" smtClean="0"/>
+              <a:t>mphasizes </a:t>
+            </a:r>
+            <a:r>
+              <a:rPr lang="en-US" b="1" dirty="0" smtClean="0"/>
+              <a:t>the working</a:t>
+            </a:r>
+            <a:r>
+              <a:rPr lang="en-US" dirty="0" smtClean="0"/>
               <a:t> of the actual application features</a:t>
             </a:r>
           </a:p>
           <a:p>
-            <a:endParaRPr lang="en-US"/>
-          </a:p>
-          <a:p>
-            <a:r>
-              <a:rPr lang="en-US" b="1" smtClean="0"/>
+            <a:endParaRPr lang="en-US" dirty="0"/>
+          </a:p>
+          <a:p>
+            <a:r>
+              <a:rPr lang="en-US" b="1" dirty="0" smtClean="0"/>
               <a:t>Test Approach</a:t>
             </a:r>
           </a:p>
           <a:p>
             <a:pPr lvl="1"/>
             <a:r>
-              <a:rPr lang="en-US" smtClean="0"/>
-              <a:t>Follow procudures in test cases using interaction with UI</a:t>
+              <a:rPr lang="en-US" dirty="0" smtClean="0"/>
+              <a:t>Follow </a:t>
+            </a:r>
+            <a:r>
+              <a:rPr lang="en-US" dirty="0" smtClean="0"/>
+              <a:t>procedures </a:t>
+            </a:r>
+            <a:r>
+              <a:rPr lang="en-US" dirty="0" smtClean="0"/>
+              <a:t>in test cases using interaction with UI</a:t>
             </a:r>
           </a:p>
           <a:p>
             <a:pPr marL="411480" lvl="1" indent="0">
               <a:buNone/>
             </a:pPr>
-            <a:endParaRPr lang="en-US" smtClean="0"/>
-          </a:p>
-          <a:p>
-            <a:r>
-              <a:rPr lang="en-US" b="1" smtClean="0"/>
+            <a:endParaRPr lang="en-US" dirty="0" smtClean="0"/>
+          </a:p>
+          <a:p>
+            <a:r>
+              <a:rPr lang="en-US" b="1" dirty="0" smtClean="0"/>
               <a:t>Test Pass/Fail Criteria</a:t>
             </a:r>
           </a:p>
           <a:p>
             <a:pPr lvl="1"/>
             <a:r>
-              <a:rPr lang="en-US" smtClean="0"/>
+              <a:rPr lang="en-US" dirty="0" smtClean="0"/>
               <a:t>Pass: Observed results are the same as expected results</a:t>
             </a:r>
           </a:p>
           <a:p>
             <a:pPr lvl="1"/>
             <a:r>
-              <a:rPr lang="en-US" smtClean="0"/>
+              <a:rPr lang="en-US" dirty="0" smtClean="0"/>
               <a:t>Fail: Observed results differ from expected results</a:t>
             </a:r>
           </a:p>
@@ -8598,7 +10994,7 @@
       </p:sp>
       <p:graphicFrame>
         <p:nvGraphicFramePr>
-          <p:cNvPr id="4" name="Content Placeholder 3"/>
+          <p:cNvPr id="6" name="Content Placeholder 5"/>
           <p:cNvGraphicFramePr>
             <a:graphicFrameLocks noGrp="1"/>
           </p:cNvGraphicFramePr>
@@ -8606,14 +11002,14 @@
             <p:ph idx="1"/>
             <p:extLst>
               <p:ext uri="{D42A27DB-BD31-4B8C-83A1-F6EECF244321}">
-                <p14:modId xmlns:p14="http://schemas.microsoft.com/office/powerpoint/2010/main" val="1133246014"/>
+                <p14:modId xmlns:p14="http://schemas.microsoft.com/office/powerpoint/2010/main" val="1221728463"/>
               </p:ext>
             </p:extLst>
           </p:nvPr>
         </p:nvGraphicFramePr>
         <p:xfrm>
-          <a:off x="609600" y="1600200"/>
-          <a:ext cx="6867525" cy="4495799"/>
+          <a:off x="1438275" y="1978660"/>
+          <a:ext cx="5657850" cy="3950783"/>
         </p:xfrm>
         <a:graphic>
           <a:graphicData uri="http://schemas.openxmlformats.org/drawingml/2006/table">
@@ -8622,10 +11018,10 @@
                 <a:tableStyleId>{5C22544A-7EE6-4342-B048-85BDC9FD1C3A}</a:tableStyleId>
               </a:tblPr>
               <a:tblGrid>
-                <a:gridCol w="1930768"/>
-                <a:gridCol w="4936757"/>
+                <a:gridCol w="1590675"/>
+                <a:gridCol w="4067175"/>
               </a:tblGrid>
-              <a:tr h="438822">
+              <a:tr h="0">
                 <a:tc>
                   <a:txBody>
                     <a:bodyPr/>
@@ -8701,7 +11097,7 @@
                   <a:tcPr marL="63500" marR="63500" marT="63500" marB="63500"/>
                 </a:tc>
               </a:tr>
-              <a:tr h="438822">
+              <a:tr h="0">
                 <a:tc>
                   <a:txBody>
                     <a:bodyPr/>
@@ -8777,7 +11173,7 @@
                   <a:tcPr marL="63500" marR="63500" marT="63500" marB="63500"/>
                 </a:tc>
               </a:tr>
-              <a:tr h="438822">
+              <a:tr h="0">
                 <a:tc>
                   <a:txBody>
                     <a:bodyPr/>
@@ -8843,7 +11239,7 @@
                   <a:tcPr marL="63500" marR="63500" marT="63500" marB="63500"/>
                 </a:tc>
               </a:tr>
-              <a:tr h="1578057">
+              <a:tr h="0">
                 <a:tc>
                   <a:txBody>
                     <a:bodyPr/>
@@ -8866,10 +11262,229 @@
                         </a:tabLst>
                       </a:pPr>
                       <a:r>
+                        <a:rPr lang="en-US" sz="1200">
+                          <a:effectLst/>
+                        </a:rPr>
+                        <a:t>Test Steps</a:t>
+                      </a:r>
+                      <a:endParaRPr lang="en-US" sz="1200">
+                        <a:effectLst/>
+                        <a:latin typeface="Times"/>
+                        <a:ea typeface="Times"/>
+                        <a:cs typeface="Times New Roman"/>
+                      </a:endParaRPr>
+                    </a:p>
+                  </a:txBody>
+                  <a:tcPr marL="63500" marR="63500" marT="63500" marB="63500"/>
+                </a:tc>
+                <a:tc>
+                  <a:txBody>
+                    <a:bodyPr/>
+                    <a:lstStyle/>
+                    <a:p>
+                      <a:pPr marL="342900" marR="0" lvl="0" indent="-342900">
+                        <a:lnSpc>
+                          <a:spcPct val="115000"/>
+                        </a:lnSpc>
+                        <a:spcBef>
+                          <a:spcPts val="0"/>
+                        </a:spcBef>
+                        <a:spcAft>
+                          <a:spcPts val="0"/>
+                        </a:spcAft>
+                        <a:buFont typeface="+mj-lt"/>
+                        <a:buAutoNum type="arabicPeriod"/>
+                        <a:tabLst>
+                          <a:tab pos="114300" algn="l"/>
+                          <a:tab pos="228600" algn="l"/>
+                          <a:tab pos="457200" algn="l"/>
+                        </a:tabLst>
+                      </a:pPr>
+                      <a:r>
                         <a:rPr lang="en-US" sz="1200" dirty="0">
                           <a:effectLst/>
                         </a:rPr>
-                        <a:t>Test Steps</a:t>
+                        <a:t>Click on Users button on header.</a:t>
+                      </a:r>
+                    </a:p>
+                    <a:p>
+                      <a:pPr marL="342900" marR="0" lvl="0" indent="-342900">
+                        <a:lnSpc>
+                          <a:spcPct val="115000"/>
+                        </a:lnSpc>
+                        <a:spcBef>
+                          <a:spcPts val="0"/>
+                        </a:spcBef>
+                        <a:spcAft>
+                          <a:spcPts val="0"/>
+                        </a:spcAft>
+                        <a:buFont typeface="+mj-lt"/>
+                        <a:buAutoNum type="arabicPeriod"/>
+                        <a:tabLst>
+                          <a:tab pos="114300" algn="l"/>
+                          <a:tab pos="228600" algn="l"/>
+                          <a:tab pos="457200" algn="l"/>
+                        </a:tabLst>
+                      </a:pPr>
+                      <a:r>
+                        <a:rPr lang="en-US" sz="1200" dirty="0">
+                          <a:effectLst/>
+                        </a:rPr>
+                        <a:t>Click on Register link button.</a:t>
+                      </a:r>
+                    </a:p>
+                    <a:p>
+                      <a:pPr marL="342900" marR="0" lvl="0" indent="-342900">
+                        <a:lnSpc>
+                          <a:spcPct val="115000"/>
+                        </a:lnSpc>
+                        <a:spcBef>
+                          <a:spcPts val="0"/>
+                        </a:spcBef>
+                        <a:spcAft>
+                          <a:spcPts val="0"/>
+                        </a:spcAft>
+                        <a:buFont typeface="+mj-lt"/>
+                        <a:buAutoNum type="arabicPeriod"/>
+                        <a:tabLst>
+                          <a:tab pos="114300" algn="l"/>
+                          <a:tab pos="228600" algn="l"/>
+                          <a:tab pos="457200" algn="l"/>
+                        </a:tabLst>
+                      </a:pPr>
+                      <a:r>
+                        <a:rPr lang="en-US" sz="1200" dirty="0">
+                          <a:effectLst/>
+                        </a:rPr>
+                        <a:t>Fill in First name  - John, </a:t>
+                      </a:r>
+                    </a:p>
+                    <a:p>
+                      <a:pPr marL="685800" marR="0">
+                        <a:lnSpc>
+                          <a:spcPct val="115000"/>
+                        </a:lnSpc>
+                        <a:spcBef>
+                          <a:spcPts val="0"/>
+                        </a:spcBef>
+                        <a:spcAft>
+                          <a:spcPts val="0"/>
+                        </a:spcAft>
+                        <a:tabLst>
+                          <a:tab pos="114300" algn="l"/>
+                          <a:tab pos="228600" algn="l"/>
+                          <a:tab pos="457200" algn="l"/>
+                        </a:tabLst>
+                      </a:pPr>
+                      <a:r>
+                        <a:rPr lang="en-US" sz="1200" dirty="0">
+                          <a:effectLst/>
+                        </a:rPr>
+                        <a:t>Last name - Doe, </a:t>
+                      </a:r>
+                    </a:p>
+                    <a:p>
+                      <a:pPr marL="685800" marR="0">
+                        <a:lnSpc>
+                          <a:spcPct val="115000"/>
+                        </a:lnSpc>
+                        <a:spcBef>
+                          <a:spcPts val="0"/>
+                        </a:spcBef>
+                        <a:spcAft>
+                          <a:spcPts val="0"/>
+                        </a:spcAft>
+                        <a:tabLst>
+                          <a:tab pos="114300" algn="l"/>
+                          <a:tab pos="228600" algn="l"/>
+                          <a:tab pos="457200" algn="l"/>
+                        </a:tabLst>
+                      </a:pPr>
+                      <a:r>
+                        <a:rPr lang="en-US" sz="1200" dirty="0">
+                          <a:effectLst/>
+                        </a:rPr>
+                        <a:t>Email ID – john.doe@email.com, </a:t>
+                      </a:r>
+                    </a:p>
+                    <a:p>
+                      <a:pPr marL="685800" marR="0">
+                        <a:lnSpc>
+                          <a:spcPct val="115000"/>
+                        </a:lnSpc>
+                        <a:spcBef>
+                          <a:spcPts val="0"/>
+                        </a:spcBef>
+                        <a:spcAft>
+                          <a:spcPts val="0"/>
+                        </a:spcAft>
+                        <a:tabLst>
+                          <a:tab pos="114300" algn="l"/>
+                          <a:tab pos="228600" algn="l"/>
+                          <a:tab pos="457200" algn="l"/>
+                        </a:tabLst>
+                      </a:pPr>
+                      <a:r>
+                        <a:rPr lang="en-US" sz="1200" dirty="0">
+                          <a:effectLst/>
+                        </a:rPr>
+                        <a:t>Password - 123456, </a:t>
+                      </a:r>
+                    </a:p>
+                    <a:p>
+                      <a:pPr marL="685800" marR="0">
+                        <a:lnSpc>
+                          <a:spcPct val="115000"/>
+                        </a:lnSpc>
+                        <a:spcBef>
+                          <a:spcPts val="0"/>
+                        </a:spcBef>
+                        <a:spcAft>
+                          <a:spcPts val="0"/>
+                        </a:spcAft>
+                        <a:tabLst>
+                          <a:tab pos="114300" algn="l"/>
+                          <a:tab pos="228600" algn="l"/>
+                          <a:tab pos="457200" algn="l"/>
+                        </a:tabLst>
+                      </a:pPr>
+                      <a:r>
+                        <a:rPr lang="en-US" sz="1200" dirty="0">
+                          <a:effectLst/>
+                        </a:rPr>
+                        <a:t>Confirm Password - 123456.</a:t>
+                      </a:r>
+                    </a:p>
+                    <a:p>
+                      <a:pPr marL="339725" marR="0" lvl="0" indent="-339725">
+                        <a:lnSpc>
+                          <a:spcPct val="115000"/>
+                        </a:lnSpc>
+                        <a:spcBef>
+                          <a:spcPts val="0"/>
+                        </a:spcBef>
+                        <a:spcAft>
+                          <a:spcPts val="0"/>
+                        </a:spcAft>
+                        <a:buFont typeface="+mj-lt"/>
+                        <a:buNone/>
+                        <a:tabLst>
+                          <a:tab pos="114300" algn="l"/>
+                          <a:tab pos="228600" algn="l"/>
+                          <a:tab pos="457200" algn="l"/>
+                        </a:tabLst>
+                      </a:pPr>
+                      <a:r>
+                        <a:rPr lang="en-US" sz="1200" dirty="0" smtClean="0">
+                          <a:effectLst/>
+                        </a:rPr>
+                        <a:t>4.       Click </a:t>
+                      </a:r>
+                      <a:r>
+                        <a:rPr lang="en-US" sz="1200" dirty="0">
+                          <a:effectLst/>
+                        </a:rPr>
+                        <a:t>on Register.</a:t>
                       </a:r>
                       <a:endParaRPr lang="en-US" sz="1200" dirty="0">
                         <a:effectLst/>
@@ -8881,125 +11496,8 @@
                   </a:txBody>
                   <a:tcPr marL="63500" marR="63500" marT="63500" marB="63500"/>
                 </a:tc>
-                <a:tc>
-                  <a:txBody>
-                    <a:bodyPr/>
-                    <a:lstStyle/>
-                    <a:p>
-                      <a:pPr marL="342900" marR="0" lvl="0" indent="-342900">
-                        <a:lnSpc>
-                          <a:spcPct val="115000"/>
-                        </a:lnSpc>
-                        <a:spcBef>
-                          <a:spcPts val="0"/>
-                        </a:spcBef>
-                        <a:spcAft>
-                          <a:spcPts val="0"/>
-                        </a:spcAft>
-                        <a:buFont typeface="+mj-lt"/>
-                        <a:buAutoNum type="arabicPeriod"/>
-                        <a:tabLst>
-                          <a:tab pos="114300" algn="l"/>
-                          <a:tab pos="228600" algn="l"/>
-                          <a:tab pos="457200" algn="l"/>
-                        </a:tabLst>
-                      </a:pPr>
-                      <a:r>
-                        <a:rPr lang="en-US" sz="1200" dirty="0">
-                          <a:effectLst/>
-                        </a:rPr>
-                        <a:t>Click on Users button on header.</a:t>
-                      </a:r>
-                    </a:p>
-                    <a:p>
-                      <a:pPr marL="342900" marR="0" lvl="0" indent="-342900">
-                        <a:lnSpc>
-                          <a:spcPct val="115000"/>
-                        </a:lnSpc>
-                        <a:spcBef>
-                          <a:spcPts val="0"/>
-                        </a:spcBef>
-                        <a:spcAft>
-                          <a:spcPts val="0"/>
-                        </a:spcAft>
-                        <a:buFont typeface="+mj-lt"/>
-                        <a:buAutoNum type="arabicPeriod"/>
-                        <a:tabLst>
-                          <a:tab pos="114300" algn="l"/>
-                          <a:tab pos="228600" algn="l"/>
-                          <a:tab pos="457200" algn="l"/>
-                        </a:tabLst>
-                      </a:pPr>
-                      <a:r>
-                        <a:rPr lang="en-US" sz="1200" dirty="0">
-                          <a:effectLst/>
-                        </a:rPr>
-                        <a:t>Click on Register link button.</a:t>
-                      </a:r>
-                    </a:p>
-                    <a:p>
-                      <a:pPr marL="342900" marR="0" lvl="0" indent="-342900">
-                        <a:lnSpc>
-                          <a:spcPct val="115000"/>
-                        </a:lnSpc>
-                        <a:spcBef>
-                          <a:spcPts val="0"/>
-                        </a:spcBef>
-                        <a:spcAft>
-                          <a:spcPts val="0"/>
-                        </a:spcAft>
-                        <a:buFont typeface="+mj-lt"/>
-                        <a:buAutoNum type="arabicPeriod"/>
-                        <a:tabLst>
-                          <a:tab pos="114300" algn="l"/>
-                          <a:tab pos="228600" algn="l"/>
-                          <a:tab pos="457200" algn="l"/>
-                        </a:tabLst>
-                      </a:pPr>
-                      <a:r>
-                        <a:rPr lang="en-US" sz="1200" dirty="0">
-                          <a:effectLst/>
-                        </a:rPr>
-                        <a:t>Fill in First name, Last name, Email ID, Password, Confirm Password fields.</a:t>
-                      </a:r>
-                    </a:p>
-                    <a:p>
-                      <a:pPr marL="342900" marR="0" lvl="0" indent="-342900">
-                        <a:lnSpc>
-                          <a:spcPct val="115000"/>
-                        </a:lnSpc>
-                        <a:spcBef>
-                          <a:spcPts val="0"/>
-                        </a:spcBef>
-                        <a:spcAft>
-                          <a:spcPts val="0"/>
-                        </a:spcAft>
-                        <a:buFont typeface="+mj-lt"/>
-                        <a:buAutoNum type="arabicPeriod"/>
-                        <a:tabLst>
-                          <a:tab pos="114300" algn="l"/>
-                          <a:tab pos="228600" algn="l"/>
-                          <a:tab pos="457200" algn="l"/>
-                        </a:tabLst>
-                      </a:pPr>
-                      <a:r>
-                        <a:rPr lang="en-US" sz="1200" dirty="0">
-                          <a:effectLst/>
-                        </a:rPr>
-                        <a:t>Click on Register.</a:t>
-                      </a:r>
-                      <a:endParaRPr lang="en-US" sz="1200" dirty="0">
-                        <a:effectLst/>
-                        <a:latin typeface="Times"/>
-                        <a:ea typeface="Times"/>
-                        <a:cs typeface="Times New Roman"/>
-                      </a:endParaRPr>
-                    </a:p>
-                  </a:txBody>
-                  <a:tcPr marL="63500" marR="63500" marT="63500" marB="63500"/>
-                </a:tc>
               </a:tr>
-              <a:tr h="723632">
+              <a:tr h="0">
                 <a:tc>
                   <a:txBody>
                     <a:bodyPr/>
@@ -9075,7 +11573,7 @@
                   <a:tcPr marL="63500" marR="63500" marT="63500" marB="63500"/>
                 </a:tc>
               </a:tr>
-              <a:tr h="438822">
+              <a:tr h="0">
                 <a:tc>
                   <a:txBody>
                     <a:bodyPr/>
@@ -9151,7 +11649,7 @@
                   <a:tcPr marL="63500" marR="63500" marT="63500" marB="63500"/>
                 </a:tc>
               </a:tr>
-              <a:tr h="438822">
+              <a:tr h="0">
                 <a:tc>
                   <a:txBody>
                     <a:bodyPr/>
@@ -9214,7 +11712,7 @@
                         <a:rPr lang="en-US" sz="1200" dirty="0">
                           <a:effectLst/>
                         </a:rPr>
-                        <a:t> </a:t>
+                        <a:t> Pass if system redirects user to Register page.</a:t>
                       </a:r>
                       <a:endParaRPr lang="en-US" sz="1200" dirty="0">
                         <a:effectLst/>
@@ -9234,13 +11732,20 @@
     </p:spTree>
     <p:extLst>
       <p:ext uri="{BB962C8B-B14F-4D97-AF65-F5344CB8AC3E}">
-        <p14:creationId xmlns:p14="http://schemas.microsoft.com/office/powerpoint/2010/main" val="268417830"/>
+        <p14:creationId xmlns:p14="http://schemas.microsoft.com/office/powerpoint/2010/main" val="4124612636"/>
       </p:ext>
     </p:extLst>
   </p:cSld>
   <p:clrMapOvr>
     <a:masterClrMapping/>
   </p:clrMapOvr>
+  <p:timing>
+    <p:tnLst>
+      <p:par>
+        <p:cTn id="1" dur="indefinite" restart="never" nodeType="tmRoot"/>
+      </p:par>
+    </p:tnLst>
+  </p:timing>
 </p:sld>
 </file>
 
@@ -9459,6 +11964,13 @@
   <p:clrMapOvr>
     <a:masterClrMapping/>
   </p:clrMapOvr>
+  <p:timing>
+    <p:tnLst>
+      <p:par>
+        <p:cTn id="1" dur="indefinite" restart="never" nodeType="tmRoot"/>
+      </p:par>
+    </p:tnLst>
+  </p:timing>
 </p:sld>
 </file>
 
@@ -10156,6 +12668,13 @@
   <p:clrMapOvr>
     <a:masterClrMapping/>
   </p:clrMapOvr>
+  <p:timing>
+    <p:tnLst>
+      <p:par>
+        <p:cTn id="1" dur="indefinite" restart="never" nodeType="tmRoot"/>
+      </p:par>
+    </p:tnLst>
+  </p:timing>
 </p:sld>
 </file>
 
@@ -10192,10 +12711,14 @@
           <a:lstStyle/>
           <a:p>
             <a:r>
-              <a:rPr lang="en-US" smtClean="0"/>
-              <a:t>Compatability Testing</a:t>
-            </a:r>
-            <a:endParaRPr lang="en-US"/>
+              <a:rPr lang="en-US" dirty="0" smtClean="0"/>
+              <a:t>Compatibility </a:t>
+            </a:r>
+            <a:r>
+              <a:rPr lang="en-US" dirty="0" smtClean="0"/>
+              <a:t>Testing</a:t>
+            </a:r>
+            <a:endParaRPr lang="en-US" dirty="0"/>
           </a:p>
         </p:txBody>
       </p:sp>
@@ -10890,10 +13413,14 @@
           <a:lstStyle/>
           <a:p>
             <a:r>
-              <a:rPr lang="en-US" smtClean="0"/>
-              <a:t>Compatability Testing</a:t>
-            </a:r>
-            <a:endParaRPr lang="en-US"/>
+              <a:rPr lang="en-US" dirty="0" smtClean="0"/>
+              <a:t>Compatibility </a:t>
+            </a:r>
+            <a:r>
+              <a:rPr lang="en-US" dirty="0" smtClean="0"/>
+              <a:t>Testing</a:t>
+            </a:r>
+            <a:endParaRPr lang="en-US" dirty="0"/>
           </a:p>
         </p:txBody>
       </p:sp>
@@ -11008,6 +13535,13 @@
   <p:clrMapOvr>
     <a:masterClrMapping/>
   </p:clrMapOvr>
+  <p:timing>
+    <p:tnLst>
+      <p:par>
+        <p:cTn id="1" dur="indefinite" restart="never" nodeType="tmRoot"/>
+      </p:par>
+    </p:tnLst>
+  </p:timing>
 </p:sld>
 </file>
 

--- a/Test plan/Computech Corporation - Test Plan.pptx
+++ b/Test plan/Computech Corporation - Test Plan.pptx
@@ -329,7 +329,7 @@
                 </a:solidFill>
               </a:rPr>
               <a:pPr/>
-              <a:t>3/25/2015</a:t>
+              <a:t>3/26/2015</a:t>
             </a:fld>
             <a:endParaRPr lang="en-US" dirty="0">
               <a:solidFill>
@@ -513,7 +513,7 @@
                 </a:solidFill>
               </a:rPr>
               <a:pPr/>
-              <a:t>3/25/2015</a:t>
+              <a:t>3/26/2015</a:t>
             </a:fld>
             <a:endParaRPr lang="en-US" dirty="0">
               <a:solidFill>
@@ -707,7 +707,7 @@
                 </a:solidFill>
               </a:rPr>
               <a:pPr/>
-              <a:t>3/25/2015</a:t>
+              <a:t>3/26/2015</a:t>
             </a:fld>
             <a:endParaRPr lang="en-US" dirty="0">
               <a:solidFill>
@@ -891,7 +891,7 @@
                 </a:solidFill>
               </a:rPr>
               <a:pPr/>
-              <a:t>3/25/2015</a:t>
+              <a:t>3/26/2015</a:t>
             </a:fld>
             <a:endParaRPr lang="en-US" dirty="0">
               <a:solidFill>
@@ -1151,7 +1151,7 @@
                 </a:solidFill>
               </a:rPr>
               <a:pPr/>
-              <a:t>3/25/2015</a:t>
+              <a:t>3/26/2015</a:t>
             </a:fld>
             <a:endParaRPr lang="en-US" dirty="0">
               <a:solidFill>
@@ -1453,7 +1453,7 @@
                 </a:solidFill>
               </a:rPr>
               <a:pPr/>
-              <a:t>3/25/2015</a:t>
+              <a:t>3/26/2015</a:t>
             </a:fld>
             <a:endParaRPr lang="en-US" dirty="0">
               <a:solidFill>
@@ -1901,7 +1901,7 @@
                 </a:solidFill>
               </a:rPr>
               <a:pPr/>
-              <a:t>3/25/2015</a:t>
+              <a:t>3/26/2015</a:t>
             </a:fld>
             <a:endParaRPr lang="en-US" dirty="0">
               <a:solidFill>
@@ -2033,7 +2033,7 @@
                 </a:solidFill>
               </a:rPr>
               <a:pPr/>
-              <a:t>3/25/2015</a:t>
+              <a:t>3/26/2015</a:t>
             </a:fld>
             <a:endParaRPr lang="en-US" dirty="0">
               <a:solidFill>
@@ -2142,7 +2142,7 @@
                 </a:solidFill>
               </a:rPr>
               <a:pPr/>
-              <a:t>3/25/2015</a:t>
+              <a:t>3/26/2015</a:t>
             </a:fld>
             <a:endParaRPr lang="en-US" dirty="0">
               <a:solidFill>
@@ -2350,7 +2350,7 @@
                 </a:solidFill>
               </a:rPr>
               <a:pPr/>
-              <a:t>3/25/2015</a:t>
+              <a:t>3/26/2015</a:t>
             </a:fld>
             <a:endParaRPr lang="en-US" dirty="0">
               <a:solidFill>
@@ -2687,7 +2687,7 @@
                 </a:solidFill>
               </a:rPr>
               <a:pPr/>
-              <a:t>3/25/2015</a:t>
+              <a:t>3/26/2015</a:t>
             </a:fld>
             <a:endParaRPr lang="en-US" dirty="0">
               <a:solidFill>
@@ -3098,7 +3098,7 @@
                 </a:solidFill>
               </a:rPr>
               <a:pPr/>
-              <a:t>3/25/2015</a:t>
+              <a:t>3/26/2015</a:t>
             </a:fld>
             <a:endParaRPr lang="en-US" dirty="0">
               <a:solidFill>
@@ -3725,11 +3725,7 @@
           <a:p>
             <a:r>
               <a:rPr lang="en-US" dirty="0" smtClean="0"/>
-              <a:t>Compatibility </a:t>
-            </a:r>
-            <a:r>
-              <a:rPr lang="en-US" dirty="0" smtClean="0"/>
-              <a:t>Testing</a:t>
+              <a:t>Compatibility Testing</a:t>
             </a:r>
             <a:endParaRPr lang="en-US" dirty="0"/>
           </a:p>
@@ -4377,14 +4373,14 @@
             <p:ph idx="1"/>
             <p:extLst>
               <p:ext uri="{D42A27DB-BD31-4B8C-83A1-F6EECF244321}">
-                <p14:modId xmlns:p14="http://schemas.microsoft.com/office/powerpoint/2010/main" val="3832993911"/>
+                <p14:modId xmlns:p14="http://schemas.microsoft.com/office/powerpoint/2010/main" val="1195586946"/>
               </p:ext>
             </p:extLst>
           </p:nvPr>
         </p:nvGraphicFramePr>
         <p:xfrm>
-          <a:off x="685800" y="1752598"/>
-          <a:ext cx="6410325" cy="4071689"/>
+          <a:off x="381000" y="1371602"/>
+          <a:ext cx="7543800" cy="5181600"/>
         </p:xfrm>
         <a:graphic>
           <a:graphicData uri="http://schemas.openxmlformats.org/drawingml/2006/table">
@@ -4393,10 +4389,10 @@
                 <a:tableStyleId>{5C22544A-7EE6-4342-B048-85BDC9FD1C3A}</a:tableStyleId>
               </a:tblPr>
               <a:tblGrid>
-                <a:gridCol w="1802229"/>
-                <a:gridCol w="4608096"/>
+                <a:gridCol w="2099067"/>
+                <a:gridCol w="5444733"/>
               </a:tblGrid>
-              <a:tr h="352735">
+              <a:tr h="448888">
                 <a:tc>
                   <a:txBody>
                     <a:bodyPr/>
@@ -4419,12 +4415,12 @@
                         </a:tabLst>
                       </a:pPr>
                       <a:r>
-                        <a:rPr lang="en-US" sz="1200">
+                        <a:rPr lang="en-US" sz="1600">
                           <a:effectLst/>
                         </a:rPr>
                         <a:t>ID</a:t>
                       </a:r>
-                      <a:endParaRPr lang="en-US" sz="1200">
+                      <a:endParaRPr lang="en-US" sz="1600">
                         <a:effectLst/>
                         <a:latin typeface="Times"/>
                         <a:ea typeface="Times"/>
@@ -4456,12 +4452,12 @@
                         </a:tabLst>
                       </a:pPr>
                       <a:r>
-                        <a:rPr lang="en-US" sz="1200">
+                        <a:rPr lang="en-US" sz="1600">
                           <a:effectLst/>
                         </a:rPr>
                         <a:t>CT_2</a:t>
                       </a:r>
-                      <a:endParaRPr lang="en-US" sz="1200">
+                      <a:endParaRPr lang="en-US" sz="1600">
                         <a:effectLst/>
                         <a:latin typeface="Times"/>
                         <a:ea typeface="Times"/>
@@ -4472,7 +4468,7 @@
                   <a:tcPr marL="63500" marR="63500" marT="63500" marB="63500"/>
                 </a:tc>
               </a:tr>
-              <a:tr h="352735">
+              <a:tr h="448888">
                 <a:tc>
                   <a:txBody>
                     <a:bodyPr/>
@@ -4495,12 +4491,12 @@
                         </a:tabLst>
                       </a:pPr>
                       <a:r>
-                        <a:rPr lang="en-US" sz="1200">
+                        <a:rPr lang="en-US" sz="1600">
                           <a:effectLst/>
                         </a:rPr>
                         <a:t>Item to Test</a:t>
                       </a:r>
-                      <a:endParaRPr lang="en-US" sz="1200">
+                      <a:endParaRPr lang="en-US" sz="1600">
                         <a:effectLst/>
                         <a:latin typeface="Times"/>
                         <a:ea typeface="Times"/>
@@ -4532,12 +4528,12 @@
                         </a:tabLst>
                       </a:pPr>
                       <a:r>
-                        <a:rPr lang="en-US" sz="1200">
+                        <a:rPr lang="en-US" sz="1600">
                           <a:effectLst/>
                         </a:rPr>
                         <a:t>Register</a:t>
                       </a:r>
-                      <a:endParaRPr lang="en-US" sz="1200">
+                      <a:endParaRPr lang="en-US" sz="1600">
                         <a:effectLst/>
                         <a:latin typeface="Times"/>
                         <a:ea typeface="Times"/>
@@ -4548,7 +4544,7 @@
                   <a:tcPr marL="63500" marR="63500" marT="63500" marB="63500"/>
                 </a:tc>
               </a:tr>
-              <a:tr h="352735">
+              <a:tr h="448888">
                 <a:tc>
                   <a:txBody>
                     <a:bodyPr/>
@@ -4571,12 +4567,12 @@
                         </a:tabLst>
                       </a:pPr>
                       <a:r>
-                        <a:rPr lang="en-US" sz="1200">
+                        <a:rPr lang="en-US" sz="1600">
                           <a:effectLst/>
                         </a:rPr>
                         <a:t>Pre-Conditions</a:t>
                       </a:r>
-                      <a:endParaRPr lang="en-US" sz="1200">
+                      <a:endParaRPr lang="en-US" sz="1600">
                         <a:effectLst/>
                         <a:latin typeface="Times"/>
                         <a:ea typeface="Times"/>
@@ -4600,12 +4596,12 @@
                         </a:tabLst>
                       </a:pPr>
                       <a:r>
-                        <a:rPr lang="en-US" sz="1100">
+                        <a:rPr lang="en-US" sz="1600">
                           <a:effectLst/>
                         </a:rPr>
                         <a:t>None</a:t>
                       </a:r>
-                      <a:endParaRPr lang="en-US" sz="1100">
+                      <a:endParaRPr lang="en-US" sz="1600">
                         <a:effectLst/>
                         <a:latin typeface="Calibri"/>
                       </a:endParaRPr>
@@ -4614,7 +4610,7 @@
                   <a:tcPr marL="63500" marR="63500" marT="63500" marB="63500"/>
                 </a:tc>
               </a:tr>
-              <a:tr h="1726344">
+              <a:tr h="2196932">
                 <a:tc>
                   <a:txBody>
                     <a:bodyPr/>
@@ -4637,12 +4633,12 @@
                         </a:tabLst>
                       </a:pPr>
                       <a:r>
-                        <a:rPr lang="en-US" sz="1200">
+                        <a:rPr lang="en-US" sz="1600">
                           <a:effectLst/>
                         </a:rPr>
                         <a:t>Test Steps</a:t>
                       </a:r>
-                      <a:endParaRPr lang="en-US" sz="1200">
+                      <a:endParaRPr lang="en-US" sz="1600">
                         <a:effectLst/>
                         <a:latin typeface="Times"/>
                         <a:ea typeface="Times"/>
@@ -4674,7 +4670,7 @@
                         </a:tabLst>
                       </a:pPr>
                       <a:r>
-                        <a:rPr lang="en-US" sz="1200">
+                        <a:rPr lang="en-US" sz="1600">
                           <a:effectLst/>
                         </a:rPr>
                         <a:t>Repeat the below process for each supported Device and Browser type</a:t>
@@ -4702,7 +4698,7 @@
                         </a:tabLst>
                       </a:pPr>
                       <a:r>
-                        <a:rPr lang="en-US" sz="1200" u="none" strike="noStrike">
+                        <a:rPr lang="en-US" sz="1600" u="none" strike="noStrike">
                           <a:effectLst/>
                         </a:rPr>
                         <a:t>Click on Users dropdown list on the header.</a:t>
@@ -4730,7 +4726,7 @@
                         </a:tabLst>
                       </a:pPr>
                       <a:r>
-                        <a:rPr lang="en-US" sz="1200" u="none" strike="noStrike">
+                        <a:rPr lang="en-US" sz="1600" u="none" strike="noStrike">
                           <a:effectLst/>
                         </a:rPr>
                         <a:t>Click on Register link.</a:t>
@@ -4758,7 +4754,7 @@
                         </a:tabLst>
                       </a:pPr>
                       <a:r>
-                        <a:rPr lang="en-US" sz="1200" u="none" strike="noStrike">
+                        <a:rPr lang="en-US" sz="1600" u="none" strike="noStrike">
                           <a:effectLst/>
                         </a:rPr>
                         <a:t>Fill in First Name, Last Name, Email Address, Password and Confirm Password.</a:t>
@@ -4786,12 +4782,12 @@
                         </a:tabLst>
                       </a:pPr>
                       <a:r>
-                        <a:rPr lang="en-US" sz="1200" u="none" strike="noStrike">
+                        <a:rPr lang="en-US" sz="1600" u="none" strike="noStrike">
                           <a:effectLst/>
                         </a:rPr>
                         <a:t>Click on Register</a:t>
                       </a:r>
-                      <a:endParaRPr lang="en-US" sz="1200" u="none" strike="noStrike">
+                      <a:endParaRPr lang="en-US" sz="1600" u="none" strike="noStrike">
                         <a:effectLst/>
                         <a:latin typeface="Times"/>
                         <a:ea typeface="Times"/>
@@ -4802,7 +4798,7 @@
                   <a:tcPr marL="63500" marR="63500" marT="63500" marB="63500"/>
                 </a:tc>
               </a:tr>
-              <a:tr h="581670">
+              <a:tr h="740228">
                 <a:tc>
                   <a:txBody>
                     <a:bodyPr/>
@@ -4825,12 +4821,12 @@
                         </a:tabLst>
                       </a:pPr>
                       <a:r>
-                        <a:rPr lang="en-US" sz="1200">
+                        <a:rPr lang="en-US" sz="1600">
                           <a:effectLst/>
                         </a:rPr>
                         <a:t>Expected Results</a:t>
                       </a:r>
-                      <a:endParaRPr lang="en-US" sz="1200">
+                      <a:endParaRPr lang="en-US" sz="1600">
                         <a:effectLst/>
                         <a:latin typeface="Times"/>
                         <a:ea typeface="Times"/>
@@ -4862,12 +4858,12 @@
                         </a:tabLst>
                       </a:pPr>
                       <a:r>
-                        <a:rPr lang="en-US" sz="1200">
+                        <a:rPr lang="en-US" sz="1600">
                           <a:effectLst/>
                         </a:rPr>
                         <a:t>System should send an email to user containing email verification link and display confirmation page to user.</a:t>
                       </a:r>
-                      <a:endParaRPr lang="en-US" sz="1200">
+                      <a:endParaRPr lang="en-US" sz="1600">
                         <a:effectLst/>
                         <a:latin typeface="Times"/>
                         <a:ea typeface="Times"/>
@@ -4878,7 +4874,7 @@
                   <a:tcPr marL="63500" marR="63500" marT="63500" marB="63500"/>
                 </a:tc>
               </a:tr>
-              <a:tr h="352735">
+              <a:tr h="448888">
                 <a:tc>
                   <a:txBody>
                     <a:bodyPr/>
@@ -4901,12 +4897,12 @@
                         </a:tabLst>
                       </a:pPr>
                       <a:r>
-                        <a:rPr lang="en-US" sz="1200">
+                        <a:rPr lang="en-US" sz="1600">
                           <a:effectLst/>
                         </a:rPr>
                         <a:t>Priority</a:t>
                       </a:r>
-                      <a:endParaRPr lang="en-US" sz="1200">
+                      <a:endParaRPr lang="en-US" sz="1600">
                         <a:effectLst/>
                         <a:latin typeface="Times"/>
                         <a:ea typeface="Times"/>
@@ -4938,12 +4934,12 @@
                         </a:tabLst>
                       </a:pPr>
                       <a:r>
-                        <a:rPr lang="en-US" sz="1200">
+                        <a:rPr lang="en-US" sz="1600">
                           <a:effectLst/>
                         </a:rPr>
                         <a:t>High</a:t>
                       </a:r>
-                      <a:endParaRPr lang="en-US" sz="1200">
+                      <a:endParaRPr lang="en-US" sz="1600">
                         <a:effectLst/>
                         <a:latin typeface="Times"/>
                         <a:ea typeface="Times"/>
@@ -4954,7 +4950,7 @@
                   <a:tcPr marL="63500" marR="63500" marT="63500" marB="63500"/>
                 </a:tc>
               </a:tr>
-              <a:tr h="352735">
+              <a:tr h="448888">
                 <a:tc>
                   <a:txBody>
                     <a:bodyPr/>
@@ -4977,12 +4973,12 @@
                         </a:tabLst>
                       </a:pPr>
                       <a:r>
-                        <a:rPr lang="en-US" sz="1200">
+                        <a:rPr lang="en-US" sz="1600">
                           <a:effectLst/>
                         </a:rPr>
                         <a:t>Pass/Fail</a:t>
                       </a:r>
-                      <a:endParaRPr lang="en-US" sz="1200">
+                      <a:endParaRPr lang="en-US" sz="1600">
                         <a:effectLst/>
                         <a:latin typeface="Times"/>
                         <a:ea typeface="Times"/>
@@ -5014,12 +5010,12 @@
                         </a:tabLst>
                       </a:pPr>
                       <a:r>
-                        <a:rPr lang="en-US" sz="1200" dirty="0">
+                        <a:rPr lang="en-US" sz="1600" dirty="0">
                           <a:effectLst/>
                         </a:rPr>
                         <a:t> Pass if system redirect user to Register page.</a:t>
                       </a:r>
-                      <a:endParaRPr lang="en-US" sz="1200" dirty="0">
+                      <a:endParaRPr lang="en-US" sz="1600" dirty="0">
                         <a:effectLst/>
                         <a:latin typeface="Times"/>
                         <a:ea typeface="Times"/>
@@ -5451,8 +5447,8 @@
         </p:blipFill>
         <p:spPr bwMode="auto">
           <a:xfrm>
-            <a:off x="1378384" y="1600200"/>
-            <a:ext cx="5777631" cy="4800600"/>
+            <a:off x="914400" y="1295400"/>
+            <a:ext cx="6511299" cy="5236029"/>
           </a:xfrm>
           <a:prstGeom prst="rect">
             <a:avLst/>
@@ -5720,7 +5716,7 @@
       </p:sp>
       <p:pic>
         <p:nvPicPr>
-          <p:cNvPr id="2051" name="Picture 3"/>
+          <p:cNvPr id="1026" name="Picture 2"/>
           <p:cNvPicPr>
             <a:picLocks noChangeAspect="1" noChangeArrowheads="1"/>
           </p:cNvPicPr>
@@ -5741,8 +5737,8 @@
         </p:blipFill>
         <p:spPr bwMode="auto">
           <a:xfrm>
-            <a:off x="762000" y="2133600"/>
-            <a:ext cx="7772512" cy="4127500"/>
+            <a:off x="825137" y="2170112"/>
+            <a:ext cx="7152153" cy="4687887"/>
           </a:xfrm>
           <a:prstGeom prst="rect">
             <a:avLst/>
@@ -5920,8 +5916,13 @@
             <a:pPr lvl="1"/>
             <a:r>
               <a:rPr lang="en-US" smtClean="0"/>
-              <a:t>Accessing Geocerts SSL certificate validation site</a:t>
-            </a:r>
+              <a:t>Accessing Geocerts SSL certificate validation </a:t>
+            </a:r>
+            <a:r>
+              <a:rPr lang="en-US" smtClean="0"/>
+              <a:t>site from Norton/Symantic Security</a:t>
+            </a:r>
+            <a:endParaRPr lang="en-US" smtClean="0"/>
           </a:p>
           <a:p>
             <a:pPr lvl="1"/>
@@ -6346,11 +6347,7 @@
           <a:p>
             <a:r>
               <a:rPr lang="en-US" sz="2800" b="1" dirty="0" smtClean="0"/>
-              <a:t>Functional </a:t>
-            </a:r>
-            <a:r>
-              <a:rPr lang="en-US" sz="2800" b="1" dirty="0" smtClean="0"/>
-              <a:t>Testing</a:t>
+              <a:t>Functional Testing</a:t>
             </a:r>
           </a:p>
           <a:p>
@@ -6364,16 +6361,11 @@
               <a:rPr lang="en-US" sz="2800" b="1" dirty="0" smtClean="0"/>
               <a:t>Compatibility Testing</a:t>
             </a:r>
-            <a:endParaRPr lang="en-US" sz="2800" b="1" dirty="0" smtClean="0"/>
           </a:p>
           <a:p>
             <a:r>
               <a:rPr lang="en-US" sz="2800" b="1" dirty="0" smtClean="0"/>
-              <a:t>System </a:t>
-            </a:r>
-            <a:r>
-              <a:rPr lang="en-US" sz="2800" b="1" dirty="0" smtClean="0"/>
-              <a:t>Testing</a:t>
+              <a:t>System Testing</a:t>
             </a:r>
           </a:p>
           <a:p>
@@ -6468,572 +6460,70 @@
           </a:p>
         </p:txBody>
       </p:sp>
-      <p:graphicFrame>
-        <p:nvGraphicFramePr>
-          <p:cNvPr id="4" name="Content Placeholder 3"/>
-          <p:cNvGraphicFramePr>
-            <a:graphicFrameLocks noGrp="1"/>
-          </p:cNvGraphicFramePr>
-          <p:nvPr>
-            <p:ph idx="1"/>
-            <p:extLst>
-              <p:ext uri="{D42A27DB-BD31-4B8C-83A1-F6EECF244321}">
-                <p14:modId xmlns:p14="http://schemas.microsoft.com/office/powerpoint/2010/main" val="2530738191"/>
-              </p:ext>
-            </p:extLst>
-          </p:nvPr>
-        </p:nvGraphicFramePr>
-        <p:xfrm>
-          <a:off x="1066800" y="2057400"/>
-          <a:ext cx="6562725" cy="3657600"/>
-        </p:xfrm>
-        <a:graphic>
-          <a:graphicData uri="http://schemas.openxmlformats.org/drawingml/2006/table">
-            <a:tbl>
-              <a:tblPr>
-                <a:tableStyleId>{5C22544A-7EE6-4342-B048-85BDC9FD1C3A}</a:tableStyleId>
-              </a:tblPr>
-              <a:tblGrid>
-                <a:gridCol w="1845076"/>
-                <a:gridCol w="4717649"/>
-              </a:tblGrid>
-              <a:tr h="440778">
-                <a:tc>
-                  <a:txBody>
-                    <a:bodyPr/>
-                    <a:lstStyle/>
-                    <a:p>
-                      <a:pPr marL="0" marR="0">
-                        <a:lnSpc>
-                          <a:spcPct val="115000"/>
-                        </a:lnSpc>
-                        <a:spcBef>
-                          <a:spcPts val="0"/>
-                        </a:spcBef>
-                        <a:spcAft>
-                          <a:spcPts val="0"/>
-                        </a:spcAft>
-                        <a:tabLst>
-                          <a:tab pos="114300" algn="l"/>
-                          <a:tab pos="228600" algn="l"/>
-                          <a:tab pos="457200" algn="l"/>
-                        </a:tabLst>
-                      </a:pPr>
-                      <a:r>
-                        <a:rPr lang="en-US" sz="1200">
-                          <a:effectLst/>
-                        </a:rPr>
-                        <a:t>ID</a:t>
-                      </a:r>
-                      <a:endParaRPr lang="en-US" sz="1200">
-                        <a:effectLst/>
-                        <a:latin typeface="Times"/>
-                        <a:ea typeface="Times"/>
-                        <a:cs typeface="Times New Roman"/>
-                      </a:endParaRPr>
-                    </a:p>
-                  </a:txBody>
-                  <a:tcPr marL="63500" marR="63500" marT="63500" marB="63500"/>
-                </a:tc>
-                <a:tc>
-                  <a:txBody>
-                    <a:bodyPr/>
-                    <a:lstStyle/>
-                    <a:p>
-                      <a:pPr marL="0" marR="0">
-                        <a:lnSpc>
-                          <a:spcPct val="115000"/>
-                        </a:lnSpc>
-                        <a:spcBef>
-                          <a:spcPts val="0"/>
-                        </a:spcBef>
-                        <a:spcAft>
-                          <a:spcPts val="0"/>
-                        </a:spcAft>
-                        <a:tabLst>
-                          <a:tab pos="114300" algn="l"/>
-                          <a:tab pos="228600" algn="l"/>
-                          <a:tab pos="457200" algn="l"/>
-                        </a:tabLst>
-                      </a:pPr>
-                      <a:r>
-                        <a:rPr lang="en-US" sz="1200">
-                          <a:effectLst/>
-                        </a:rPr>
-                        <a:t>ST_1.1</a:t>
-                      </a:r>
-                      <a:endParaRPr lang="en-US" sz="1200">
-                        <a:effectLst/>
-                        <a:latin typeface="Times"/>
-                        <a:ea typeface="Times"/>
-                        <a:cs typeface="Times New Roman"/>
-                      </a:endParaRPr>
-                    </a:p>
-                  </a:txBody>
-                  <a:tcPr marL="63500" marR="63500" marT="63500" marB="63500"/>
-                </a:tc>
-              </a:tr>
-              <a:tr h="440778">
-                <a:tc>
-                  <a:txBody>
-                    <a:bodyPr/>
-                    <a:lstStyle/>
-                    <a:p>
-                      <a:pPr marL="0" marR="0">
-                        <a:lnSpc>
-                          <a:spcPct val="115000"/>
-                        </a:lnSpc>
-                        <a:spcBef>
-                          <a:spcPts val="0"/>
-                        </a:spcBef>
-                        <a:spcAft>
-                          <a:spcPts val="0"/>
-                        </a:spcAft>
-                        <a:tabLst>
-                          <a:tab pos="114300" algn="l"/>
-                          <a:tab pos="228600" algn="l"/>
-                          <a:tab pos="457200" algn="l"/>
-                        </a:tabLst>
-                      </a:pPr>
-                      <a:r>
-                        <a:rPr lang="en-US" sz="1200">
-                          <a:effectLst/>
-                        </a:rPr>
-                        <a:t>Item to Test</a:t>
-                      </a:r>
-                      <a:endParaRPr lang="en-US" sz="1200">
-                        <a:effectLst/>
-                        <a:latin typeface="Times"/>
-                        <a:ea typeface="Times"/>
-                        <a:cs typeface="Times New Roman"/>
-                      </a:endParaRPr>
-                    </a:p>
-                  </a:txBody>
-                  <a:tcPr marL="63500" marR="63500" marT="63500" marB="63500"/>
-                </a:tc>
-                <a:tc>
-                  <a:txBody>
-                    <a:bodyPr/>
-                    <a:lstStyle/>
-                    <a:p>
-                      <a:pPr marL="0" marR="0">
-                        <a:lnSpc>
-                          <a:spcPct val="115000"/>
-                        </a:lnSpc>
-                        <a:spcBef>
-                          <a:spcPts val="0"/>
-                        </a:spcBef>
-                        <a:spcAft>
-                          <a:spcPts val="0"/>
-                        </a:spcAft>
-                        <a:tabLst>
-                          <a:tab pos="114300" algn="l"/>
-                          <a:tab pos="228600" algn="l"/>
-                          <a:tab pos="457200" algn="l"/>
-                        </a:tabLst>
-                      </a:pPr>
-                      <a:r>
-                        <a:rPr lang="en-US" sz="1200">
-                          <a:effectLst/>
-                        </a:rPr>
-                        <a:t>Secure User Login</a:t>
-                      </a:r>
-                      <a:endParaRPr lang="en-US" sz="1200">
-                        <a:effectLst/>
-                        <a:latin typeface="Times"/>
-                        <a:ea typeface="Times"/>
-                        <a:cs typeface="Times New Roman"/>
-                      </a:endParaRPr>
-                    </a:p>
-                  </a:txBody>
-                  <a:tcPr marL="63500" marR="63500" marT="63500" marB="63500"/>
-                </a:tc>
-              </a:tr>
-              <a:tr h="440778">
-                <a:tc>
-                  <a:txBody>
-                    <a:bodyPr/>
-                    <a:lstStyle/>
-                    <a:p>
-                      <a:pPr marL="0" marR="0">
-                        <a:lnSpc>
-                          <a:spcPct val="115000"/>
-                        </a:lnSpc>
-                        <a:spcBef>
-                          <a:spcPts val="0"/>
-                        </a:spcBef>
-                        <a:spcAft>
-                          <a:spcPts val="0"/>
-                        </a:spcAft>
-                        <a:tabLst>
-                          <a:tab pos="114300" algn="l"/>
-                          <a:tab pos="228600" algn="l"/>
-                          <a:tab pos="457200" algn="l"/>
-                        </a:tabLst>
-                      </a:pPr>
-                      <a:r>
-                        <a:rPr lang="en-US" sz="1200">
-                          <a:effectLst/>
-                        </a:rPr>
-                        <a:t>Pre-Conditions</a:t>
-                      </a:r>
-                      <a:endParaRPr lang="en-US" sz="1200">
-                        <a:effectLst/>
-                        <a:latin typeface="Times"/>
-                        <a:ea typeface="Times"/>
-                        <a:cs typeface="Times New Roman"/>
-                      </a:endParaRPr>
-                    </a:p>
-                  </a:txBody>
-                  <a:tcPr marL="63500" marR="63500" marT="63500" marB="63500"/>
-                </a:tc>
-                <a:tc>
-                  <a:txBody>
-                    <a:bodyPr/>
-                    <a:lstStyle/>
-                    <a:p>
-                      <a:pPr>
-                        <a:lnSpc>
-                          <a:spcPct val="115000"/>
-                        </a:lnSpc>
-                        <a:tabLst>
-                          <a:tab pos="457200" algn="l"/>
-                        </a:tabLst>
-                      </a:pPr>
-                      <a:r>
-                        <a:rPr lang="en-US" sz="1100">
-                          <a:effectLst/>
-                        </a:rPr>
-                        <a:t>All other functional and nonfunctional application testing is complete</a:t>
-                      </a:r>
-                      <a:endParaRPr lang="en-US" sz="1100">
-                        <a:effectLst/>
-                        <a:latin typeface="Calibri"/>
-                      </a:endParaRPr>
-                    </a:p>
-                  </a:txBody>
-                  <a:tcPr marL="63500" marR="63500" marT="63500" marB="63500"/>
-                </a:tc>
-              </a:tr>
-              <a:tr h="726855">
-                <a:tc>
-                  <a:txBody>
-                    <a:bodyPr/>
-                    <a:lstStyle/>
-                    <a:p>
-                      <a:pPr marL="0" marR="0">
-                        <a:lnSpc>
-                          <a:spcPct val="115000"/>
-                        </a:lnSpc>
-                        <a:spcBef>
-                          <a:spcPts val="0"/>
-                        </a:spcBef>
-                        <a:spcAft>
-                          <a:spcPts val="0"/>
-                        </a:spcAft>
-                        <a:tabLst>
-                          <a:tab pos="114300" algn="l"/>
-                          <a:tab pos="228600" algn="l"/>
-                          <a:tab pos="457200" algn="l"/>
-                        </a:tabLst>
-                      </a:pPr>
-                      <a:r>
-                        <a:rPr lang="en-US" sz="1200">
-                          <a:effectLst/>
-                        </a:rPr>
-                        <a:t>Test Steps</a:t>
-                      </a:r>
-                      <a:endParaRPr lang="en-US" sz="1200">
-                        <a:effectLst/>
-                        <a:latin typeface="Times"/>
-                        <a:ea typeface="Times"/>
-                        <a:cs typeface="Times New Roman"/>
-                      </a:endParaRPr>
-                    </a:p>
-                  </a:txBody>
-                  <a:tcPr marL="63500" marR="63500" marT="63500" marB="63500"/>
-                </a:tc>
-                <a:tc>
-                  <a:txBody>
-                    <a:bodyPr/>
-                    <a:lstStyle/>
-                    <a:p>
-                      <a:pPr marL="0" marR="0">
-                        <a:lnSpc>
-                          <a:spcPct val="115000"/>
-                        </a:lnSpc>
-                        <a:spcBef>
-                          <a:spcPts val="0"/>
-                        </a:spcBef>
-                        <a:spcAft>
-                          <a:spcPts val="0"/>
-                        </a:spcAft>
-                        <a:tabLst>
-                          <a:tab pos="114300" algn="l"/>
-                          <a:tab pos="228600" algn="l"/>
-                          <a:tab pos="457200" algn="l"/>
-                        </a:tabLst>
-                      </a:pPr>
-                      <a:r>
-                        <a:rPr lang="en-US" sz="1200">
-                          <a:effectLst/>
-                        </a:rPr>
-                        <a:t>Click on Login.</a:t>
-                      </a:r>
-                      <a:br>
-                        <a:rPr lang="en-US" sz="1200">
-                          <a:effectLst/>
-                        </a:rPr>
-                      </a:br>
-                      <a:r>
-                        <a:rPr lang="en-US" sz="1200">
-                          <a:effectLst/>
-                        </a:rPr>
-                        <a:t>Enter random email and password credentials.</a:t>
-                      </a:r>
-                      <a:endParaRPr lang="en-US" sz="1200">
-                        <a:effectLst/>
-                        <a:latin typeface="Times"/>
-                        <a:ea typeface="Times"/>
-                        <a:cs typeface="Times New Roman"/>
-                      </a:endParaRPr>
-                    </a:p>
-                  </a:txBody>
-                  <a:tcPr marL="63500" marR="63500" marT="63500" marB="63500"/>
-                </a:tc>
-              </a:tr>
-              <a:tr h="726855">
-                <a:tc>
-                  <a:txBody>
-                    <a:bodyPr/>
-                    <a:lstStyle/>
-                    <a:p>
-                      <a:pPr marL="0" marR="0">
-                        <a:lnSpc>
-                          <a:spcPct val="115000"/>
-                        </a:lnSpc>
-                        <a:spcBef>
-                          <a:spcPts val="0"/>
-                        </a:spcBef>
-                        <a:spcAft>
-                          <a:spcPts val="0"/>
-                        </a:spcAft>
-                        <a:tabLst>
-                          <a:tab pos="114300" algn="l"/>
-                          <a:tab pos="228600" algn="l"/>
-                          <a:tab pos="457200" algn="l"/>
-                        </a:tabLst>
-                      </a:pPr>
-                      <a:r>
-                        <a:rPr lang="en-US" sz="1200">
-                          <a:effectLst/>
-                        </a:rPr>
-                        <a:t>Expected Results</a:t>
-                      </a:r>
-                      <a:endParaRPr lang="en-US" sz="1200">
-                        <a:effectLst/>
-                        <a:latin typeface="Times"/>
-                        <a:ea typeface="Times"/>
-                        <a:cs typeface="Times New Roman"/>
-                      </a:endParaRPr>
-                    </a:p>
-                  </a:txBody>
-                  <a:tcPr marL="63500" marR="63500" marT="63500" marB="63500"/>
-                </a:tc>
-                <a:tc>
-                  <a:txBody>
-                    <a:bodyPr/>
-                    <a:lstStyle/>
-                    <a:p>
-                      <a:pPr marL="0" marR="0">
-                        <a:lnSpc>
-                          <a:spcPct val="115000"/>
-                        </a:lnSpc>
-                        <a:spcBef>
-                          <a:spcPts val="0"/>
-                        </a:spcBef>
-                        <a:spcAft>
-                          <a:spcPts val="0"/>
-                        </a:spcAft>
-                        <a:tabLst>
-                          <a:tab pos="114300" algn="l"/>
-                          <a:tab pos="228600" algn="l"/>
-                          <a:tab pos="457200" algn="l"/>
-                        </a:tabLst>
-                      </a:pPr>
-                      <a:r>
-                        <a:rPr lang="en-US" sz="1200">
-                          <a:effectLst/>
-                        </a:rPr>
-                        <a:t>A message must be shown that invalid user login credentials were entered.</a:t>
-                      </a:r>
-                      <a:endParaRPr lang="en-US" sz="1200">
-                        <a:effectLst/>
-                        <a:latin typeface="Times"/>
-                        <a:ea typeface="Times"/>
-                        <a:cs typeface="Times New Roman"/>
-                      </a:endParaRPr>
-                    </a:p>
-                  </a:txBody>
-                  <a:tcPr marL="63500" marR="63500" marT="63500" marB="63500"/>
-                </a:tc>
-              </a:tr>
-              <a:tr h="440778">
-                <a:tc>
-                  <a:txBody>
-                    <a:bodyPr/>
-                    <a:lstStyle/>
-                    <a:p>
-                      <a:pPr marL="0" marR="0">
-                        <a:lnSpc>
-                          <a:spcPct val="115000"/>
-                        </a:lnSpc>
-                        <a:spcBef>
-                          <a:spcPts val="0"/>
-                        </a:spcBef>
-                        <a:spcAft>
-                          <a:spcPts val="0"/>
-                        </a:spcAft>
-                        <a:tabLst>
-                          <a:tab pos="114300" algn="l"/>
-                          <a:tab pos="228600" algn="l"/>
-                          <a:tab pos="457200" algn="l"/>
-                        </a:tabLst>
-                      </a:pPr>
-                      <a:r>
-                        <a:rPr lang="en-US" sz="1200">
-                          <a:effectLst/>
-                        </a:rPr>
-                        <a:t>Priority</a:t>
-                      </a:r>
-                      <a:endParaRPr lang="en-US" sz="1200">
-                        <a:effectLst/>
-                        <a:latin typeface="Times"/>
-                        <a:ea typeface="Times"/>
-                        <a:cs typeface="Times New Roman"/>
-                      </a:endParaRPr>
-                    </a:p>
-                  </a:txBody>
-                  <a:tcPr marL="63500" marR="63500" marT="63500" marB="63500"/>
-                </a:tc>
-                <a:tc>
-                  <a:txBody>
-                    <a:bodyPr/>
-                    <a:lstStyle/>
-                    <a:p>
-                      <a:pPr marL="0" marR="0">
-                        <a:lnSpc>
-                          <a:spcPct val="115000"/>
-                        </a:lnSpc>
-                        <a:spcBef>
-                          <a:spcPts val="0"/>
-                        </a:spcBef>
-                        <a:spcAft>
-                          <a:spcPts val="0"/>
-                        </a:spcAft>
-                        <a:tabLst>
-                          <a:tab pos="114300" algn="l"/>
-                          <a:tab pos="228600" algn="l"/>
-                          <a:tab pos="457200" algn="l"/>
-                        </a:tabLst>
-                      </a:pPr>
-                      <a:r>
-                        <a:rPr lang="en-US" sz="1200">
-                          <a:effectLst/>
-                        </a:rPr>
-                        <a:t>High</a:t>
-                      </a:r>
-                      <a:endParaRPr lang="en-US" sz="1200">
-                        <a:effectLst/>
-                        <a:latin typeface="Times"/>
-                        <a:ea typeface="Times"/>
-                        <a:cs typeface="Times New Roman"/>
-                      </a:endParaRPr>
-                    </a:p>
-                  </a:txBody>
-                  <a:tcPr marL="63500" marR="63500" marT="63500" marB="63500"/>
-                </a:tc>
-              </a:tr>
-              <a:tr h="440778">
-                <a:tc>
-                  <a:txBody>
-                    <a:bodyPr/>
-                    <a:lstStyle/>
-                    <a:p>
-                      <a:pPr marL="0" marR="0">
-                        <a:lnSpc>
-                          <a:spcPct val="115000"/>
-                        </a:lnSpc>
-                        <a:spcBef>
-                          <a:spcPts val="0"/>
-                        </a:spcBef>
-                        <a:spcAft>
-                          <a:spcPts val="0"/>
-                        </a:spcAft>
-                        <a:tabLst>
-                          <a:tab pos="114300" algn="l"/>
-                          <a:tab pos="228600" algn="l"/>
-                          <a:tab pos="457200" algn="l"/>
-                        </a:tabLst>
-                      </a:pPr>
-                      <a:r>
-                        <a:rPr lang="en-US" sz="1200">
-                          <a:effectLst/>
-                        </a:rPr>
-                        <a:t>Pass/Fail</a:t>
-                      </a:r>
-                      <a:endParaRPr lang="en-US" sz="1200">
-                        <a:effectLst/>
-                        <a:latin typeface="Times"/>
-                        <a:ea typeface="Times"/>
-                        <a:cs typeface="Times New Roman"/>
-                      </a:endParaRPr>
-                    </a:p>
-                  </a:txBody>
-                  <a:tcPr marL="63500" marR="63500" marT="63500" marB="63500"/>
-                </a:tc>
-                <a:tc>
-                  <a:txBody>
-                    <a:bodyPr/>
-                    <a:lstStyle/>
-                    <a:p>
-                      <a:pPr marL="0" marR="0">
-                        <a:lnSpc>
-                          <a:spcPct val="115000"/>
-                        </a:lnSpc>
-                        <a:spcBef>
-                          <a:spcPts val="0"/>
-                        </a:spcBef>
-                        <a:spcAft>
-                          <a:spcPts val="0"/>
-                        </a:spcAft>
-                        <a:tabLst>
-                          <a:tab pos="114300" algn="l"/>
-                          <a:tab pos="228600" algn="l"/>
-                          <a:tab pos="457200" algn="l"/>
-                        </a:tabLst>
-                      </a:pPr>
-                      <a:r>
-                        <a:rPr lang="en-US" sz="1200" dirty="0">
-                          <a:effectLst/>
-                        </a:rPr>
-                        <a:t> </a:t>
-                      </a:r>
-                      <a:endParaRPr lang="en-US" sz="1200" dirty="0">
-                        <a:effectLst/>
-                        <a:latin typeface="Times"/>
-                        <a:ea typeface="Times"/>
-                        <a:cs typeface="Times New Roman"/>
-                      </a:endParaRPr>
-                    </a:p>
-                  </a:txBody>
-                  <a:tcPr marL="63500" marR="63500" marT="63500" marB="63500"/>
-                </a:tc>
-              </a:tr>
-            </a:tbl>
-          </a:graphicData>
-        </a:graphic>
-      </p:graphicFrame>
+      <p:pic>
+        <p:nvPicPr>
+          <p:cNvPr id="2050" name="Picture 2"/>
+          <p:cNvPicPr>
+            <a:picLocks noChangeAspect="1" noChangeArrowheads="1"/>
+          </p:cNvPicPr>
+          <p:nvPr/>
+        </p:nvPicPr>
+        <p:blipFill>
+          <a:blip r:embed="rId2" cstate="print">
+            <a:extLst>
+              <a:ext uri="{28A0092B-C50C-407E-A947-70E740481C1C}">
+                <a14:useLocalDpi xmlns:a14="http://schemas.microsoft.com/office/drawing/2010/main" val="0"/>
+              </a:ext>
+            </a:extLst>
+          </a:blip>
+          <a:srcRect/>
+          <a:stretch>
+            <a:fillRect/>
+          </a:stretch>
+        </p:blipFill>
+        <p:spPr bwMode="auto">
+          <a:xfrm>
+            <a:off x="152400" y="1695268"/>
+            <a:ext cx="8814118" cy="4965700"/>
+          </a:xfrm>
+          <a:prstGeom prst="rect">
+            <a:avLst/>
+          </a:prstGeom>
+          <a:noFill/>
+          <a:ln>
+            <a:noFill/>
+          </a:ln>
+          <a:effectLst/>
+          <a:extLst>
+            <a:ext uri="{909E8E84-426E-40DD-AFC4-6F175D3DCCD1}">
+              <a14:hiddenFill xmlns:a14="http://schemas.microsoft.com/office/drawing/2010/main">
+                <a:solidFill>
+                  <a:schemeClr val="accent1"/>
+                </a:solidFill>
+              </a14:hiddenFill>
+            </a:ext>
+            <a:ext uri="{91240B29-F687-4F45-9708-019B960494DF}">
+              <a14:hiddenLine xmlns:a14="http://schemas.microsoft.com/office/drawing/2010/main" w="9525">
+                <a:solidFill>
+                  <a:schemeClr val="tx1"/>
+                </a:solidFill>
+                <a:miter lim="800000"/>
+                <a:headEnd/>
+                <a:tailEnd/>
+              </a14:hiddenLine>
+            </a:ext>
+            <a:ext uri="{AF507438-7753-43E0-B8FC-AC1667EBCBE1}">
+              <a14:hiddenEffects xmlns:a14="http://schemas.microsoft.com/office/drawing/2010/main">
+                <a:effectLst>
+                  <a:outerShdw dist="35921" dir="2700000" algn="ctr" rotWithShape="0">
+                    <a:schemeClr val="bg2"/>
+                  </a:outerShdw>
+                </a:effectLst>
+              </a14:hiddenEffects>
+            </a:ext>
+          </a:extLst>
+        </p:spPr>
+      </p:pic>
     </p:spTree>
     <p:extLst>
       <p:ext uri="{BB962C8B-B14F-4D97-AF65-F5344CB8AC3E}">
@@ -9148,15 +8638,7 @@
             <a:pPr lvl="1"/>
             <a:r>
               <a:rPr lang="en-US" dirty="0" smtClean="0"/>
-              <a:t>Entry </a:t>
-            </a:r>
-            <a:r>
-              <a:rPr lang="en-US" dirty="0" smtClean="0"/>
-              <a:t>Criteria</a:t>
-            </a:r>
-            <a:r>
-              <a:rPr lang="en-US" dirty="0" smtClean="0"/>
-              <a:t>: test environment ready, test stubs completed</a:t>
+              <a:t>Entry Criteria: test environment ready, test stubs completed</a:t>
             </a:r>
           </a:p>
           <a:p>
@@ -9169,11 +8651,7 @@
           <a:p>
             <a:r>
               <a:rPr lang="en-US" b="1" dirty="0" smtClean="0"/>
-              <a:t>Test </a:t>
-            </a:r>
-            <a:r>
-              <a:rPr lang="en-US" b="1" dirty="0" smtClean="0"/>
-              <a:t>Suspension/Resumption Criteria</a:t>
+              <a:t>Test Suspension/Resumption Criteria</a:t>
             </a:r>
           </a:p>
           <a:p>
@@ -9275,14 +8753,14 @@
             <p:ph idx="1"/>
             <p:extLst>
               <p:ext uri="{D42A27DB-BD31-4B8C-83A1-F6EECF244321}">
-                <p14:modId xmlns:p14="http://schemas.microsoft.com/office/powerpoint/2010/main" val="3192857444"/>
+                <p14:modId xmlns:p14="http://schemas.microsoft.com/office/powerpoint/2010/main" val="332457520"/>
               </p:ext>
             </p:extLst>
           </p:nvPr>
         </p:nvGraphicFramePr>
         <p:xfrm>
-          <a:off x="914400" y="1768348"/>
-          <a:ext cx="6477000" cy="4240721"/>
+          <a:off x="381000" y="1371600"/>
+          <a:ext cx="7772400" cy="5333995"/>
         </p:xfrm>
         <a:graphic>
           <a:graphicData uri="http://schemas.openxmlformats.org/drawingml/2006/table">
@@ -9291,10 +8769,10 @@
                 <a:tableStyleId>{5C22544A-7EE6-4342-B048-85BDC9FD1C3A}</a:tableStyleId>
               </a:tblPr>
               <a:tblGrid>
-                <a:gridCol w="1820975"/>
-                <a:gridCol w="4656025"/>
+                <a:gridCol w="2185170"/>
+                <a:gridCol w="5587230"/>
               </a:tblGrid>
-              <a:tr h="0">
+              <a:tr h="422948">
                 <a:tc>
                   <a:txBody>
                     <a:bodyPr/>
@@ -9317,12 +8795,12 @@
                         </a:tabLst>
                       </a:pPr>
                       <a:r>
-                        <a:rPr lang="en-US" sz="1200">
+                        <a:rPr lang="en-US" sz="1500">
                           <a:effectLst/>
                         </a:rPr>
                         <a:t>ID</a:t>
                       </a:r>
-                      <a:endParaRPr lang="en-US" sz="1200">
+                      <a:endParaRPr lang="en-US" sz="1500">
                         <a:effectLst/>
                         <a:latin typeface="Times"/>
                         <a:ea typeface="Times"/>
@@ -9354,12 +8832,12 @@
                         </a:tabLst>
                       </a:pPr>
                       <a:r>
-                        <a:rPr lang="en-US" sz="1200">
+                        <a:rPr lang="en-US" sz="1500">
                           <a:effectLst/>
                         </a:rPr>
                         <a:t>UT_1.3</a:t>
                       </a:r>
-                      <a:endParaRPr lang="en-US" sz="1200">
+                      <a:endParaRPr lang="en-US" sz="1500">
                         <a:effectLst/>
                         <a:latin typeface="Times"/>
                         <a:ea typeface="Times"/>
@@ -9370,7 +8848,7 @@
                   <a:tcPr marL="63500" marR="63500" marT="63500" marB="63500"/>
                 </a:tc>
               </a:tr>
-              <a:tr h="0">
+              <a:tr h="422948">
                 <a:tc>
                   <a:txBody>
                     <a:bodyPr/>
@@ -9393,12 +8871,12 @@
                         </a:tabLst>
                       </a:pPr>
                       <a:r>
-                        <a:rPr lang="en-US" sz="1200">
+                        <a:rPr lang="en-US" sz="1500">
                           <a:effectLst/>
                         </a:rPr>
                         <a:t>Item to Test</a:t>
                       </a:r>
-                      <a:endParaRPr lang="en-US" sz="1200">
+                      <a:endParaRPr lang="en-US" sz="1500">
                         <a:effectLst/>
                         <a:latin typeface="Times"/>
                         <a:ea typeface="Times"/>
@@ -9430,12 +8908,12 @@
                         </a:tabLst>
                       </a:pPr>
                       <a:r>
-                        <a:rPr lang="en-US" sz="1200">
+                        <a:rPr lang="en-US" sz="1500">
                           <a:effectLst/>
                         </a:rPr>
                         <a:t>Register Fails</a:t>
                       </a:r>
-                      <a:endParaRPr lang="en-US" sz="1200">
+                      <a:endParaRPr lang="en-US" sz="1500">
                         <a:effectLst/>
                         <a:latin typeface="Times"/>
                         <a:ea typeface="Times"/>
@@ -9446,7 +8924,7 @@
                   <a:tcPr marL="63500" marR="63500" marT="63500" marB="63500"/>
                 </a:tc>
               </a:tr>
-              <a:tr h="0">
+              <a:tr h="422948">
                 <a:tc>
                   <a:txBody>
                     <a:bodyPr/>
@@ -9469,12 +8947,12 @@
                         </a:tabLst>
                       </a:pPr>
                       <a:r>
-                        <a:rPr lang="en-US" sz="1200">
+                        <a:rPr lang="en-US" sz="1500">
                           <a:effectLst/>
                         </a:rPr>
                         <a:t>Pre-Conditions</a:t>
                       </a:r>
-                      <a:endParaRPr lang="en-US" sz="1200">
+                      <a:endParaRPr lang="en-US" sz="1500">
                         <a:effectLst/>
                         <a:latin typeface="Times"/>
                         <a:ea typeface="Times"/>
@@ -9498,12 +8976,12 @@
                         </a:tabLst>
                       </a:pPr>
                       <a:r>
-                        <a:rPr lang="en-US" sz="1100">
+                        <a:rPr lang="en-US" sz="1500">
                           <a:effectLst/>
                         </a:rPr>
                         <a:t>Account already created with email “john.doe@email.com”</a:t>
                       </a:r>
-                      <a:endParaRPr lang="en-US" sz="1100">
+                      <a:endParaRPr lang="en-US" sz="1500">
                         <a:effectLst/>
                         <a:latin typeface="Calibri"/>
                       </a:endParaRPr>
@@ -9512,7 +8990,7 @@
                   <a:tcPr marL="63500" marR="63500" marT="63500" marB="63500"/>
                 </a:tc>
               </a:tr>
-              <a:tr h="0">
+              <a:tr h="2796307">
                 <a:tc>
                   <a:txBody>
                     <a:bodyPr/>
@@ -9535,12 +9013,12 @@
                         </a:tabLst>
                       </a:pPr>
                       <a:r>
-                        <a:rPr lang="en-US" sz="1200">
+                        <a:rPr lang="en-US" sz="1500">
                           <a:effectLst/>
                         </a:rPr>
                         <a:t>Test Steps</a:t>
                       </a:r>
-                      <a:endParaRPr lang="en-US" sz="1200">
+                      <a:endParaRPr lang="en-US" sz="1500">
                         <a:effectLst/>
                         <a:latin typeface="Times"/>
                         <a:ea typeface="Times"/>
@@ -9574,55 +9052,55 @@
                         </a:tabLst>
                       </a:pPr>
                       <a:r>
-                        <a:rPr lang="en-US" sz="1200" dirty="0">
+                        <a:rPr lang="en-US" sz="1500" dirty="0">
                           <a:effectLst/>
                         </a:rPr>
                         <a:t>Call </a:t>
                       </a:r>
                       <a:r>
-                        <a:rPr lang="en-US" sz="1200" dirty="0" err="1">
+                        <a:rPr lang="en-US" sz="1500" dirty="0" err="1">
                           <a:effectLst/>
                         </a:rPr>
                         <a:t>User.Register</a:t>
                       </a:r>
                       <a:r>
-                        <a:rPr lang="en-US" sz="1200" dirty="0">
+                        <a:rPr lang="en-US" sz="1500" dirty="0">
                           <a:effectLst/>
                         </a:rPr>
                         <a:t>(</a:t>
                       </a:r>
                       <a:r>
-                        <a:rPr lang="en-US" sz="1200" dirty="0" err="1">
+                        <a:rPr lang="en-US" sz="1500" dirty="0" err="1">
                           <a:effectLst/>
                         </a:rPr>
                         <a:t>firstName</a:t>
                       </a:r>
                       <a:r>
-                        <a:rPr lang="en-US" sz="1200" dirty="0">
+                        <a:rPr lang="en-US" sz="1500" dirty="0">
                           <a:effectLst/>
                         </a:rPr>
                         <a:t>, </a:t>
                       </a:r>
                       <a:r>
-                        <a:rPr lang="en-US" sz="1200" dirty="0" err="1">
+                        <a:rPr lang="en-US" sz="1500" dirty="0" err="1">
                           <a:effectLst/>
                         </a:rPr>
                         <a:t>lastName</a:t>
                       </a:r>
                       <a:r>
-                        <a:rPr lang="en-US" sz="1200" dirty="0">
+                        <a:rPr lang="en-US" sz="1500" dirty="0">
                           <a:effectLst/>
                         </a:rPr>
                         <a:t>, email, password, </a:t>
                       </a:r>
                       <a:r>
-                        <a:rPr lang="en-US" sz="1200" dirty="0" err="1">
+                        <a:rPr lang="en-US" sz="1500" dirty="0" err="1">
                           <a:effectLst/>
                         </a:rPr>
                         <a:t>guid</a:t>
                       </a:r>
                       <a:r>
-                        <a:rPr lang="en-US" sz="1200" dirty="0">
+                        <a:rPr lang="en-US" sz="1500" dirty="0">
                           <a:effectLst/>
                         </a:rPr>
                         <a:t>)</a:t>
@@ -9646,7 +9124,7 @@
                         </a:tabLst>
                       </a:pPr>
                       <a:r>
-                        <a:rPr lang="en-US" sz="1200" dirty="0">
+                        <a:rPr lang="en-US" sz="1500" dirty="0">
                           <a:effectLst/>
                         </a:rPr>
                         <a:t>{</a:t>
@@ -9670,19 +9148,19 @@
                         </a:tabLst>
                       </a:pPr>
                       <a:r>
-                        <a:rPr lang="en-US" sz="1200" dirty="0">
+                        <a:rPr lang="en-US" sz="1500" dirty="0">
                           <a:effectLst/>
                         </a:rPr>
                         <a:t>      </a:t>
                       </a:r>
                       <a:r>
-                        <a:rPr lang="en-US" sz="1200" dirty="0" err="1">
+                        <a:rPr lang="en-US" sz="1500" dirty="0" err="1">
                           <a:effectLst/>
                         </a:rPr>
                         <a:t>firstName</a:t>
                       </a:r>
                       <a:r>
-                        <a:rPr lang="en-US" sz="1200" dirty="0">
+                        <a:rPr lang="en-US" sz="1500" dirty="0">
                           <a:effectLst/>
                         </a:rPr>
                         <a:t> = “John”,</a:t>
@@ -9706,19 +9184,19 @@
                         </a:tabLst>
                       </a:pPr>
                       <a:r>
-                        <a:rPr lang="en-US" sz="1200" dirty="0">
+                        <a:rPr lang="en-US" sz="1500" dirty="0">
                           <a:effectLst/>
                         </a:rPr>
                         <a:t>      </a:t>
                       </a:r>
                       <a:r>
-                        <a:rPr lang="en-US" sz="1200" dirty="0" err="1">
+                        <a:rPr lang="en-US" sz="1500" dirty="0" err="1">
                           <a:effectLst/>
                         </a:rPr>
                         <a:t>lastName</a:t>
                       </a:r>
                       <a:r>
-                        <a:rPr lang="en-US" sz="1200" dirty="0">
+                        <a:rPr lang="en-US" sz="1500" dirty="0">
                           <a:effectLst/>
                         </a:rPr>
                         <a:t> = “Doe”,</a:t>
@@ -9742,7 +9220,7 @@
                         </a:tabLst>
                       </a:pPr>
                       <a:r>
-                        <a:rPr lang="en-US" sz="1200" dirty="0">
+                        <a:rPr lang="en-US" sz="1500" dirty="0">
                           <a:effectLst/>
                         </a:rPr>
                         <a:t>      email = john.doe@email.com,</a:t>
@@ -9766,7 +9244,7 @@
                         </a:tabLst>
                       </a:pPr>
                       <a:r>
-                        <a:rPr lang="en-US" sz="1200" dirty="0">
+                        <a:rPr lang="en-US" sz="1500" dirty="0">
                           <a:effectLst/>
                         </a:rPr>
                         <a:t>      password = “123456”,</a:t>
@@ -9790,7 +9268,7 @@
                         </a:tabLst>
                       </a:pPr>
                       <a:r>
-                        <a:rPr lang="en-US" sz="1200" dirty="0">
+                        <a:rPr lang="en-US" sz="1500" dirty="0">
                           <a:effectLst/>
                         </a:rPr>
                         <a:t>      GUID = “a6d7f3b6-c65d-4319-89d9-e5b518720e39”</a:t>
@@ -9814,7 +9292,7 @@
                         </a:tabLst>
                       </a:pPr>
                       <a:r>
-                        <a:rPr lang="en-US" sz="1200" dirty="0">
+                        <a:rPr lang="en-US" sz="1500" dirty="0">
                           <a:effectLst/>
                         </a:rPr>
                         <a:t>} and store returned value in Boolean variable.</a:t>
@@ -9840,19 +9318,19 @@
                         </a:tabLst>
                       </a:pPr>
                       <a:r>
-                        <a:rPr lang="en-US" sz="1200" dirty="0" smtClean="0">
+                        <a:rPr lang="en-US" sz="1500" dirty="0" smtClean="0">
                           <a:effectLst/>
                         </a:rPr>
                         <a:t>2</a:t>
                       </a:r>
                       <a:r>
-                        <a:rPr lang="en-US" sz="1200" smtClean="0">
+                        <a:rPr lang="en-US" sz="1500" smtClean="0">
                           <a:effectLst/>
                         </a:rPr>
                         <a:t>.       Verify </a:t>
                       </a:r>
                       <a:r>
-                        <a:rPr lang="en-US" sz="1200" dirty="0">
+                        <a:rPr lang="en-US" sz="1500" dirty="0">
                           <a:effectLst/>
                         </a:rPr>
                         <a:t>returned value with expected value.</a:t>
@@ -9876,12 +9354,12 @@
                         </a:tabLst>
                       </a:pPr>
                       <a:r>
-                        <a:rPr lang="en-US" sz="1200" dirty="0">
+                        <a:rPr lang="en-US" sz="1500" dirty="0">
                           <a:effectLst/>
                         </a:rPr>
                         <a:t> </a:t>
                       </a:r>
-                      <a:endParaRPr lang="en-US" sz="1200" dirty="0">
+                      <a:endParaRPr lang="en-US" sz="1500" dirty="0">
                         <a:effectLst/>
                         <a:latin typeface="Times"/>
                         <a:ea typeface="Times"/>
@@ -9892,7 +9370,7 @@
                   <a:tcPr marL="63500" marR="63500" marT="63500" marB="63500"/>
                 </a:tc>
               </a:tr>
-              <a:tr h="0">
+              <a:tr h="422948">
                 <a:tc>
                   <a:txBody>
                     <a:bodyPr/>
@@ -9915,12 +9393,12 @@
                         </a:tabLst>
                       </a:pPr>
                       <a:r>
-                        <a:rPr lang="en-US" sz="1200">
+                        <a:rPr lang="en-US" sz="1500">
                           <a:effectLst/>
                         </a:rPr>
                         <a:t>Expected Results</a:t>
                       </a:r>
-                      <a:endParaRPr lang="en-US" sz="1200">
+                      <a:endParaRPr lang="en-US" sz="1500">
                         <a:effectLst/>
                         <a:latin typeface="Times"/>
                         <a:ea typeface="Times"/>
@@ -9952,12 +9430,12 @@
                         </a:tabLst>
                       </a:pPr>
                       <a:r>
-                        <a:rPr lang="en-US" sz="1200">
+                        <a:rPr lang="en-US" sz="1500">
                           <a:effectLst/>
                         </a:rPr>
                         <a:t>False should be returned</a:t>
                       </a:r>
-                      <a:endParaRPr lang="en-US" sz="1200">
+                      <a:endParaRPr lang="en-US" sz="1500">
                         <a:effectLst/>
                         <a:latin typeface="Times"/>
                         <a:ea typeface="Times"/>
@@ -9968,7 +9446,7 @@
                   <a:tcPr marL="63500" marR="63500" marT="63500" marB="63500"/>
                 </a:tc>
               </a:tr>
-              <a:tr h="0">
+              <a:tr h="422948">
                 <a:tc>
                   <a:txBody>
                     <a:bodyPr/>
@@ -9991,12 +9469,12 @@
                         </a:tabLst>
                       </a:pPr>
                       <a:r>
-                        <a:rPr lang="en-US" sz="1200">
+                        <a:rPr lang="en-US" sz="1500">
                           <a:effectLst/>
                         </a:rPr>
                         <a:t>Priority</a:t>
                       </a:r>
-                      <a:endParaRPr lang="en-US" sz="1200">
+                      <a:endParaRPr lang="en-US" sz="1500">
                         <a:effectLst/>
                         <a:latin typeface="Times"/>
                         <a:ea typeface="Times"/>
@@ -10028,12 +9506,12 @@
                         </a:tabLst>
                       </a:pPr>
                       <a:r>
-                        <a:rPr lang="en-US" sz="1200">
+                        <a:rPr lang="en-US" sz="1500">
                           <a:effectLst/>
                         </a:rPr>
                         <a:t>High</a:t>
                       </a:r>
-                      <a:endParaRPr lang="en-US" sz="1200">
+                      <a:endParaRPr lang="en-US" sz="1500">
                         <a:effectLst/>
                         <a:latin typeface="Times"/>
                         <a:ea typeface="Times"/>
@@ -10044,7 +9522,7 @@
                   <a:tcPr marL="63500" marR="63500" marT="63500" marB="63500"/>
                 </a:tc>
               </a:tr>
-              <a:tr h="0">
+              <a:tr h="422948">
                 <a:tc>
                   <a:txBody>
                     <a:bodyPr/>
@@ -10067,12 +9545,12 @@
                         </a:tabLst>
                       </a:pPr>
                       <a:r>
-                        <a:rPr lang="en-US" sz="1200">
+                        <a:rPr lang="en-US" sz="1500">
                           <a:effectLst/>
                         </a:rPr>
                         <a:t>Pass/Fail</a:t>
                       </a:r>
-                      <a:endParaRPr lang="en-US" sz="1200">
+                      <a:endParaRPr lang="en-US" sz="1500">
                         <a:effectLst/>
                         <a:latin typeface="Times"/>
                         <a:ea typeface="Times"/>
@@ -10104,24 +9582,24 @@
                         </a:tabLst>
                       </a:pPr>
                       <a:r>
-                        <a:rPr lang="en-US" sz="1200" dirty="0">
+                        <a:rPr lang="en-US" sz="1500" dirty="0">
                           <a:effectLst/>
                         </a:rPr>
                         <a:t> Pass if </a:t>
                       </a:r>
                       <a:r>
-                        <a:rPr lang="en-US" sz="1200" dirty="0" err="1">
+                        <a:rPr lang="en-US" sz="1500" dirty="0" err="1">
                           <a:effectLst/>
                         </a:rPr>
                         <a:t>IsAssert</a:t>
                       </a:r>
                       <a:r>
-                        <a:rPr lang="en-US" sz="1200" dirty="0">
+                        <a:rPr lang="en-US" sz="1500" dirty="0">
                           <a:effectLst/>
                         </a:rPr>
                         <a:t>(false) is true</a:t>
                       </a:r>
-                      <a:endParaRPr lang="en-US" sz="1200" dirty="0">
+                      <a:endParaRPr lang="en-US" sz="1500" dirty="0">
                         <a:effectLst/>
                         <a:latin typeface="Times"/>
                         <a:ea typeface="Times"/>
@@ -10217,11 +9695,7 @@
             </a:r>
             <a:r>
               <a:rPr lang="en-US" b="1" dirty="0" smtClean="0"/>
-              <a:t>mphasizes </a:t>
-            </a:r>
-            <a:r>
-              <a:rPr lang="en-US" b="1" dirty="0" smtClean="0"/>
-              <a:t>the working</a:t>
+              <a:t>mphasizes the working</a:t>
             </a:r>
             <a:r>
               <a:rPr lang="en-US" dirty="0" smtClean="0"/>
@@ -10241,15 +9715,7 @@
             <a:pPr lvl="1"/>
             <a:r>
               <a:rPr lang="en-US" dirty="0" smtClean="0"/>
-              <a:t>Follow </a:t>
-            </a:r>
-            <a:r>
-              <a:rPr lang="en-US" dirty="0" smtClean="0"/>
-              <a:t>procedures </a:t>
-            </a:r>
-            <a:r>
-              <a:rPr lang="en-US" dirty="0" smtClean="0"/>
-              <a:t>in test cases using interaction with UI</a:t>
+              <a:t>Follow procedures in test cases using interaction with UI</a:t>
             </a:r>
           </a:p>
           <a:p>
@@ -11002,14 +10468,14 @@
             <p:ph idx="1"/>
             <p:extLst>
               <p:ext uri="{D42A27DB-BD31-4B8C-83A1-F6EECF244321}">
-                <p14:modId xmlns:p14="http://schemas.microsoft.com/office/powerpoint/2010/main" val="1221728463"/>
+                <p14:modId xmlns:p14="http://schemas.microsoft.com/office/powerpoint/2010/main" val="2794626482"/>
               </p:ext>
             </p:extLst>
           </p:nvPr>
         </p:nvGraphicFramePr>
         <p:xfrm>
-          <a:off x="1438275" y="1978660"/>
-          <a:ext cx="5657850" cy="3950783"/>
+          <a:off x="685800" y="1371600"/>
+          <a:ext cx="7162799" cy="5334001"/>
         </p:xfrm>
         <a:graphic>
           <a:graphicData uri="http://schemas.openxmlformats.org/drawingml/2006/table">
@@ -11018,10 +10484,10 @@
                 <a:tableStyleId>{5C22544A-7EE6-4342-B048-85BDC9FD1C3A}</a:tableStyleId>
               </a:tblPr>
               <a:tblGrid>
-                <a:gridCol w="1590675"/>
-                <a:gridCol w="4067175"/>
+                <a:gridCol w="2013784"/>
+                <a:gridCol w="5149015"/>
               </a:tblGrid>
-              <a:tr h="0">
+              <a:tr h="444947">
                 <a:tc>
                   <a:txBody>
                     <a:bodyPr/>
@@ -11044,12 +10510,12 @@
                         </a:tabLst>
                       </a:pPr>
                       <a:r>
-                        <a:rPr lang="en-US" sz="1200">
+                        <a:rPr lang="en-US" sz="1600">
                           <a:effectLst/>
                         </a:rPr>
                         <a:t>ID</a:t>
                       </a:r>
-                      <a:endParaRPr lang="en-US" sz="1200">
+                      <a:endParaRPr lang="en-US" sz="1600">
                         <a:effectLst/>
                         <a:latin typeface="Times"/>
                         <a:ea typeface="Times"/>
@@ -11081,12 +10547,12 @@
                         </a:tabLst>
                       </a:pPr>
                       <a:r>
-                        <a:rPr lang="en-US" sz="1200">
+                        <a:rPr lang="en-US" sz="1600">
                           <a:effectLst/>
                         </a:rPr>
                         <a:t>FT_2</a:t>
                       </a:r>
-                      <a:endParaRPr lang="en-US" sz="1200">
+                      <a:endParaRPr lang="en-US" sz="1600">
                         <a:effectLst/>
                         <a:latin typeface="Times"/>
                         <a:ea typeface="Times"/>
@@ -11097,7 +10563,7 @@
                   <a:tcPr marL="63500" marR="63500" marT="63500" marB="63500"/>
                 </a:tc>
               </a:tr>
-              <a:tr h="0">
+              <a:tr h="444947">
                 <a:tc>
                   <a:txBody>
                     <a:bodyPr/>
@@ -11120,12 +10586,12 @@
                         </a:tabLst>
                       </a:pPr>
                       <a:r>
-                        <a:rPr lang="en-US" sz="1200">
+                        <a:rPr lang="en-US" sz="1600">
                           <a:effectLst/>
                         </a:rPr>
                         <a:t>Item to Test</a:t>
                       </a:r>
-                      <a:endParaRPr lang="en-US" sz="1200">
+                      <a:endParaRPr lang="en-US" sz="1600">
                         <a:effectLst/>
                         <a:latin typeface="Times"/>
                         <a:ea typeface="Times"/>
@@ -11157,12 +10623,12 @@
                         </a:tabLst>
                       </a:pPr>
                       <a:r>
-                        <a:rPr lang="en-US" sz="1200">
+                        <a:rPr lang="en-US" sz="1600">
                           <a:effectLst/>
                         </a:rPr>
                         <a:t>Register</a:t>
                       </a:r>
-                      <a:endParaRPr lang="en-US" sz="1200">
+                      <a:endParaRPr lang="en-US" sz="1600">
                         <a:effectLst/>
                         <a:latin typeface="Times"/>
                         <a:ea typeface="Times"/>
@@ -11173,7 +10639,7 @@
                   <a:tcPr marL="63500" marR="63500" marT="63500" marB="63500"/>
                 </a:tc>
               </a:tr>
-              <a:tr h="0">
+              <a:tr h="444947">
                 <a:tc>
                   <a:txBody>
                     <a:bodyPr/>
@@ -11196,12 +10662,12 @@
                         </a:tabLst>
                       </a:pPr>
                       <a:r>
-                        <a:rPr lang="en-US" sz="1200">
+                        <a:rPr lang="en-US" sz="1600">
                           <a:effectLst/>
                         </a:rPr>
                         <a:t>Pre-Conditions</a:t>
                       </a:r>
-                      <a:endParaRPr lang="en-US" sz="1200">
+                      <a:endParaRPr lang="en-US" sz="1600">
                         <a:effectLst/>
                         <a:latin typeface="Times"/>
                         <a:ea typeface="Times"/>
@@ -11225,12 +10691,12 @@
                         </a:tabLst>
                       </a:pPr>
                       <a:r>
-                        <a:rPr lang="en-US" sz="1100">
+                        <a:rPr lang="en-US" sz="1600">
                           <a:effectLst/>
                         </a:rPr>
                         <a:t>None</a:t>
                       </a:r>
-                      <a:endParaRPr lang="en-US" sz="1100">
+                      <a:endParaRPr lang="en-US" sz="1600">
                         <a:effectLst/>
                         <a:latin typeface="Calibri"/>
                       </a:endParaRPr>
@@ -11239,7 +10705,7 @@
                   <a:tcPr marL="63500" marR="63500" marT="63500" marB="63500"/>
                 </a:tc>
               </a:tr>
-              <a:tr h="0">
+              <a:tr h="2386898">
                 <a:tc>
                   <a:txBody>
                     <a:bodyPr/>
@@ -11262,12 +10728,12 @@
                         </a:tabLst>
                       </a:pPr>
                       <a:r>
-                        <a:rPr lang="en-US" sz="1200">
+                        <a:rPr lang="en-US" sz="1600">
                           <a:effectLst/>
                         </a:rPr>
                         <a:t>Test Steps</a:t>
                       </a:r>
-                      <a:endParaRPr lang="en-US" sz="1200">
+                      <a:endParaRPr lang="en-US" sz="1600">
                         <a:effectLst/>
                         <a:latin typeface="Times"/>
                         <a:ea typeface="Times"/>
@@ -11301,7 +10767,7 @@
                         </a:tabLst>
                       </a:pPr>
                       <a:r>
-                        <a:rPr lang="en-US" sz="1200" dirty="0">
+                        <a:rPr lang="en-US" sz="1600" dirty="0">
                           <a:effectLst/>
                         </a:rPr>
                         <a:t>Click on Users button on header.</a:t>
@@ -11327,7 +10793,7 @@
                         </a:tabLst>
                       </a:pPr>
                       <a:r>
-                        <a:rPr lang="en-US" sz="1200" dirty="0">
+                        <a:rPr lang="en-US" sz="1600" dirty="0">
                           <a:effectLst/>
                         </a:rPr>
                         <a:t>Click on Register link button.</a:t>
@@ -11353,7 +10819,7 @@
                         </a:tabLst>
                       </a:pPr>
                       <a:r>
-                        <a:rPr lang="en-US" sz="1200" dirty="0">
+                        <a:rPr lang="en-US" sz="1600" dirty="0">
                           <a:effectLst/>
                         </a:rPr>
                         <a:t>Fill in First name  - John, </a:t>
@@ -11377,7 +10843,7 @@
                         </a:tabLst>
                       </a:pPr>
                       <a:r>
-                        <a:rPr lang="en-US" sz="1200" dirty="0">
+                        <a:rPr lang="en-US" sz="1600" dirty="0">
                           <a:effectLst/>
                         </a:rPr>
                         <a:t>Last name - Doe, </a:t>
@@ -11401,7 +10867,7 @@
                         </a:tabLst>
                       </a:pPr>
                       <a:r>
-                        <a:rPr lang="en-US" sz="1200" dirty="0">
+                        <a:rPr lang="en-US" sz="1600" dirty="0">
                           <a:effectLst/>
                         </a:rPr>
                         <a:t>Email ID – john.doe@email.com, </a:t>
@@ -11425,7 +10891,7 @@
                         </a:tabLst>
                       </a:pPr>
                       <a:r>
-                        <a:rPr lang="en-US" sz="1200" dirty="0">
+                        <a:rPr lang="en-US" sz="1600" dirty="0">
                           <a:effectLst/>
                         </a:rPr>
                         <a:t>Password - 123456, </a:t>
@@ -11449,7 +10915,7 @@
                         </a:tabLst>
                       </a:pPr>
                       <a:r>
-                        <a:rPr lang="en-US" sz="1200" dirty="0">
+                        <a:rPr lang="en-US" sz="1600" dirty="0">
                           <a:effectLst/>
                         </a:rPr>
                         <a:t>Confirm Password - 123456.</a:t>
@@ -11475,18 +10941,18 @@
                         </a:tabLst>
                       </a:pPr>
                       <a:r>
-                        <a:rPr lang="en-US" sz="1200" dirty="0" smtClean="0">
+                        <a:rPr lang="en-US" sz="1600" dirty="0" smtClean="0">
                           <a:effectLst/>
                         </a:rPr>
                         <a:t>4.       Click </a:t>
                       </a:r>
                       <a:r>
-                        <a:rPr lang="en-US" sz="1200" dirty="0">
+                        <a:rPr lang="en-US" sz="1600" dirty="0">
                           <a:effectLst/>
                         </a:rPr>
                         <a:t>on Register.</a:t>
                       </a:r>
-                      <a:endParaRPr lang="en-US" sz="1200" dirty="0">
+                      <a:endParaRPr lang="en-US" sz="1600" dirty="0">
                         <a:effectLst/>
                         <a:latin typeface="Times"/>
                         <a:ea typeface="Times"/>
@@ -11497,7 +10963,7 @@
                   <a:tcPr marL="63500" marR="63500" marT="63500" marB="63500"/>
                 </a:tc>
               </a:tr>
-              <a:tr h="0">
+              <a:tr h="722368">
                 <a:tc>
                   <a:txBody>
                     <a:bodyPr/>
@@ -11520,12 +10986,12 @@
                         </a:tabLst>
                       </a:pPr>
                       <a:r>
-                        <a:rPr lang="en-US" sz="1200">
+                        <a:rPr lang="en-US" sz="1600">
                           <a:effectLst/>
                         </a:rPr>
                         <a:t>Expected Results</a:t>
                       </a:r>
-                      <a:endParaRPr lang="en-US" sz="1200">
+                      <a:endParaRPr lang="en-US" sz="1600">
                         <a:effectLst/>
                         <a:latin typeface="Times"/>
                         <a:ea typeface="Times"/>
@@ -11557,12 +11023,12 @@
                         </a:tabLst>
                       </a:pPr>
                       <a:r>
-                        <a:rPr lang="en-US" sz="1200">
+                        <a:rPr lang="en-US" sz="1600">
                           <a:effectLst/>
                         </a:rPr>
                         <a:t>System displays confirmation page with a message about verification email sent to user provided email address.</a:t>
                       </a:r>
-                      <a:endParaRPr lang="en-US" sz="1200">
+                      <a:endParaRPr lang="en-US" sz="1600">
                         <a:effectLst/>
                         <a:latin typeface="Times"/>
                         <a:ea typeface="Times"/>
@@ -11573,7 +11039,7 @@
                   <a:tcPr marL="63500" marR="63500" marT="63500" marB="63500"/>
                 </a:tc>
               </a:tr>
-              <a:tr h="0">
+              <a:tr h="444947">
                 <a:tc>
                   <a:txBody>
                     <a:bodyPr/>
@@ -11596,12 +11062,12 @@
                         </a:tabLst>
                       </a:pPr>
                       <a:r>
-                        <a:rPr lang="en-US" sz="1200">
+                        <a:rPr lang="en-US" sz="1600">
                           <a:effectLst/>
                         </a:rPr>
                         <a:t>Priority</a:t>
                       </a:r>
-                      <a:endParaRPr lang="en-US" sz="1200">
+                      <a:endParaRPr lang="en-US" sz="1600">
                         <a:effectLst/>
                         <a:latin typeface="Times"/>
                         <a:ea typeface="Times"/>
@@ -11633,12 +11099,12 @@
                         </a:tabLst>
                       </a:pPr>
                       <a:r>
-                        <a:rPr lang="en-US" sz="1200">
+                        <a:rPr lang="en-US" sz="1600">
                           <a:effectLst/>
                         </a:rPr>
                         <a:t>High</a:t>
                       </a:r>
-                      <a:endParaRPr lang="en-US" sz="1200">
+                      <a:endParaRPr lang="en-US" sz="1600">
                         <a:effectLst/>
                         <a:latin typeface="Times"/>
                         <a:ea typeface="Times"/>
@@ -11649,7 +11115,7 @@
                   <a:tcPr marL="63500" marR="63500" marT="63500" marB="63500"/>
                 </a:tc>
               </a:tr>
-              <a:tr h="0">
+              <a:tr h="444947">
                 <a:tc>
                   <a:txBody>
                     <a:bodyPr/>
@@ -11672,12 +11138,12 @@
                         </a:tabLst>
                       </a:pPr>
                       <a:r>
-                        <a:rPr lang="en-US" sz="1200">
+                        <a:rPr lang="en-US" sz="1600">
                           <a:effectLst/>
                         </a:rPr>
                         <a:t>Pass/Fail</a:t>
                       </a:r>
-                      <a:endParaRPr lang="en-US" sz="1200">
+                      <a:endParaRPr lang="en-US" sz="1600">
                         <a:effectLst/>
                         <a:latin typeface="Times"/>
                         <a:ea typeface="Times"/>
@@ -11709,12 +11175,12 @@
                         </a:tabLst>
                       </a:pPr>
                       <a:r>
-                        <a:rPr lang="en-US" sz="1200" dirty="0">
+                        <a:rPr lang="en-US" sz="1600" dirty="0">
                           <a:effectLst/>
                         </a:rPr>
                         <a:t> Pass if system redirects user to Register page.</a:t>
                       </a:r>
-                      <a:endParaRPr lang="en-US" sz="1200" dirty="0">
+                      <a:endParaRPr lang="en-US" sz="1600" dirty="0">
                         <a:effectLst/>
                         <a:latin typeface="Times"/>
                         <a:ea typeface="Times"/>
@@ -12023,14 +11489,14 @@
             <p:ph idx="1"/>
             <p:extLst>
               <p:ext uri="{D42A27DB-BD31-4B8C-83A1-F6EECF244321}">
-                <p14:modId xmlns:p14="http://schemas.microsoft.com/office/powerpoint/2010/main" val="1656303524"/>
+                <p14:modId xmlns:p14="http://schemas.microsoft.com/office/powerpoint/2010/main" val="300443390"/>
               </p:ext>
             </p:extLst>
           </p:nvPr>
         </p:nvGraphicFramePr>
         <p:xfrm>
-          <a:off x="914400" y="2057400"/>
-          <a:ext cx="6791325" cy="4038599"/>
+          <a:off x="457200" y="1523999"/>
+          <a:ext cx="7620000" cy="5105402"/>
         </p:xfrm>
         <a:graphic>
           <a:graphicData uri="http://schemas.openxmlformats.org/drawingml/2006/table">
@@ -12039,10 +11505,10 @@
                 <a:tableStyleId>{5C22544A-7EE6-4342-B048-85BDC9FD1C3A}</a:tableStyleId>
               </a:tblPr>
               <a:tblGrid>
-                <a:gridCol w="1909346"/>
-                <a:gridCol w="4881979"/>
+                <a:gridCol w="2142323"/>
+                <a:gridCol w="5477677"/>
               </a:tblGrid>
-              <a:tr h="396437">
+              <a:tr h="501157">
                 <a:tc>
                   <a:txBody>
                     <a:bodyPr/>
@@ -12065,12 +11531,12 @@
                         </a:tabLst>
                       </a:pPr>
                       <a:r>
-                        <a:rPr lang="en-US" sz="1100" dirty="0">
+                        <a:rPr lang="en-US" sz="1600" dirty="0">
                           <a:effectLst/>
                         </a:rPr>
                         <a:t>ID</a:t>
                       </a:r>
-                      <a:endParaRPr lang="en-US" sz="1200" dirty="0">
+                      <a:endParaRPr lang="en-US" sz="1600" dirty="0">
                         <a:effectLst/>
                         <a:latin typeface="Times"/>
                         <a:ea typeface="Times"/>
@@ -12102,12 +11568,12 @@
                         </a:tabLst>
                       </a:pPr>
                       <a:r>
-                        <a:rPr lang="en-US" sz="1100">
+                        <a:rPr lang="en-US" sz="1600">
                           <a:effectLst/>
                         </a:rPr>
                         <a:t>NT_1</a:t>
                       </a:r>
-                      <a:endParaRPr lang="en-US" sz="1200">
+                      <a:endParaRPr lang="en-US" sz="1600">
                         <a:effectLst/>
                         <a:latin typeface="Times"/>
                         <a:ea typeface="Times"/>
@@ -12118,7 +11584,7 @@
                   <a:tcPr marL="63500" marR="63500" marT="63500" marB="63500"/>
                 </a:tc>
               </a:tr>
-              <a:tr h="417634">
+              <a:tr h="527952">
                 <a:tc>
                   <a:txBody>
                     <a:bodyPr/>
@@ -12141,12 +11607,12 @@
                         </a:tabLst>
                       </a:pPr>
                       <a:r>
-                        <a:rPr lang="en-US" sz="1100">
+                        <a:rPr lang="en-US" sz="1600">
                           <a:effectLst/>
                         </a:rPr>
                         <a:t>Item to Test</a:t>
                       </a:r>
-                      <a:endParaRPr lang="en-US" sz="1200">
+                      <a:endParaRPr lang="en-US" sz="1600">
                         <a:effectLst/>
                         <a:latin typeface="Times"/>
                         <a:ea typeface="Times"/>
@@ -12178,12 +11644,12 @@
                         </a:tabLst>
                       </a:pPr>
                       <a:r>
-                        <a:rPr lang="en-US" sz="1200">
+                        <a:rPr lang="en-US" sz="1600">
                           <a:effectLst/>
                         </a:rPr>
                         <a:t>Application Reliability</a:t>
                       </a:r>
-                      <a:endParaRPr lang="en-US" sz="1200">
+                      <a:endParaRPr lang="en-US" sz="1600">
                         <a:effectLst/>
                         <a:latin typeface="Times"/>
                         <a:ea typeface="Times"/>
@@ -12194,7 +11660,7 @@
                   <a:tcPr marL="63500" marR="63500" marT="63500" marB="63500"/>
                 </a:tc>
               </a:tr>
-              <a:tr h="396437">
+              <a:tr h="501157">
                 <a:tc>
                   <a:txBody>
                     <a:bodyPr/>
@@ -12217,12 +11683,12 @@
                         </a:tabLst>
                       </a:pPr>
                       <a:r>
-                        <a:rPr lang="en-US" sz="1100">
+                        <a:rPr lang="en-US" sz="1600">
                           <a:effectLst/>
                         </a:rPr>
                         <a:t>Pre-Conditions</a:t>
                       </a:r>
-                      <a:endParaRPr lang="en-US" sz="1200">
+                      <a:endParaRPr lang="en-US" sz="1600">
                         <a:effectLst/>
                         <a:latin typeface="Times"/>
                         <a:ea typeface="Times"/>
@@ -12255,12 +11721,12 @@
                         </a:tabLst>
                       </a:pPr>
                       <a:r>
-                        <a:rPr lang="en-US" sz="1100">
+                        <a:rPr lang="en-US" sz="1600">
                           <a:effectLst/>
                         </a:rPr>
                         <a:t>The web application is hosted on the Computech server</a:t>
                       </a:r>
-                      <a:endParaRPr lang="en-US" sz="1200">
+                      <a:endParaRPr lang="en-US" sz="1600">
                         <a:effectLst/>
                         <a:latin typeface="Times"/>
                         <a:ea typeface="Times"/>
@@ -12271,7 +11737,7 @@
                   <a:tcPr marL="63500" marR="63500" marT="63500" marB="63500"/>
                 </a:tc>
               </a:tr>
-              <a:tr h="1141843">
+              <a:tr h="1443462">
                 <a:tc>
                   <a:txBody>
                     <a:bodyPr/>
@@ -12294,12 +11760,12 @@
                         </a:tabLst>
                       </a:pPr>
                       <a:r>
-                        <a:rPr lang="en-US" sz="1100">
+                        <a:rPr lang="en-US" sz="1600">
                           <a:effectLst/>
                         </a:rPr>
                         <a:t>Test Steps</a:t>
                       </a:r>
-                      <a:endParaRPr lang="en-US" sz="1200">
+                      <a:endParaRPr lang="en-US" sz="1600">
                         <a:effectLst/>
                         <a:latin typeface="Times"/>
                         <a:ea typeface="Times"/>
@@ -12323,7 +11789,7 @@
                         </a:tabLst>
                       </a:pPr>
                       <a:r>
-                        <a:rPr lang="en-US" sz="1100">
+                        <a:rPr lang="en-US" sz="1600">
                           <a:effectLst/>
                         </a:rPr>
                         <a:t>Execute the following ten times:</a:t>
@@ -12350,14 +11816,11 @@
                         </a:tabLst>
                       </a:pPr>
                       <a:r>
-                        <a:rPr lang="en-US" sz="1100">
+                        <a:rPr lang="en-US" sz="1600">
                           <a:effectLst/>
                         </a:rPr>
                         <a:t>In the job search window select criteria from each filter</a:t>
                       </a:r>
-                      <a:endParaRPr lang="en-US" sz="1200">
-                        <a:effectLst/>
-                      </a:endParaRPr>
                     </a:p>
                     <a:p>
                       <a:pPr marL="342900" marR="0" lvl="0" indent="-342900">
@@ -12380,14 +11843,11 @@
                         </a:tabLst>
                       </a:pPr>
                       <a:r>
-                        <a:rPr lang="en-US" sz="1100">
+                        <a:rPr lang="en-US" sz="1600">
                           <a:effectLst/>
                         </a:rPr>
                         <a:t>Execute the search and start stopwatch</a:t>
                       </a:r>
-                      <a:endParaRPr lang="en-US" sz="1200">
-                        <a:effectLst/>
-                      </a:endParaRPr>
                     </a:p>
                     <a:p>
                       <a:pPr marL="342900" marR="0" lvl="0" indent="-342900">
@@ -12410,12 +11870,12 @@
                         </a:tabLst>
                       </a:pPr>
                       <a:r>
-                        <a:rPr lang="en-US" sz="1100">
+                        <a:rPr lang="en-US" sz="1600">
                           <a:effectLst/>
                         </a:rPr>
                         <a:t>Compare results to items selected in search window</a:t>
                       </a:r>
-                      <a:endParaRPr lang="en-US" sz="1200">
+                      <a:endParaRPr lang="en-US" sz="1600">
                         <a:effectLst/>
                         <a:latin typeface="Times"/>
                         <a:ea typeface="Times"/>
@@ -12426,7 +11886,7 @@
                   <a:tcPr marL="63500" marR="63500" marT="63500" marB="63500"/>
                 </a:tc>
               </a:tr>
-              <a:tr h="893374">
+              <a:tr h="1129360">
                 <a:tc>
                   <a:txBody>
                     <a:bodyPr/>
@@ -12449,12 +11909,12 @@
                         </a:tabLst>
                       </a:pPr>
                       <a:r>
-                        <a:rPr lang="en-US" sz="1100">
+                        <a:rPr lang="en-US" sz="1600">
                           <a:effectLst/>
                         </a:rPr>
                         <a:t>Expected Results</a:t>
                       </a:r>
-                      <a:endParaRPr lang="en-US" sz="1200">
+                      <a:endParaRPr lang="en-US" sz="1600">
                         <a:effectLst/>
                         <a:latin typeface="Times"/>
                         <a:ea typeface="Times"/>
@@ -12486,12 +11946,12 @@
                         </a:tabLst>
                       </a:pPr>
                       <a:r>
-                        <a:rPr lang="en-US" sz="1100">
+                        <a:rPr lang="en-US" sz="1600">
                           <a:effectLst/>
                         </a:rPr>
                         <a:t>Search results match criteria selected by the user logically AND together; all search results are loaded to the web page within two seconds</a:t>
                       </a:r>
-                      <a:endParaRPr lang="en-US" sz="1200">
+                      <a:endParaRPr lang="en-US" sz="1600">
                         <a:effectLst/>
                         <a:latin typeface="Times"/>
                         <a:ea typeface="Times"/>
@@ -12502,7 +11962,7 @@
                   <a:tcPr marL="63500" marR="63500" marT="63500" marB="63500"/>
                 </a:tc>
               </a:tr>
-              <a:tr h="396437">
+              <a:tr h="501157">
                 <a:tc>
                   <a:txBody>
                     <a:bodyPr/>
@@ -12525,12 +11985,12 @@
                         </a:tabLst>
                       </a:pPr>
                       <a:r>
-                        <a:rPr lang="en-US" sz="1100">
+                        <a:rPr lang="en-US" sz="1600">
                           <a:effectLst/>
                         </a:rPr>
                         <a:t>Priority</a:t>
                       </a:r>
-                      <a:endParaRPr lang="en-US" sz="1200">
+                      <a:endParaRPr lang="en-US" sz="1600">
                         <a:effectLst/>
                         <a:latin typeface="Times"/>
                         <a:ea typeface="Times"/>
@@ -12562,12 +12022,12 @@
                         </a:tabLst>
                       </a:pPr>
                       <a:r>
-                        <a:rPr lang="en-US" sz="1100">
+                        <a:rPr lang="en-US" sz="1600">
                           <a:effectLst/>
                         </a:rPr>
                         <a:t>High</a:t>
                       </a:r>
-                      <a:endParaRPr lang="en-US" sz="1200">
+                      <a:endParaRPr lang="en-US" sz="1600">
                         <a:effectLst/>
                         <a:latin typeface="Times"/>
                         <a:ea typeface="Times"/>
@@ -12578,7 +12038,7 @@
                   <a:tcPr marL="63500" marR="63500" marT="63500" marB="63500"/>
                 </a:tc>
               </a:tr>
-              <a:tr h="396437">
+              <a:tr h="501157">
                 <a:tc>
                   <a:txBody>
                     <a:bodyPr/>
@@ -12601,12 +12061,12 @@
                         </a:tabLst>
                       </a:pPr>
                       <a:r>
-                        <a:rPr lang="en-US" sz="1100">
+                        <a:rPr lang="en-US" sz="1600">
                           <a:effectLst/>
                         </a:rPr>
                         <a:t>Pass/Fail</a:t>
                       </a:r>
-                      <a:endParaRPr lang="en-US" sz="1200">
+                      <a:endParaRPr lang="en-US" sz="1600">
                         <a:effectLst/>
                         <a:latin typeface="Times"/>
                         <a:ea typeface="Times"/>
@@ -12638,12 +12098,12 @@
                         </a:tabLst>
                       </a:pPr>
                       <a:r>
-                        <a:rPr lang="en-US" sz="1100" dirty="0">
+                        <a:rPr lang="en-US" sz="1600" dirty="0">
                           <a:effectLst/>
                         </a:rPr>
                         <a:t> </a:t>
                       </a:r>
-                      <a:endParaRPr lang="en-US" sz="1200" dirty="0">
+                      <a:endParaRPr lang="en-US" sz="1600" dirty="0">
                         <a:effectLst/>
                         <a:latin typeface="Times"/>
                         <a:ea typeface="Times"/>
@@ -12712,11 +12172,7 @@
           <a:p>
             <a:r>
               <a:rPr lang="en-US" dirty="0" smtClean="0"/>
-              <a:t>Compatibility </a:t>
-            </a:r>
-            <a:r>
-              <a:rPr lang="en-US" dirty="0" smtClean="0"/>
-              <a:t>Testing</a:t>
+              <a:t>Compatibility Testing</a:t>
             </a:r>
             <a:endParaRPr lang="en-US" dirty="0"/>
           </a:p>
@@ -13414,11 +12870,7 @@
           <a:p>
             <a:r>
               <a:rPr lang="en-US" dirty="0" smtClean="0"/>
-              <a:t>Compatibility </a:t>
-            </a:r>
-            <a:r>
-              <a:rPr lang="en-US" dirty="0" smtClean="0"/>
-              <a:t>Testing</a:t>
+              <a:t>Compatibility Testing</a:t>
             </a:r>
             <a:endParaRPr lang="en-US" dirty="0"/>
           </a:p>

--- a/Test plan/Computech Corporation - Test Plan.pptx
+++ b/Test plan/Computech Corporation - Test Plan.pptx
@@ -329,7 +329,7 @@
                 </a:solidFill>
               </a:rPr>
               <a:pPr/>
-              <a:t>3/26/2015</a:t>
+              <a:t>3/26/15</a:t>
             </a:fld>
             <a:endParaRPr lang="en-US" dirty="0">
               <a:solidFill>
@@ -513,7 +513,7 @@
                 </a:solidFill>
               </a:rPr>
               <a:pPr/>
-              <a:t>3/26/2015</a:t>
+              <a:t>3/26/15</a:t>
             </a:fld>
             <a:endParaRPr lang="en-US" dirty="0">
               <a:solidFill>
@@ -707,7 +707,7 @@
                 </a:solidFill>
               </a:rPr>
               <a:pPr/>
-              <a:t>3/26/2015</a:t>
+              <a:t>3/26/15</a:t>
             </a:fld>
             <a:endParaRPr lang="en-US" dirty="0">
               <a:solidFill>
@@ -891,7 +891,7 @@
                 </a:solidFill>
               </a:rPr>
               <a:pPr/>
-              <a:t>3/26/2015</a:t>
+              <a:t>3/26/15</a:t>
             </a:fld>
             <a:endParaRPr lang="en-US" dirty="0">
               <a:solidFill>
@@ -1151,7 +1151,7 @@
                 </a:solidFill>
               </a:rPr>
               <a:pPr/>
-              <a:t>3/26/2015</a:t>
+              <a:t>3/26/15</a:t>
             </a:fld>
             <a:endParaRPr lang="en-US" dirty="0">
               <a:solidFill>
@@ -1453,7 +1453,7 @@
                 </a:solidFill>
               </a:rPr>
               <a:pPr/>
-              <a:t>3/26/2015</a:t>
+              <a:t>3/26/15</a:t>
             </a:fld>
             <a:endParaRPr lang="en-US" dirty="0">
               <a:solidFill>
@@ -1901,7 +1901,7 @@
                 </a:solidFill>
               </a:rPr>
               <a:pPr/>
-              <a:t>3/26/2015</a:t>
+              <a:t>3/26/15</a:t>
             </a:fld>
             <a:endParaRPr lang="en-US" dirty="0">
               <a:solidFill>
@@ -2033,7 +2033,7 @@
                 </a:solidFill>
               </a:rPr>
               <a:pPr/>
-              <a:t>3/26/2015</a:t>
+              <a:t>3/26/15</a:t>
             </a:fld>
             <a:endParaRPr lang="en-US" dirty="0">
               <a:solidFill>
@@ -2142,7 +2142,7 @@
                 </a:solidFill>
               </a:rPr>
               <a:pPr/>
-              <a:t>3/26/2015</a:t>
+              <a:t>3/26/15</a:t>
             </a:fld>
             <a:endParaRPr lang="en-US" dirty="0">
               <a:solidFill>
@@ -2350,7 +2350,7 @@
                 </a:solidFill>
               </a:rPr>
               <a:pPr/>
-              <a:t>3/26/2015</a:t>
+              <a:t>3/26/15</a:t>
             </a:fld>
             <a:endParaRPr lang="en-US" dirty="0">
               <a:solidFill>
@@ -2687,7 +2687,7 @@
                 </a:solidFill>
               </a:rPr>
               <a:pPr/>
-              <a:t>3/26/2015</a:t>
+              <a:t>3/26/15</a:t>
             </a:fld>
             <a:endParaRPr lang="en-US" dirty="0">
               <a:solidFill>
@@ -3098,7 +3098,7 @@
                 </a:solidFill>
               </a:rPr>
               <a:pPr/>
-              <a:t>3/26/2015</a:t>
+              <a:t>3/26/15</a:t>
             </a:fld>
             <a:endParaRPr lang="en-US" dirty="0">
               <a:solidFill>
@@ -3607,7 +3607,7 @@
           </a:prstGeom>
           <a:noFill/>
           <a:extLst>
-            <a:ext uri="{909E8E84-426E-40DD-AFC4-6F175D3DCCD1}">
+            <a:ext uri="{909E8E84-426E-40dd-AFC4-6F175D3DCCD1}">
               <a14:hiddenFill xmlns:a14="http://schemas.microsoft.com/office/drawing/2010/main">
                 <a:solidFill>
                   <a:srgbClr val="FFFFFF"/>
@@ -3651,14 +3651,14 @@
             <a:noFill/>
           </a:ln>
           <a:extLst>
-            <a:ext uri="{909E8E84-426E-40DD-AFC4-6F175D3DCCD1}">
+            <a:ext uri="{909E8E84-426E-40dd-AFC4-6F175D3DCCD1}">
               <a14:hiddenFill xmlns:a14="http://schemas.microsoft.com/office/drawing/2010/main">
                 <a:solidFill>
                   <a:schemeClr val="accent1"/>
                 </a:solidFill>
               </a14:hiddenFill>
             </a:ext>
-            <a:ext uri="{91240B29-F687-4F45-9708-019B960494DF}">
+            <a:ext uri="{91240B29-F687-4f45-9708-019B960494DF}">
               <a14:hiddenLine xmlns:a14="http://schemas.microsoft.com/office/drawing/2010/main" w="9525">
                 <a:solidFill>
                   <a:schemeClr val="tx1"/>
@@ -3684,7 +3684,7 @@
   <p:timing>
     <p:tnLst>
       <p:par>
-        <p:cTn id="1" dur="indefinite" restart="never" nodeType="tmRoot"/>
+        <p:cTn xmlns:p14="http://schemas.microsoft.com/office/powerpoint/2010/main" id="1" dur="indefinite" restart="never" nodeType="tmRoot"/>
       </p:par>
     </p:tnLst>
   </p:timing>
@@ -4313,7 +4313,7 @@
   <p:timing>
     <p:tnLst>
       <p:par>
-        <p:cTn id="1" dur="indefinite" restart="never" nodeType="tmRoot"/>
+        <p:cTn xmlns:p14="http://schemas.microsoft.com/office/powerpoint/2010/main" id="1" dur="indefinite" restart="never" nodeType="tmRoot"/>
       </p:par>
     </p:tnLst>
   </p:timing>
@@ -5043,7 +5043,7 @@
   <p:timing>
     <p:tnLst>
       <p:par>
-        <p:cTn id="1" dur="indefinite" restart="never" nodeType="tmRoot"/>
+        <p:cTn xmlns:p14="http://schemas.microsoft.com/office/powerpoint/2010/main" id="1" dur="indefinite" restart="never" nodeType="tmRoot"/>
       </p:par>
     </p:tnLst>
   </p:timing>
@@ -5170,7 +5170,7 @@
   <p:timing>
     <p:tnLst>
       <p:par>
-        <p:cTn id="1" dur="indefinite" restart="never" nodeType="tmRoot"/>
+        <p:cTn xmlns:p14="http://schemas.microsoft.com/office/powerpoint/2010/main" id="1" dur="indefinite" restart="never" nodeType="tmRoot"/>
       </p:par>
     </p:tnLst>
   </p:timing>
@@ -5254,7 +5254,7 @@
   <p:timing>
     <p:tnLst>
       <p:par>
-        <p:cTn id="1" dur="indefinite" restart="never" nodeType="tmRoot"/>
+        <p:cTn xmlns:p14="http://schemas.microsoft.com/office/powerpoint/2010/main" id="1" dur="indefinite" restart="never" nodeType="tmRoot"/>
       </p:par>
     </p:tnLst>
   </p:timing>
@@ -5375,7 +5375,7 @@
   <p:timing>
     <p:tnLst>
       <p:par>
-        <p:cTn id="1" dur="indefinite" restart="never" nodeType="tmRoot"/>
+        <p:cTn xmlns:p14="http://schemas.microsoft.com/office/powerpoint/2010/main" id="1" dur="indefinite" restart="never" nodeType="tmRoot"/>
       </p:par>
     </p:tnLst>
   </p:timing>
@@ -5459,14 +5459,14 @@
           </a:ln>
           <a:effectLst/>
           <a:extLst>
-            <a:ext uri="{909E8E84-426E-40DD-AFC4-6F175D3DCCD1}">
+            <a:ext uri="{909E8E84-426E-40dd-AFC4-6F175D3DCCD1}">
               <a14:hiddenFill xmlns:a14="http://schemas.microsoft.com/office/drawing/2010/main">
                 <a:solidFill>
                   <a:schemeClr val="accent1"/>
                 </a:solidFill>
               </a14:hiddenFill>
             </a:ext>
-            <a:ext uri="{91240B29-F687-4F45-9708-019B960494DF}">
+            <a:ext uri="{91240B29-F687-4f45-9708-019B960494DF}">
               <a14:hiddenLine xmlns:a14="http://schemas.microsoft.com/office/drawing/2010/main" w="9525">
                 <a:solidFill>
                   <a:schemeClr val="tx1"/>
@@ -5476,7 +5476,7 @@
                 <a:tailEnd/>
               </a14:hiddenLine>
             </a:ext>
-            <a:ext uri="{AF507438-7753-43E0-B8FC-AC1667EBCBE1}">
+            <a:ext uri="{AF507438-7753-43e0-B8FC-AC1667EBCBE1}">
               <a14:hiddenEffects xmlns:a14="http://schemas.microsoft.com/office/drawing/2010/main">
                 <a:effectLst>
                   <a:outerShdw dist="35921" dir="2700000" algn="ctr" rotWithShape="0">
@@ -5501,7 +5501,7 @@
   <p:timing>
     <p:tnLst>
       <p:par>
-        <p:cTn id="1" dur="indefinite" restart="never" nodeType="tmRoot"/>
+        <p:cTn xmlns:p14="http://schemas.microsoft.com/office/powerpoint/2010/main" id="1" dur="indefinite" restart="never" nodeType="tmRoot"/>
       </p:par>
     </p:tnLst>
   </p:timing>
@@ -5644,7 +5644,7 @@
   <p:timing>
     <p:tnLst>
       <p:par>
-        <p:cTn id="1" dur="indefinite" restart="never" nodeType="tmRoot"/>
+        <p:cTn xmlns:p14="http://schemas.microsoft.com/office/powerpoint/2010/main" id="1" dur="indefinite" restart="never" nodeType="tmRoot"/>
       </p:par>
     </p:tnLst>
   </p:timing>
@@ -5749,14 +5749,14 @@
           </a:ln>
           <a:effectLst/>
           <a:extLst>
-            <a:ext uri="{909E8E84-426E-40DD-AFC4-6F175D3DCCD1}">
+            <a:ext uri="{909E8E84-426E-40dd-AFC4-6F175D3DCCD1}">
               <a14:hiddenFill xmlns:a14="http://schemas.microsoft.com/office/drawing/2010/main">
                 <a:solidFill>
                   <a:schemeClr val="accent1"/>
                 </a:solidFill>
               </a14:hiddenFill>
             </a:ext>
-            <a:ext uri="{91240B29-F687-4F45-9708-019B960494DF}">
+            <a:ext uri="{91240B29-F687-4f45-9708-019B960494DF}">
               <a14:hiddenLine xmlns:a14="http://schemas.microsoft.com/office/drawing/2010/main" w="9525">
                 <a:solidFill>
                   <a:schemeClr val="tx1"/>
@@ -5766,7 +5766,7 @@
                 <a:tailEnd/>
               </a14:hiddenLine>
             </a:ext>
-            <a:ext uri="{AF507438-7753-43E0-B8FC-AC1667EBCBE1}">
+            <a:ext uri="{AF507438-7753-43e0-B8FC-AC1667EBCBE1}">
               <a14:hiddenEffects xmlns:a14="http://schemas.microsoft.com/office/drawing/2010/main">
                 <a:effectLst>
                   <a:outerShdw dist="35921" dir="2700000" algn="ctr" rotWithShape="0">
@@ -5791,7 +5791,7 @@
   <p:timing>
     <p:tnLst>
       <p:par>
-        <p:cTn id="1" dur="indefinite" restart="never" nodeType="tmRoot"/>
+        <p:cTn xmlns:p14="http://schemas.microsoft.com/office/powerpoint/2010/main" id="1" dur="indefinite" restart="never" nodeType="tmRoot"/>
       </p:par>
     </p:tnLst>
   </p:timing>
@@ -5916,13 +5916,8 @@
             <a:pPr lvl="1"/>
             <a:r>
               <a:rPr lang="en-US" smtClean="0"/>
-              <a:t>Accessing Geocerts SSL certificate validation </a:t>
-            </a:r>
-            <a:r>
-              <a:rPr lang="en-US" smtClean="0"/>
-              <a:t>site from Norton/Symantic Security</a:t>
-            </a:r>
-            <a:endParaRPr lang="en-US" smtClean="0"/>
+              <a:t>Accessing Geocerts SSL certificate validation site from Norton/Symantic Security</a:t>
+            </a:r>
           </a:p>
           <a:p>
             <a:pPr lvl="1"/>
@@ -5947,7 +5942,7 @@
   <p:timing>
     <p:tnLst>
       <p:par>
-        <p:cTn id="1" dur="indefinite" restart="never" nodeType="tmRoot"/>
+        <p:cTn xmlns:p14="http://schemas.microsoft.com/office/powerpoint/2010/main" id="1" dur="indefinite" restart="never" nodeType="tmRoot"/>
       </p:par>
     </p:tnLst>
   </p:timing>
@@ -6281,7 +6276,7 @@
   <p:timing>
     <p:tnLst>
       <p:par>
-        <p:cTn id="1" dur="indefinite" restart="never" nodeType="tmRoot"/>
+        <p:cTn xmlns:p14="http://schemas.microsoft.com/office/powerpoint/2010/main" id="1" dur="indefinite" restart="never" nodeType="tmRoot"/>
       </p:par>
     </p:tnLst>
   </p:timing>
@@ -6414,7 +6409,7 @@
   <p:timing>
     <p:tnLst>
       <p:par>
-        <p:cTn id="1" dur="indefinite" restart="never" nodeType="tmRoot"/>
+        <p:cTn xmlns:p14="http://schemas.microsoft.com/office/powerpoint/2010/main" id="1" dur="indefinite" restart="never" nodeType="tmRoot"/>
       </p:par>
     </p:tnLst>
   </p:timing>
@@ -6495,14 +6490,14 @@
           </a:ln>
           <a:effectLst/>
           <a:extLst>
-            <a:ext uri="{909E8E84-426E-40DD-AFC4-6F175D3DCCD1}">
+            <a:ext uri="{909E8E84-426E-40dd-AFC4-6F175D3DCCD1}">
               <a14:hiddenFill xmlns:a14="http://schemas.microsoft.com/office/drawing/2010/main">
                 <a:solidFill>
                   <a:schemeClr val="accent1"/>
                 </a:solidFill>
               </a14:hiddenFill>
             </a:ext>
-            <a:ext uri="{91240B29-F687-4F45-9708-019B960494DF}">
+            <a:ext uri="{91240B29-F687-4f45-9708-019B960494DF}">
               <a14:hiddenLine xmlns:a14="http://schemas.microsoft.com/office/drawing/2010/main" w="9525">
                 <a:solidFill>
                   <a:schemeClr val="tx1"/>
@@ -6512,7 +6507,7 @@
                 <a:tailEnd/>
               </a14:hiddenLine>
             </a:ext>
-            <a:ext uri="{AF507438-7753-43E0-B8FC-AC1667EBCBE1}">
+            <a:ext uri="{AF507438-7753-43e0-B8FC-AC1667EBCBE1}">
               <a14:hiddenEffects xmlns:a14="http://schemas.microsoft.com/office/drawing/2010/main">
                 <a:effectLst>
                   <a:outerShdw dist="35921" dir="2700000" algn="ctr" rotWithShape="0">
@@ -6537,7 +6532,7 @@
   <p:timing>
     <p:tnLst>
       <p:par>
-        <p:cTn id="1" dur="indefinite" restart="never" nodeType="tmRoot"/>
+        <p:cTn xmlns:p14="http://schemas.microsoft.com/office/powerpoint/2010/main" id="1" dur="indefinite" restart="never" nodeType="tmRoot"/>
       </p:par>
     </p:tnLst>
   </p:timing>
@@ -6702,7 +6697,7 @@
           <p:nvPr>
             <p:extLst>
               <p:ext uri="{D42A27DB-BD31-4B8C-83A1-F6EECF244321}">
-                <p14:modId xmlns:p14="http://schemas.microsoft.com/office/powerpoint/2010/main" val="1367834133"/>
+                <p14:modId xmlns:p14="http://schemas.microsoft.com/office/powerpoint/2010/main" val="1674016705"/>
               </p:ext>
             </p:extLst>
           </p:nvPr>
@@ -6733,14 +6728,14 @@
                     <a:lstStyle/>
                     <a:p>
                       <a:r>
-                        <a:rPr lang="en-US" b="1" smtClean="0"/>
-                        <a:t>UT_1: </a:t>
-                      </a:r>
-                      <a:r>
-                        <a:rPr lang="en-US" smtClean="0"/>
+                        <a:rPr lang="en-US" b="1" dirty="0" smtClean="0"/>
+                        <a:t>UAT_1: </a:t>
+                      </a:r>
+                      <a:r>
+                        <a:rPr lang="en-US" dirty="0" smtClean="0"/>
                         <a:t>Search Jobs</a:t>
                       </a:r>
-                      <a:endParaRPr lang="en-US"/>
+                      <a:endParaRPr lang="en-US" dirty="0"/>
                     </a:p>
                   </a:txBody>
                   <a:tcPr/>
@@ -6768,11 +6763,15 @@
                         <a:defRPr/>
                       </a:pPr>
                       <a:r>
-                        <a:rPr lang="en-US" b="1" smtClean="0"/>
-                        <a:t>UT_2: </a:t>
-                      </a:r>
-                      <a:r>
-                        <a:rPr lang="en-US" smtClean="0"/>
+                        <a:rPr lang="en-US" b="1" dirty="0" smtClean="0"/>
+                        <a:t>UAT_2</a:t>
+                      </a:r>
+                      <a:r>
+                        <a:rPr lang="en-US" b="1" dirty="0" smtClean="0"/>
+                        <a:t>: </a:t>
+                      </a:r>
+                      <a:r>
+                        <a:rPr lang="en-US" dirty="0" smtClean="0"/>
                         <a:t>Register</a:t>
                       </a:r>
                     </a:p>
@@ -6802,11 +6801,15 @@
                         <a:defRPr/>
                       </a:pPr>
                       <a:r>
-                        <a:rPr lang="en-US" b="1" smtClean="0"/>
-                        <a:t>UT_3: </a:t>
-                      </a:r>
-                      <a:r>
-                        <a:rPr lang="en-US" smtClean="0"/>
+                        <a:rPr lang="en-US" b="1" dirty="0" smtClean="0"/>
+                        <a:t>UAT_3</a:t>
+                      </a:r>
+                      <a:r>
+                        <a:rPr lang="en-US" b="1" dirty="0" smtClean="0"/>
+                        <a:t>: </a:t>
+                      </a:r>
+                      <a:r>
+                        <a:rPr lang="en-US" dirty="0" smtClean="0"/>
                         <a:t>Email Verification</a:t>
                       </a:r>
                     </a:p>
@@ -6836,11 +6839,15 @@
                         <a:defRPr/>
                       </a:pPr>
                       <a:r>
-                        <a:rPr lang="en-US" b="1" smtClean="0"/>
-                        <a:t>UT_4: </a:t>
-                      </a:r>
-                      <a:r>
-                        <a:rPr lang="en-US" smtClean="0"/>
+                        <a:rPr lang="en-US" b="1" dirty="0" smtClean="0"/>
+                        <a:t>UAT_4</a:t>
+                      </a:r>
+                      <a:r>
+                        <a:rPr lang="en-US" b="1" dirty="0" smtClean="0"/>
+                        <a:t>: </a:t>
+                      </a:r>
+                      <a:r>
+                        <a:rPr lang="en-US" dirty="0" smtClean="0"/>
                         <a:t>Login</a:t>
                       </a:r>
                     </a:p>
@@ -6870,11 +6877,15 @@
                         <a:defRPr/>
                       </a:pPr>
                       <a:r>
-                        <a:rPr lang="en-US" b="1" smtClean="0"/>
-                        <a:t>UT_5: </a:t>
-                      </a:r>
-                      <a:r>
-                        <a:rPr lang="en-US" smtClean="0"/>
+                        <a:rPr lang="en-US" b="1" dirty="0" smtClean="0"/>
+                        <a:t>UAT_5</a:t>
+                      </a:r>
+                      <a:r>
+                        <a:rPr lang="en-US" b="1" dirty="0" smtClean="0"/>
+                        <a:t>: </a:t>
+                      </a:r>
+                      <a:r>
+                        <a:rPr lang="en-US" dirty="0" smtClean="0"/>
                         <a:t>Forgot Password</a:t>
                       </a:r>
                     </a:p>
@@ -6904,11 +6915,15 @@
                         <a:defRPr/>
                       </a:pPr>
                       <a:r>
-                        <a:rPr lang="en-US" b="1" smtClean="0"/>
-                        <a:t>UT_6: </a:t>
-                      </a:r>
-                      <a:r>
-                        <a:rPr lang="en-US" smtClean="0"/>
+                        <a:rPr lang="en-US" b="1" dirty="0" smtClean="0"/>
+                        <a:t>UAT_6</a:t>
+                      </a:r>
+                      <a:r>
+                        <a:rPr lang="en-US" b="1" dirty="0" smtClean="0"/>
+                        <a:t>: </a:t>
+                      </a:r>
+                      <a:r>
+                        <a:rPr lang="en-US" dirty="0" smtClean="0"/>
                         <a:t>Change Password</a:t>
                       </a:r>
                     </a:p>
@@ -6938,11 +6953,15 @@
                         <a:defRPr/>
                       </a:pPr>
                       <a:r>
-                        <a:rPr lang="en-US" b="1" smtClean="0"/>
-                        <a:t>UT_7: </a:t>
-                      </a:r>
-                      <a:r>
-                        <a:rPr lang="en-US" smtClean="0"/>
+                        <a:rPr lang="en-US" b="1" dirty="0" smtClean="0"/>
+                        <a:t>UAT_7</a:t>
+                      </a:r>
+                      <a:r>
+                        <a:rPr lang="en-US" b="1" dirty="0" smtClean="0"/>
+                        <a:t>: </a:t>
+                      </a:r>
+                      <a:r>
+                        <a:rPr lang="en-US" dirty="0" smtClean="0"/>
                         <a:t>Apply</a:t>
                       </a:r>
                     </a:p>
@@ -6974,18 +6993,22 @@
                         <a:defRPr/>
                       </a:pPr>
                       <a:r>
-                        <a:rPr lang="en-US" b="1" smtClean="0"/>
-                        <a:t>UT_8: </a:t>
-                      </a:r>
-                      <a:r>
-                        <a:rPr lang="en-US" smtClean="0"/>
+                        <a:rPr lang="en-US" b="1" dirty="0" smtClean="0"/>
+                        <a:t>UAT_8</a:t>
+                      </a:r>
+                      <a:r>
+                        <a:rPr lang="en-US" b="1" dirty="0" smtClean="0"/>
+                        <a:t>: </a:t>
+                      </a:r>
+                      <a:r>
+                        <a:rPr lang="en-US" dirty="0" smtClean="0"/>
                         <a:t>Filter</a:t>
                       </a:r>
                       <a:r>
-                        <a:rPr lang="en-US" baseline="0" smtClean="0"/>
+                        <a:rPr lang="en-US" baseline="0" dirty="0" smtClean="0"/>
                         <a:t> Jobs</a:t>
                       </a:r>
-                      <a:endParaRPr lang="en-US" smtClean="0"/>
+                      <a:endParaRPr lang="en-US" dirty="0" smtClean="0"/>
                     </a:p>
                   </a:txBody>
                   <a:tcPr/>
@@ -7013,18 +7036,22 @@
                         <a:defRPr/>
                       </a:pPr>
                       <a:r>
-                        <a:rPr lang="en-US" b="1" smtClean="0"/>
-                        <a:t>UT_9: </a:t>
-                      </a:r>
-                      <a:r>
-                        <a:rPr lang="en-US" smtClean="0"/>
+                        <a:rPr lang="en-US" b="1" dirty="0" smtClean="0"/>
+                        <a:t>UAT_9</a:t>
+                      </a:r>
+                      <a:r>
+                        <a:rPr lang="en-US" b="1" dirty="0" smtClean="0"/>
+                        <a:t>: </a:t>
+                      </a:r>
+                      <a:r>
+                        <a:rPr lang="en-US" dirty="0" smtClean="0"/>
                         <a:t>Profile</a:t>
                       </a:r>
                       <a:r>
-                        <a:rPr lang="en-US" baseline="0" smtClean="0"/>
+                        <a:rPr lang="en-US" baseline="0" dirty="0" smtClean="0"/>
                         <a:t> Information</a:t>
                       </a:r>
-                      <a:endParaRPr lang="en-US" smtClean="0"/>
+                      <a:endParaRPr lang="en-US" dirty="0" smtClean="0"/>
                     </a:p>
                   </a:txBody>
                   <a:tcPr/>
@@ -7052,11 +7079,15 @@
                         <a:defRPr/>
                       </a:pPr>
                       <a:r>
-                        <a:rPr lang="en-US" b="1" smtClean="0"/>
-                        <a:t>UT_10: </a:t>
-                      </a:r>
-                      <a:r>
-                        <a:rPr lang="en-US" smtClean="0"/>
+                        <a:rPr lang="en-US" b="1" dirty="0" smtClean="0"/>
+                        <a:t>UAT_10</a:t>
+                      </a:r>
+                      <a:r>
+                        <a:rPr lang="en-US" b="1" dirty="0" smtClean="0"/>
+                        <a:t>: </a:t>
+                      </a:r>
+                      <a:r>
+                        <a:rPr lang="en-US" dirty="0" smtClean="0"/>
                         <a:t>Resume Upload</a:t>
                       </a:r>
                     </a:p>
@@ -7086,11 +7117,15 @@
                         <a:defRPr/>
                       </a:pPr>
                       <a:r>
-                        <a:rPr lang="en-US" b="1" smtClean="0"/>
-                        <a:t>UT_11: </a:t>
-                      </a:r>
-                      <a:r>
-                        <a:rPr lang="en-US" smtClean="0"/>
+                        <a:rPr lang="en-US" b="1" dirty="0" smtClean="0"/>
+                        <a:t>UAT_11</a:t>
+                      </a:r>
+                      <a:r>
+                        <a:rPr lang="en-US" b="1" dirty="0" smtClean="0"/>
+                        <a:t>: </a:t>
+                      </a:r>
+                      <a:r>
+                        <a:rPr lang="en-US" dirty="0" smtClean="0"/>
                         <a:t>Admin Login</a:t>
                       </a:r>
                     </a:p>
@@ -7120,11 +7155,15 @@
                         <a:defRPr/>
                       </a:pPr>
                       <a:r>
-                        <a:rPr lang="en-US" b="1" smtClean="0"/>
-                        <a:t>UT_12: </a:t>
-                      </a:r>
-                      <a:r>
-                        <a:rPr lang="en-US" smtClean="0"/>
+                        <a:rPr lang="en-US" b="1" dirty="0" smtClean="0"/>
+                        <a:t>UAT_12</a:t>
+                      </a:r>
+                      <a:r>
+                        <a:rPr lang="en-US" b="1" dirty="0" smtClean="0"/>
+                        <a:t>: </a:t>
+                      </a:r>
+                      <a:r>
+                        <a:rPr lang="en-US" dirty="0" smtClean="0"/>
                         <a:t>Admin Search Users</a:t>
                       </a:r>
                     </a:p>
@@ -7154,18 +7193,22 @@
                         <a:defRPr/>
                       </a:pPr>
                       <a:r>
-                        <a:rPr lang="en-US" b="1" smtClean="0"/>
-                        <a:t>UT_13:</a:t>
-                      </a:r>
-                      <a:r>
-                        <a:rPr lang="en-US" b="1" baseline="0" smtClean="0"/>
+                        <a:rPr lang="en-US" b="1" dirty="0" smtClean="0"/>
+                        <a:t>UAT_13</a:t>
+                      </a:r>
+                      <a:r>
+                        <a:rPr lang="en-US" b="1" dirty="0" smtClean="0"/>
+                        <a:t>:</a:t>
+                      </a:r>
+                      <a:r>
+                        <a:rPr lang="en-US" b="1" baseline="0" dirty="0" smtClean="0"/>
                         <a:t> </a:t>
                       </a:r>
                       <a:r>
-                        <a:rPr lang="en-US" baseline="0" smtClean="0"/>
+                        <a:rPr lang="en-US" baseline="0" dirty="0" smtClean="0"/>
                         <a:t>Admin Deactivate User</a:t>
                       </a:r>
-                      <a:endParaRPr lang="en-US" smtClean="0"/>
+                      <a:endParaRPr lang="en-US" dirty="0" smtClean="0"/>
                     </a:p>
                   </a:txBody>
                   <a:tcPr/>
@@ -7194,17 +7237,21 @@
                       </a:pPr>
                       <a:r>
                         <a:rPr lang="en-US" b="1" smtClean="0"/>
-                        <a:t>UT_14: </a:t>
-                      </a:r>
-                      <a:r>
-                        <a:rPr lang="en-US" smtClean="0"/>
+                        <a:t>UAT_14</a:t>
+                      </a:r>
+                      <a:r>
+                        <a:rPr lang="en-US" b="1" dirty="0" smtClean="0"/>
+                        <a:t>: </a:t>
+                      </a:r>
+                      <a:r>
+                        <a:rPr lang="en-US" dirty="0" smtClean="0"/>
                         <a:t>Admin</a:t>
                       </a:r>
                       <a:r>
-                        <a:rPr lang="en-US" baseline="0" smtClean="0"/>
+                        <a:rPr lang="en-US" baseline="0" dirty="0" smtClean="0"/>
                         <a:t> Delete User</a:t>
                       </a:r>
-                      <a:endParaRPr lang="en-US" smtClean="0"/>
+                      <a:endParaRPr lang="en-US" dirty="0" smtClean="0"/>
                     </a:p>
                   </a:txBody>
                   <a:tcPr/>
@@ -7227,7 +7274,7 @@
   <p:timing>
     <p:tnLst>
       <p:par>
-        <p:cTn id="1" dur="indefinite" restart="never" nodeType="tmRoot"/>
+        <p:cTn xmlns:p14="http://schemas.microsoft.com/office/powerpoint/2010/main" id="1" dur="indefinite" restart="never" nodeType="tmRoot"/>
       </p:par>
     </p:tnLst>
   </p:timing>
@@ -8520,7 +8567,7 @@
   <p:timing>
     <p:tnLst>
       <p:par>
-        <p:cTn id="1" dur="indefinite" restart="never" nodeType="tmRoot"/>
+        <p:cTn xmlns:p14="http://schemas.microsoft.com/office/powerpoint/2010/main" id="1" dur="indefinite" restart="never" nodeType="tmRoot"/>
       </p:par>
     </p:tnLst>
   </p:timing>
@@ -8697,7 +8744,7 @@
   <p:timing>
     <p:tnLst>
       <p:par>
-        <p:cTn id="1" dur="indefinite" restart="never" nodeType="tmRoot"/>
+        <p:cTn xmlns:p14="http://schemas.microsoft.com/office/powerpoint/2010/main" id="1" dur="indefinite" restart="never" nodeType="tmRoot"/>
       </p:par>
     </p:tnLst>
   </p:timing>
@@ -9627,7 +9674,7 @@
   <p:timing>
     <p:tnLst>
       <p:par>
-        <p:cTn id="1" dur="indefinite" restart="never" nodeType="tmRoot"/>
+        <p:cTn xmlns:p14="http://schemas.microsoft.com/office/powerpoint/2010/main" id="1" dur="indefinite" restart="never" nodeType="tmRoot"/>
       </p:par>
     </p:tnLst>
   </p:timing>
@@ -9759,7 +9806,7 @@
   <p:timing>
     <p:tnLst>
       <p:par>
-        <p:cTn id="1" dur="indefinite" restart="never" nodeType="tmRoot"/>
+        <p:cTn xmlns:p14="http://schemas.microsoft.com/office/powerpoint/2010/main" id="1" dur="indefinite" restart="never" nodeType="tmRoot"/>
       </p:par>
     </p:tnLst>
   </p:timing>
@@ -10412,7 +10459,7 @@
   <p:timing>
     <p:tnLst>
       <p:par>
-        <p:cTn id="1" dur="indefinite" restart="never" nodeType="tmRoot"/>
+        <p:cTn xmlns:p14="http://schemas.microsoft.com/office/powerpoint/2010/main" id="1" dur="indefinite" restart="never" nodeType="tmRoot"/>
       </p:par>
     </p:tnLst>
   </p:timing>
@@ -11208,7 +11255,7 @@
   <p:timing>
     <p:tnLst>
       <p:par>
-        <p:cTn id="1" dur="indefinite" restart="never" nodeType="tmRoot"/>
+        <p:cTn xmlns:p14="http://schemas.microsoft.com/office/powerpoint/2010/main" id="1" dur="indefinite" restart="never" nodeType="tmRoot"/>
       </p:par>
     </p:tnLst>
   </p:timing>
@@ -11433,7 +11480,7 @@
   <p:timing>
     <p:tnLst>
       <p:par>
-        <p:cTn id="1" dur="indefinite" restart="never" nodeType="tmRoot"/>
+        <p:cTn xmlns:p14="http://schemas.microsoft.com/office/powerpoint/2010/main" id="1" dur="indefinite" restart="never" nodeType="tmRoot"/>
       </p:par>
     </p:tnLst>
   </p:timing>
@@ -12131,7 +12178,7 @@
   <p:timing>
     <p:tnLst>
       <p:par>
-        <p:cTn id="1" dur="indefinite" restart="never" nodeType="tmRoot"/>
+        <p:cTn xmlns:p14="http://schemas.microsoft.com/office/powerpoint/2010/main" id="1" dur="indefinite" restart="never" nodeType="tmRoot"/>
       </p:par>
     </p:tnLst>
   </p:timing>
@@ -12829,7 +12876,7 @@
   <p:timing>
     <p:tnLst>
       <p:par>
-        <p:cTn id="1" dur="indefinite" restart="never" nodeType="tmRoot"/>
+        <p:cTn xmlns:p14="http://schemas.microsoft.com/office/powerpoint/2010/main" id="1" dur="indefinite" restart="never" nodeType="tmRoot"/>
       </p:par>
     </p:tnLst>
   </p:timing>
@@ -12990,7 +13037,7 @@
   <p:timing>
     <p:tnLst>
       <p:par>
-        <p:cTn id="1" dur="indefinite" restart="never" nodeType="tmRoot"/>
+        <p:cTn xmlns:p14="http://schemas.microsoft.com/office/powerpoint/2010/main" id="1" dur="indefinite" restart="never" nodeType="tmRoot"/>
       </p:par>
     </p:tnLst>
   </p:timing>

--- a/Test plan/Computech Corporation - Test Plan.pptx
+++ b/Test plan/Computech Corporation - Test Plan.pptx
@@ -329,7 +329,7 @@
                 </a:solidFill>
               </a:rPr>
               <a:pPr/>
-              <a:t>3/26/15</a:t>
+              <a:t>3/29/2015</a:t>
             </a:fld>
             <a:endParaRPr lang="en-US" dirty="0">
               <a:solidFill>
@@ -513,7 +513,7 @@
                 </a:solidFill>
               </a:rPr>
               <a:pPr/>
-              <a:t>3/26/15</a:t>
+              <a:t>3/29/2015</a:t>
             </a:fld>
             <a:endParaRPr lang="en-US" dirty="0">
               <a:solidFill>
@@ -707,7 +707,7 @@
                 </a:solidFill>
               </a:rPr>
               <a:pPr/>
-              <a:t>3/26/15</a:t>
+              <a:t>3/29/2015</a:t>
             </a:fld>
             <a:endParaRPr lang="en-US" dirty="0">
               <a:solidFill>
@@ -891,7 +891,7 @@
                 </a:solidFill>
               </a:rPr>
               <a:pPr/>
-              <a:t>3/26/15</a:t>
+              <a:t>3/29/2015</a:t>
             </a:fld>
             <a:endParaRPr lang="en-US" dirty="0">
               <a:solidFill>
@@ -1151,7 +1151,7 @@
                 </a:solidFill>
               </a:rPr>
               <a:pPr/>
-              <a:t>3/26/15</a:t>
+              <a:t>3/29/2015</a:t>
             </a:fld>
             <a:endParaRPr lang="en-US" dirty="0">
               <a:solidFill>
@@ -1453,7 +1453,7 @@
                 </a:solidFill>
               </a:rPr>
               <a:pPr/>
-              <a:t>3/26/15</a:t>
+              <a:t>3/29/2015</a:t>
             </a:fld>
             <a:endParaRPr lang="en-US" dirty="0">
               <a:solidFill>
@@ -1901,7 +1901,7 @@
                 </a:solidFill>
               </a:rPr>
               <a:pPr/>
-              <a:t>3/26/15</a:t>
+              <a:t>3/29/2015</a:t>
             </a:fld>
             <a:endParaRPr lang="en-US" dirty="0">
               <a:solidFill>
@@ -2033,7 +2033,7 @@
                 </a:solidFill>
               </a:rPr>
               <a:pPr/>
-              <a:t>3/26/15</a:t>
+              <a:t>3/29/2015</a:t>
             </a:fld>
             <a:endParaRPr lang="en-US" dirty="0">
               <a:solidFill>
@@ -2142,7 +2142,7 @@
                 </a:solidFill>
               </a:rPr>
               <a:pPr/>
-              <a:t>3/26/15</a:t>
+              <a:t>3/29/2015</a:t>
             </a:fld>
             <a:endParaRPr lang="en-US" dirty="0">
               <a:solidFill>
@@ -2350,7 +2350,7 @@
                 </a:solidFill>
               </a:rPr>
               <a:pPr/>
-              <a:t>3/26/15</a:t>
+              <a:t>3/29/2015</a:t>
             </a:fld>
             <a:endParaRPr lang="en-US" dirty="0">
               <a:solidFill>
@@ -2687,7 +2687,7 @@
                 </a:solidFill>
               </a:rPr>
               <a:pPr/>
-              <a:t>3/26/15</a:t>
+              <a:t>3/29/2015</a:t>
             </a:fld>
             <a:endParaRPr lang="en-US" dirty="0">
               <a:solidFill>
@@ -3098,7 +3098,7 @@
                 </a:solidFill>
               </a:rPr>
               <a:pPr/>
-              <a:t>3/26/15</a:t>
+              <a:t>3/29/2015</a:t>
             </a:fld>
             <a:endParaRPr lang="en-US" dirty="0">
               <a:solidFill>
@@ -3491,20 +3491,12 @@
           <a:p>
             <a:pPr algn="ctr"/>
             <a:r>
-              <a:rPr lang="en-US" sz="3900" b="1" smtClean="0">
-                <a:solidFill>
-                  <a:schemeClr val="tx1"/>
-                </a:solidFill>
-              </a:rPr>
-              <a:t>Test </a:t>
-            </a:r>
-            <a:r>
               <a:rPr lang="en-US" sz="3900" b="1" dirty="0" smtClean="0">
                 <a:solidFill>
                   <a:schemeClr val="tx1"/>
                 </a:solidFill>
               </a:rPr>
-              <a:t>Plan</a:t>
+              <a:t>Test Plan</a:t>
             </a:r>
           </a:p>
           <a:p>
@@ -3561,12 +3553,12 @@
           <a:p>
             <a:pPr algn="ctr"/>
             <a:r>
-              <a:rPr lang="en-US" smtClean="0">
+              <a:rPr lang="en-US" dirty="0" smtClean="0">
                 <a:solidFill>
                   <a:schemeClr val="tx1"/>
                 </a:solidFill>
               </a:rPr>
-              <a:t>3/23/2015</a:t>
+              <a:t>3/29/2015</a:t>
             </a:r>
             <a:endParaRPr lang="en-US" dirty="0">
               <a:solidFill>
@@ -3607,7 +3599,7 @@
           </a:prstGeom>
           <a:noFill/>
           <a:extLst>
-            <a:ext uri="{909E8E84-426E-40dd-AFC4-6F175D3DCCD1}">
+            <a:ext uri="{909E8E84-426E-40DD-AFC4-6F175D3DCCD1}">
               <a14:hiddenFill xmlns:a14="http://schemas.microsoft.com/office/drawing/2010/main">
                 <a:solidFill>
                   <a:srgbClr val="FFFFFF"/>
@@ -3651,14 +3643,14 @@
             <a:noFill/>
           </a:ln>
           <a:extLst>
-            <a:ext uri="{909E8E84-426E-40dd-AFC4-6F175D3DCCD1}">
+            <a:ext uri="{909E8E84-426E-40DD-AFC4-6F175D3DCCD1}">
               <a14:hiddenFill xmlns:a14="http://schemas.microsoft.com/office/drawing/2010/main">
                 <a:solidFill>
                   <a:schemeClr val="accent1"/>
                 </a:solidFill>
               </a14:hiddenFill>
             </a:ext>
-            <a:ext uri="{91240B29-F687-4f45-9708-019B960494DF}">
+            <a:ext uri="{91240B29-F687-4F45-9708-019B960494DF}">
               <a14:hiddenLine xmlns:a14="http://schemas.microsoft.com/office/drawing/2010/main" w="9525">
                 <a:solidFill>
                   <a:schemeClr val="tx1"/>
@@ -3684,7 +3676,7 @@
   <p:timing>
     <p:tnLst>
       <p:par>
-        <p:cTn xmlns:p14="http://schemas.microsoft.com/office/powerpoint/2010/main" id="1" dur="indefinite" restart="never" nodeType="tmRoot"/>
+        <p:cTn id="1" dur="indefinite" restart="never" nodeType="tmRoot"/>
       </p:par>
     </p:tnLst>
   </p:timing>
@@ -3798,14 +3790,14 @@
           <p:nvPr>
             <p:extLst>
               <p:ext uri="{D42A27DB-BD31-4B8C-83A1-F6EECF244321}">
-                <p14:modId xmlns:p14="http://schemas.microsoft.com/office/powerpoint/2010/main" val="2984746096"/>
+                <p14:modId xmlns:p14="http://schemas.microsoft.com/office/powerpoint/2010/main" val="3477142672"/>
               </p:ext>
             </p:extLst>
           </p:nvPr>
         </p:nvGraphicFramePr>
         <p:xfrm>
-          <a:off x="0" y="4267200"/>
-          <a:ext cx="9143995" cy="2103120"/>
+          <a:off x="2667000" y="4191000"/>
+          <a:ext cx="3200400" cy="2057400"/>
         </p:xfrm>
         <a:graphic>
           <a:graphicData uri="http://schemas.openxmlformats.org/drawingml/2006/table">
@@ -3814,33 +3806,33 @@
                 <a:tableStyleId>{7DF18680-E054-41AD-8BC1-D1AEF772440D}</a:tableStyleId>
               </a:tblPr>
               <a:tblGrid>
-                <a:gridCol w="1306285"/>
-                <a:gridCol w="1306285"/>
-                <a:gridCol w="1306285"/>
-                <a:gridCol w="1306285"/>
-                <a:gridCol w="1306285"/>
-                <a:gridCol w="1306285"/>
-                <a:gridCol w="1306285"/>
+                <a:gridCol w="3200400"/>
               </a:tblGrid>
-              <a:tr h="914400">
-                <a:tc>
-                  <a:txBody>
-                    <a:bodyPr/>
-                    <a:lstStyle/>
-                    <a:p>
-                      <a:r>
-                        <a:rPr lang="en-US" b="1" smtClean="0"/>
+              <a:tr h="685800">
+                <a:tc>
+                  <a:txBody>
+                    <a:bodyPr/>
+                    <a:lstStyle/>
+                    <a:p>
+                      <a:r>
+                        <a:rPr lang="en-US" b="1" dirty="0" smtClean="0"/>
                         <a:t>CT_1: </a:t>
                       </a:r>
                       <a:r>
-                        <a:rPr lang="en-US" smtClean="0"/>
-                        <a:t>Search Jobs</a:t>
-                      </a:r>
-                      <a:endParaRPr lang="en-US"/>
+                        <a:rPr lang="en-US" b="1" dirty="0" smtClean="0"/>
+                        <a:t> </a:t>
+                      </a:r>
+                      <a:r>
+                        <a:rPr lang="en-US" dirty="0" smtClean="0"/>
+                        <a:t>Open website</a:t>
+                      </a:r>
+                      <a:endParaRPr lang="en-US" dirty="0"/>
                     </a:p>
                   </a:txBody>
                   <a:tcPr/>
                 </a:tc>
+              </a:tr>
+              <a:tr h="685800">
                 <a:tc>
                   <a:txBody>
                     <a:bodyPr/>
@@ -3864,17 +3856,24 @@
                         <a:defRPr/>
                       </a:pPr>
                       <a:r>
-                        <a:rPr lang="en-US" b="1" smtClean="0"/>
-                        <a:t>CT_2: </a:t>
-                      </a:r>
-                      <a:r>
-                        <a:rPr lang="en-US" smtClean="0"/>
-                        <a:t>Register</a:t>
-                      </a:r>
+                        <a:rPr lang="en-US" b="1" dirty="0" smtClean="0"/>
+                        <a:t>CT_2:</a:t>
+                      </a:r>
+                      <a:r>
+                        <a:rPr lang="en-US" b="1" baseline="0" dirty="0" smtClean="0"/>
+                        <a:t> </a:t>
+                      </a:r>
+                      <a:r>
+                        <a:rPr lang="en-US" b="0" baseline="0" dirty="0" smtClean="0"/>
+                        <a:t>Featured Jobs</a:t>
+                      </a:r>
+                      <a:endParaRPr lang="en-US" dirty="0" smtClean="0"/>
                     </a:p>
                   </a:txBody>
                   <a:tcPr/>
                 </a:tc>
+              </a:tr>
+              <a:tr h="685800">
                 <a:tc>
                   <a:txBody>
                     <a:bodyPr/>
@@ -3898,399 +3897,18 @@
                         <a:defRPr/>
                       </a:pPr>
                       <a:r>
-                        <a:rPr lang="en-US" b="1" smtClean="0"/>
+                        <a:rPr lang="en-US" b="1" dirty="0" smtClean="0"/>
                         <a:t>CT_3:</a:t>
                       </a:r>
                       <a:r>
-                        <a:rPr lang="en-US" smtClean="0"/>
-                        <a:t> Email Verification</a:t>
-                      </a:r>
-                    </a:p>
-                  </a:txBody>
-                  <a:tcPr/>
-                </a:tc>
-                <a:tc>
-                  <a:txBody>
-                    <a:bodyPr/>
-                    <a:lstStyle/>
-                    <a:p>
-                      <a:pPr marL="0" marR="0" indent="0" algn="l" defTabSz="914400" rtl="0" eaLnBrk="1" fontAlgn="auto" latinLnBrk="0" hangingPunct="1">
-                        <a:lnSpc>
-                          <a:spcPct val="100000"/>
-                        </a:lnSpc>
-                        <a:spcBef>
-                          <a:spcPts val="0"/>
-                        </a:spcBef>
-                        <a:spcAft>
-                          <a:spcPts val="0"/>
-                        </a:spcAft>
-                        <a:buClrTx/>
-                        <a:buSzTx/>
-                        <a:buFontTx/>
-                        <a:buNone/>
-                        <a:tabLst/>
-                        <a:defRPr/>
-                      </a:pPr>
-                      <a:r>
-                        <a:rPr lang="en-US" b="1" smtClean="0"/>
-                        <a:t>CT_4:</a:t>
-                      </a:r>
-                      <a:r>
-                        <a:rPr lang="en-US" smtClean="0"/>
-                        <a:t> Login</a:t>
-                      </a:r>
-                    </a:p>
-                  </a:txBody>
-                  <a:tcPr/>
-                </a:tc>
-                <a:tc>
-                  <a:txBody>
-                    <a:bodyPr/>
-                    <a:lstStyle/>
-                    <a:p>
-                      <a:pPr marL="0" marR="0" indent="0" algn="l" defTabSz="914400" rtl="0" eaLnBrk="1" fontAlgn="auto" latinLnBrk="0" hangingPunct="1">
-                        <a:lnSpc>
-                          <a:spcPct val="100000"/>
-                        </a:lnSpc>
-                        <a:spcBef>
-                          <a:spcPts val="0"/>
-                        </a:spcBef>
-                        <a:spcAft>
-                          <a:spcPts val="0"/>
-                        </a:spcAft>
-                        <a:buClrTx/>
-                        <a:buSzTx/>
-                        <a:buFontTx/>
-                        <a:buNone/>
-                        <a:tabLst/>
-                        <a:defRPr/>
-                      </a:pPr>
-                      <a:r>
-                        <a:rPr lang="en-US" b="1" smtClean="0"/>
-                        <a:t>CT_5: </a:t>
-                      </a:r>
-                      <a:r>
-                        <a:rPr lang="en-US" smtClean="0"/>
-                        <a:t>Forgot Password</a:t>
-                      </a:r>
-                    </a:p>
-                  </a:txBody>
-                  <a:tcPr/>
-                </a:tc>
-                <a:tc>
-                  <a:txBody>
-                    <a:bodyPr/>
-                    <a:lstStyle/>
-                    <a:p>
-                      <a:pPr marL="0" marR="0" indent="0" algn="l" defTabSz="914400" rtl="0" eaLnBrk="1" fontAlgn="auto" latinLnBrk="0" hangingPunct="1">
-                        <a:lnSpc>
-                          <a:spcPct val="100000"/>
-                        </a:lnSpc>
-                        <a:spcBef>
-                          <a:spcPts val="0"/>
-                        </a:spcBef>
-                        <a:spcAft>
-                          <a:spcPts val="0"/>
-                        </a:spcAft>
-                        <a:buClrTx/>
-                        <a:buSzTx/>
-                        <a:buFontTx/>
-                        <a:buNone/>
-                        <a:tabLst/>
-                        <a:defRPr/>
-                      </a:pPr>
-                      <a:r>
-                        <a:rPr lang="en-US" b="1" smtClean="0"/>
-                        <a:t>CT_6: </a:t>
-                      </a:r>
-                      <a:r>
-                        <a:rPr lang="en-US" smtClean="0"/>
-                        <a:t>Change Password</a:t>
-                      </a:r>
-                    </a:p>
-                  </a:txBody>
-                  <a:tcPr/>
-                </a:tc>
-                <a:tc>
-                  <a:txBody>
-                    <a:bodyPr/>
-                    <a:lstStyle/>
-                    <a:p>
-                      <a:pPr marL="0" marR="0" indent="0" algn="l" defTabSz="914400" rtl="0" eaLnBrk="1" fontAlgn="auto" latinLnBrk="0" hangingPunct="1">
-                        <a:lnSpc>
-                          <a:spcPct val="100000"/>
-                        </a:lnSpc>
-                        <a:spcBef>
-                          <a:spcPts val="0"/>
-                        </a:spcBef>
-                        <a:spcAft>
-                          <a:spcPts val="0"/>
-                        </a:spcAft>
-                        <a:buClrTx/>
-                        <a:buSzTx/>
-                        <a:buFontTx/>
-                        <a:buNone/>
-                        <a:tabLst/>
-                        <a:defRPr/>
-                      </a:pPr>
-                      <a:r>
-                        <a:rPr lang="en-US" b="1" smtClean="0"/>
-                        <a:t>CT_7:</a:t>
-                      </a:r>
-                      <a:r>
-                        <a:rPr lang="en-US" smtClean="0"/>
-                        <a:t> Filter Jobs</a:t>
-                      </a:r>
-                    </a:p>
-                  </a:txBody>
-                  <a:tcPr/>
-                </a:tc>
-              </a:tr>
-              <a:tr h="685800">
-                <a:tc>
-                  <a:txBody>
-                    <a:bodyPr/>
-                    <a:lstStyle/>
-                    <a:p>
-                      <a:pPr marL="0" marR="0" indent="0" algn="l" defTabSz="914400" rtl="0" eaLnBrk="1" fontAlgn="auto" latinLnBrk="0" hangingPunct="1">
-                        <a:lnSpc>
-                          <a:spcPct val="100000"/>
-                        </a:lnSpc>
-                        <a:spcBef>
-                          <a:spcPts val="0"/>
-                        </a:spcBef>
-                        <a:spcAft>
-                          <a:spcPts val="0"/>
-                        </a:spcAft>
-                        <a:buClrTx/>
-                        <a:buSzTx/>
-                        <a:buFontTx/>
-                        <a:buNone/>
-                        <a:tabLst/>
-                        <a:defRPr/>
-                      </a:pPr>
-                      <a:r>
-                        <a:rPr lang="en-US" b="1" smtClean="0"/>
-                        <a:t>CT_8: </a:t>
-                      </a:r>
-                      <a:r>
-                        <a:rPr lang="en-US" smtClean="0"/>
-                        <a:t>Profile Information</a:t>
-                      </a:r>
-                    </a:p>
-                  </a:txBody>
-                  <a:tcPr/>
-                </a:tc>
-                <a:tc>
-                  <a:txBody>
-                    <a:bodyPr/>
-                    <a:lstStyle/>
-                    <a:p>
-                      <a:pPr marL="0" marR="0" indent="0" algn="l" defTabSz="914400" rtl="0" eaLnBrk="1" fontAlgn="auto" latinLnBrk="0" hangingPunct="1">
-                        <a:lnSpc>
-                          <a:spcPct val="100000"/>
-                        </a:lnSpc>
-                        <a:spcBef>
-                          <a:spcPts val="0"/>
-                        </a:spcBef>
-                        <a:spcAft>
-                          <a:spcPts val="0"/>
-                        </a:spcAft>
-                        <a:buClrTx/>
-                        <a:buSzTx/>
-                        <a:buFontTx/>
-                        <a:buNone/>
-                        <a:tabLst/>
-                        <a:defRPr/>
-                      </a:pPr>
-                      <a:r>
-                        <a:rPr lang="en-US" b="1" smtClean="0"/>
-                        <a:t>CT_9:</a:t>
-                      </a:r>
-                      <a:r>
-                        <a:rPr lang="en-US" smtClean="0"/>
-                        <a:t> Apply</a:t>
-                      </a:r>
-                    </a:p>
-                  </a:txBody>
-                  <a:tcPr/>
-                </a:tc>
-                <a:tc>
-                  <a:txBody>
-                    <a:bodyPr/>
-                    <a:lstStyle/>
-                    <a:p>
-                      <a:pPr marL="0" marR="0" indent="0" algn="l" defTabSz="914400" rtl="0" eaLnBrk="1" fontAlgn="auto" latinLnBrk="0" hangingPunct="1">
-                        <a:lnSpc>
-                          <a:spcPct val="100000"/>
-                        </a:lnSpc>
-                        <a:spcBef>
-                          <a:spcPts val="0"/>
-                        </a:spcBef>
-                        <a:spcAft>
-                          <a:spcPts val="0"/>
-                        </a:spcAft>
-                        <a:buClrTx/>
-                        <a:buSzTx/>
-                        <a:buFontTx/>
-                        <a:buNone/>
-                        <a:tabLst/>
-                        <a:defRPr/>
-                      </a:pPr>
-                      <a:r>
-                        <a:rPr lang="en-US" b="1" smtClean="0"/>
-                        <a:t>CT_10: </a:t>
-                      </a:r>
-                      <a:r>
-                        <a:rPr lang="en-US" smtClean="0"/>
-                        <a:t>Resume Upload</a:t>
-                      </a:r>
-                    </a:p>
-                  </a:txBody>
-                  <a:tcPr/>
-                </a:tc>
-                <a:tc>
-                  <a:txBody>
-                    <a:bodyPr/>
-                    <a:lstStyle/>
-                    <a:p>
-                      <a:pPr marL="0" marR="0" indent="0" algn="l" defTabSz="914400" rtl="0" eaLnBrk="1" fontAlgn="auto" latinLnBrk="0" hangingPunct="1">
-                        <a:lnSpc>
-                          <a:spcPct val="100000"/>
-                        </a:lnSpc>
-                        <a:spcBef>
-                          <a:spcPts val="0"/>
-                        </a:spcBef>
-                        <a:spcAft>
-                          <a:spcPts val="0"/>
-                        </a:spcAft>
-                        <a:buClrTx/>
-                        <a:buSzTx/>
-                        <a:buFontTx/>
-                        <a:buNone/>
-                        <a:tabLst/>
-                        <a:defRPr/>
-                      </a:pPr>
-                      <a:r>
-                        <a:rPr lang="en-US" b="1" smtClean="0"/>
-                        <a:t>CT_11: </a:t>
-                      </a:r>
-                      <a:r>
-                        <a:rPr lang="en-US" smtClean="0"/>
-                        <a:t>Admin Login</a:t>
-                      </a:r>
-                    </a:p>
-                  </a:txBody>
-                  <a:tcPr/>
-                </a:tc>
-                <a:tc>
-                  <a:txBody>
-                    <a:bodyPr/>
-                    <a:lstStyle/>
-                    <a:p>
-                      <a:pPr marL="0" marR="0" indent="0" algn="l" defTabSz="914400" rtl="0" eaLnBrk="1" fontAlgn="auto" latinLnBrk="0" hangingPunct="1">
-                        <a:lnSpc>
-                          <a:spcPct val="100000"/>
-                        </a:lnSpc>
-                        <a:spcBef>
-                          <a:spcPts val="0"/>
-                        </a:spcBef>
-                        <a:spcAft>
-                          <a:spcPts val="0"/>
-                        </a:spcAft>
-                        <a:buClrTx/>
-                        <a:buSzTx/>
-                        <a:buFontTx/>
-                        <a:buNone/>
-                        <a:tabLst/>
-                        <a:defRPr/>
-                      </a:pPr>
-                      <a:r>
-                        <a:rPr lang="en-US" b="1" smtClean="0"/>
-                        <a:t>CT_12: </a:t>
-                      </a:r>
-                      <a:r>
-                        <a:rPr lang="en-US" smtClean="0"/>
-                        <a:t>Admin Search Users</a:t>
-                      </a:r>
-                    </a:p>
-                  </a:txBody>
-                  <a:tcPr/>
-                </a:tc>
-                <a:tc>
-                  <a:txBody>
-                    <a:bodyPr/>
-                    <a:lstStyle/>
-                    <a:p>
-                      <a:pPr marL="0" marR="0" indent="0" algn="l" defTabSz="914400" rtl="0" eaLnBrk="1" fontAlgn="auto" latinLnBrk="0" hangingPunct="1">
-                        <a:lnSpc>
-                          <a:spcPct val="100000"/>
-                        </a:lnSpc>
-                        <a:spcBef>
-                          <a:spcPts val="0"/>
-                        </a:spcBef>
-                        <a:spcAft>
-                          <a:spcPts val="0"/>
-                        </a:spcAft>
-                        <a:buClrTx/>
-                        <a:buSzTx/>
-                        <a:buFontTx/>
-                        <a:buNone/>
-                        <a:tabLst/>
-                        <a:defRPr/>
-                      </a:pPr>
-                      <a:r>
-                        <a:rPr lang="en-US" b="1" smtClean="0"/>
-                        <a:t>CT_13:</a:t>
-                      </a:r>
-                      <a:r>
-                        <a:rPr lang="en-US" b="1" baseline="0" smtClean="0"/>
+                        <a:rPr lang="en-US" b="1" baseline="0" dirty="0" smtClean="0"/>
                         <a:t> </a:t>
                       </a:r>
                       <a:r>
-                        <a:rPr lang="en-US" baseline="0" smtClean="0"/>
-                        <a:t>Admin Deactivate User</a:t>
-                      </a:r>
-                      <a:endParaRPr lang="en-US" smtClean="0"/>
-                    </a:p>
-                  </a:txBody>
-                  <a:tcPr/>
-                </a:tc>
-                <a:tc>
-                  <a:txBody>
-                    <a:bodyPr/>
-                    <a:lstStyle/>
-                    <a:p>
-                      <a:pPr marL="0" marR="0" indent="0" algn="l" defTabSz="914400" rtl="0" eaLnBrk="1" fontAlgn="auto" latinLnBrk="0" hangingPunct="1">
-                        <a:lnSpc>
-                          <a:spcPct val="100000"/>
-                        </a:lnSpc>
-                        <a:spcBef>
-                          <a:spcPts val="0"/>
-                        </a:spcBef>
-                        <a:spcAft>
-                          <a:spcPts val="0"/>
-                        </a:spcAft>
-                        <a:buClrTx/>
-                        <a:buSzTx/>
-                        <a:buFontTx/>
-                        <a:buNone/>
-                        <a:tabLst/>
-                        <a:defRPr/>
-                      </a:pPr>
-                      <a:r>
-                        <a:rPr lang="en-US" b="1" smtClean="0"/>
-                        <a:t>CT_14: </a:t>
-                      </a:r>
-                      <a:r>
-                        <a:rPr lang="en-US" smtClean="0"/>
-                        <a:t>Admin</a:t>
-                      </a:r>
-                      <a:r>
-                        <a:rPr lang="en-US" baseline="0" smtClean="0"/>
-                        <a:t> Delete User</a:t>
-                      </a:r>
-                      <a:endParaRPr lang="en-US" smtClean="0"/>
+                        <a:rPr lang="en-US" b="0" baseline="0" dirty="0" smtClean="0"/>
+                        <a:t>Recommended Jobs</a:t>
+                      </a:r>
+                      <a:endParaRPr lang="en-US" dirty="0" smtClean="0"/>
                     </a:p>
                   </a:txBody>
                   <a:tcPr/>
@@ -4313,7 +3931,7 @@
   <p:timing>
     <p:tnLst>
       <p:par>
-        <p:cTn xmlns:p14="http://schemas.microsoft.com/office/powerpoint/2010/main" id="1" dur="indefinite" restart="never" nodeType="tmRoot"/>
+        <p:cTn id="1" dur="indefinite" restart="never" nodeType="tmRoot"/>
       </p:par>
     </p:tnLst>
   </p:timing>
@@ -4365,7 +3983,7 @@
       </p:sp>
       <p:graphicFrame>
         <p:nvGraphicFramePr>
-          <p:cNvPr id="5" name="Content Placeholder 4"/>
+          <p:cNvPr id="4" name="Content Placeholder 3"/>
           <p:cNvGraphicFramePr>
             <a:graphicFrameLocks noGrp="1"/>
           </p:cNvGraphicFramePr>
@@ -4373,14 +3991,14 @@
             <p:ph idx="1"/>
             <p:extLst>
               <p:ext uri="{D42A27DB-BD31-4B8C-83A1-F6EECF244321}">
-                <p14:modId xmlns:p14="http://schemas.microsoft.com/office/powerpoint/2010/main" val="1195586946"/>
+                <p14:modId xmlns:p14="http://schemas.microsoft.com/office/powerpoint/2010/main" val="4181681004"/>
               </p:ext>
             </p:extLst>
           </p:nvPr>
         </p:nvGraphicFramePr>
         <p:xfrm>
-          <a:off x="381000" y="1371602"/>
-          <a:ext cx="7543800" cy="5181600"/>
+          <a:off x="533400" y="1447801"/>
+          <a:ext cx="6858000" cy="4876799"/>
         </p:xfrm>
         <a:graphic>
           <a:graphicData uri="http://schemas.openxmlformats.org/drawingml/2006/table">
@@ -4389,10 +4007,10 @@
                 <a:tableStyleId>{5C22544A-7EE6-4342-B048-85BDC9FD1C3A}</a:tableStyleId>
               </a:tblPr>
               <a:tblGrid>
-                <a:gridCol w="2099067"/>
-                <a:gridCol w="5444733"/>
+                <a:gridCol w="1928091"/>
+                <a:gridCol w="4929909"/>
               </a:tblGrid>
-              <a:tr h="448888">
+              <a:tr h="476011">
                 <a:tc>
                   <a:txBody>
                     <a:bodyPr/>
@@ -4415,12 +4033,12 @@
                         </a:tabLst>
                       </a:pPr>
                       <a:r>
-                        <a:rPr lang="en-US" sz="1600">
+                        <a:rPr lang="en-US" sz="1200">
                           <a:effectLst/>
                         </a:rPr>
                         <a:t>ID</a:t>
                       </a:r>
-                      <a:endParaRPr lang="en-US" sz="1600">
+                      <a:endParaRPr lang="en-US" sz="1200">
                         <a:effectLst/>
                         <a:latin typeface="Times"/>
                         <a:ea typeface="Times"/>
@@ -4452,12 +4070,12 @@
                         </a:tabLst>
                       </a:pPr>
                       <a:r>
-                        <a:rPr lang="en-US" sz="1600">
+                        <a:rPr lang="en-US" sz="1200">
                           <a:effectLst/>
                         </a:rPr>
                         <a:t>CT_2</a:t>
                       </a:r>
-                      <a:endParaRPr lang="en-US" sz="1600">
+                      <a:endParaRPr lang="en-US" sz="1200">
                         <a:effectLst/>
                         <a:latin typeface="Times"/>
                         <a:ea typeface="Times"/>
@@ -4468,7 +4086,7 @@
                   <a:tcPr marL="63500" marR="63500" marT="63500" marB="63500"/>
                 </a:tc>
               </a:tr>
-              <a:tr h="448888">
+              <a:tr h="476011">
                 <a:tc>
                   <a:txBody>
                     <a:bodyPr/>
@@ -4491,12 +4109,12 @@
                         </a:tabLst>
                       </a:pPr>
                       <a:r>
-                        <a:rPr lang="en-US" sz="1600">
+                        <a:rPr lang="en-US" sz="1200">
                           <a:effectLst/>
                         </a:rPr>
                         <a:t>Item to Test</a:t>
                       </a:r>
-                      <a:endParaRPr lang="en-US" sz="1600">
+                      <a:endParaRPr lang="en-US" sz="1200">
                         <a:effectLst/>
                         <a:latin typeface="Times"/>
                         <a:ea typeface="Times"/>
@@ -4528,12 +4146,12 @@
                         </a:tabLst>
                       </a:pPr>
                       <a:r>
-                        <a:rPr lang="en-US" sz="1600">
-                          <a:effectLst/>
-                        </a:rPr>
-                        <a:t>Register</a:t>
-                      </a:r>
-                      <a:endParaRPr lang="en-US" sz="1600">
+                        <a:rPr lang="en-US" sz="1200">
+                          <a:effectLst/>
+                        </a:rPr>
+                        <a:t>Featured jobs</a:t>
+                      </a:r>
+                      <a:endParaRPr lang="en-US" sz="1200">
                         <a:effectLst/>
                         <a:latin typeface="Times"/>
                         <a:ea typeface="Times"/>
@@ -4544,7 +4162,7 @@
                   <a:tcPr marL="63500" marR="63500" marT="63500" marB="63500"/>
                 </a:tc>
               </a:tr>
-              <a:tr h="448888">
+              <a:tr h="476011">
                 <a:tc>
                   <a:txBody>
                     <a:bodyPr/>
@@ -4567,12 +4185,12 @@
                         </a:tabLst>
                       </a:pPr>
                       <a:r>
-                        <a:rPr lang="en-US" sz="1600">
+                        <a:rPr lang="en-US" sz="1200">
                           <a:effectLst/>
                         </a:rPr>
                         <a:t>Pre-Conditions</a:t>
                       </a:r>
-                      <a:endParaRPr lang="en-US" sz="1600">
+                      <a:endParaRPr lang="en-US" sz="1200">
                         <a:effectLst/>
                         <a:latin typeface="Times"/>
                         <a:ea typeface="Times"/>
@@ -4596,12 +4214,12 @@
                         </a:tabLst>
                       </a:pPr>
                       <a:r>
-                        <a:rPr lang="en-US" sz="1600">
+                        <a:rPr lang="en-US" sz="1100">
                           <a:effectLst/>
                         </a:rPr>
                         <a:t>None</a:t>
                       </a:r>
-                      <a:endParaRPr lang="en-US" sz="1600">
+                      <a:endParaRPr lang="en-US" sz="1100">
                         <a:effectLst/>
                         <a:latin typeface="Calibri"/>
                       </a:endParaRPr>
@@ -4610,7 +4228,7 @@
                   <a:tcPr marL="63500" marR="63500" marT="63500" marB="63500"/>
                 </a:tc>
               </a:tr>
-              <a:tr h="2196932">
+              <a:tr h="1402845">
                 <a:tc>
                   <a:txBody>
                     <a:bodyPr/>
@@ -4633,12 +4251,12 @@
                         </a:tabLst>
                       </a:pPr>
                       <a:r>
-                        <a:rPr lang="en-US" sz="1600">
+                        <a:rPr lang="en-US" sz="1200">
                           <a:effectLst/>
                         </a:rPr>
                         <a:t>Test Steps</a:t>
                       </a:r>
-                      <a:endParaRPr lang="en-US" sz="1600">
+                      <a:endParaRPr lang="en-US" sz="1200">
                         <a:effectLst/>
                         <a:latin typeface="Times"/>
                         <a:ea typeface="Times"/>
@@ -4670,7 +4288,7 @@
                         </a:tabLst>
                       </a:pPr>
                       <a:r>
-                        <a:rPr lang="en-US" sz="1600">
+                        <a:rPr lang="en-US" sz="1200">
                           <a:effectLst/>
                         </a:rPr>
                         <a:t>Repeat the below process for each supported Device and Browser type</a:t>
@@ -4698,96 +4316,12 @@
                         </a:tabLst>
                       </a:pPr>
                       <a:r>
-                        <a:rPr lang="en-US" sz="1600" u="none" strike="noStrike">
-                          <a:effectLst/>
-                        </a:rPr>
-                        <a:t>Click on Users dropdown list on the header.</a:t>
-                      </a:r>
-                    </a:p>
-                    <a:p>
-                      <a:pPr marL="342900" marR="0" lvl="0" indent="-342900">
-                        <a:lnSpc>
-                          <a:spcPct val="115000"/>
-                        </a:lnSpc>
-                        <a:spcBef>
-                          <a:spcPts val="0"/>
-                        </a:spcBef>
-                        <a:spcAft>
-                          <a:spcPts val="0"/>
-                        </a:spcAft>
-                        <a:buFont typeface="+mj-lt"/>
-                        <a:buAutoNum type="arabicPeriod"/>
-                        <a:tabLst>
-                          <a:tab pos="114300" algn="l"/>
-                          <a:tab pos="228600" algn="l"/>
-                          <a:tab pos="457200" algn="l"/>
-                          <a:tab pos="114300" algn="l"/>
-                          <a:tab pos="228600" algn="l"/>
-                        </a:tabLst>
-                      </a:pPr>
-                      <a:r>
-                        <a:rPr lang="en-US" sz="1600" u="none" strike="noStrike">
-                          <a:effectLst/>
-                        </a:rPr>
-                        <a:t>Click on Register link.</a:t>
-                      </a:r>
-                    </a:p>
-                    <a:p>
-                      <a:pPr marL="342900" marR="0" lvl="0" indent="-342900">
-                        <a:lnSpc>
-                          <a:spcPct val="115000"/>
-                        </a:lnSpc>
-                        <a:spcBef>
-                          <a:spcPts val="0"/>
-                        </a:spcBef>
-                        <a:spcAft>
-                          <a:spcPts val="0"/>
-                        </a:spcAft>
-                        <a:buFont typeface="+mj-lt"/>
-                        <a:buAutoNum type="arabicPeriod"/>
-                        <a:tabLst>
-                          <a:tab pos="114300" algn="l"/>
-                          <a:tab pos="228600" algn="l"/>
-                          <a:tab pos="457200" algn="l"/>
-                          <a:tab pos="114300" algn="l"/>
-                          <a:tab pos="228600" algn="l"/>
-                        </a:tabLst>
-                      </a:pPr>
-                      <a:r>
-                        <a:rPr lang="en-US" sz="1600" u="none" strike="noStrike">
-                          <a:effectLst/>
-                        </a:rPr>
-                        <a:t>Fill in First Name, Last Name, Email Address, Password and Confirm Password.</a:t>
-                      </a:r>
-                    </a:p>
-                    <a:p>
-                      <a:pPr marL="342900" marR="0" lvl="0" indent="-342900">
-                        <a:lnSpc>
-                          <a:spcPct val="115000"/>
-                        </a:lnSpc>
-                        <a:spcBef>
-                          <a:spcPts val="0"/>
-                        </a:spcBef>
-                        <a:spcAft>
-                          <a:spcPts val="0"/>
-                        </a:spcAft>
-                        <a:buFont typeface="+mj-lt"/>
-                        <a:buAutoNum type="arabicPeriod"/>
-                        <a:tabLst>
-                          <a:tab pos="114300" algn="l"/>
-                          <a:tab pos="228600" algn="l"/>
-                          <a:tab pos="457200" algn="l"/>
-                          <a:tab pos="114300" algn="l"/>
-                          <a:tab pos="228600" algn="l"/>
-                        </a:tabLst>
-                      </a:pPr>
-                      <a:r>
-                        <a:rPr lang="en-US" sz="1600" u="none" strike="noStrike">
-                          <a:effectLst/>
-                        </a:rPr>
-                        <a:t>Click on Register</a:t>
-                      </a:r>
-                      <a:endParaRPr lang="en-US" sz="1600" u="none" strike="noStrike">
+                        <a:rPr lang="en-US" sz="1200" u="none" strike="noStrike">
+                          <a:effectLst/>
+                        </a:rPr>
+                        <a:t>Enter www.computech.com/careers in the address bar of the browser</a:t>
+                      </a:r>
+                      <a:endParaRPr lang="en-US" sz="1200" u="none" strike="noStrike">
                         <a:effectLst/>
                         <a:latin typeface="Times"/>
                         <a:ea typeface="Times"/>
@@ -4798,7 +4332,7 @@
                   <a:tcPr marL="63500" marR="63500" marT="63500" marB="63500"/>
                 </a:tc>
               </a:tr>
-              <a:tr h="740228">
+              <a:tr h="784955">
                 <a:tc>
                   <a:txBody>
                     <a:bodyPr/>
@@ -4821,12 +4355,12 @@
                         </a:tabLst>
                       </a:pPr>
                       <a:r>
-                        <a:rPr lang="en-US" sz="1600">
+                        <a:rPr lang="en-US" sz="1200">
                           <a:effectLst/>
                         </a:rPr>
                         <a:t>Expected Results</a:t>
                       </a:r>
-                      <a:endParaRPr lang="en-US" sz="1600">
+                      <a:endParaRPr lang="en-US" sz="1200">
                         <a:effectLst/>
                         <a:latin typeface="Times"/>
                         <a:ea typeface="Times"/>
@@ -4858,12 +4392,12 @@
                         </a:tabLst>
                       </a:pPr>
                       <a:r>
-                        <a:rPr lang="en-US" sz="1600">
-                          <a:effectLst/>
-                        </a:rPr>
-                        <a:t>System should send an email to user containing email verification link and display confirmation page to user.</a:t>
-                      </a:r>
-                      <a:endParaRPr lang="en-US" sz="1600">
+                        <a:rPr lang="en-US" sz="1200">
+                          <a:effectLst/>
+                        </a:rPr>
+                        <a:t>Browser should open EJCA web application which displays featured jobs at the lower half of the home page.</a:t>
+                      </a:r>
+                      <a:endParaRPr lang="en-US" sz="1200">
                         <a:effectLst/>
                         <a:latin typeface="Times"/>
                         <a:ea typeface="Times"/>
@@ -4874,7 +4408,7 @@
                   <a:tcPr marL="63500" marR="63500" marT="63500" marB="63500"/>
                 </a:tc>
               </a:tr>
-              <a:tr h="448888">
+              <a:tr h="476011">
                 <a:tc>
                   <a:txBody>
                     <a:bodyPr/>
@@ -4897,12 +4431,12 @@
                         </a:tabLst>
                       </a:pPr>
                       <a:r>
-                        <a:rPr lang="en-US" sz="1600">
+                        <a:rPr lang="en-US" sz="1200">
                           <a:effectLst/>
                         </a:rPr>
                         <a:t>Priority</a:t>
                       </a:r>
-                      <a:endParaRPr lang="en-US" sz="1600">
+                      <a:endParaRPr lang="en-US" sz="1200">
                         <a:effectLst/>
                         <a:latin typeface="Times"/>
                         <a:ea typeface="Times"/>
@@ -4934,12 +4468,12 @@
                         </a:tabLst>
                       </a:pPr>
                       <a:r>
-                        <a:rPr lang="en-US" sz="1600">
+                        <a:rPr lang="en-US" sz="1200">
                           <a:effectLst/>
                         </a:rPr>
                         <a:t>High</a:t>
                       </a:r>
-                      <a:endParaRPr lang="en-US" sz="1600">
+                      <a:endParaRPr lang="en-US" sz="1200">
                         <a:effectLst/>
                         <a:latin typeface="Times"/>
                         <a:ea typeface="Times"/>
@@ -4950,7 +4484,7 @@
                   <a:tcPr marL="63500" marR="63500" marT="63500" marB="63500"/>
                 </a:tc>
               </a:tr>
-              <a:tr h="448888">
+              <a:tr h="784955">
                 <a:tc>
                   <a:txBody>
                     <a:bodyPr/>
@@ -4973,12 +4507,12 @@
                         </a:tabLst>
                       </a:pPr>
                       <a:r>
-                        <a:rPr lang="en-US" sz="1600">
+                        <a:rPr lang="en-US" sz="1200">
                           <a:effectLst/>
                         </a:rPr>
                         <a:t>Pass/Fail</a:t>
                       </a:r>
-                      <a:endParaRPr lang="en-US" sz="1600">
+                      <a:endParaRPr lang="en-US" sz="1200">
                         <a:effectLst/>
                         <a:latin typeface="Times"/>
                         <a:ea typeface="Times"/>
@@ -5010,12 +4544,12 @@
                         </a:tabLst>
                       </a:pPr>
                       <a:r>
-                        <a:rPr lang="en-US" sz="1600" dirty="0">
-                          <a:effectLst/>
-                        </a:rPr>
-                        <a:t> Pass if system redirect user to Register page.</a:t>
-                      </a:r>
-                      <a:endParaRPr lang="en-US" sz="1600" dirty="0">
+                        <a:rPr lang="en-US" sz="1200" dirty="0">
+                          <a:effectLst/>
+                        </a:rPr>
+                        <a:t>Pass if EJCA web application is opened and featured jobs are displayed on home page.</a:t>
+                      </a:r>
+                      <a:endParaRPr lang="en-US" sz="1200" dirty="0">
                         <a:effectLst/>
                         <a:latin typeface="Times"/>
                         <a:ea typeface="Times"/>
@@ -5043,7 +4577,7 @@
   <p:timing>
     <p:tnLst>
       <p:par>
-        <p:cTn xmlns:p14="http://schemas.microsoft.com/office/powerpoint/2010/main" id="1" dur="indefinite" restart="never" nodeType="tmRoot"/>
+        <p:cTn id="1" dur="indefinite" restart="never" nodeType="tmRoot"/>
       </p:par>
     </p:tnLst>
   </p:timing>
@@ -5170,7 +4704,7 @@
   <p:timing>
     <p:tnLst>
       <p:par>
-        <p:cTn xmlns:p14="http://schemas.microsoft.com/office/powerpoint/2010/main" id="1" dur="indefinite" restart="never" nodeType="tmRoot"/>
+        <p:cTn id="1" dur="indefinite" restart="never" nodeType="tmRoot"/>
       </p:par>
     </p:tnLst>
   </p:timing>
@@ -5254,7 +4788,7 @@
   <p:timing>
     <p:tnLst>
       <p:par>
-        <p:cTn xmlns:p14="http://schemas.microsoft.com/office/powerpoint/2010/main" id="1" dur="indefinite" restart="never" nodeType="tmRoot"/>
+        <p:cTn id="1" dur="indefinite" restart="never" nodeType="tmRoot"/>
       </p:par>
     </p:tnLst>
   </p:timing>
@@ -5375,7 +4909,7 @@
   <p:timing>
     <p:tnLst>
       <p:par>
-        <p:cTn xmlns:p14="http://schemas.microsoft.com/office/powerpoint/2010/main" id="1" dur="indefinite" restart="never" nodeType="tmRoot"/>
+        <p:cTn id="1" dur="indefinite" restart="never" nodeType="tmRoot"/>
       </p:par>
     </p:tnLst>
   </p:timing>
@@ -5459,14 +4993,14 @@
           </a:ln>
           <a:effectLst/>
           <a:extLst>
-            <a:ext uri="{909E8E84-426E-40dd-AFC4-6F175D3DCCD1}">
+            <a:ext uri="{909E8E84-426E-40DD-AFC4-6F175D3DCCD1}">
               <a14:hiddenFill xmlns:a14="http://schemas.microsoft.com/office/drawing/2010/main">
                 <a:solidFill>
                   <a:schemeClr val="accent1"/>
                 </a:solidFill>
               </a14:hiddenFill>
             </a:ext>
-            <a:ext uri="{91240B29-F687-4f45-9708-019B960494DF}">
+            <a:ext uri="{91240B29-F687-4F45-9708-019B960494DF}">
               <a14:hiddenLine xmlns:a14="http://schemas.microsoft.com/office/drawing/2010/main" w="9525">
                 <a:solidFill>
                   <a:schemeClr val="tx1"/>
@@ -5476,7 +5010,7 @@
                 <a:tailEnd/>
               </a14:hiddenLine>
             </a:ext>
-            <a:ext uri="{AF507438-7753-43e0-B8FC-AC1667EBCBE1}">
+            <a:ext uri="{AF507438-7753-43E0-B8FC-AC1667EBCBE1}">
               <a14:hiddenEffects xmlns:a14="http://schemas.microsoft.com/office/drawing/2010/main">
                 <a:effectLst>
                   <a:outerShdw dist="35921" dir="2700000" algn="ctr" rotWithShape="0">
@@ -5501,7 +5035,7 @@
   <p:timing>
     <p:tnLst>
       <p:par>
-        <p:cTn xmlns:p14="http://schemas.microsoft.com/office/powerpoint/2010/main" id="1" dur="indefinite" restart="never" nodeType="tmRoot"/>
+        <p:cTn id="1" dur="indefinite" restart="never" nodeType="tmRoot"/>
       </p:par>
     </p:tnLst>
   </p:timing>
@@ -5644,7 +5178,7 @@
   <p:timing>
     <p:tnLst>
       <p:par>
-        <p:cTn xmlns:p14="http://schemas.microsoft.com/office/powerpoint/2010/main" id="1" dur="indefinite" restart="never" nodeType="tmRoot"/>
+        <p:cTn id="1" dur="indefinite" restart="never" nodeType="tmRoot"/>
       </p:par>
     </p:tnLst>
   </p:timing>
@@ -5749,14 +5283,14 @@
           </a:ln>
           <a:effectLst/>
           <a:extLst>
-            <a:ext uri="{909E8E84-426E-40dd-AFC4-6F175D3DCCD1}">
+            <a:ext uri="{909E8E84-426E-40DD-AFC4-6F175D3DCCD1}">
               <a14:hiddenFill xmlns:a14="http://schemas.microsoft.com/office/drawing/2010/main">
                 <a:solidFill>
                   <a:schemeClr val="accent1"/>
                 </a:solidFill>
               </a14:hiddenFill>
             </a:ext>
-            <a:ext uri="{91240B29-F687-4f45-9708-019B960494DF}">
+            <a:ext uri="{91240B29-F687-4F45-9708-019B960494DF}">
               <a14:hiddenLine xmlns:a14="http://schemas.microsoft.com/office/drawing/2010/main" w="9525">
                 <a:solidFill>
                   <a:schemeClr val="tx1"/>
@@ -5766,7 +5300,7 @@
                 <a:tailEnd/>
               </a14:hiddenLine>
             </a:ext>
-            <a:ext uri="{AF507438-7753-43e0-B8FC-AC1667EBCBE1}">
+            <a:ext uri="{AF507438-7753-43E0-B8FC-AC1667EBCBE1}">
               <a14:hiddenEffects xmlns:a14="http://schemas.microsoft.com/office/drawing/2010/main">
                 <a:effectLst>
                   <a:outerShdw dist="35921" dir="2700000" algn="ctr" rotWithShape="0">
@@ -5791,7 +5325,7 @@
   <p:timing>
     <p:tnLst>
       <p:par>
-        <p:cTn xmlns:p14="http://schemas.microsoft.com/office/powerpoint/2010/main" id="1" dur="indefinite" restart="never" nodeType="tmRoot"/>
+        <p:cTn id="1" dur="indefinite" restart="never" nodeType="tmRoot"/>
       </p:par>
     </p:tnLst>
   </p:timing>
@@ -5942,7 +5476,7 @@
   <p:timing>
     <p:tnLst>
       <p:par>
-        <p:cTn xmlns:p14="http://schemas.microsoft.com/office/powerpoint/2010/main" id="1" dur="indefinite" restart="never" nodeType="tmRoot"/>
+        <p:cTn id="1" dur="indefinite" restart="never" nodeType="tmRoot"/>
       </p:par>
     </p:tnLst>
   </p:timing>
@@ -6276,7 +5810,7 @@
   <p:timing>
     <p:tnLst>
       <p:par>
-        <p:cTn xmlns:p14="http://schemas.microsoft.com/office/powerpoint/2010/main" id="1" dur="indefinite" restart="never" nodeType="tmRoot"/>
+        <p:cTn id="1" dur="indefinite" restart="never" nodeType="tmRoot"/>
       </p:par>
     </p:tnLst>
   </p:timing>
@@ -6409,7 +5943,7 @@
   <p:timing>
     <p:tnLst>
       <p:par>
-        <p:cTn xmlns:p14="http://schemas.microsoft.com/office/powerpoint/2010/main" id="1" dur="indefinite" restart="never" nodeType="tmRoot"/>
+        <p:cTn id="1" dur="indefinite" restart="never" nodeType="tmRoot"/>
       </p:par>
     </p:tnLst>
   </p:timing>
@@ -6490,14 +6024,14 @@
           </a:ln>
           <a:effectLst/>
           <a:extLst>
-            <a:ext uri="{909E8E84-426E-40dd-AFC4-6F175D3DCCD1}">
+            <a:ext uri="{909E8E84-426E-40DD-AFC4-6F175D3DCCD1}">
               <a14:hiddenFill xmlns:a14="http://schemas.microsoft.com/office/drawing/2010/main">
                 <a:solidFill>
                   <a:schemeClr val="accent1"/>
                 </a:solidFill>
               </a14:hiddenFill>
             </a:ext>
-            <a:ext uri="{91240B29-F687-4f45-9708-019B960494DF}">
+            <a:ext uri="{91240B29-F687-4F45-9708-019B960494DF}">
               <a14:hiddenLine xmlns:a14="http://schemas.microsoft.com/office/drawing/2010/main" w="9525">
                 <a:solidFill>
                   <a:schemeClr val="tx1"/>
@@ -6507,7 +6041,7 @@
                 <a:tailEnd/>
               </a14:hiddenLine>
             </a:ext>
-            <a:ext uri="{AF507438-7753-43e0-B8FC-AC1667EBCBE1}">
+            <a:ext uri="{AF507438-7753-43E0-B8FC-AC1667EBCBE1}">
               <a14:hiddenEffects xmlns:a14="http://schemas.microsoft.com/office/drawing/2010/main">
                 <a:effectLst>
                   <a:outerShdw dist="35921" dir="2700000" algn="ctr" rotWithShape="0">
@@ -6532,7 +6066,7 @@
   <p:timing>
     <p:tnLst>
       <p:par>
-        <p:cTn xmlns:p14="http://schemas.microsoft.com/office/powerpoint/2010/main" id="1" dur="indefinite" restart="never" nodeType="tmRoot"/>
+        <p:cTn id="1" dur="indefinite" restart="never" nodeType="tmRoot"/>
       </p:par>
     </p:tnLst>
   </p:timing>
@@ -6764,11 +6298,7 @@
                       </a:pPr>
                       <a:r>
                         <a:rPr lang="en-US" b="1" dirty="0" smtClean="0"/>
-                        <a:t>UAT_2</a:t>
-                      </a:r>
-                      <a:r>
-                        <a:rPr lang="en-US" b="1" dirty="0" smtClean="0"/>
-                        <a:t>: </a:t>
+                        <a:t>UAT_2: </a:t>
                       </a:r>
                       <a:r>
                         <a:rPr lang="en-US" dirty="0" smtClean="0"/>
@@ -6802,11 +6332,7 @@
                       </a:pPr>
                       <a:r>
                         <a:rPr lang="en-US" b="1" dirty="0" smtClean="0"/>
-                        <a:t>UAT_3</a:t>
-                      </a:r>
-                      <a:r>
-                        <a:rPr lang="en-US" b="1" dirty="0" smtClean="0"/>
-                        <a:t>: </a:t>
+                        <a:t>UAT_3: </a:t>
                       </a:r>
                       <a:r>
                         <a:rPr lang="en-US" dirty="0" smtClean="0"/>
@@ -6840,11 +6366,7 @@
                       </a:pPr>
                       <a:r>
                         <a:rPr lang="en-US" b="1" dirty="0" smtClean="0"/>
-                        <a:t>UAT_4</a:t>
-                      </a:r>
-                      <a:r>
-                        <a:rPr lang="en-US" b="1" dirty="0" smtClean="0"/>
-                        <a:t>: </a:t>
+                        <a:t>UAT_4: </a:t>
                       </a:r>
                       <a:r>
                         <a:rPr lang="en-US" dirty="0" smtClean="0"/>
@@ -6878,11 +6400,7 @@
                       </a:pPr>
                       <a:r>
                         <a:rPr lang="en-US" b="1" dirty="0" smtClean="0"/>
-                        <a:t>UAT_5</a:t>
-                      </a:r>
-                      <a:r>
-                        <a:rPr lang="en-US" b="1" dirty="0" smtClean="0"/>
-                        <a:t>: </a:t>
+                        <a:t>UAT_5: </a:t>
                       </a:r>
                       <a:r>
                         <a:rPr lang="en-US" dirty="0" smtClean="0"/>
@@ -6916,11 +6434,7 @@
                       </a:pPr>
                       <a:r>
                         <a:rPr lang="en-US" b="1" dirty="0" smtClean="0"/>
-                        <a:t>UAT_6</a:t>
-                      </a:r>
-                      <a:r>
-                        <a:rPr lang="en-US" b="1" dirty="0" smtClean="0"/>
-                        <a:t>: </a:t>
+                        <a:t>UAT_6: </a:t>
                       </a:r>
                       <a:r>
                         <a:rPr lang="en-US" dirty="0" smtClean="0"/>
@@ -6954,11 +6468,7 @@
                       </a:pPr>
                       <a:r>
                         <a:rPr lang="en-US" b="1" dirty="0" smtClean="0"/>
-                        <a:t>UAT_7</a:t>
-                      </a:r>
-                      <a:r>
-                        <a:rPr lang="en-US" b="1" dirty="0" smtClean="0"/>
-                        <a:t>: </a:t>
+                        <a:t>UAT_7: </a:t>
                       </a:r>
                       <a:r>
                         <a:rPr lang="en-US" dirty="0" smtClean="0"/>
@@ -6994,11 +6504,7 @@
                       </a:pPr>
                       <a:r>
                         <a:rPr lang="en-US" b="1" dirty="0" smtClean="0"/>
-                        <a:t>UAT_8</a:t>
-                      </a:r>
-                      <a:r>
-                        <a:rPr lang="en-US" b="1" dirty="0" smtClean="0"/>
-                        <a:t>: </a:t>
+                        <a:t>UAT_8: </a:t>
                       </a:r>
                       <a:r>
                         <a:rPr lang="en-US" dirty="0" smtClean="0"/>
@@ -7037,11 +6543,7 @@
                       </a:pPr>
                       <a:r>
                         <a:rPr lang="en-US" b="1" dirty="0" smtClean="0"/>
-                        <a:t>UAT_9</a:t>
-                      </a:r>
-                      <a:r>
-                        <a:rPr lang="en-US" b="1" dirty="0" smtClean="0"/>
-                        <a:t>: </a:t>
+                        <a:t>UAT_9: </a:t>
                       </a:r>
                       <a:r>
                         <a:rPr lang="en-US" dirty="0" smtClean="0"/>
@@ -7080,11 +6582,7 @@
                       </a:pPr>
                       <a:r>
                         <a:rPr lang="en-US" b="1" dirty="0" smtClean="0"/>
-                        <a:t>UAT_10</a:t>
-                      </a:r>
-                      <a:r>
-                        <a:rPr lang="en-US" b="1" dirty="0" smtClean="0"/>
-                        <a:t>: </a:t>
+                        <a:t>UAT_10: </a:t>
                       </a:r>
                       <a:r>
                         <a:rPr lang="en-US" dirty="0" smtClean="0"/>
@@ -7118,11 +6616,7 @@
                       </a:pPr>
                       <a:r>
                         <a:rPr lang="en-US" b="1" dirty="0" smtClean="0"/>
-                        <a:t>UAT_11</a:t>
-                      </a:r>
-                      <a:r>
-                        <a:rPr lang="en-US" b="1" dirty="0" smtClean="0"/>
-                        <a:t>: </a:t>
+                        <a:t>UAT_11: </a:t>
                       </a:r>
                       <a:r>
                         <a:rPr lang="en-US" dirty="0" smtClean="0"/>
@@ -7156,11 +6650,7 @@
                       </a:pPr>
                       <a:r>
                         <a:rPr lang="en-US" b="1" dirty="0" smtClean="0"/>
-                        <a:t>UAT_12</a:t>
-                      </a:r>
-                      <a:r>
-                        <a:rPr lang="en-US" b="1" dirty="0" smtClean="0"/>
-                        <a:t>: </a:t>
+                        <a:t>UAT_12: </a:t>
                       </a:r>
                       <a:r>
                         <a:rPr lang="en-US" dirty="0" smtClean="0"/>
@@ -7194,11 +6684,7 @@
                       </a:pPr>
                       <a:r>
                         <a:rPr lang="en-US" b="1" dirty="0" smtClean="0"/>
-                        <a:t>UAT_13</a:t>
-                      </a:r>
-                      <a:r>
-                        <a:rPr lang="en-US" b="1" dirty="0" smtClean="0"/>
-                        <a:t>:</a:t>
+                        <a:t>UAT_13:</a:t>
                       </a:r>
                       <a:r>
                         <a:rPr lang="en-US" b="1" baseline="0" dirty="0" smtClean="0"/>
@@ -7274,7 +6760,7 @@
   <p:timing>
     <p:tnLst>
       <p:par>
-        <p:cTn xmlns:p14="http://schemas.microsoft.com/office/powerpoint/2010/main" id="1" dur="indefinite" restart="never" nodeType="tmRoot"/>
+        <p:cTn id="1" dur="indefinite" restart="never" nodeType="tmRoot"/>
       </p:par>
     </p:tnLst>
   </p:timing>
@@ -8567,7 +8053,7 @@
   <p:timing>
     <p:tnLst>
       <p:par>
-        <p:cTn xmlns:p14="http://schemas.microsoft.com/office/powerpoint/2010/main" id="1" dur="indefinite" restart="never" nodeType="tmRoot"/>
+        <p:cTn id="1" dur="indefinite" restart="never" nodeType="tmRoot"/>
       </p:par>
     </p:tnLst>
   </p:timing>
@@ -8744,7 +8230,7 @@
   <p:timing>
     <p:tnLst>
       <p:par>
-        <p:cTn xmlns:p14="http://schemas.microsoft.com/office/powerpoint/2010/main" id="1" dur="indefinite" restart="never" nodeType="tmRoot"/>
+        <p:cTn id="1" dur="indefinite" restart="never" nodeType="tmRoot"/>
       </p:par>
     </p:tnLst>
   </p:timing>
@@ -9674,7 +9160,7 @@
   <p:timing>
     <p:tnLst>
       <p:par>
-        <p:cTn xmlns:p14="http://schemas.microsoft.com/office/powerpoint/2010/main" id="1" dur="indefinite" restart="never" nodeType="tmRoot"/>
+        <p:cTn id="1" dur="indefinite" restart="never" nodeType="tmRoot"/>
       </p:par>
     </p:tnLst>
   </p:timing>
@@ -9806,7 +9292,7 @@
   <p:timing>
     <p:tnLst>
       <p:par>
-        <p:cTn xmlns:p14="http://schemas.microsoft.com/office/powerpoint/2010/main" id="1" dur="indefinite" restart="never" nodeType="tmRoot"/>
+        <p:cTn id="1" dur="indefinite" restart="never" nodeType="tmRoot"/>
       </p:par>
     </p:tnLst>
   </p:timing>
@@ -10459,7 +9945,7 @@
   <p:timing>
     <p:tnLst>
       <p:par>
-        <p:cTn xmlns:p14="http://schemas.microsoft.com/office/powerpoint/2010/main" id="1" dur="indefinite" restart="never" nodeType="tmRoot"/>
+        <p:cTn id="1" dur="indefinite" restart="never" nodeType="tmRoot"/>
       </p:par>
     </p:tnLst>
   </p:timing>
@@ -10507,7 +9993,7 @@
       </p:sp>
       <p:graphicFrame>
         <p:nvGraphicFramePr>
-          <p:cNvPr id="6" name="Content Placeholder 5"/>
+          <p:cNvPr id="4" name="Content Placeholder 3"/>
           <p:cNvGraphicFramePr>
             <a:graphicFrameLocks noGrp="1"/>
           </p:cNvGraphicFramePr>
@@ -10515,14 +10001,14 @@
             <p:ph idx="1"/>
             <p:extLst>
               <p:ext uri="{D42A27DB-BD31-4B8C-83A1-F6EECF244321}">
-                <p14:modId xmlns:p14="http://schemas.microsoft.com/office/powerpoint/2010/main" val="2794626482"/>
+                <p14:modId xmlns:p14="http://schemas.microsoft.com/office/powerpoint/2010/main" val="1336996606"/>
               </p:ext>
             </p:extLst>
           </p:nvPr>
         </p:nvGraphicFramePr>
         <p:xfrm>
-          <a:off x="685800" y="1371600"/>
-          <a:ext cx="7162799" cy="5334001"/>
+          <a:off x="990600" y="1891030"/>
+          <a:ext cx="6248400" cy="4162047"/>
         </p:xfrm>
         <a:graphic>
           <a:graphicData uri="http://schemas.openxmlformats.org/drawingml/2006/table">
@@ -10531,10 +10017,10 @@
                 <a:tableStyleId>{5C22544A-7EE6-4342-B048-85BDC9FD1C3A}</a:tableStyleId>
               </a:tblPr>
               <a:tblGrid>
-                <a:gridCol w="2013784"/>
-                <a:gridCol w="5149015"/>
+                <a:gridCol w="1756705"/>
+                <a:gridCol w="4491695"/>
               </a:tblGrid>
-              <a:tr h="444947">
+              <a:tr h="0">
                 <a:tc>
                   <a:txBody>
                     <a:bodyPr/>
@@ -10557,12 +10043,12 @@
                         </a:tabLst>
                       </a:pPr>
                       <a:r>
-                        <a:rPr lang="en-US" sz="1600">
+                        <a:rPr lang="en-US" sz="1200" dirty="0">
                           <a:effectLst/>
                         </a:rPr>
                         <a:t>ID</a:t>
                       </a:r>
-                      <a:endParaRPr lang="en-US" sz="1600">
+                      <a:endParaRPr lang="en-US" sz="1200" dirty="0">
                         <a:effectLst/>
                         <a:latin typeface="Times"/>
                         <a:ea typeface="Times"/>
@@ -10594,12 +10080,12 @@
                         </a:tabLst>
                       </a:pPr>
                       <a:r>
-                        <a:rPr lang="en-US" sz="1600">
+                        <a:rPr lang="en-US" sz="1200">
                           <a:effectLst/>
                         </a:rPr>
                         <a:t>FT_2</a:t>
                       </a:r>
-                      <a:endParaRPr lang="en-US" sz="1600">
+                      <a:endParaRPr lang="en-US" sz="1200">
                         <a:effectLst/>
                         <a:latin typeface="Times"/>
                         <a:ea typeface="Times"/>
@@ -10610,7 +10096,7 @@
                   <a:tcPr marL="63500" marR="63500" marT="63500" marB="63500"/>
                 </a:tc>
               </a:tr>
-              <a:tr h="444947">
+              <a:tr h="0">
                 <a:tc>
                   <a:txBody>
                     <a:bodyPr/>
@@ -10633,12 +10119,12 @@
                         </a:tabLst>
                       </a:pPr>
                       <a:r>
-                        <a:rPr lang="en-US" sz="1600">
+                        <a:rPr lang="en-US" sz="1200" dirty="0">
                           <a:effectLst/>
                         </a:rPr>
                         <a:t>Item to Test</a:t>
                       </a:r>
-                      <a:endParaRPr lang="en-US" sz="1600">
+                      <a:endParaRPr lang="en-US" sz="1200" dirty="0">
                         <a:effectLst/>
                         <a:latin typeface="Times"/>
                         <a:ea typeface="Times"/>
@@ -10670,12 +10156,12 @@
                         </a:tabLst>
                       </a:pPr>
                       <a:r>
-                        <a:rPr lang="en-US" sz="1600">
+                        <a:rPr lang="en-US" sz="1200">
                           <a:effectLst/>
                         </a:rPr>
                         <a:t>Register</a:t>
                       </a:r>
-                      <a:endParaRPr lang="en-US" sz="1600">
+                      <a:endParaRPr lang="en-US" sz="1200">
                         <a:effectLst/>
                         <a:latin typeface="Times"/>
                         <a:ea typeface="Times"/>
@@ -10686,7 +10172,7 @@
                   <a:tcPr marL="63500" marR="63500" marT="63500" marB="63500"/>
                 </a:tc>
               </a:tr>
-              <a:tr h="444947">
+              <a:tr h="0">
                 <a:tc>
                   <a:txBody>
                     <a:bodyPr/>
@@ -10709,12 +10195,12 @@
                         </a:tabLst>
                       </a:pPr>
                       <a:r>
-                        <a:rPr lang="en-US" sz="1600">
+                        <a:rPr lang="en-US" sz="1200">
                           <a:effectLst/>
                         </a:rPr>
                         <a:t>Pre-Conditions</a:t>
                       </a:r>
-                      <a:endParaRPr lang="en-US" sz="1600">
+                      <a:endParaRPr lang="en-US" sz="1200">
                         <a:effectLst/>
                         <a:latin typeface="Times"/>
                         <a:ea typeface="Times"/>
@@ -10738,12 +10224,12 @@
                         </a:tabLst>
                       </a:pPr>
                       <a:r>
-                        <a:rPr lang="en-US" sz="1600">
-                          <a:effectLst/>
-                        </a:rPr>
-                        <a:t>None</a:t>
-                      </a:r>
-                      <a:endParaRPr lang="en-US" sz="1600">
+                        <a:rPr lang="en-US" sz="1200" dirty="0">
+                          <a:effectLst/>
+                        </a:rPr>
+                        <a:t>Computech career site opened by entering www.computech.com/careers in address bar of browser.</a:t>
+                      </a:r>
+                      <a:endParaRPr lang="en-US" sz="1200" dirty="0">
                         <a:effectLst/>
                         <a:latin typeface="Calibri"/>
                       </a:endParaRPr>
@@ -10752,7 +10238,7 @@
                   <a:tcPr marL="63500" marR="63500" marT="63500" marB="63500"/>
                 </a:tc>
               </a:tr>
-              <a:tr h="2386898">
+              <a:tr h="0">
                 <a:tc>
                   <a:txBody>
                     <a:bodyPr/>
@@ -10775,12 +10261,12 @@
                         </a:tabLst>
                       </a:pPr>
                       <a:r>
-                        <a:rPr lang="en-US" sz="1600">
+                        <a:rPr lang="en-US" sz="1200">
                           <a:effectLst/>
                         </a:rPr>
                         <a:t>Test Steps</a:t>
                       </a:r>
-                      <a:endParaRPr lang="en-US" sz="1600">
+                      <a:endParaRPr lang="en-US" sz="1200">
                         <a:effectLst/>
                         <a:latin typeface="Times"/>
                         <a:ea typeface="Times"/>
@@ -10814,7 +10300,7 @@
                         </a:tabLst>
                       </a:pPr>
                       <a:r>
-                        <a:rPr lang="en-US" sz="1600" dirty="0">
+                        <a:rPr lang="en-US" sz="1200" dirty="0">
                           <a:effectLst/>
                         </a:rPr>
                         <a:t>Click on Users button on header.</a:t>
@@ -10840,7 +10326,7 @@
                         </a:tabLst>
                       </a:pPr>
                       <a:r>
-                        <a:rPr lang="en-US" sz="1600" dirty="0">
+                        <a:rPr lang="en-US" sz="1200" dirty="0">
                           <a:effectLst/>
                         </a:rPr>
                         <a:t>Click on Register link button.</a:t>
@@ -10866,7 +10352,7 @@
                         </a:tabLst>
                       </a:pPr>
                       <a:r>
-                        <a:rPr lang="en-US" sz="1600" dirty="0">
+                        <a:rPr lang="en-US" sz="1200" dirty="0">
                           <a:effectLst/>
                         </a:rPr>
                         <a:t>Fill in First name  - John, </a:t>
@@ -10890,7 +10376,7 @@
                         </a:tabLst>
                       </a:pPr>
                       <a:r>
-                        <a:rPr lang="en-US" sz="1600" dirty="0">
+                        <a:rPr lang="en-US" sz="1200" dirty="0">
                           <a:effectLst/>
                         </a:rPr>
                         <a:t>Last name - Doe, </a:t>
@@ -10914,7 +10400,7 @@
                         </a:tabLst>
                       </a:pPr>
                       <a:r>
-                        <a:rPr lang="en-US" sz="1600" dirty="0">
+                        <a:rPr lang="en-US" sz="1200" dirty="0">
                           <a:effectLst/>
                         </a:rPr>
                         <a:t>Email ID – john.doe@email.com, </a:t>
@@ -10938,7 +10424,7 @@
                         </a:tabLst>
                       </a:pPr>
                       <a:r>
-                        <a:rPr lang="en-US" sz="1600" dirty="0">
+                        <a:rPr lang="en-US" sz="1200" dirty="0">
                           <a:effectLst/>
                         </a:rPr>
                         <a:t>Password - 123456, </a:t>
@@ -10962,14 +10448,14 @@
                         </a:tabLst>
                       </a:pPr>
                       <a:r>
-                        <a:rPr lang="en-US" sz="1600" dirty="0">
+                        <a:rPr lang="en-US" sz="1200" dirty="0">
                           <a:effectLst/>
                         </a:rPr>
                         <a:t>Confirm Password - 123456.</a:t>
                       </a:r>
                     </a:p>
                     <a:p>
-                      <a:pPr marL="339725" marR="0" lvl="0" indent="-339725">
+                      <a:pPr marL="342900" marR="0" lvl="0" indent="-342900">
                         <a:lnSpc>
                           <a:spcPct val="115000"/>
                         </a:lnSpc>
@@ -10980,7 +10466,7 @@
                           <a:spcPts val="0"/>
                         </a:spcAft>
                         <a:buFont typeface="+mj-lt"/>
-                        <a:buNone/>
+                        <a:buAutoNum type="arabicPeriod"/>
                         <a:tabLst>
                           <a:tab pos="114300" algn="l"/>
                           <a:tab pos="228600" algn="l"/>
@@ -10988,18 +10474,12 @@
                         </a:tabLst>
                       </a:pPr>
                       <a:r>
-                        <a:rPr lang="en-US" sz="1600" dirty="0" smtClean="0">
-                          <a:effectLst/>
-                        </a:rPr>
-                        <a:t>4.       Click </a:t>
-                      </a:r>
-                      <a:r>
-                        <a:rPr lang="en-US" sz="1600" dirty="0">
-                          <a:effectLst/>
-                        </a:rPr>
-                        <a:t>on Register.</a:t>
-                      </a:r>
-                      <a:endParaRPr lang="en-US" sz="1600" dirty="0">
+                        <a:rPr lang="en-US" sz="1200" dirty="0">
+                          <a:effectLst/>
+                        </a:rPr>
+                        <a:t>Click on Register.</a:t>
+                      </a:r>
+                      <a:endParaRPr lang="en-US" sz="1200" dirty="0">
                         <a:effectLst/>
                         <a:latin typeface="Times"/>
                         <a:ea typeface="Times"/>
@@ -11010,7 +10490,7 @@
                   <a:tcPr marL="63500" marR="63500" marT="63500" marB="63500"/>
                 </a:tc>
               </a:tr>
-              <a:tr h="722368">
+              <a:tr h="0">
                 <a:tc>
                   <a:txBody>
                     <a:bodyPr/>
@@ -11033,12 +10513,12 @@
                         </a:tabLst>
                       </a:pPr>
                       <a:r>
-                        <a:rPr lang="en-US" sz="1600">
+                        <a:rPr lang="en-US" sz="1200">
                           <a:effectLst/>
                         </a:rPr>
                         <a:t>Expected Results</a:t>
                       </a:r>
-                      <a:endParaRPr lang="en-US" sz="1600">
+                      <a:endParaRPr lang="en-US" sz="1200">
                         <a:effectLst/>
                         <a:latin typeface="Times"/>
                         <a:ea typeface="Times"/>
@@ -11070,12 +10550,12 @@
                         </a:tabLst>
                       </a:pPr>
                       <a:r>
-                        <a:rPr lang="en-US" sz="1600">
-                          <a:effectLst/>
-                        </a:rPr>
-                        <a:t>System displays confirmation page with a message about verification email sent to user provided email address.</a:t>
-                      </a:r>
-                      <a:endParaRPr lang="en-US" sz="1600">
+                        <a:rPr lang="en-US" sz="1200">
+                          <a:effectLst/>
+                        </a:rPr>
+                        <a:t>Web application displays confirmation page with a message about verification email sent to user provided email address.</a:t>
+                      </a:r>
+                      <a:endParaRPr lang="en-US" sz="1200">
                         <a:effectLst/>
                         <a:latin typeface="Times"/>
                         <a:ea typeface="Times"/>
@@ -11086,7 +10566,7 @@
                   <a:tcPr marL="63500" marR="63500" marT="63500" marB="63500"/>
                 </a:tc>
               </a:tr>
-              <a:tr h="444947">
+              <a:tr h="0">
                 <a:tc>
                   <a:txBody>
                     <a:bodyPr/>
@@ -11109,12 +10589,12 @@
                         </a:tabLst>
                       </a:pPr>
                       <a:r>
-                        <a:rPr lang="en-US" sz="1600">
+                        <a:rPr lang="en-US" sz="1200">
                           <a:effectLst/>
                         </a:rPr>
                         <a:t>Priority</a:t>
                       </a:r>
-                      <a:endParaRPr lang="en-US" sz="1600">
+                      <a:endParaRPr lang="en-US" sz="1200">
                         <a:effectLst/>
                         <a:latin typeface="Times"/>
                         <a:ea typeface="Times"/>
@@ -11146,12 +10626,12 @@
                         </a:tabLst>
                       </a:pPr>
                       <a:r>
-                        <a:rPr lang="en-US" sz="1600">
+                        <a:rPr lang="en-US" sz="1200">
                           <a:effectLst/>
                         </a:rPr>
                         <a:t>High</a:t>
                       </a:r>
-                      <a:endParaRPr lang="en-US" sz="1600">
+                      <a:endParaRPr lang="en-US" sz="1200">
                         <a:effectLst/>
                         <a:latin typeface="Times"/>
                         <a:ea typeface="Times"/>
@@ -11162,7 +10642,7 @@
                   <a:tcPr marL="63500" marR="63500" marT="63500" marB="63500"/>
                 </a:tc>
               </a:tr>
-              <a:tr h="444947">
+              <a:tr h="0">
                 <a:tc>
                   <a:txBody>
                     <a:bodyPr/>
@@ -11185,12 +10665,12 @@
                         </a:tabLst>
                       </a:pPr>
                       <a:r>
-                        <a:rPr lang="en-US" sz="1600">
+                        <a:rPr lang="en-US" sz="1200" dirty="0">
                           <a:effectLst/>
                         </a:rPr>
                         <a:t>Pass/Fail</a:t>
                       </a:r>
-                      <a:endParaRPr lang="en-US" sz="1600">
+                      <a:endParaRPr lang="en-US" sz="1200" dirty="0">
                         <a:effectLst/>
                         <a:latin typeface="Times"/>
                         <a:ea typeface="Times"/>
@@ -11222,12 +10702,12 @@
                         </a:tabLst>
                       </a:pPr>
                       <a:r>
-                        <a:rPr lang="en-US" sz="1600" dirty="0">
-                          <a:effectLst/>
-                        </a:rPr>
-                        <a:t> Pass if system redirects user to Register page.</a:t>
-                      </a:r>
-                      <a:endParaRPr lang="en-US" sz="1600" dirty="0">
+                        <a:rPr lang="en-US" sz="1200" dirty="0">
+                          <a:effectLst/>
+                        </a:rPr>
+                        <a:t>Pass if web application redirects user to Register page.</a:t>
+                      </a:r>
+                      <a:endParaRPr lang="en-US" sz="1200" dirty="0">
                         <a:effectLst/>
                         <a:latin typeface="Times"/>
                         <a:ea typeface="Times"/>
@@ -11255,7 +10735,7 @@
   <p:timing>
     <p:tnLst>
       <p:par>
-        <p:cTn xmlns:p14="http://schemas.microsoft.com/office/powerpoint/2010/main" id="1" dur="indefinite" restart="never" nodeType="tmRoot"/>
+        <p:cTn id="1" dur="indefinite" restart="never" nodeType="tmRoot"/>
       </p:par>
     </p:tnLst>
   </p:timing>
@@ -11480,7 +10960,7 @@
   <p:timing>
     <p:tnLst>
       <p:par>
-        <p:cTn xmlns:p14="http://schemas.microsoft.com/office/powerpoint/2010/main" id="1" dur="indefinite" restart="never" nodeType="tmRoot"/>
+        <p:cTn id="1" dur="indefinite" restart="never" nodeType="tmRoot"/>
       </p:par>
     </p:tnLst>
   </p:timing>
@@ -12178,7 +11658,7 @@
   <p:timing>
     <p:tnLst>
       <p:par>
-        <p:cTn xmlns:p14="http://schemas.microsoft.com/office/powerpoint/2010/main" id="1" dur="indefinite" restart="never" nodeType="tmRoot"/>
+        <p:cTn id="1" dur="indefinite" restart="never" nodeType="tmRoot"/>
       </p:par>
     </p:tnLst>
   </p:timing>
@@ -12252,21 +11732,21 @@
       </p:sp>
       <p:graphicFrame>
         <p:nvGraphicFramePr>
-          <p:cNvPr id="4" name="Table 3"/>
+          <p:cNvPr id="5" name="Table 4"/>
           <p:cNvGraphicFramePr>
             <a:graphicFrameLocks noGrp="1"/>
           </p:cNvGraphicFramePr>
           <p:nvPr>
             <p:extLst>
               <p:ext uri="{D42A27DB-BD31-4B8C-83A1-F6EECF244321}">
-                <p14:modId xmlns:p14="http://schemas.microsoft.com/office/powerpoint/2010/main" val="53270586"/>
+                <p14:modId xmlns:p14="http://schemas.microsoft.com/office/powerpoint/2010/main" val="1965344982"/>
               </p:ext>
             </p:extLst>
           </p:nvPr>
         </p:nvGraphicFramePr>
         <p:xfrm>
-          <a:off x="609600" y="2590800"/>
-          <a:ext cx="7543800" cy="3735534"/>
+          <a:off x="762000" y="2590800"/>
+          <a:ext cx="6781800" cy="3570224"/>
         </p:xfrm>
         <a:graphic>
           <a:graphicData uri="http://schemas.openxmlformats.org/drawingml/2006/table">
@@ -12275,11 +11755,11 @@
                 <a:tableStyleId>{5C22544A-7EE6-4342-B048-85BDC9FD1C3A}</a:tableStyleId>
               </a:tblPr>
               <a:tblGrid>
-                <a:gridCol w="2514600"/>
-                <a:gridCol w="2514600"/>
-                <a:gridCol w="2514600"/>
+                <a:gridCol w="2260600"/>
+                <a:gridCol w="2260600"/>
+                <a:gridCol w="2260600"/>
               </a:tblGrid>
-              <a:tr h="479002">
+              <a:tr h="378976">
                 <a:tc>
                   <a:txBody>
                     <a:bodyPr/>
@@ -12302,12 +11782,12 @@
                         </a:tabLst>
                       </a:pPr>
                       <a:r>
-                        <a:rPr lang="en-US" sz="1800">
+                        <a:rPr lang="en-US" sz="1200" dirty="0">
                           <a:effectLst/>
                         </a:rPr>
                         <a:t>Device</a:t>
                       </a:r>
-                      <a:endParaRPr lang="en-US" sz="1800">
+                      <a:endParaRPr lang="en-US" sz="1200" dirty="0">
                         <a:effectLst/>
                         <a:latin typeface="Times"/>
                         <a:ea typeface="Times"/>
@@ -12339,12 +11819,12 @@
                         </a:tabLst>
                       </a:pPr>
                       <a:r>
-                        <a:rPr lang="en-US" sz="1800">
+                        <a:rPr lang="en-US" sz="1200">
                           <a:effectLst/>
                         </a:rPr>
                         <a:t>Operating System</a:t>
                       </a:r>
-                      <a:endParaRPr lang="en-US" sz="1800">
+                      <a:endParaRPr lang="en-US" sz="1200">
                         <a:effectLst/>
                         <a:latin typeface="Times"/>
                         <a:ea typeface="Times"/>
@@ -12376,12 +11856,12 @@
                         </a:tabLst>
                       </a:pPr>
                       <a:r>
-                        <a:rPr lang="en-US" sz="1800">
+                        <a:rPr lang="en-US" sz="1200">
                           <a:effectLst/>
                         </a:rPr>
                         <a:t>Browsers</a:t>
                       </a:r>
-                      <a:endParaRPr lang="en-US" sz="1800">
+                      <a:endParaRPr lang="en-US" sz="1200">
                         <a:effectLst/>
                         <a:latin typeface="Times"/>
                         <a:ea typeface="Times"/>
@@ -12392,7 +11872,7 @@
                   <a:tcPr marL="63500" marR="63500" marT="63500" marB="63500"/>
                 </a:tc>
               </a:tr>
-              <a:tr h="1310939">
+              <a:tr h="1713594">
                 <a:tc>
                   <a:txBody>
                     <a:bodyPr/>
@@ -12415,12 +11895,12 @@
                         </a:tabLst>
                       </a:pPr>
                       <a:r>
-                        <a:rPr lang="en-US" sz="1800">
+                        <a:rPr lang="en-US" sz="1200">
                           <a:effectLst/>
                         </a:rPr>
                         <a:t>Laptop / Desktop</a:t>
                       </a:r>
-                      <a:endParaRPr lang="en-US" sz="1800">
+                      <a:endParaRPr lang="en-US" sz="1200">
                         <a:effectLst/>
                         <a:latin typeface="Times"/>
                         <a:ea typeface="Times"/>
@@ -12446,7 +11926,7 @@
                         </a:tabLst>
                       </a:pPr>
                       <a:r>
-                        <a:rPr lang="en-US" sz="1800" u="none" strike="noStrike">
+                        <a:rPr lang="en-US" sz="1100" u="none" strike="noStrike">
                           <a:effectLst/>
                         </a:rPr>
                         <a:t>Windows (any)</a:t>
@@ -12464,12 +11944,12 @@
                         </a:tabLst>
                       </a:pPr>
                       <a:r>
-                        <a:rPr lang="en-US" sz="1800" u="none" strike="noStrike">
+                        <a:rPr lang="en-US" sz="1100" u="none" strike="noStrike">
                           <a:effectLst/>
                         </a:rPr>
                         <a:t>OS X</a:t>
                       </a:r>
-                      <a:endParaRPr lang="en-US" sz="1800" u="none" strike="noStrike">
+                      <a:endParaRPr lang="en-US" sz="1100" u="none" strike="noStrike">
                         <a:effectLst/>
                         <a:latin typeface="Calibri"/>
                       </a:endParaRPr>
@@ -12493,10 +11973,10 @@
                         </a:tabLst>
                       </a:pPr>
                       <a:r>
-                        <a:rPr lang="en-US" sz="1800" u="none" strike="noStrike">
-                          <a:effectLst/>
-                        </a:rPr>
-                        <a:t>Google Chrome</a:t>
+                        <a:rPr lang="en-US" sz="1100" u="none" strike="noStrike" dirty="0">
+                          <a:effectLst/>
+                        </a:rPr>
+                        <a:t>Google Chrome (v. 40 and above)</a:t>
                       </a:r>
                     </a:p>
                     <a:p>
@@ -12511,10 +11991,10 @@
                         </a:tabLst>
                       </a:pPr>
                       <a:r>
-                        <a:rPr lang="en-US" sz="1800" u="none" strike="noStrike">
-                          <a:effectLst/>
-                        </a:rPr>
-                        <a:t>Mozilla Firefox</a:t>
+                        <a:rPr lang="en-US" sz="1100" u="none" strike="noStrike" dirty="0">
+                          <a:effectLst/>
+                        </a:rPr>
+                        <a:t>Mozilla Firefox  (v. 30 and above)</a:t>
                       </a:r>
                     </a:p>
                     <a:p>
@@ -12529,10 +12009,22 @@
                         </a:tabLst>
                       </a:pPr>
                       <a:r>
-                        <a:rPr lang="en-US" sz="1800" u="none" strike="noStrike">
-                          <a:effectLst/>
-                        </a:rPr>
-                        <a:t>Safari</a:t>
+                        <a:rPr lang="en-US" sz="1100" u="none" strike="noStrike" dirty="0">
+                          <a:effectLst/>
+                        </a:rPr>
+                        <a:t>Safari </a:t>
+                      </a:r>
+                      <a:r>
+                        <a:rPr lang="en-US" sz="1100" u="none" strike="noStrike" dirty="0" smtClean="0">
+                          <a:effectLst/>
+                        </a:rPr>
+                        <a:t>(v. </a:t>
+                      </a:r>
+                      <a:r>
+                        <a:rPr lang="en-US" sz="1100" u="none" strike="noStrike" dirty="0">
+                          <a:effectLst/>
+                        </a:rPr>
+                        <a:t>6.2.3 and above) </a:t>
                       </a:r>
                     </a:p>
                     <a:p>
@@ -12547,12 +12039,12 @@
                         </a:tabLst>
                       </a:pPr>
                       <a:r>
-                        <a:rPr lang="en-US" sz="1800" u="none" strike="noStrike">
-                          <a:effectLst/>
-                        </a:rPr>
-                        <a:t>Internet Explorer &gt; 9</a:t>
-                      </a:r>
-                      <a:endParaRPr lang="en-US" sz="1800" u="none" strike="noStrike">
+                        <a:rPr lang="en-US" sz="1100" u="none" strike="noStrike" dirty="0">
+                          <a:effectLst/>
+                        </a:rPr>
+                        <a:t>Internet Explorer (9 and above)</a:t>
+                      </a:r>
+                      <a:endParaRPr lang="en-US" sz="1100" u="none" strike="noStrike" dirty="0">
                         <a:effectLst/>
                         <a:latin typeface="Calibri"/>
                       </a:endParaRPr>
@@ -12561,7 +12053,7 @@
                   <a:tcPr marL="63500" marR="63500" marT="63500" marB="63500" anchor="ctr"/>
                 </a:tc>
               </a:tr>
-              <a:tr h="766889">
+              <a:tr h="606746">
                 <a:tc>
                   <a:txBody>
                     <a:bodyPr/>
@@ -12584,7 +12076,7 @@
                         </a:tabLst>
                       </a:pPr>
                       <a:r>
-                        <a:rPr lang="en-US" sz="1800">
+                        <a:rPr lang="en-US" sz="1200">
                           <a:effectLst/>
                         </a:rPr>
                         <a:t>Tablets</a:t>
@@ -12602,12 +12094,12 @@
                         </a:tabLst>
                       </a:pPr>
                       <a:r>
-                        <a:rPr lang="en-US" sz="1800" u="none" strike="noStrike">
+                        <a:rPr lang="en-US" sz="1100" u="none" strike="noStrike">
                           <a:effectLst/>
                         </a:rPr>
                         <a:t>iPad Air</a:t>
                       </a:r>
-                      <a:endParaRPr lang="en-US" sz="1800" u="none" strike="noStrike">
+                      <a:endParaRPr lang="en-US" sz="1100" u="none" strike="noStrike">
                         <a:effectLst/>
                         <a:latin typeface="Calibri"/>
                       </a:endParaRPr>
@@ -12631,12 +12123,12 @@
                         </a:tabLst>
                       </a:pPr>
                       <a:r>
-                        <a:rPr lang="en-US" sz="1800" u="none" strike="noStrike">
+                        <a:rPr lang="en-US" sz="1100" u="none" strike="noStrike">
                           <a:effectLst/>
                         </a:rPr>
                         <a:t>iOS 8.1.3</a:t>
                       </a:r>
-                      <a:endParaRPr lang="en-US" sz="1800" u="none" strike="noStrike">
+                      <a:endParaRPr lang="en-US" sz="1100" u="none" strike="noStrike">
                         <a:effectLst/>
                         <a:latin typeface="Calibri"/>
                       </a:endParaRPr>
@@ -12660,12 +12152,12 @@
                         </a:tabLst>
                       </a:pPr>
                       <a:r>
-                        <a:rPr lang="en-US" sz="1800" u="none" strike="noStrike">
+                        <a:rPr lang="en-US" sz="1100" u="none" strike="noStrike">
                           <a:effectLst/>
                         </a:rPr>
                         <a:t>Safari</a:t>
                       </a:r>
-                      <a:endParaRPr lang="en-US" sz="1800" u="none" strike="noStrike">
+                      <a:endParaRPr lang="en-US" sz="1100" u="none" strike="noStrike">
                         <a:effectLst/>
                         <a:latin typeface="Calibri"/>
                       </a:endParaRPr>
@@ -12674,7 +12166,7 @@
                   <a:tcPr marL="63500" marR="63500" marT="63500" marB="63500" anchor="ctr"/>
                 </a:tc>
               </a:tr>
-              <a:tr h="1100771">
+              <a:tr h="870908">
                 <a:tc>
                   <a:txBody>
                     <a:bodyPr/>
@@ -12697,7 +12189,7 @@
                         </a:tabLst>
                       </a:pPr>
                       <a:r>
-                        <a:rPr lang="en-US" sz="1800">
+                        <a:rPr lang="en-US" sz="1200">
                           <a:effectLst/>
                         </a:rPr>
                         <a:t>Phone</a:t>
@@ -12723,7 +12215,7 @@
                         </a:tabLst>
                       </a:pPr>
                       <a:r>
-                        <a:rPr lang="en-US" sz="1800">
+                        <a:rPr lang="en-US" sz="1200">
                           <a:effectLst/>
                         </a:rPr>
                         <a:t>iPhone 6 </a:t>
@@ -12749,12 +12241,12 @@
                         </a:tabLst>
                       </a:pPr>
                       <a:r>
-                        <a:rPr lang="en-US" sz="1800">
+                        <a:rPr lang="en-US" sz="1200">
                           <a:effectLst/>
                         </a:rPr>
                         <a:t>Samsung Galaxy S5</a:t>
                       </a:r>
-                      <a:endParaRPr lang="en-US" sz="1800">
+                      <a:endParaRPr lang="en-US" sz="1200">
                         <a:effectLst/>
                         <a:latin typeface="Times"/>
                         <a:ea typeface="Times"/>
@@ -12780,7 +12272,7 @@
                         </a:tabLst>
                       </a:pPr>
                       <a:r>
-                        <a:rPr lang="en-US" sz="1800" u="none" strike="noStrike">
+                        <a:rPr lang="en-US" sz="1100" u="none" strike="noStrike">
                           <a:effectLst/>
                         </a:rPr>
                         <a:t>iOS 8.1.3</a:t>
@@ -12798,12 +12290,12 @@
                         </a:tabLst>
                       </a:pPr>
                       <a:r>
-                        <a:rPr lang="en-US" sz="1800" u="none" strike="noStrike">
+                        <a:rPr lang="en-US" sz="1100" u="none" strike="noStrike">
                           <a:effectLst/>
                         </a:rPr>
                         <a:t>Android v5.0 (Lollipop)</a:t>
                       </a:r>
-                      <a:endParaRPr lang="en-US" sz="1800" u="none" strike="noStrike">
+                      <a:endParaRPr lang="en-US" sz="1100" u="none" strike="noStrike">
                         <a:effectLst/>
                         <a:latin typeface="Calibri"/>
                       </a:endParaRPr>
@@ -12827,7 +12319,7 @@
                         </a:tabLst>
                       </a:pPr>
                       <a:r>
-                        <a:rPr lang="en-US" sz="1800" u="none" strike="noStrike">
+                        <a:rPr lang="en-US" sz="1100" u="none" strike="noStrike" dirty="0">
                           <a:effectLst/>
                         </a:rPr>
                         <a:t>Safari</a:t>
@@ -12845,12 +12337,12 @@
                         </a:tabLst>
                       </a:pPr>
                       <a:r>
-                        <a:rPr lang="en-US" sz="1800" u="none" strike="noStrike">
+                        <a:rPr lang="en-US" sz="1100" u="none" strike="noStrike" dirty="0">
                           <a:effectLst/>
                         </a:rPr>
                         <a:t>Google Chrome</a:t>
                       </a:r>
-                      <a:endParaRPr lang="en-US" sz="1800" u="none" strike="noStrike">
+                      <a:endParaRPr lang="en-US" sz="1100" u="none" strike="noStrike" dirty="0">
                         <a:effectLst/>
                         <a:latin typeface="Calibri"/>
                       </a:endParaRPr>
@@ -12876,7 +12368,7 @@
   <p:timing>
     <p:tnLst>
       <p:par>
-        <p:cTn xmlns:p14="http://schemas.microsoft.com/office/powerpoint/2010/main" id="1" dur="indefinite" restart="never" nodeType="tmRoot"/>
+        <p:cTn id="1" dur="indefinite" restart="never" nodeType="tmRoot"/>
       </p:par>
     </p:tnLst>
   </p:timing>
@@ -13037,7 +12529,7 @@
   <p:timing>
     <p:tnLst>
       <p:par>
-        <p:cTn xmlns:p14="http://schemas.microsoft.com/office/powerpoint/2010/main" id="1" dur="indefinite" restart="never" nodeType="tmRoot"/>
+        <p:cTn id="1" dur="indefinite" restart="never" nodeType="tmRoot"/>
       </p:par>
     </p:tnLst>
   </p:timing>
